--- a/PresentationSlides/Presentation.pptx
+++ b/PresentationSlides/Presentation.pptx
@@ -3119,7 +3119,19 @@
           <a:bodyPr/>
           <a:lstStyle/>
           <a:p>
-            <a:endParaRPr lang="en-US"/>
+            <a:r>
+              <a:rPr lang="en-US" dirty="0" smtClean="0"/>
+              <a:t>Doing stuff with </a:t>
+            </a:r>
+            <a:r>
+              <a:rPr lang="en-US" dirty="0" err="1" smtClean="0"/>
+              <a:t>cassandra</a:t>
+            </a:r>
+            <a:r>
+              <a:rPr lang="en-US" dirty="0" smtClean="0"/>
+              <a:t> and what not</a:t>
+            </a:r>
+            <a:endParaRPr lang="en-US" dirty="0"/>
           </a:p>
         </p:txBody>
       </p:sp>
@@ -3138,7 +3150,27 @@
           <a:bodyPr/>
           <a:lstStyle/>
           <a:p>
-            <a:endParaRPr lang="en-US"/>
+            <a:r>
+              <a:rPr lang="en-US" dirty="0" smtClean="0"/>
+              <a:t>David Dietrich</a:t>
+            </a:r>
+          </a:p>
+          <a:p>
+            <a:r>
+              <a:rPr lang="en-US" dirty="0" err="1" smtClean="0"/>
+              <a:t>Yiyao</a:t>
+            </a:r>
+            <a:r>
+              <a:rPr lang="en-US" dirty="0" smtClean="0"/>
+              <a:t> Liu</a:t>
+            </a:r>
+          </a:p>
+          <a:p>
+            <a:r>
+              <a:rPr lang="en-US" dirty="0" smtClean="0"/>
+              <a:t>Ben Yu</a:t>
+            </a:r>
+            <a:endParaRPr lang="en-US" dirty="0"/>
           </a:p>
         </p:txBody>
       </p:sp>
@@ -3233,7 +3265,35 @@
           <a:bodyPr/>
           <a:lstStyle/>
           <a:p>
-            <a:endParaRPr lang="en-US"/>
+            <a:r>
+              <a:rPr lang="en-US" dirty="0" smtClean="0"/>
+              <a:t>Problem and Motivation</a:t>
+            </a:r>
+          </a:p>
+          <a:p>
+            <a:r>
+              <a:rPr lang="en-US" dirty="0" smtClean="0"/>
+              <a:t>Monitoring a server’s resources</a:t>
+            </a:r>
+          </a:p>
+          <a:p>
+            <a:r>
+              <a:rPr lang="en-US" dirty="0" smtClean="0"/>
+              <a:t>Scheduling Reads</a:t>
+            </a:r>
+          </a:p>
+          <a:p>
+            <a:r>
+              <a:rPr lang="en-US" dirty="0" smtClean="0"/>
+              <a:t>Future Work</a:t>
+            </a:r>
+          </a:p>
+          <a:p>
+            <a:r>
+              <a:rPr lang="en-US" dirty="0" smtClean="0"/>
+              <a:t>Conclusion</a:t>
+            </a:r>
+            <a:endParaRPr lang="en-US" dirty="0"/>
           </a:p>
         </p:txBody>
       </p:sp>
@@ -3440,10 +3500,10 @@
               <a:t>cassandra</a:t>
             </a:r>
             <a:r>
-              <a:rPr lang="en-US" smtClean="0"/>
+              <a:rPr lang="en-US" dirty="0" smtClean="0"/>
               <a:t> scheduler</a:t>
             </a:r>
-            <a:endParaRPr lang="en-US"/>
+            <a:endParaRPr lang="en-US" dirty="0"/>
           </a:p>
         </p:txBody>
       </p:sp>

--- a/PresentationSlides/Presentation.pptx
+++ b/PresentationSlides/Presentation.pptx
@@ -8,8 +8,15 @@
     <p:sldId id="256" r:id="rId2"/>
     <p:sldId id="257" r:id="rId3"/>
     <p:sldId id="258" r:id="rId4"/>
-    <p:sldId id="259" r:id="rId5"/>
-    <p:sldId id="260" r:id="rId6"/>
+    <p:sldId id="266" r:id="rId5"/>
+    <p:sldId id="259" r:id="rId6"/>
+    <p:sldId id="267" r:id="rId7"/>
+    <p:sldId id="260" r:id="rId8"/>
+    <p:sldId id="261" r:id="rId9"/>
+    <p:sldId id="262" r:id="rId10"/>
+    <p:sldId id="263" r:id="rId11"/>
+    <p:sldId id="264" r:id="rId12"/>
+    <p:sldId id="265" r:id="rId13"/>
   </p:sldIdLst>
   <p:sldSz cx="9144000" cy="6858000" type="screen4x3"/>
   <p:notesSz cx="6858000" cy="9144000"/>
@@ -292,7 +299,7 @@
           <a:p>
             <a:fld id="{578C8EFD-E150-CA4D-905C-A94D1A78A82A}" type="datetime1">
               <a:rPr lang="en-CA" smtClean="0"/>
-              <a:t>12-11-19</a:t>
+              <a:t>28/11/2012</a:t>
             </a:fld>
             <a:endParaRPr lang="en-US"/>
           </a:p>
@@ -462,7 +469,7 @@
           <a:p>
             <a:fld id="{15D8ADF8-3441-5F45-A19B-D033F59CF17D}" type="datetime1">
               <a:rPr lang="en-CA" smtClean="0"/>
-              <a:t>12-11-19</a:t>
+              <a:t>28/11/2012</a:t>
             </a:fld>
             <a:endParaRPr lang="en-US"/>
           </a:p>
@@ -642,7 +649,7 @@
           <a:p>
             <a:fld id="{0AED5A46-46F0-524C-B118-2413C4B118F2}" type="datetime1">
               <a:rPr lang="en-CA" smtClean="0"/>
-              <a:t>12-11-19</a:t>
+              <a:t>28/11/2012</a:t>
             </a:fld>
             <a:endParaRPr lang="en-US"/>
           </a:p>
@@ -812,7 +819,7 @@
           <a:p>
             <a:fld id="{2FFAA75D-0121-8445-A2D5-37B4791018BB}" type="datetime1">
               <a:rPr lang="en-CA" smtClean="0"/>
-              <a:t>12-11-19</a:t>
+              <a:t>28/11/2012</a:t>
             </a:fld>
             <a:endParaRPr lang="en-US"/>
           </a:p>
@@ -1058,7 +1065,7 @@
           <a:p>
             <a:fld id="{53F7EAB1-141B-FB47-8AAB-E68313ADDAE7}" type="datetime1">
               <a:rPr lang="en-CA" smtClean="0"/>
-              <a:t>12-11-19</a:t>
+              <a:t>28/11/2012</a:t>
             </a:fld>
             <a:endParaRPr lang="en-US"/>
           </a:p>
@@ -1346,7 +1353,7 @@
           <a:p>
             <a:fld id="{7B50838B-1487-4842-81F1-BDF2A6D1F1B3}" type="datetime1">
               <a:rPr lang="en-CA" smtClean="0"/>
-              <a:t>12-11-19</a:t>
+              <a:t>28/11/2012</a:t>
             </a:fld>
             <a:endParaRPr lang="en-US"/>
           </a:p>
@@ -1768,7 +1775,7 @@
           <a:p>
             <a:fld id="{8597D41A-A37E-B94A-ABBE-66D061CC16A8}" type="datetime1">
               <a:rPr lang="en-CA" smtClean="0"/>
-              <a:t>12-11-19</a:t>
+              <a:t>28/11/2012</a:t>
             </a:fld>
             <a:endParaRPr lang="en-US"/>
           </a:p>
@@ -1886,7 +1893,7 @@
           <a:p>
             <a:fld id="{3E462AFF-A87A-3449-BF73-2E332730FBBD}" type="datetime1">
               <a:rPr lang="en-CA" smtClean="0"/>
-              <a:t>12-11-19</a:t>
+              <a:t>28/11/2012</a:t>
             </a:fld>
             <a:endParaRPr lang="en-US"/>
           </a:p>
@@ -1981,7 +1988,7 @@
           <a:p>
             <a:fld id="{61F0DCD8-522C-0E46-A196-33CF3C2A12C1}" type="datetime1">
               <a:rPr lang="en-CA" smtClean="0"/>
-              <a:t>12-11-19</a:t>
+              <a:t>28/11/2012</a:t>
             </a:fld>
             <a:endParaRPr lang="en-US"/>
           </a:p>
@@ -2258,7 +2265,7 @@
           <a:p>
             <a:fld id="{05556C25-90F2-064D-BF7A-B83AB86F67C5}" type="datetime1">
               <a:rPr lang="en-CA" smtClean="0"/>
-              <a:t>12-11-19</a:t>
+              <a:t>28/11/2012</a:t>
             </a:fld>
             <a:endParaRPr lang="en-US"/>
           </a:p>
@@ -2515,7 +2522,7 @@
           <a:p>
             <a:fld id="{D36A68E7-021F-D94A-BB37-798C61C4259E}" type="datetime1">
               <a:rPr lang="en-CA" smtClean="0"/>
-              <a:t>12-11-19</a:t>
+              <a:t>28/11/2012</a:t>
             </a:fld>
             <a:endParaRPr lang="en-US"/>
           </a:p>
@@ -2728,7 +2735,7 @@
           <a:p>
             <a:fld id="{740C5816-A486-5D43-AC42-C657B961AA99}" type="datetime1">
               <a:rPr lang="en-CA" smtClean="0"/>
-              <a:t>12-11-19</a:t>
+              <a:t>28/11/2012</a:t>
             </a:fld>
             <a:endParaRPr lang="en-US"/>
           </a:p>
@@ -3147,13 +3154,30 @@
         </p:nvSpPr>
         <p:spPr/>
         <p:txBody>
-          <a:bodyPr/>
+          <a:bodyPr>
+            <a:normAutofit/>
+          </a:bodyPr>
           <a:lstStyle/>
           <a:p>
             <a:r>
               <a:rPr lang="en-US" dirty="0" smtClean="0"/>
-              <a:t>David Dietrich</a:t>
-            </a:r>
+              <a:t>David </a:t>
+            </a:r>
+            <a:r>
+              <a:rPr lang="en-US" dirty="0" smtClean="0"/>
+              <a:t>Dietrich</a:t>
+            </a:r>
+          </a:p>
+          <a:p>
+            <a:r>
+              <a:rPr lang="en-US" altLang="zh-TW" dirty="0"/>
+              <a:t>Tzu-Yang (Ben) </a:t>
+            </a:r>
+            <a:r>
+              <a:rPr lang="en-US" altLang="zh-TW" dirty="0" smtClean="0"/>
+              <a:t>Yu</a:t>
+            </a:r>
+            <a:endParaRPr lang="en-US" dirty="0" smtClean="0"/>
           </a:p>
           <a:p>
             <a:r>
@@ -3164,13 +3188,7 @@
               <a:rPr lang="en-US" dirty="0" smtClean="0"/>
               <a:t> Liu</a:t>
             </a:r>
-          </a:p>
-          <a:p>
-            <a:r>
-              <a:rPr lang="en-US" dirty="0" smtClean="0"/>
-              <a:t>Ben Yu</a:t>
-            </a:r>
-            <a:endParaRPr lang="en-US" dirty="0"/>
+            <a:endParaRPr lang="en-US" dirty="0" smtClean="0"/>
           </a:p>
         </p:txBody>
       </p:sp>
@@ -3201,6 +3219,339 @@
     <p:extLst>
       <p:ext uri="{BB962C8B-B14F-4D97-AF65-F5344CB8AC3E}">
         <p14:creationId xmlns:p14="http://schemas.microsoft.com/office/powerpoint/2010/main" val="1257945623"/>
+      </p:ext>
+    </p:extLst>
+  </p:cSld>
+  <p:clrMapOvr>
+    <a:masterClrMapping/>
+  </p:clrMapOvr>
+</p:sld>
+</file>
+
+<file path=ppt/slides/slide10.xml><?xml version="1.0" encoding="utf-8"?>
+<p:sld xmlns:a="http://schemas.openxmlformats.org/drawingml/2006/main" xmlns:r="http://schemas.openxmlformats.org/officeDocument/2006/relationships" xmlns:p="http://schemas.openxmlformats.org/presentationml/2006/main">
+  <p:cSld>
+    <p:spTree>
+      <p:nvGrpSpPr>
+        <p:cNvPr id="1" name=""/>
+        <p:cNvGrpSpPr/>
+        <p:nvPr/>
+      </p:nvGrpSpPr>
+      <p:grpSpPr>
+        <a:xfrm>
+          <a:off x="0" y="0"/>
+          <a:ext cx="0" cy="0"/>
+          <a:chOff x="0" y="0"/>
+          <a:chExt cx="0" cy="0"/>
+        </a:xfrm>
+      </p:grpSpPr>
+      <p:sp>
+        <p:nvSpPr>
+          <p:cNvPr id="2" name="Title 1"/>
+          <p:cNvSpPr>
+            <a:spLocks noGrp="1"/>
+          </p:cNvSpPr>
+          <p:nvPr>
+            <p:ph type="title"/>
+          </p:nvPr>
+        </p:nvSpPr>
+        <p:spPr/>
+        <p:txBody>
+          <a:bodyPr/>
+          <a:lstStyle/>
+          <a:p>
+            <a:r>
+              <a:rPr lang="en-US" altLang="zh-TW" dirty="0" smtClean="0"/>
+              <a:t>Why?</a:t>
+            </a:r>
+            <a:endParaRPr lang="zh-TW" altLang="en-US" dirty="0"/>
+          </a:p>
+        </p:txBody>
+      </p:sp>
+      <p:sp>
+        <p:nvSpPr>
+          <p:cNvPr id="3" name="Content Placeholder 2"/>
+          <p:cNvSpPr>
+            <a:spLocks noGrp="1"/>
+          </p:cNvSpPr>
+          <p:nvPr>
+            <p:ph idx="1"/>
+          </p:nvPr>
+        </p:nvSpPr>
+        <p:spPr/>
+        <p:txBody>
+          <a:bodyPr/>
+          <a:lstStyle/>
+          <a:p>
+            <a:r>
+              <a:rPr lang="en-US" altLang="zh-TW" dirty="0" smtClean="0"/>
+              <a:t>Clusters are few</a:t>
+            </a:r>
+          </a:p>
+          <a:p>
+            <a:r>
+              <a:rPr lang="en-US" altLang="zh-TW" dirty="0" smtClean="0"/>
+              <a:t>Do not have complex workload.</a:t>
+            </a:r>
+          </a:p>
+          <a:p>
+            <a:r>
+              <a:rPr lang="en-US" altLang="zh-TW" dirty="0" smtClean="0"/>
+              <a:t>Unable to congest the network manfully.</a:t>
+            </a:r>
+          </a:p>
+          <a:p>
+            <a:r>
+              <a:rPr lang="en-US" altLang="zh-TW" dirty="0" smtClean="0"/>
+              <a:t>Do not have access to the real datacenter</a:t>
+            </a:r>
+            <a:endParaRPr lang="zh-TW" altLang="en-US" dirty="0"/>
+          </a:p>
+        </p:txBody>
+      </p:sp>
+      <p:sp>
+        <p:nvSpPr>
+          <p:cNvPr id="4" name="Slide Number Placeholder 3"/>
+          <p:cNvSpPr>
+            <a:spLocks noGrp="1"/>
+          </p:cNvSpPr>
+          <p:nvPr>
+            <p:ph type="sldNum" sz="quarter" idx="12"/>
+          </p:nvPr>
+        </p:nvSpPr>
+        <p:spPr/>
+        <p:txBody>
+          <a:bodyPr/>
+          <a:lstStyle/>
+          <a:p>
+            <a:fld id="{CFE4BAC9-6D41-4691-9299-18EF07EF0177}" type="slidenum">
+              <a:rPr lang="en-US" smtClean="0"/>
+              <a:t>10</a:t>
+            </a:fld>
+            <a:endParaRPr lang="en-US"/>
+          </a:p>
+        </p:txBody>
+      </p:sp>
+    </p:spTree>
+    <p:extLst>
+      <p:ext uri="{BB962C8B-B14F-4D97-AF65-F5344CB8AC3E}">
+        <p14:creationId xmlns:p14="http://schemas.microsoft.com/office/powerpoint/2010/main" val="870914844"/>
+      </p:ext>
+    </p:extLst>
+  </p:cSld>
+  <p:clrMapOvr>
+    <a:masterClrMapping/>
+  </p:clrMapOvr>
+</p:sld>
+</file>
+
+<file path=ppt/slides/slide11.xml><?xml version="1.0" encoding="utf-8"?>
+<p:sld xmlns:a="http://schemas.openxmlformats.org/drawingml/2006/main" xmlns:r="http://schemas.openxmlformats.org/officeDocument/2006/relationships" xmlns:p="http://schemas.openxmlformats.org/presentationml/2006/main">
+  <p:cSld>
+    <p:spTree>
+      <p:nvGrpSpPr>
+        <p:cNvPr id="1" name=""/>
+        <p:cNvGrpSpPr/>
+        <p:nvPr/>
+      </p:nvGrpSpPr>
+      <p:grpSpPr>
+        <a:xfrm>
+          <a:off x="0" y="0"/>
+          <a:ext cx="0" cy="0"/>
+          <a:chOff x="0" y="0"/>
+          <a:chExt cx="0" cy="0"/>
+        </a:xfrm>
+      </p:grpSpPr>
+      <p:sp>
+        <p:nvSpPr>
+          <p:cNvPr id="2" name="Title 1"/>
+          <p:cNvSpPr>
+            <a:spLocks noGrp="1"/>
+          </p:cNvSpPr>
+          <p:nvPr>
+            <p:ph type="title"/>
+          </p:nvPr>
+        </p:nvSpPr>
+        <p:spPr/>
+        <p:txBody>
+          <a:bodyPr/>
+          <a:lstStyle/>
+          <a:p>
+            <a:r>
+              <a:rPr lang="en-US" altLang="zh-TW" dirty="0" smtClean="0"/>
+              <a:t>Conclusion</a:t>
+            </a:r>
+            <a:endParaRPr lang="zh-TW" altLang="en-US" dirty="0"/>
+          </a:p>
+        </p:txBody>
+      </p:sp>
+      <p:sp>
+        <p:nvSpPr>
+          <p:cNvPr id="3" name="Content Placeholder 2"/>
+          <p:cNvSpPr>
+            <a:spLocks noGrp="1"/>
+          </p:cNvSpPr>
+          <p:nvPr>
+            <p:ph idx="1"/>
+          </p:nvPr>
+        </p:nvSpPr>
+        <p:spPr/>
+        <p:txBody>
+          <a:bodyPr/>
+          <a:lstStyle/>
+          <a:p>
+            <a:r>
+              <a:rPr lang="en-US" altLang="zh-TW" dirty="0" smtClean="0"/>
+              <a:t>Our scheduler has little better performance than the ordinary scheduling algorithm .</a:t>
+            </a:r>
+          </a:p>
+          <a:p>
+            <a:r>
+              <a:rPr lang="en-US" altLang="zh-TW" dirty="0" smtClean="0"/>
+              <a:t>If we can get the bandwidth usage of the server, we believe that our algorithms can outperform the old one</a:t>
+            </a:r>
+            <a:endParaRPr lang="zh-TW" altLang="en-US" dirty="0"/>
+          </a:p>
+        </p:txBody>
+      </p:sp>
+      <p:sp>
+        <p:nvSpPr>
+          <p:cNvPr id="4" name="Slide Number Placeholder 3"/>
+          <p:cNvSpPr>
+            <a:spLocks noGrp="1"/>
+          </p:cNvSpPr>
+          <p:nvPr>
+            <p:ph type="sldNum" sz="quarter" idx="12"/>
+          </p:nvPr>
+        </p:nvSpPr>
+        <p:spPr/>
+        <p:txBody>
+          <a:bodyPr/>
+          <a:lstStyle/>
+          <a:p>
+            <a:fld id="{CFE4BAC9-6D41-4691-9299-18EF07EF0177}" type="slidenum">
+              <a:rPr lang="en-US" smtClean="0"/>
+              <a:t>11</a:t>
+            </a:fld>
+            <a:endParaRPr lang="en-US"/>
+          </a:p>
+        </p:txBody>
+      </p:sp>
+    </p:spTree>
+    <p:extLst>
+      <p:ext uri="{BB962C8B-B14F-4D97-AF65-F5344CB8AC3E}">
+        <p14:creationId xmlns:p14="http://schemas.microsoft.com/office/powerpoint/2010/main" val="3955323304"/>
+      </p:ext>
+    </p:extLst>
+  </p:cSld>
+  <p:clrMapOvr>
+    <a:masterClrMapping/>
+  </p:clrMapOvr>
+</p:sld>
+</file>
+
+<file path=ppt/slides/slide12.xml><?xml version="1.0" encoding="utf-8"?>
+<p:sld xmlns:a="http://schemas.openxmlformats.org/drawingml/2006/main" xmlns:r="http://schemas.openxmlformats.org/officeDocument/2006/relationships" xmlns:p="http://schemas.openxmlformats.org/presentationml/2006/main">
+  <p:cSld>
+    <p:spTree>
+      <p:nvGrpSpPr>
+        <p:cNvPr id="1" name=""/>
+        <p:cNvGrpSpPr/>
+        <p:nvPr/>
+      </p:nvGrpSpPr>
+      <p:grpSpPr>
+        <a:xfrm>
+          <a:off x="0" y="0"/>
+          <a:ext cx="0" cy="0"/>
+          <a:chOff x="0" y="0"/>
+          <a:chExt cx="0" cy="0"/>
+        </a:xfrm>
+      </p:grpSpPr>
+      <p:sp>
+        <p:nvSpPr>
+          <p:cNvPr id="2" name="Title 1"/>
+          <p:cNvSpPr>
+            <a:spLocks noGrp="1"/>
+          </p:cNvSpPr>
+          <p:nvPr>
+            <p:ph type="title"/>
+          </p:nvPr>
+        </p:nvSpPr>
+        <p:spPr/>
+        <p:txBody>
+          <a:bodyPr/>
+          <a:lstStyle/>
+          <a:p>
+            <a:r>
+              <a:rPr lang="en-US" altLang="zh-TW" dirty="0" smtClean="0"/>
+              <a:t>Future Work</a:t>
+            </a:r>
+            <a:endParaRPr lang="zh-TW" altLang="en-US" dirty="0"/>
+          </a:p>
+        </p:txBody>
+      </p:sp>
+      <p:sp>
+        <p:nvSpPr>
+          <p:cNvPr id="3" name="Content Placeholder 2"/>
+          <p:cNvSpPr>
+            <a:spLocks noGrp="1"/>
+          </p:cNvSpPr>
+          <p:nvPr>
+            <p:ph idx="1"/>
+          </p:nvPr>
+        </p:nvSpPr>
+        <p:spPr/>
+        <p:txBody>
+          <a:bodyPr/>
+          <a:lstStyle/>
+          <a:p>
+            <a:r>
+              <a:rPr lang="en-US" altLang="zh-TW" dirty="0" smtClean="0"/>
+              <a:t>Test with more complex real quires</a:t>
+            </a:r>
+          </a:p>
+          <a:p>
+            <a:r>
+              <a:rPr lang="en-US" altLang="zh-TW" dirty="0" smtClean="0"/>
+              <a:t>Test with multiple databases</a:t>
+            </a:r>
+          </a:p>
+          <a:p>
+            <a:r>
+              <a:rPr lang="en-US" altLang="zh-TW" dirty="0" smtClean="0"/>
+              <a:t>Test on the real datacenter</a:t>
+            </a:r>
+            <a:endParaRPr lang="zh-TW" altLang="en-US" dirty="0"/>
+          </a:p>
+        </p:txBody>
+      </p:sp>
+      <p:sp>
+        <p:nvSpPr>
+          <p:cNvPr id="4" name="Slide Number Placeholder 3"/>
+          <p:cNvSpPr>
+            <a:spLocks noGrp="1"/>
+          </p:cNvSpPr>
+          <p:nvPr>
+            <p:ph type="sldNum" sz="quarter" idx="12"/>
+          </p:nvPr>
+        </p:nvSpPr>
+        <p:spPr/>
+        <p:txBody>
+          <a:bodyPr/>
+          <a:lstStyle/>
+          <a:p>
+            <a:fld id="{CFE4BAC9-6D41-4691-9299-18EF07EF0177}" type="slidenum">
+              <a:rPr lang="en-US" smtClean="0"/>
+              <a:t>12</a:t>
+            </a:fld>
+            <a:endParaRPr lang="en-US"/>
+          </a:p>
+        </p:txBody>
+      </p:sp>
+    </p:spTree>
+    <p:extLst>
+      <p:ext uri="{BB962C8B-B14F-4D97-AF65-F5344CB8AC3E}">
+        <p14:creationId xmlns:p14="http://schemas.microsoft.com/office/powerpoint/2010/main" val="2937226099"/>
       </p:ext>
     </p:extLst>
   </p:cSld>
@@ -3388,7 +3739,68 @@
           <a:bodyPr/>
           <a:lstStyle/>
           <a:p>
-            <a:endParaRPr lang="en-US"/>
+            <a:r>
+              <a:rPr lang="en-US" altLang="zh-TW" dirty="0"/>
+              <a:t>C</a:t>
+            </a:r>
+            <a:r>
+              <a:rPr lang="en-US" altLang="zh-TW" dirty="0" smtClean="0"/>
+              <a:t>ompute </a:t>
+            </a:r>
+            <a:r>
+              <a:rPr lang="en-US" altLang="zh-TW" dirty="0"/>
+              <a:t>nodes is often not </a:t>
+            </a:r>
+            <a:r>
+              <a:rPr lang="en-US" altLang="zh-TW" dirty="0" smtClean="0"/>
+              <a:t>consistent</a:t>
+            </a:r>
+          </a:p>
+          <a:p>
+            <a:pPr lvl="1"/>
+            <a:r>
+              <a:rPr lang="en-US" altLang="zh-TW" dirty="0"/>
+              <a:t>E</a:t>
+            </a:r>
+            <a:r>
+              <a:rPr lang="en-US" altLang="zh-TW" dirty="0" smtClean="0"/>
+              <a:t>xtremely </a:t>
+            </a:r>
+            <a:r>
+              <a:rPr lang="en-US" altLang="zh-TW" dirty="0"/>
+              <a:t>heavy </a:t>
+            </a:r>
+            <a:r>
+              <a:rPr lang="en-US" altLang="zh-TW" dirty="0" smtClean="0"/>
+              <a:t>workload</a:t>
+            </a:r>
+          </a:p>
+          <a:p>
+            <a:pPr lvl="1"/>
+            <a:r>
+              <a:rPr lang="en-US" altLang="zh-TW" dirty="0"/>
+              <a:t>P</a:t>
+            </a:r>
+            <a:r>
+              <a:rPr lang="en-US" altLang="zh-TW" dirty="0" smtClean="0"/>
+              <a:t>artial </a:t>
+            </a:r>
+            <a:r>
+              <a:rPr lang="en-US" altLang="zh-TW" dirty="0"/>
+              <a:t>hardware </a:t>
+            </a:r>
+            <a:r>
+              <a:rPr lang="en-US" altLang="zh-TW" dirty="0" smtClean="0"/>
+              <a:t>failure</a:t>
+            </a:r>
+          </a:p>
+          <a:p>
+            <a:pPr lvl="1"/>
+            <a:r>
+              <a:rPr lang="en-US" dirty="0" smtClean="0"/>
+              <a:t>Intercommunicate links are highly congested</a:t>
+            </a:r>
+            <a:endParaRPr lang="en-US" dirty="0"/>
           </a:p>
         </p:txBody>
       </p:sp>
@@ -3461,10 +3873,10 @@
           <a:lstStyle/>
           <a:p>
             <a:r>
-              <a:rPr lang="en-US" dirty="0" smtClean="0"/>
-              <a:t>What we have</a:t>
-            </a:r>
-            <a:endParaRPr lang="en-US" dirty="0"/>
+              <a:rPr lang="en-US" altLang="zh-TW" dirty="0" smtClean="0"/>
+              <a:t>Goal</a:t>
+            </a:r>
+            <a:endParaRPr lang="zh-TW" altLang="en-US" dirty="0"/>
           </a:p>
         </p:txBody>
       </p:sp>
@@ -3484,26 +3896,22 @@
           <a:lstStyle/>
           <a:p>
             <a:r>
-              <a:rPr lang="en-US" dirty="0" smtClean="0"/>
-              <a:t>A couple of graphs showing our scheduler </a:t>
-            </a:r>
-            <a:r>
-              <a:rPr lang="en-US" dirty="0" err="1" smtClean="0"/>
-              <a:t>vs</a:t>
-            </a:r>
-            <a:r>
-              <a:rPr lang="en-US" dirty="0" smtClean="0"/>
-              <a:t> the default </a:t>
-            </a:r>
-            <a:r>
-              <a:rPr lang="en-US" dirty="0" err="1" smtClean="0"/>
-              <a:t>cassandra</a:t>
-            </a:r>
-            <a:r>
-              <a:rPr lang="en-US" dirty="0" smtClean="0"/>
-              <a:t> scheduler</a:t>
-            </a:r>
-            <a:endParaRPr lang="en-US" dirty="0"/>
+              <a:rPr lang="en-US" altLang="zh-TW" dirty="0" smtClean="0"/>
+              <a:t>To explore </a:t>
+            </a:r>
+            <a:r>
+              <a:rPr lang="en-US" altLang="zh-TW" dirty="0"/>
+              <a:t>a more efficient way to schedule jobs on multiple nodes in a </a:t>
+            </a:r>
+            <a:r>
+              <a:rPr lang="en-US" altLang="zh-TW" dirty="0" smtClean="0"/>
+              <a:t>distributed </a:t>
+            </a:r>
+            <a:r>
+              <a:rPr lang="en-US" altLang="zh-TW" dirty="0"/>
+              <a:t>system across heterogeneous machines</a:t>
+            </a:r>
+            <a:endParaRPr lang="zh-TW" altLang="en-US" dirty="0"/>
           </a:p>
         </p:txBody>
       </p:sp>
@@ -3533,7 +3941,7 @@
     </p:spTree>
     <p:extLst>
       <p:ext uri="{BB962C8B-B14F-4D97-AF65-F5344CB8AC3E}">
-        <p14:creationId xmlns:p14="http://schemas.microsoft.com/office/powerpoint/2010/main" val="1059525721"/>
+        <p14:creationId xmlns:p14="http://schemas.microsoft.com/office/powerpoint/2010/main" val="22364479"/>
       </p:ext>
     </p:extLst>
   </p:cSld>
@@ -3576,29 +3984,78 @@
           <a:lstStyle/>
           <a:p>
             <a:r>
+              <a:rPr lang="en-US" altLang="zh-TW" dirty="0" smtClean="0"/>
+              <a:t>Our </a:t>
+            </a:r>
+            <a:r>
+              <a:rPr lang="en-US" altLang="zh-TW" dirty="0"/>
+              <a:t>scheduler </a:t>
+            </a:r>
+            <a:r>
+              <a:rPr lang="en-US" altLang="zh-TW" dirty="0" err="1"/>
+              <a:t>vs</a:t>
+            </a:r>
+            <a:r>
+              <a:rPr lang="en-US" altLang="zh-TW" dirty="0"/>
+              <a:t> the default </a:t>
+            </a:r>
+            <a:r>
+              <a:rPr lang="en-US" altLang="zh-TW" dirty="0" err="1"/>
+              <a:t>cassandra</a:t>
+            </a:r>
+            <a:r>
+              <a:rPr lang="en-US" altLang="zh-TW" dirty="0"/>
+              <a:t> scheduler</a:t>
+            </a:r>
+          </a:p>
+        </p:txBody>
+      </p:sp>
+      <p:sp>
+        <p:nvSpPr>
+          <p:cNvPr id="3" name="Content Placeholder 2"/>
+          <p:cNvSpPr>
+            <a:spLocks noGrp="1"/>
+          </p:cNvSpPr>
+          <p:nvPr>
+            <p:ph idx="1"/>
+          </p:nvPr>
+        </p:nvSpPr>
+        <p:spPr/>
+        <p:txBody>
+          <a:bodyPr/>
+          <a:lstStyle/>
+          <a:p>
+            <a:r>
+              <a:rPr lang="en-US" altLang="zh-TW" dirty="0" smtClean="0"/>
+              <a:t>Cassandra scheduler allocates job based on closer replica.</a:t>
+            </a:r>
+            <a:endParaRPr lang="en-US" altLang="zh-TW" dirty="0"/>
+          </a:p>
+          <a:p>
+            <a:pPr lvl="1"/>
+            <a:endParaRPr lang="en-US" dirty="0" smtClean="0"/>
+          </a:p>
+          <a:p>
+            <a:r>
               <a:rPr lang="en-US" dirty="0" smtClean="0"/>
-              <a:t>What is left</a:t>
-            </a:r>
+              <a:t>Our scheduler allocates job based on the resources usage of the server that is holding the replica.</a:t>
+            </a:r>
+            <a:endParaRPr lang="en-US" dirty="0" smtClean="0"/>
+          </a:p>
+          <a:p>
+            <a:pPr marL="0" indent="0">
+              <a:buNone/>
+            </a:pPr>
+            <a:endParaRPr lang="en-US" dirty="0" smtClean="0"/>
+          </a:p>
+          <a:p>
+            <a:endParaRPr lang="en-US" dirty="0" smtClean="0"/>
+          </a:p>
+          <a:p>
             <a:endParaRPr lang="en-US" dirty="0"/>
           </a:p>
-        </p:txBody>
-      </p:sp>
-      <p:sp>
-        <p:nvSpPr>
-          <p:cNvPr id="3" name="Content Placeholder 2"/>
-          <p:cNvSpPr>
-            <a:spLocks noGrp="1"/>
-          </p:cNvSpPr>
-          <p:nvPr>
-            <p:ph idx="1"/>
-          </p:nvPr>
-        </p:nvSpPr>
-        <p:spPr/>
-        <p:txBody>
-          <a:bodyPr/>
-          <a:lstStyle/>
-          <a:p>
-            <a:endParaRPr lang="en-US"/>
+          <a:p>
+            <a:endParaRPr lang="en-US" dirty="0"/>
           </a:p>
         </p:txBody>
       </p:sp>
@@ -3628,7 +4085,536 @@
     </p:spTree>
     <p:extLst>
       <p:ext uri="{BB962C8B-B14F-4D97-AF65-F5344CB8AC3E}">
+        <p14:creationId xmlns:p14="http://schemas.microsoft.com/office/powerpoint/2010/main" val="1059525721"/>
+      </p:ext>
+    </p:extLst>
+  </p:cSld>
+  <p:clrMapOvr>
+    <a:masterClrMapping/>
+  </p:clrMapOvr>
+</p:sld>
+</file>
+
+<file path=ppt/slides/slide6.xml><?xml version="1.0" encoding="utf-8"?>
+<p:sld xmlns:a="http://schemas.openxmlformats.org/drawingml/2006/main" xmlns:r="http://schemas.openxmlformats.org/officeDocument/2006/relationships" xmlns:p="http://schemas.openxmlformats.org/presentationml/2006/main">
+  <p:cSld>
+    <p:spTree>
+      <p:nvGrpSpPr>
+        <p:cNvPr id="1" name=""/>
+        <p:cNvGrpSpPr/>
+        <p:nvPr/>
+      </p:nvGrpSpPr>
+      <p:grpSpPr>
+        <a:xfrm>
+          <a:off x="0" y="0"/>
+          <a:ext cx="0" cy="0"/>
+          <a:chOff x="0" y="0"/>
+          <a:chExt cx="0" cy="0"/>
+        </a:xfrm>
+      </p:grpSpPr>
+      <p:sp>
+        <p:nvSpPr>
+          <p:cNvPr id="2" name="Title 1"/>
+          <p:cNvSpPr>
+            <a:spLocks noGrp="1"/>
+          </p:cNvSpPr>
+          <p:nvPr>
+            <p:ph type="title"/>
+          </p:nvPr>
+        </p:nvSpPr>
+        <p:spPr/>
+        <p:txBody>
+          <a:bodyPr/>
+          <a:lstStyle/>
+          <a:p>
+            <a:r>
+              <a:rPr lang="en-US" altLang="zh-TW" dirty="0" smtClean="0"/>
+              <a:t>Idea of our scheduler </a:t>
+            </a:r>
+            <a:endParaRPr lang="zh-TW" altLang="en-US" dirty="0"/>
+          </a:p>
+        </p:txBody>
+      </p:sp>
+      <p:sp>
+        <p:nvSpPr>
+          <p:cNvPr id="3" name="Content Placeholder 2"/>
+          <p:cNvSpPr>
+            <a:spLocks noGrp="1"/>
+          </p:cNvSpPr>
+          <p:nvPr>
+            <p:ph idx="1"/>
+          </p:nvPr>
+        </p:nvSpPr>
+        <p:spPr/>
+        <p:txBody>
+          <a:bodyPr/>
+          <a:lstStyle/>
+          <a:p>
+            <a:r>
+              <a:rPr lang="en-US" altLang="zh-TW" dirty="0"/>
+              <a:t>C</a:t>
+            </a:r>
+            <a:r>
+              <a:rPr lang="en-US" altLang="zh-TW" dirty="0" smtClean="0"/>
+              <a:t>entralized </a:t>
+            </a:r>
+            <a:r>
+              <a:rPr lang="en-US" altLang="zh-TW" dirty="0"/>
+              <a:t>job director (CJD</a:t>
+            </a:r>
+            <a:r>
+              <a:rPr lang="en-US" altLang="zh-TW" dirty="0" smtClean="0"/>
+              <a:t>) </a:t>
+            </a:r>
+            <a:r>
+              <a:rPr lang="en-US" altLang="zh-TW" dirty="0"/>
+              <a:t>, centralized master server that is responsible for scheduling jobs on </a:t>
+            </a:r>
+            <a:r>
+              <a:rPr lang="en-US" altLang="zh-TW" dirty="0" smtClean="0"/>
+              <a:t>nodes, base on resource usage. </a:t>
+            </a:r>
+          </a:p>
+          <a:p>
+            <a:endParaRPr lang="en-US" altLang="zh-TW" dirty="0" smtClean="0"/>
+          </a:p>
+          <a:p>
+            <a:r>
+              <a:rPr lang="en-US" altLang="zh-TW" dirty="0" smtClean="0"/>
+              <a:t>Resource Monitor: </a:t>
+            </a:r>
+            <a:r>
+              <a:rPr lang="en-US" altLang="zh-TW" dirty="0"/>
+              <a:t>Measuring the load information of a node in the </a:t>
+            </a:r>
+            <a:r>
+              <a:rPr lang="en-US" altLang="zh-TW" dirty="0" smtClean="0"/>
+              <a:t>cluster and send them to CJD.</a:t>
+            </a:r>
+          </a:p>
+          <a:p>
+            <a:pPr lvl="1"/>
+            <a:r>
+              <a:rPr lang="en-US" altLang="zh-TW" dirty="0" smtClean="0"/>
+              <a:t>CPU usage &amp; Memory usage</a:t>
+            </a:r>
+            <a:endParaRPr lang="zh-TW" altLang="en-US" dirty="0"/>
+          </a:p>
+        </p:txBody>
+      </p:sp>
+      <p:sp>
+        <p:nvSpPr>
+          <p:cNvPr id="4" name="Slide Number Placeholder 3"/>
+          <p:cNvSpPr>
+            <a:spLocks noGrp="1"/>
+          </p:cNvSpPr>
+          <p:nvPr>
+            <p:ph type="sldNum" sz="quarter" idx="12"/>
+          </p:nvPr>
+        </p:nvSpPr>
+        <p:spPr/>
+        <p:txBody>
+          <a:bodyPr/>
+          <a:lstStyle/>
+          <a:p>
+            <a:fld id="{CFE4BAC9-6D41-4691-9299-18EF07EF0177}" type="slidenum">
+              <a:rPr lang="en-US" smtClean="0"/>
+              <a:t>6</a:t>
+            </a:fld>
+            <a:endParaRPr lang="en-US"/>
+          </a:p>
+        </p:txBody>
+      </p:sp>
+    </p:spTree>
+    <p:extLst>
+      <p:ext uri="{BB962C8B-B14F-4D97-AF65-F5344CB8AC3E}">
+        <p14:creationId xmlns:p14="http://schemas.microsoft.com/office/powerpoint/2010/main" val="1053628095"/>
+      </p:ext>
+    </p:extLst>
+  </p:cSld>
+  <p:clrMapOvr>
+    <a:masterClrMapping/>
+  </p:clrMapOvr>
+</p:sld>
+</file>
+
+<file path=ppt/slides/slide7.xml><?xml version="1.0" encoding="utf-8"?>
+<p:sld xmlns:a="http://schemas.openxmlformats.org/drawingml/2006/main" xmlns:r="http://schemas.openxmlformats.org/officeDocument/2006/relationships" xmlns:p="http://schemas.openxmlformats.org/presentationml/2006/main">
+  <p:cSld>
+    <p:spTree>
+      <p:nvGrpSpPr>
+        <p:cNvPr id="1" name=""/>
+        <p:cNvGrpSpPr/>
+        <p:nvPr/>
+      </p:nvGrpSpPr>
+      <p:grpSpPr>
+        <a:xfrm>
+          <a:off x="0" y="0"/>
+          <a:ext cx="0" cy="0"/>
+          <a:chOff x="0" y="0"/>
+          <a:chExt cx="0" cy="0"/>
+        </a:xfrm>
+      </p:grpSpPr>
+      <p:sp>
+        <p:nvSpPr>
+          <p:cNvPr id="2" name="Title 1"/>
+          <p:cNvSpPr>
+            <a:spLocks noGrp="1"/>
+          </p:cNvSpPr>
+          <p:nvPr>
+            <p:ph type="title"/>
+          </p:nvPr>
+        </p:nvSpPr>
+        <p:spPr/>
+        <p:txBody>
+          <a:bodyPr/>
+          <a:lstStyle/>
+          <a:p>
+            <a:r>
+              <a:rPr lang="en-US" dirty="0" smtClean="0"/>
+              <a:t>Method</a:t>
+            </a:r>
+            <a:endParaRPr lang="en-US" dirty="0"/>
+          </a:p>
+        </p:txBody>
+      </p:sp>
+      <p:sp>
+        <p:nvSpPr>
+          <p:cNvPr id="3" name="Content Placeholder 2"/>
+          <p:cNvSpPr>
+            <a:spLocks noGrp="1"/>
+          </p:cNvSpPr>
+          <p:nvPr>
+            <p:ph idx="1"/>
+          </p:nvPr>
+        </p:nvSpPr>
+        <p:spPr/>
+        <p:txBody>
+          <a:bodyPr/>
+          <a:lstStyle/>
+          <a:p>
+            <a:r>
+              <a:rPr lang="en-US" altLang="zh-TW" b="1" dirty="0" smtClean="0"/>
+              <a:t>Job </a:t>
+            </a:r>
+            <a:r>
+              <a:rPr lang="en-US" altLang="zh-TW" b="1" dirty="0"/>
+              <a:t>generator </a:t>
+            </a:r>
+            <a:r>
+              <a:rPr lang="en-US" altLang="zh-TW" b="1" dirty="0" smtClean="0"/>
+              <a:t>: </a:t>
+            </a:r>
+            <a:r>
+              <a:rPr lang="en-US" altLang="zh-TW" dirty="0" smtClean="0"/>
+              <a:t>Yahoo</a:t>
+            </a:r>
+            <a:r>
+              <a:rPr lang="en-US" altLang="zh-TW" dirty="0"/>
+              <a:t>! Cloud Service Benchmark (YCSB</a:t>
+            </a:r>
+            <a:r>
+              <a:rPr lang="en-US" altLang="zh-TW" dirty="0" smtClean="0"/>
+              <a:t>)</a:t>
+            </a:r>
+          </a:p>
+          <a:p>
+            <a:endParaRPr lang="en-US" altLang="zh-TW" dirty="0" smtClean="0"/>
+          </a:p>
+          <a:p>
+            <a:r>
+              <a:rPr lang="en-US" altLang="zh-TW" b="1" dirty="0"/>
+              <a:t>D</a:t>
+            </a:r>
+            <a:r>
+              <a:rPr lang="en-US" altLang="zh-TW" b="1" dirty="0" smtClean="0"/>
+              <a:t>istributed </a:t>
+            </a:r>
+            <a:r>
+              <a:rPr lang="en-US" altLang="zh-TW" b="1" dirty="0"/>
+              <a:t>database management </a:t>
+            </a:r>
+            <a:r>
+              <a:rPr lang="en-US" altLang="zh-TW" b="1" dirty="0" smtClean="0"/>
+              <a:t>system:</a:t>
+            </a:r>
+            <a:r>
+              <a:rPr lang="en-US" altLang="zh-TW" dirty="0" smtClean="0"/>
+              <a:t> </a:t>
+            </a:r>
+            <a:r>
+              <a:rPr lang="en-US" altLang="zh-TW" dirty="0"/>
+              <a:t>C</a:t>
+            </a:r>
+            <a:r>
+              <a:rPr lang="en-US" altLang="zh-TW" dirty="0" smtClean="0"/>
+              <a:t>assandra </a:t>
+            </a:r>
+          </a:p>
+          <a:p>
+            <a:endParaRPr lang="en-US" dirty="0"/>
+          </a:p>
+          <a:p>
+            <a:r>
+              <a:rPr lang="en-US" dirty="0" smtClean="0"/>
+              <a:t>10 cluster (configuration)</a:t>
+            </a:r>
+          </a:p>
+          <a:p>
+            <a:endParaRPr lang="en-US" dirty="0"/>
+          </a:p>
+          <a:p>
+            <a:r>
+              <a:rPr lang="en-US" dirty="0" smtClean="0"/>
+              <a:t>150 GB read heavy query.</a:t>
+            </a:r>
+            <a:endParaRPr lang="en-US" dirty="0"/>
+          </a:p>
+        </p:txBody>
+      </p:sp>
+      <p:sp>
+        <p:nvSpPr>
+          <p:cNvPr id="4" name="Slide Number Placeholder 3"/>
+          <p:cNvSpPr>
+            <a:spLocks noGrp="1"/>
+          </p:cNvSpPr>
+          <p:nvPr>
+            <p:ph type="sldNum" sz="quarter" idx="12"/>
+          </p:nvPr>
+        </p:nvSpPr>
+        <p:spPr/>
+        <p:txBody>
+          <a:bodyPr/>
+          <a:lstStyle/>
+          <a:p>
+            <a:fld id="{CFE4BAC9-6D41-4691-9299-18EF07EF0177}" type="slidenum">
+              <a:rPr lang="en-US" smtClean="0"/>
+              <a:t>7</a:t>
+            </a:fld>
+            <a:endParaRPr lang="en-US"/>
+          </a:p>
+        </p:txBody>
+      </p:sp>
+    </p:spTree>
+    <p:extLst>
+      <p:ext uri="{BB962C8B-B14F-4D97-AF65-F5344CB8AC3E}">
         <p14:creationId xmlns:p14="http://schemas.microsoft.com/office/powerpoint/2010/main" val="771379248"/>
+      </p:ext>
+    </p:extLst>
+  </p:cSld>
+  <p:clrMapOvr>
+    <a:masterClrMapping/>
+  </p:clrMapOvr>
+</p:sld>
+</file>
+
+<file path=ppt/slides/slide8.xml><?xml version="1.0" encoding="utf-8"?>
+<p:sld xmlns:a="http://schemas.openxmlformats.org/drawingml/2006/main" xmlns:r="http://schemas.openxmlformats.org/officeDocument/2006/relationships" xmlns:p="http://schemas.openxmlformats.org/presentationml/2006/main">
+  <p:cSld>
+    <p:spTree>
+      <p:nvGrpSpPr>
+        <p:cNvPr id="1" name=""/>
+        <p:cNvGrpSpPr/>
+        <p:nvPr/>
+      </p:nvGrpSpPr>
+      <p:grpSpPr>
+        <a:xfrm>
+          <a:off x="0" y="0"/>
+          <a:ext cx="0" cy="0"/>
+          <a:chOff x="0" y="0"/>
+          <a:chExt cx="0" cy="0"/>
+        </a:xfrm>
+      </p:grpSpPr>
+      <p:sp>
+        <p:nvSpPr>
+          <p:cNvPr id="2" name="Title 1"/>
+          <p:cNvSpPr>
+            <a:spLocks noGrp="1"/>
+          </p:cNvSpPr>
+          <p:nvPr>
+            <p:ph type="title"/>
+          </p:nvPr>
+        </p:nvSpPr>
+        <p:spPr/>
+        <p:txBody>
+          <a:bodyPr/>
+          <a:lstStyle/>
+          <a:p>
+            <a:r>
+              <a:rPr lang="en-US" altLang="zh-TW" dirty="0" smtClean="0"/>
+              <a:t>Result</a:t>
+            </a:r>
+            <a:endParaRPr lang="zh-TW" altLang="en-US" dirty="0"/>
+          </a:p>
+        </p:txBody>
+      </p:sp>
+      <p:sp>
+        <p:nvSpPr>
+          <p:cNvPr id="3" name="Content Placeholder 2"/>
+          <p:cNvSpPr>
+            <a:spLocks noGrp="1"/>
+          </p:cNvSpPr>
+          <p:nvPr>
+            <p:ph idx="1"/>
+          </p:nvPr>
+        </p:nvSpPr>
+        <p:spPr/>
+        <p:txBody>
+          <a:bodyPr/>
+          <a:lstStyle/>
+          <a:p>
+            <a:r>
+              <a:rPr lang="en-US" altLang="zh-TW" dirty="0" smtClean="0"/>
+              <a:t>5 times experiments </a:t>
+            </a:r>
+            <a:endParaRPr lang="zh-TW" altLang="en-US" dirty="0"/>
+          </a:p>
+        </p:txBody>
+      </p:sp>
+      <p:sp>
+        <p:nvSpPr>
+          <p:cNvPr id="4" name="Slide Number Placeholder 3"/>
+          <p:cNvSpPr>
+            <a:spLocks noGrp="1"/>
+          </p:cNvSpPr>
+          <p:nvPr>
+            <p:ph type="sldNum" sz="quarter" idx="12"/>
+          </p:nvPr>
+        </p:nvSpPr>
+        <p:spPr/>
+        <p:txBody>
+          <a:bodyPr/>
+          <a:lstStyle/>
+          <a:p>
+            <a:fld id="{CFE4BAC9-6D41-4691-9299-18EF07EF0177}" type="slidenum">
+              <a:rPr lang="en-US" smtClean="0"/>
+              <a:t>8</a:t>
+            </a:fld>
+            <a:endParaRPr lang="en-US"/>
+          </a:p>
+        </p:txBody>
+      </p:sp>
+    </p:spTree>
+    <p:extLst>
+      <p:ext uri="{BB962C8B-B14F-4D97-AF65-F5344CB8AC3E}">
+        <p14:creationId xmlns:p14="http://schemas.microsoft.com/office/powerpoint/2010/main" val="3684417483"/>
+      </p:ext>
+    </p:extLst>
+  </p:cSld>
+  <p:clrMapOvr>
+    <a:masterClrMapping/>
+  </p:clrMapOvr>
+</p:sld>
+</file>
+
+<file path=ppt/slides/slide9.xml><?xml version="1.0" encoding="utf-8"?>
+<p:sld xmlns:a="http://schemas.openxmlformats.org/drawingml/2006/main" xmlns:r="http://schemas.openxmlformats.org/officeDocument/2006/relationships" xmlns:p="http://schemas.openxmlformats.org/presentationml/2006/main">
+  <p:cSld>
+    <p:spTree>
+      <p:nvGrpSpPr>
+        <p:cNvPr id="1" name=""/>
+        <p:cNvGrpSpPr/>
+        <p:nvPr/>
+      </p:nvGrpSpPr>
+      <p:grpSpPr>
+        <a:xfrm>
+          <a:off x="0" y="0"/>
+          <a:ext cx="0" cy="0"/>
+          <a:chOff x="0" y="0"/>
+          <a:chExt cx="0" cy="0"/>
+        </a:xfrm>
+      </p:grpSpPr>
+      <p:sp>
+        <p:nvSpPr>
+          <p:cNvPr id="2" name="Title 1"/>
+          <p:cNvSpPr>
+            <a:spLocks noGrp="1"/>
+          </p:cNvSpPr>
+          <p:nvPr>
+            <p:ph type="title"/>
+          </p:nvPr>
+        </p:nvSpPr>
+        <p:spPr/>
+        <p:txBody>
+          <a:bodyPr/>
+          <a:lstStyle/>
+          <a:p>
+            <a:r>
+              <a:rPr lang="en-US" altLang="zh-TW" dirty="0" smtClean="0"/>
+              <a:t>Summary the result</a:t>
+            </a:r>
+            <a:endParaRPr lang="zh-TW" altLang="en-US" dirty="0"/>
+          </a:p>
+        </p:txBody>
+      </p:sp>
+      <p:sp>
+        <p:nvSpPr>
+          <p:cNvPr id="3" name="Content Placeholder 2"/>
+          <p:cNvSpPr>
+            <a:spLocks noGrp="1"/>
+          </p:cNvSpPr>
+          <p:nvPr>
+            <p:ph idx="1"/>
+          </p:nvPr>
+        </p:nvSpPr>
+        <p:spPr/>
+        <p:txBody>
+          <a:bodyPr/>
+          <a:lstStyle/>
+          <a:p>
+            <a:r>
+              <a:rPr lang="en-US" altLang="zh-TW" dirty="0" smtClean="0"/>
+              <a:t>Our scheduling algorithm makes small improvement  to the default scheduler.</a:t>
+            </a:r>
+          </a:p>
+          <a:p>
+            <a:endParaRPr lang="en-US" altLang="zh-TW" dirty="0" smtClean="0"/>
+          </a:p>
+          <a:p>
+            <a:r>
+              <a:rPr lang="en-US" altLang="zh-TW" dirty="0" smtClean="0"/>
+              <a:t>CPU usage seems not make any different to query processing.</a:t>
+            </a:r>
+          </a:p>
+          <a:p>
+            <a:endParaRPr lang="en-US" altLang="zh-TW" dirty="0" smtClean="0"/>
+          </a:p>
+          <a:p>
+            <a:r>
+              <a:rPr lang="en-US" altLang="zh-TW" dirty="0" smtClean="0"/>
+              <a:t>The amount memory used by Cassandra make no difference</a:t>
+            </a:r>
+            <a:endParaRPr lang="en-US" altLang="zh-TW" dirty="0"/>
+          </a:p>
+        </p:txBody>
+      </p:sp>
+      <p:sp>
+        <p:nvSpPr>
+          <p:cNvPr id="4" name="Slide Number Placeholder 3"/>
+          <p:cNvSpPr>
+            <a:spLocks noGrp="1"/>
+          </p:cNvSpPr>
+          <p:nvPr>
+            <p:ph type="sldNum" sz="quarter" idx="12"/>
+          </p:nvPr>
+        </p:nvSpPr>
+        <p:spPr/>
+        <p:txBody>
+          <a:bodyPr/>
+          <a:lstStyle/>
+          <a:p>
+            <a:fld id="{CFE4BAC9-6D41-4691-9299-18EF07EF0177}" type="slidenum">
+              <a:rPr lang="en-US" smtClean="0"/>
+              <a:t>9</a:t>
+            </a:fld>
+            <a:endParaRPr lang="en-US"/>
+          </a:p>
+        </p:txBody>
+      </p:sp>
+    </p:spTree>
+    <p:extLst>
+      <p:ext uri="{BB962C8B-B14F-4D97-AF65-F5344CB8AC3E}">
+        <p14:creationId xmlns:p14="http://schemas.microsoft.com/office/powerpoint/2010/main" val="1688006671"/>
       </p:ext>
     </p:extLst>
   </p:cSld>

--- a/PresentationSlides/Presentation.pptx
+++ b/PresentationSlides/Presentation.pptx
@@ -8,15 +8,19 @@
     <p:sldId id="256" r:id="rId2"/>
     <p:sldId id="257" r:id="rId3"/>
     <p:sldId id="258" r:id="rId4"/>
-    <p:sldId id="266" r:id="rId5"/>
-    <p:sldId id="259" r:id="rId6"/>
-    <p:sldId id="267" r:id="rId7"/>
-    <p:sldId id="260" r:id="rId8"/>
-    <p:sldId id="261" r:id="rId9"/>
-    <p:sldId id="262" r:id="rId10"/>
-    <p:sldId id="263" r:id="rId11"/>
-    <p:sldId id="264" r:id="rId12"/>
-    <p:sldId id="265" r:id="rId13"/>
+    <p:sldId id="268" r:id="rId5"/>
+    <p:sldId id="266" r:id="rId6"/>
+    <p:sldId id="269" r:id="rId7"/>
+    <p:sldId id="267" r:id="rId8"/>
+    <p:sldId id="270" r:id="rId9"/>
+    <p:sldId id="260" r:id="rId10"/>
+    <p:sldId id="261" r:id="rId11"/>
+    <p:sldId id="271" r:id="rId12"/>
+    <p:sldId id="262" r:id="rId13"/>
+    <p:sldId id="273" r:id="rId14"/>
+    <p:sldId id="263" r:id="rId15"/>
+    <p:sldId id="264" r:id="rId16"/>
+    <p:sldId id="265" r:id="rId17"/>
   </p:sldIdLst>
   <p:sldSz cx="9144000" cy="6858000" type="screen4x3"/>
   <p:notesSz cx="6858000" cy="9144000"/>
@@ -299,7 +303,7 @@
           <a:p>
             <a:fld id="{578C8EFD-E150-CA4D-905C-A94D1A78A82A}" type="datetime1">
               <a:rPr lang="en-CA" smtClean="0"/>
-              <a:t>28/11/2012</a:t>
+              <a:t>12-11-29</a:t>
             </a:fld>
             <a:endParaRPr lang="en-US"/>
           </a:p>
@@ -469,7 +473,7 @@
           <a:p>
             <a:fld id="{15D8ADF8-3441-5F45-A19B-D033F59CF17D}" type="datetime1">
               <a:rPr lang="en-CA" smtClean="0"/>
-              <a:t>28/11/2012</a:t>
+              <a:t>12-11-29</a:t>
             </a:fld>
             <a:endParaRPr lang="en-US"/>
           </a:p>
@@ -649,7 +653,7 @@
           <a:p>
             <a:fld id="{0AED5A46-46F0-524C-B118-2413C4B118F2}" type="datetime1">
               <a:rPr lang="en-CA" smtClean="0"/>
-              <a:t>28/11/2012</a:t>
+              <a:t>12-11-29</a:t>
             </a:fld>
             <a:endParaRPr lang="en-US"/>
           </a:p>
@@ -819,7 +823,7 @@
           <a:p>
             <a:fld id="{2FFAA75D-0121-8445-A2D5-37B4791018BB}" type="datetime1">
               <a:rPr lang="en-CA" smtClean="0"/>
-              <a:t>28/11/2012</a:t>
+              <a:t>12-11-29</a:t>
             </a:fld>
             <a:endParaRPr lang="en-US"/>
           </a:p>
@@ -1065,7 +1069,7 @@
           <a:p>
             <a:fld id="{53F7EAB1-141B-FB47-8AAB-E68313ADDAE7}" type="datetime1">
               <a:rPr lang="en-CA" smtClean="0"/>
-              <a:t>28/11/2012</a:t>
+              <a:t>12-11-29</a:t>
             </a:fld>
             <a:endParaRPr lang="en-US"/>
           </a:p>
@@ -1353,7 +1357,7 @@
           <a:p>
             <a:fld id="{7B50838B-1487-4842-81F1-BDF2A6D1F1B3}" type="datetime1">
               <a:rPr lang="en-CA" smtClean="0"/>
-              <a:t>28/11/2012</a:t>
+              <a:t>12-11-29</a:t>
             </a:fld>
             <a:endParaRPr lang="en-US"/>
           </a:p>
@@ -1775,7 +1779,7 @@
           <a:p>
             <a:fld id="{8597D41A-A37E-B94A-ABBE-66D061CC16A8}" type="datetime1">
               <a:rPr lang="en-CA" smtClean="0"/>
-              <a:t>28/11/2012</a:t>
+              <a:t>12-11-29</a:t>
             </a:fld>
             <a:endParaRPr lang="en-US"/>
           </a:p>
@@ -1893,7 +1897,7 @@
           <a:p>
             <a:fld id="{3E462AFF-A87A-3449-BF73-2E332730FBBD}" type="datetime1">
               <a:rPr lang="en-CA" smtClean="0"/>
-              <a:t>28/11/2012</a:t>
+              <a:t>12-11-29</a:t>
             </a:fld>
             <a:endParaRPr lang="en-US"/>
           </a:p>
@@ -1988,7 +1992,7 @@
           <a:p>
             <a:fld id="{61F0DCD8-522C-0E46-A196-33CF3C2A12C1}" type="datetime1">
               <a:rPr lang="en-CA" smtClean="0"/>
-              <a:t>28/11/2012</a:t>
+              <a:t>12-11-29</a:t>
             </a:fld>
             <a:endParaRPr lang="en-US"/>
           </a:p>
@@ -2265,7 +2269,7 @@
           <a:p>
             <a:fld id="{05556C25-90F2-064D-BF7A-B83AB86F67C5}" type="datetime1">
               <a:rPr lang="en-CA" smtClean="0"/>
-              <a:t>28/11/2012</a:t>
+              <a:t>12-11-29</a:t>
             </a:fld>
             <a:endParaRPr lang="en-US"/>
           </a:p>
@@ -2522,7 +2526,7 @@
           <a:p>
             <a:fld id="{D36A68E7-021F-D94A-BB37-798C61C4259E}" type="datetime1">
               <a:rPr lang="en-CA" smtClean="0"/>
-              <a:t>28/11/2012</a:t>
+              <a:t>12-11-29</a:t>
             </a:fld>
             <a:endParaRPr lang="en-US"/>
           </a:p>
@@ -2735,7 +2739,7 @@
           <a:p>
             <a:fld id="{740C5816-A486-5D43-AC42-C657B961AA99}" type="datetime1">
               <a:rPr lang="en-CA" smtClean="0"/>
-              <a:t>28/11/2012</a:t>
+              <a:t>12-11-29</a:t>
             </a:fld>
             <a:endParaRPr lang="en-US"/>
           </a:p>
@@ -3128,15 +3132,11 @@
           <a:p>
             <a:r>
               <a:rPr lang="en-US" dirty="0" smtClean="0"/>
-              <a:t>Doing stuff with </a:t>
+              <a:t>Horoscope: Resource Based Scheduling of Queries in Distributed </a:t>
             </a:r>
             <a:r>
               <a:rPr lang="en-US" dirty="0" err="1" smtClean="0"/>
-              <a:t>cassandra</a:t>
-            </a:r>
-            <a:r>
-              <a:rPr lang="en-US" dirty="0" smtClean="0"/>
-              <a:t> and what not</a:t>
+              <a:t>Datastores</a:t>
             </a:r>
             <a:endParaRPr lang="en-US" dirty="0"/>
           </a:p>
@@ -3161,11 +3161,7 @@
           <a:p>
             <a:r>
               <a:rPr lang="en-US" dirty="0" smtClean="0"/>
-              <a:t>David </a:t>
-            </a:r>
-            <a:r>
-              <a:rPr lang="en-US" dirty="0" smtClean="0"/>
-              <a:t>Dietrich</a:t>
+              <a:t>David Dietrich</a:t>
             </a:r>
           </a:p>
           <a:p>
@@ -3188,7 +3184,6 @@
               <a:rPr lang="en-US" dirty="0" smtClean="0"/>
               <a:t> Liu</a:t>
             </a:r>
-            <a:endParaRPr lang="en-US" dirty="0" smtClean="0"/>
           </a:p>
         </p:txBody>
       </p:sp>
@@ -3262,7 +3257,7 @@
           <a:p>
             <a:r>
               <a:rPr lang="en-US" altLang="zh-TW" dirty="0" smtClean="0"/>
-              <a:t>Why?</a:t>
+              <a:t>Experimental Results</a:t>
             </a:r>
             <a:endParaRPr lang="zh-TW" altLang="en-US" dirty="0"/>
           </a:p>
@@ -3285,25 +3280,11 @@
           <a:p>
             <a:r>
               <a:rPr lang="en-US" altLang="zh-TW" dirty="0" smtClean="0"/>
-              <a:t>Clusters are few</a:t>
-            </a:r>
-          </a:p>
-          <a:p>
+              <a:t>1 Graph</a:t>
+            </a:r>
             <a:r>
               <a:rPr lang="en-US" altLang="zh-TW" dirty="0" smtClean="0"/>
-              <a:t>Do not have complex workload.</a:t>
-            </a:r>
-          </a:p>
-          <a:p>
-            <a:r>
-              <a:rPr lang="en-US" altLang="zh-TW" dirty="0" smtClean="0"/>
-              <a:t>Unable to congest the network manfully.</a:t>
-            </a:r>
-          </a:p>
-          <a:p>
-            <a:r>
-              <a:rPr lang="en-US" altLang="zh-TW" dirty="0" smtClean="0"/>
-              <a:t>Do not have access to the real datacenter</a:t>
+              <a:t> </a:t>
             </a:r>
             <a:endParaRPr lang="zh-TW" altLang="en-US" dirty="0"/>
           </a:p>
@@ -3335,7 +3316,7 @@
     </p:spTree>
     <p:extLst>
       <p:ext uri="{BB962C8B-B14F-4D97-AF65-F5344CB8AC3E}">
-        <p14:creationId xmlns:p14="http://schemas.microsoft.com/office/powerpoint/2010/main" val="870914844"/>
+        <p14:creationId xmlns:p14="http://schemas.microsoft.com/office/powerpoint/2010/main" val="3684417483"/>
       </p:ext>
     </p:extLst>
   </p:cSld>
@@ -3378,10 +3359,10 @@
           <a:lstStyle/>
           <a:p>
             <a:r>
-              <a:rPr lang="en-US" altLang="zh-TW" dirty="0" smtClean="0"/>
-              <a:t>Conclusion</a:t>
-            </a:r>
-            <a:endParaRPr lang="zh-TW" altLang="en-US" dirty="0"/>
+              <a:rPr lang="en-US" dirty="0" smtClean="0"/>
+              <a:t>Scaling the server down</a:t>
+            </a:r>
+            <a:endParaRPr lang="en-US" dirty="0"/>
           </a:p>
         </p:txBody>
       </p:sp>
@@ -3400,17 +3381,7 @@
           <a:bodyPr/>
           <a:lstStyle/>
           <a:p>
-            <a:r>
-              <a:rPr lang="en-US" altLang="zh-TW" dirty="0" smtClean="0"/>
-              <a:t>Our scheduler has little better performance than the ordinary scheduling algorithm .</a:t>
-            </a:r>
-          </a:p>
-          <a:p>
-            <a:r>
-              <a:rPr lang="en-US" altLang="zh-TW" dirty="0" smtClean="0"/>
-              <a:t>If we can get the bandwidth usage of the server, we believe that our algorithms can outperform the old one</a:t>
-            </a:r>
-            <a:endParaRPr lang="zh-TW" altLang="en-US" dirty="0"/>
+            <a:endParaRPr lang="en-US"/>
           </a:p>
         </p:txBody>
       </p:sp>
@@ -3440,7 +3411,7 @@
     </p:spTree>
     <p:extLst>
       <p:ext uri="{BB962C8B-B14F-4D97-AF65-F5344CB8AC3E}">
-        <p14:creationId xmlns:p14="http://schemas.microsoft.com/office/powerpoint/2010/main" val="3955323304"/>
+        <p14:creationId xmlns:p14="http://schemas.microsoft.com/office/powerpoint/2010/main" val="358113619"/>
       </p:ext>
     </p:extLst>
   </p:cSld>
@@ -3484,7 +3455,7 @@
           <a:p>
             <a:r>
               <a:rPr lang="en-US" altLang="zh-TW" dirty="0" smtClean="0"/>
-              <a:t>Future Work</a:t>
+              <a:t>Experimental Results</a:t>
             </a:r>
             <a:endParaRPr lang="zh-TW" altLang="en-US" dirty="0"/>
           </a:p>
@@ -3507,21 +3478,38 @@
           <a:p>
             <a:r>
               <a:rPr lang="en-US" altLang="zh-TW" dirty="0" smtClean="0"/>
-              <a:t>Test with more complex real quires</a:t>
-            </a:r>
-          </a:p>
-          <a:p>
+              <a:t>Our scheduling algorithm </a:t>
+            </a:r>
             <a:r>
               <a:rPr lang="en-US" altLang="zh-TW" dirty="0" smtClean="0"/>
-              <a:t>Test with multiple databases</a:t>
-            </a:r>
-          </a:p>
-          <a:p>
+              <a:t>provides</a:t>
+            </a:r>
             <a:r>
               <a:rPr lang="en-US" altLang="zh-TW" dirty="0" smtClean="0"/>
-              <a:t>Test on the real datacenter</a:t>
-            </a:r>
-            <a:endParaRPr lang="zh-TW" altLang="en-US" dirty="0"/>
+              <a:t> a small </a:t>
+            </a:r>
+            <a:r>
+              <a:rPr lang="en-US" altLang="zh-TW" dirty="0" smtClean="0"/>
+              <a:t>improvement  to the default </a:t>
+            </a:r>
+            <a:r>
+              <a:rPr lang="en-US" altLang="zh-TW" dirty="0" smtClean="0"/>
+              <a:t>scheduler</a:t>
+            </a:r>
+          </a:p>
+          <a:p>
+            <a:pPr lvl="1"/>
+            <a:r>
+              <a:rPr lang="en-US" altLang="zh-TW" dirty="0" smtClean="0"/>
+              <a:t>[average difference]</a:t>
+            </a:r>
+          </a:p>
+          <a:p>
+            <a:r>
+              <a:rPr lang="en-US" altLang="zh-TW" dirty="0" smtClean="0"/>
+              <a:t>The operations/second difference is not as drastic as we had hoped</a:t>
+            </a:r>
+            <a:endParaRPr lang="en-US" altLang="zh-TW" dirty="0" smtClean="0"/>
           </a:p>
         </p:txBody>
       </p:sp>
@@ -3543,6 +3531,444 @@
             <a:fld id="{CFE4BAC9-6D41-4691-9299-18EF07EF0177}" type="slidenum">
               <a:rPr lang="en-US" smtClean="0"/>
               <a:t>12</a:t>
+            </a:fld>
+            <a:endParaRPr lang="en-US"/>
+          </a:p>
+        </p:txBody>
+      </p:sp>
+    </p:spTree>
+    <p:extLst>
+      <p:ext uri="{BB962C8B-B14F-4D97-AF65-F5344CB8AC3E}">
+        <p14:creationId xmlns:p14="http://schemas.microsoft.com/office/powerpoint/2010/main" val="1688006671"/>
+      </p:ext>
+    </p:extLst>
+  </p:cSld>
+  <p:clrMapOvr>
+    <a:masterClrMapping/>
+  </p:clrMapOvr>
+</p:sld>
+</file>
+
+<file path=ppt/slides/slide13.xml><?xml version="1.0" encoding="utf-8"?>
+<p:sld xmlns:a="http://schemas.openxmlformats.org/drawingml/2006/main" xmlns:r="http://schemas.openxmlformats.org/officeDocument/2006/relationships" xmlns:p="http://schemas.openxmlformats.org/presentationml/2006/main">
+  <p:cSld>
+    <p:spTree>
+      <p:nvGrpSpPr>
+        <p:cNvPr id="1" name=""/>
+        <p:cNvGrpSpPr/>
+        <p:nvPr/>
+      </p:nvGrpSpPr>
+      <p:grpSpPr>
+        <a:xfrm>
+          <a:off x="0" y="0"/>
+          <a:ext cx="0" cy="0"/>
+          <a:chOff x="0" y="0"/>
+          <a:chExt cx="0" cy="0"/>
+        </a:xfrm>
+      </p:grpSpPr>
+      <p:sp>
+        <p:nvSpPr>
+          <p:cNvPr id="2" name="Title 1"/>
+          <p:cNvSpPr>
+            <a:spLocks noGrp="1"/>
+          </p:cNvSpPr>
+          <p:nvPr>
+            <p:ph type="title"/>
+          </p:nvPr>
+        </p:nvSpPr>
+        <p:spPr/>
+        <p:txBody>
+          <a:bodyPr/>
+          <a:lstStyle/>
+          <a:p>
+            <a:r>
+              <a:rPr lang="en-US" dirty="0" smtClean="0"/>
+              <a:t>Resource Usage and What not</a:t>
+            </a:r>
+            <a:endParaRPr lang="en-US" dirty="0"/>
+          </a:p>
+        </p:txBody>
+      </p:sp>
+      <p:sp>
+        <p:nvSpPr>
+          <p:cNvPr id="3" name="Content Placeholder 2"/>
+          <p:cNvSpPr>
+            <a:spLocks noGrp="1"/>
+          </p:cNvSpPr>
+          <p:nvPr>
+            <p:ph idx="1"/>
+          </p:nvPr>
+        </p:nvSpPr>
+        <p:spPr/>
+        <p:txBody>
+          <a:bodyPr/>
+          <a:lstStyle/>
+          <a:p>
+            <a:endParaRPr lang="en-US"/>
+          </a:p>
+        </p:txBody>
+      </p:sp>
+      <p:sp>
+        <p:nvSpPr>
+          <p:cNvPr id="4" name="Slide Number Placeholder 3"/>
+          <p:cNvSpPr>
+            <a:spLocks noGrp="1"/>
+          </p:cNvSpPr>
+          <p:nvPr>
+            <p:ph type="sldNum" sz="quarter" idx="12"/>
+          </p:nvPr>
+        </p:nvSpPr>
+        <p:spPr/>
+        <p:txBody>
+          <a:bodyPr/>
+          <a:lstStyle/>
+          <a:p>
+            <a:fld id="{CFE4BAC9-6D41-4691-9299-18EF07EF0177}" type="slidenum">
+              <a:rPr lang="en-US" smtClean="0"/>
+              <a:t>13</a:t>
+            </a:fld>
+            <a:endParaRPr lang="en-US"/>
+          </a:p>
+        </p:txBody>
+      </p:sp>
+    </p:spTree>
+    <p:extLst>
+      <p:ext uri="{BB962C8B-B14F-4D97-AF65-F5344CB8AC3E}">
+        <p14:creationId xmlns:p14="http://schemas.microsoft.com/office/powerpoint/2010/main" val="3151732787"/>
+      </p:ext>
+    </p:extLst>
+  </p:cSld>
+  <p:clrMapOvr>
+    <a:masterClrMapping/>
+  </p:clrMapOvr>
+</p:sld>
+</file>
+
+<file path=ppt/slides/slide14.xml><?xml version="1.0" encoding="utf-8"?>
+<p:sld xmlns:a="http://schemas.openxmlformats.org/drawingml/2006/main" xmlns:r="http://schemas.openxmlformats.org/officeDocument/2006/relationships" xmlns:p="http://schemas.openxmlformats.org/presentationml/2006/main">
+  <p:cSld>
+    <p:spTree>
+      <p:nvGrpSpPr>
+        <p:cNvPr id="1" name=""/>
+        <p:cNvGrpSpPr/>
+        <p:nvPr/>
+      </p:nvGrpSpPr>
+      <p:grpSpPr>
+        <a:xfrm>
+          <a:off x="0" y="0"/>
+          <a:ext cx="0" cy="0"/>
+          <a:chOff x="0" y="0"/>
+          <a:chExt cx="0" cy="0"/>
+        </a:xfrm>
+      </p:grpSpPr>
+      <p:sp>
+        <p:nvSpPr>
+          <p:cNvPr id="2" name="Title 1"/>
+          <p:cNvSpPr>
+            <a:spLocks noGrp="1"/>
+          </p:cNvSpPr>
+          <p:nvPr>
+            <p:ph type="title"/>
+          </p:nvPr>
+        </p:nvSpPr>
+        <p:spPr/>
+        <p:txBody>
+          <a:bodyPr/>
+          <a:lstStyle/>
+          <a:p>
+            <a:r>
+              <a:rPr lang="en-US" altLang="zh-TW" dirty="0" smtClean="0"/>
+              <a:t>Limitations</a:t>
+            </a:r>
+            <a:endParaRPr lang="zh-TW" altLang="en-US" dirty="0"/>
+          </a:p>
+        </p:txBody>
+      </p:sp>
+      <p:sp>
+        <p:nvSpPr>
+          <p:cNvPr id="3" name="Content Placeholder 2"/>
+          <p:cNvSpPr>
+            <a:spLocks noGrp="1"/>
+          </p:cNvSpPr>
+          <p:nvPr>
+            <p:ph idx="1"/>
+          </p:nvPr>
+        </p:nvSpPr>
+        <p:spPr/>
+        <p:txBody>
+          <a:bodyPr/>
+          <a:lstStyle/>
+          <a:p>
+            <a:r>
+              <a:rPr lang="en-US" altLang="zh-TW" dirty="0" smtClean="0"/>
+              <a:t>Clusters are few</a:t>
+            </a:r>
+          </a:p>
+          <a:p>
+            <a:r>
+              <a:rPr lang="en-US" altLang="zh-TW" dirty="0" smtClean="0"/>
+              <a:t>Do not have complex workload.</a:t>
+            </a:r>
+          </a:p>
+          <a:p>
+            <a:r>
+              <a:rPr lang="en-US" altLang="zh-TW" dirty="0" smtClean="0"/>
+              <a:t>Unable to congest the network manfully.</a:t>
+            </a:r>
+          </a:p>
+          <a:p>
+            <a:r>
+              <a:rPr lang="en-US" altLang="zh-TW" dirty="0" smtClean="0"/>
+              <a:t>Do not have access to the real datacenter</a:t>
+            </a:r>
+            <a:endParaRPr lang="zh-TW" altLang="en-US" dirty="0"/>
+          </a:p>
+        </p:txBody>
+      </p:sp>
+      <p:sp>
+        <p:nvSpPr>
+          <p:cNvPr id="4" name="Slide Number Placeholder 3"/>
+          <p:cNvSpPr>
+            <a:spLocks noGrp="1"/>
+          </p:cNvSpPr>
+          <p:nvPr>
+            <p:ph type="sldNum" sz="quarter" idx="12"/>
+          </p:nvPr>
+        </p:nvSpPr>
+        <p:spPr/>
+        <p:txBody>
+          <a:bodyPr/>
+          <a:lstStyle/>
+          <a:p>
+            <a:fld id="{CFE4BAC9-6D41-4691-9299-18EF07EF0177}" type="slidenum">
+              <a:rPr lang="en-US" smtClean="0"/>
+              <a:t>14</a:t>
+            </a:fld>
+            <a:endParaRPr lang="en-US"/>
+          </a:p>
+        </p:txBody>
+      </p:sp>
+    </p:spTree>
+    <p:extLst>
+      <p:ext uri="{BB962C8B-B14F-4D97-AF65-F5344CB8AC3E}">
+        <p14:creationId xmlns:p14="http://schemas.microsoft.com/office/powerpoint/2010/main" val="870914844"/>
+      </p:ext>
+    </p:extLst>
+  </p:cSld>
+  <p:clrMapOvr>
+    <a:masterClrMapping/>
+  </p:clrMapOvr>
+</p:sld>
+</file>
+
+<file path=ppt/slides/slide15.xml><?xml version="1.0" encoding="utf-8"?>
+<p:sld xmlns:a="http://schemas.openxmlformats.org/drawingml/2006/main" xmlns:r="http://schemas.openxmlformats.org/officeDocument/2006/relationships" xmlns:p="http://schemas.openxmlformats.org/presentationml/2006/main">
+  <p:cSld>
+    <p:spTree>
+      <p:nvGrpSpPr>
+        <p:cNvPr id="1" name=""/>
+        <p:cNvGrpSpPr/>
+        <p:nvPr/>
+      </p:nvGrpSpPr>
+      <p:grpSpPr>
+        <a:xfrm>
+          <a:off x="0" y="0"/>
+          <a:ext cx="0" cy="0"/>
+          <a:chOff x="0" y="0"/>
+          <a:chExt cx="0" cy="0"/>
+        </a:xfrm>
+      </p:grpSpPr>
+      <p:sp>
+        <p:nvSpPr>
+          <p:cNvPr id="2" name="Title 1"/>
+          <p:cNvSpPr>
+            <a:spLocks noGrp="1"/>
+          </p:cNvSpPr>
+          <p:nvPr>
+            <p:ph type="title"/>
+          </p:nvPr>
+        </p:nvSpPr>
+        <p:spPr/>
+        <p:txBody>
+          <a:bodyPr/>
+          <a:lstStyle/>
+          <a:p>
+            <a:r>
+              <a:rPr lang="en-US" altLang="zh-TW" dirty="0" smtClean="0"/>
+              <a:t>Conclusion</a:t>
+            </a:r>
+            <a:endParaRPr lang="zh-TW" altLang="en-US" dirty="0"/>
+          </a:p>
+        </p:txBody>
+      </p:sp>
+      <p:sp>
+        <p:nvSpPr>
+          <p:cNvPr id="3" name="Content Placeholder 2"/>
+          <p:cNvSpPr>
+            <a:spLocks noGrp="1"/>
+          </p:cNvSpPr>
+          <p:nvPr>
+            <p:ph idx="1"/>
+          </p:nvPr>
+        </p:nvSpPr>
+        <p:spPr/>
+        <p:txBody>
+          <a:bodyPr/>
+          <a:lstStyle/>
+          <a:p>
+            <a:r>
+              <a:rPr lang="en-US" altLang="zh-TW" dirty="0" smtClean="0"/>
+              <a:t>Our scheduler has little better performance than the ordinary scheduling algorithm .</a:t>
+            </a:r>
+          </a:p>
+          <a:p>
+            <a:r>
+              <a:rPr lang="en-US" altLang="zh-TW" dirty="0" smtClean="0"/>
+              <a:t>If we can get the bandwidth usage of the server, we believe that our algorithms can outperform the old one</a:t>
+            </a:r>
+            <a:endParaRPr lang="zh-TW" altLang="en-US" dirty="0"/>
+          </a:p>
+        </p:txBody>
+      </p:sp>
+      <p:sp>
+        <p:nvSpPr>
+          <p:cNvPr id="4" name="Slide Number Placeholder 3"/>
+          <p:cNvSpPr>
+            <a:spLocks noGrp="1"/>
+          </p:cNvSpPr>
+          <p:nvPr>
+            <p:ph type="sldNum" sz="quarter" idx="12"/>
+          </p:nvPr>
+        </p:nvSpPr>
+        <p:spPr/>
+        <p:txBody>
+          <a:bodyPr/>
+          <a:lstStyle/>
+          <a:p>
+            <a:fld id="{CFE4BAC9-6D41-4691-9299-18EF07EF0177}" type="slidenum">
+              <a:rPr lang="en-US" smtClean="0"/>
+              <a:t>15</a:t>
+            </a:fld>
+            <a:endParaRPr lang="en-US"/>
+          </a:p>
+        </p:txBody>
+      </p:sp>
+    </p:spTree>
+    <p:extLst>
+      <p:ext uri="{BB962C8B-B14F-4D97-AF65-F5344CB8AC3E}">
+        <p14:creationId xmlns:p14="http://schemas.microsoft.com/office/powerpoint/2010/main" val="3955323304"/>
+      </p:ext>
+    </p:extLst>
+  </p:cSld>
+  <p:clrMapOvr>
+    <a:masterClrMapping/>
+  </p:clrMapOvr>
+</p:sld>
+</file>
+
+<file path=ppt/slides/slide16.xml><?xml version="1.0" encoding="utf-8"?>
+<p:sld xmlns:a="http://schemas.openxmlformats.org/drawingml/2006/main" xmlns:r="http://schemas.openxmlformats.org/officeDocument/2006/relationships" xmlns:p="http://schemas.openxmlformats.org/presentationml/2006/main">
+  <p:cSld>
+    <p:spTree>
+      <p:nvGrpSpPr>
+        <p:cNvPr id="1" name=""/>
+        <p:cNvGrpSpPr/>
+        <p:nvPr/>
+      </p:nvGrpSpPr>
+      <p:grpSpPr>
+        <a:xfrm>
+          <a:off x="0" y="0"/>
+          <a:ext cx="0" cy="0"/>
+          <a:chOff x="0" y="0"/>
+          <a:chExt cx="0" cy="0"/>
+        </a:xfrm>
+      </p:grpSpPr>
+      <p:sp>
+        <p:nvSpPr>
+          <p:cNvPr id="2" name="Title 1"/>
+          <p:cNvSpPr>
+            <a:spLocks noGrp="1"/>
+          </p:cNvSpPr>
+          <p:nvPr>
+            <p:ph type="title"/>
+          </p:nvPr>
+        </p:nvSpPr>
+        <p:spPr/>
+        <p:txBody>
+          <a:bodyPr/>
+          <a:lstStyle/>
+          <a:p>
+            <a:r>
+              <a:rPr lang="en-US" altLang="zh-TW" dirty="0" smtClean="0"/>
+              <a:t>Future Work</a:t>
+            </a:r>
+            <a:endParaRPr lang="zh-TW" altLang="en-US" dirty="0"/>
+          </a:p>
+        </p:txBody>
+      </p:sp>
+      <p:sp>
+        <p:nvSpPr>
+          <p:cNvPr id="3" name="Content Placeholder 2"/>
+          <p:cNvSpPr>
+            <a:spLocks noGrp="1"/>
+          </p:cNvSpPr>
+          <p:nvPr>
+            <p:ph idx="1"/>
+          </p:nvPr>
+        </p:nvSpPr>
+        <p:spPr/>
+        <p:txBody>
+          <a:bodyPr/>
+          <a:lstStyle/>
+          <a:p>
+            <a:r>
+              <a:rPr lang="en-US" altLang="zh-TW" dirty="0" smtClean="0"/>
+              <a:t>Test with more complex real quires</a:t>
+            </a:r>
+          </a:p>
+          <a:p>
+            <a:r>
+              <a:rPr lang="en-US" altLang="zh-TW" dirty="0" smtClean="0"/>
+              <a:t>Test with multiple databases</a:t>
+            </a:r>
+          </a:p>
+          <a:p>
+            <a:r>
+              <a:rPr lang="en-US" altLang="zh-TW" dirty="0" smtClean="0"/>
+              <a:t>Test on the real </a:t>
+            </a:r>
+            <a:r>
+              <a:rPr lang="en-US" altLang="zh-TW" dirty="0" smtClean="0"/>
+              <a:t>datacenter</a:t>
+            </a:r>
+          </a:p>
+          <a:p>
+            <a:r>
+              <a:rPr lang="en-US" altLang="zh-TW" dirty="0" smtClean="0"/>
+              <a:t>Consider a query distributed across multiple nodes in cluster</a:t>
+            </a:r>
+            <a:endParaRPr lang="zh-TW" altLang="en-US" dirty="0"/>
+          </a:p>
+        </p:txBody>
+      </p:sp>
+      <p:sp>
+        <p:nvSpPr>
+          <p:cNvPr id="4" name="Slide Number Placeholder 3"/>
+          <p:cNvSpPr>
+            <a:spLocks noGrp="1"/>
+          </p:cNvSpPr>
+          <p:nvPr>
+            <p:ph type="sldNum" sz="quarter" idx="12"/>
+          </p:nvPr>
+        </p:nvSpPr>
+        <p:spPr/>
+        <p:txBody>
+          <a:bodyPr/>
+          <a:lstStyle/>
+          <a:p>
+            <a:fld id="{CFE4BAC9-6D41-4691-9299-18EF07EF0177}" type="slidenum">
+              <a:rPr lang="en-US" smtClean="0"/>
+              <a:t>16</a:t>
             </a:fld>
             <a:endParaRPr lang="en-US"/>
           </a:p>
@@ -3740,21 +4166,10 @@
           <a:lstStyle/>
           <a:p>
             <a:r>
-              <a:rPr lang="en-US" altLang="zh-TW" dirty="0"/>
-              <a:t>C</a:t>
-            </a:r>
-            <a:r>
               <a:rPr lang="en-US" altLang="zh-TW" dirty="0" smtClean="0"/>
-              <a:t>ompute </a:t>
-            </a:r>
-            <a:r>
-              <a:rPr lang="en-US" altLang="zh-TW" dirty="0"/>
-              <a:t>nodes is often not </a:t>
-            </a:r>
-            <a:r>
-              <a:rPr lang="en-US" altLang="zh-TW" dirty="0" smtClean="0"/>
-              <a:t>consistent</a:t>
-            </a:r>
+              <a:t>In a distributed database, the computing capacity of servers may vary</a:t>
+            </a:r>
+            <a:endParaRPr lang="en-US" altLang="zh-TW" dirty="0" smtClean="0"/>
           </a:p>
           <a:p>
             <a:pPr lvl="1"/>
@@ -3798,8 +4213,17 @@
             <a:pPr lvl="1"/>
             <a:r>
               <a:rPr lang="en-US" dirty="0" smtClean="0"/>
-              <a:t>Intercommunicate links are highly congested</a:t>
-            </a:r>
+              <a:t>Network congestion</a:t>
+            </a:r>
+          </a:p>
+          <a:p>
+            <a:r>
+              <a:rPr lang="en-US" dirty="0" smtClean="0"/>
+              <a:t>Typically, distributed databases only schedule queries based upon location to the replica</a:t>
+            </a:r>
+            <a:endParaRPr lang="en-US" dirty="0" smtClean="0"/>
+          </a:p>
+          <a:p>
             <a:endParaRPr lang="en-US" dirty="0"/>
           </a:p>
         </p:txBody>
@@ -3873,10 +4297,10 @@
           <a:lstStyle/>
           <a:p>
             <a:r>
-              <a:rPr lang="en-US" altLang="zh-TW" dirty="0" smtClean="0"/>
-              <a:t>Goal</a:t>
-            </a:r>
-            <a:endParaRPr lang="zh-TW" altLang="en-US" dirty="0"/>
+              <a:rPr lang="en-US" dirty="0" smtClean="0"/>
+              <a:t>Related Work</a:t>
+            </a:r>
+            <a:endParaRPr lang="en-US" dirty="0"/>
           </a:p>
         </p:txBody>
       </p:sp>
@@ -3896,22 +4320,43 @@
           <a:lstStyle/>
           <a:p>
             <a:r>
-              <a:rPr lang="en-US" altLang="zh-TW" dirty="0" smtClean="0"/>
-              <a:t>To explore </a:t>
-            </a:r>
-            <a:r>
-              <a:rPr lang="en-US" altLang="zh-TW" dirty="0"/>
-              <a:t>a more efficient way to schedule jobs on multiple nodes in a </a:t>
-            </a:r>
-            <a:r>
-              <a:rPr lang="en-US" altLang="zh-TW" dirty="0" smtClean="0"/>
-              <a:t>distributed </a:t>
-            </a:r>
-            <a:r>
-              <a:rPr lang="en-US" altLang="zh-TW" dirty="0"/>
-              <a:t>system across heterogeneous machines</a:t>
-            </a:r>
-            <a:endParaRPr lang="zh-TW" altLang="en-US" dirty="0"/>
+              <a:rPr lang="en-US" dirty="0" smtClean="0"/>
+              <a:t>Load Balancing</a:t>
+            </a:r>
+          </a:p>
+          <a:p>
+            <a:pPr lvl="1"/>
+            <a:r>
+              <a:rPr lang="en-US" dirty="0" smtClean="0"/>
+              <a:t>Offline load balancing, where a representative workload is used to allocate data across the cluster</a:t>
+            </a:r>
+          </a:p>
+          <a:p>
+            <a:pPr lvl="1"/>
+            <a:r>
+              <a:rPr lang="en-US" dirty="0" smtClean="0"/>
+              <a:t>Migrating a job to another server after it has already been assigned</a:t>
+            </a:r>
+          </a:p>
+          <a:p>
+            <a:r>
+              <a:rPr lang="en-US" dirty="0" smtClean="0"/>
+              <a:t>Scheduling</a:t>
+            </a:r>
+          </a:p>
+          <a:p>
+            <a:pPr lvl="1"/>
+            <a:r>
+              <a:rPr lang="en-US" dirty="0" smtClean="0"/>
+              <a:t>Single processor scheduling</a:t>
+            </a:r>
+          </a:p>
+          <a:p>
+            <a:pPr lvl="1"/>
+            <a:r>
+              <a:rPr lang="en-US" dirty="0" smtClean="0"/>
+              <a:t>Distributed scheduling</a:t>
+            </a:r>
           </a:p>
         </p:txBody>
       </p:sp>
@@ -3941,7 +4386,7 @@
     </p:spTree>
     <p:extLst>
       <p:ext uri="{BB962C8B-B14F-4D97-AF65-F5344CB8AC3E}">
-        <p14:creationId xmlns:p14="http://schemas.microsoft.com/office/powerpoint/2010/main" val="22364479"/>
+        <p14:creationId xmlns:p14="http://schemas.microsoft.com/office/powerpoint/2010/main" val="2721567679"/>
       </p:ext>
     </p:extLst>
   </p:cSld>
@@ -3985,77 +4430,85 @@
           <a:p>
             <a:r>
               <a:rPr lang="en-US" altLang="zh-TW" dirty="0" smtClean="0"/>
-              <a:t>Our </a:t>
+              <a:t>Goal</a:t>
+            </a:r>
+            <a:endParaRPr lang="zh-TW" altLang="en-US" dirty="0"/>
+          </a:p>
+        </p:txBody>
+      </p:sp>
+      <p:sp>
+        <p:nvSpPr>
+          <p:cNvPr id="3" name="Content Placeholder 2"/>
+          <p:cNvSpPr>
+            <a:spLocks noGrp="1"/>
+          </p:cNvSpPr>
+          <p:nvPr>
+            <p:ph idx="1"/>
+          </p:nvPr>
+        </p:nvSpPr>
+        <p:spPr/>
+        <p:txBody>
+          <a:bodyPr/>
+          <a:lstStyle/>
+          <a:p>
+            <a:r>
+              <a:rPr lang="en-US" altLang="zh-TW" dirty="0" smtClean="0"/>
+              <a:t>To explore </a:t>
             </a:r>
             <a:r>
               <a:rPr lang="en-US" altLang="zh-TW" dirty="0"/>
-              <a:t>scheduler </a:t>
-            </a:r>
-            <a:r>
-              <a:rPr lang="en-US" altLang="zh-TW" dirty="0" err="1"/>
-              <a:t>vs</a:t>
+              <a:t>a more efficient way to schedule </a:t>
+            </a:r>
+            <a:r>
+              <a:rPr lang="en-US" altLang="zh-TW" dirty="0" smtClean="0"/>
+              <a:t>queries on </a:t>
             </a:r>
             <a:r>
               <a:rPr lang="en-US" altLang="zh-TW" dirty="0"/>
-              <a:t> the default </a:t>
-            </a:r>
-            <a:r>
-              <a:rPr lang="en-US" altLang="zh-TW" dirty="0" err="1"/>
-              <a:t>cassandra</a:t>
+              <a:t>multiple nodes in a </a:t>
+            </a:r>
+            <a:r>
+              <a:rPr lang="en-US" altLang="zh-TW" dirty="0" smtClean="0"/>
+              <a:t>distributed </a:t>
             </a:r>
             <a:r>
               <a:rPr lang="en-US" altLang="zh-TW" dirty="0"/>
-              <a:t> scheduler</a:t>
-            </a:r>
-          </a:p>
-        </p:txBody>
-      </p:sp>
-      <p:sp>
-        <p:nvSpPr>
-          <p:cNvPr id="3" name="Content Placeholder 2"/>
-          <p:cNvSpPr>
-            <a:spLocks noGrp="1"/>
-          </p:cNvSpPr>
-          <p:nvPr>
-            <p:ph idx="1"/>
-          </p:nvPr>
-        </p:nvSpPr>
-        <p:spPr/>
-        <p:txBody>
-          <a:bodyPr/>
-          <a:lstStyle/>
-          <a:p>
+              <a:t>system </a:t>
+            </a:r>
+            <a:endParaRPr lang="en-US" altLang="zh-TW" dirty="0" smtClean="0"/>
+          </a:p>
+          <a:p>
+            <a:pPr lvl="1"/>
             <a:r>
               <a:rPr lang="en-US" altLang="zh-TW" dirty="0" smtClean="0"/>
-              <a:t>Cassandra scheduler allocates job based on closer replica.</a:t>
-            </a:r>
-            <a:endParaRPr lang="en-US" altLang="zh-TW" dirty="0"/>
+              <a:t>Better performance</a:t>
+            </a:r>
           </a:p>
           <a:p>
             <a:pPr lvl="1"/>
-            <a:endParaRPr lang="en-US" dirty="0" smtClean="0"/>
-          </a:p>
-          <a:p>
-            <a:r>
-              <a:rPr lang="en-US" dirty="0" smtClean="0"/>
-              <a:t>Our scheduler allocates job based on the resources usage of the server that is holding the replica.</a:t>
-            </a:r>
-            <a:endParaRPr lang="en-US" dirty="0" smtClean="0"/>
-          </a:p>
-          <a:p>
-            <a:pPr marL="0" indent="0">
-              <a:buNone/>
-            </a:pPr>
-            <a:endParaRPr lang="en-US" dirty="0" smtClean="0"/>
-          </a:p>
-          <a:p>
-            <a:endParaRPr lang="en-US" dirty="0" smtClean="0"/>
-          </a:p>
-          <a:p>
-            <a:endParaRPr lang="en-US" dirty="0"/>
-          </a:p>
-          <a:p>
-            <a:endParaRPr lang="en-US" dirty="0"/>
+            <a:r>
+              <a:rPr lang="en-US" altLang="zh-TW" dirty="0" smtClean="0"/>
+              <a:t>Feasible for any </a:t>
+            </a:r>
+            <a:r>
+              <a:rPr lang="en-US" altLang="zh-TW" dirty="0" err="1" smtClean="0"/>
+              <a:t>datastore</a:t>
+            </a:r>
+            <a:endParaRPr lang="en-US" altLang="zh-TW" dirty="0" smtClean="0"/>
+          </a:p>
+          <a:p>
+            <a:pPr lvl="1"/>
+            <a:r>
+              <a:rPr lang="en-US" altLang="zh-TW" dirty="0" smtClean="0"/>
+              <a:t>Mitigate hotspots</a:t>
+            </a:r>
+          </a:p>
+          <a:p>
+            <a:r>
+              <a:rPr lang="en-US" altLang="zh-TW" dirty="0" smtClean="0"/>
+              <a:t>Consider heterogeneous hardware when scheduling</a:t>
+            </a:r>
+            <a:endParaRPr lang="zh-TW" altLang="en-US" dirty="0"/>
           </a:p>
         </p:txBody>
       </p:sp>
@@ -4085,7 +4538,7 @@
     </p:spTree>
     <p:extLst>
       <p:ext uri="{BB962C8B-B14F-4D97-AF65-F5344CB8AC3E}">
-        <p14:creationId xmlns:p14="http://schemas.microsoft.com/office/powerpoint/2010/main" val="1059525721"/>
+        <p14:creationId xmlns:p14="http://schemas.microsoft.com/office/powerpoint/2010/main" val="22364479"/>
       </p:ext>
     </p:extLst>
   </p:cSld>
@@ -4128,10 +4581,10 @@
           <a:lstStyle/>
           <a:p>
             <a:r>
-              <a:rPr lang="en-US" altLang="zh-TW" dirty="0" smtClean="0"/>
-              <a:t>Idea of our scheduler </a:t>
-            </a:r>
-            <a:endParaRPr lang="zh-TW" altLang="en-US" dirty="0"/>
+              <a:rPr lang="en-US" dirty="0" smtClean="0"/>
+              <a:t>Design</a:t>
+            </a:r>
+            <a:endParaRPr lang="en-US" dirty="0"/>
           </a:p>
         </p:txBody>
       </p:sp>
@@ -4151,54 +4604,33 @@
           <a:lstStyle/>
           <a:p>
             <a:r>
-              <a:rPr lang="en-US" altLang="zh-TW" dirty="0"/>
-              <a:t>C</a:t>
-            </a:r>
-            <a:r>
-              <a:rPr lang="en-US" altLang="zh-TW" dirty="0" smtClean="0"/>
-              <a:t>entralized </a:t>
-            </a:r>
-            <a:r>
-              <a:rPr lang="en-US" altLang="zh-TW" dirty="0"/>
-              <a:t>job director (CJD</a:t>
-            </a:r>
-            <a:r>
-              <a:rPr lang="en-US" altLang="zh-TW" dirty="0" smtClean="0"/>
-              <a:t>) </a:t>
-            </a:r>
-            <a:r>
-              <a:rPr lang="en-US" altLang="zh-TW" dirty="0"/>
-              <a:t>, centralized master server that is responsible for scheduling jobs on </a:t>
-            </a:r>
-            <a:r>
-              <a:rPr lang="en-US" altLang="zh-TW" dirty="0" smtClean="0"/>
-              <a:t>nodes, base on resource usage. </a:t>
-            </a:r>
-          </a:p>
-          <a:p>
-            <a:endParaRPr lang="en-US" altLang="zh-TW" dirty="0" smtClean="0"/>
-          </a:p>
-          <a:p>
-            <a:r>
-              <a:rPr lang="en-US" altLang="zh-TW" dirty="0" smtClean="0"/>
-              <a:t>Resource Monitor: </a:t>
-            </a:r>
-            <a:r>
-              <a:rPr lang="en-US" altLang="zh-TW" dirty="0"/>
-              <a:t>Measuring the load information of a node in the </a:t>
-            </a:r>
-            <a:r>
-              <a:rPr lang="en-US" altLang="zh-TW" dirty="0" smtClean="0"/>
-              <a:t>cluster and send them to CJD.</a:t>
+              <a:rPr lang="en-US" dirty="0" smtClean="0"/>
+              <a:t>Take server load into account when deciding the location to execute a query [cite black/grey box paper]</a:t>
             </a:r>
           </a:p>
           <a:p>
             <a:pPr lvl="1"/>
             <a:r>
-              <a:rPr lang="en-US" altLang="zh-TW" dirty="0" smtClean="0"/>
-              <a:t>CPU usage &amp; Memory usage</a:t>
-            </a:r>
-            <a:endParaRPr lang="zh-TW" altLang="en-US" dirty="0"/>
+              <a:rPr lang="en-US" dirty="0" smtClean="0"/>
+              <a:t>CPU Usage</a:t>
+            </a:r>
+          </a:p>
+          <a:p>
+            <a:pPr lvl="1"/>
+            <a:r>
+              <a:rPr lang="en-US" dirty="0" smtClean="0"/>
+              <a:t>Memory</a:t>
+            </a:r>
+          </a:p>
+          <a:p>
+            <a:r>
+              <a:rPr lang="en-US" dirty="0" smtClean="0">
+                <a:solidFill>
+                  <a:srgbClr val="FF0000"/>
+                </a:solidFill>
+              </a:rPr>
+              <a:t>Create picture of cluster with CJD and RM, make this an animation showing how a query enters the cluster and is scheduled</a:t>
+            </a:r>
           </a:p>
         </p:txBody>
       </p:sp>
@@ -4228,7 +4660,7 @@
     </p:spTree>
     <p:extLst>
       <p:ext uri="{BB962C8B-B14F-4D97-AF65-F5344CB8AC3E}">
-        <p14:creationId xmlns:p14="http://schemas.microsoft.com/office/powerpoint/2010/main" val="1053628095"/>
+        <p14:creationId xmlns:p14="http://schemas.microsoft.com/office/powerpoint/2010/main" val="3015429796"/>
       </p:ext>
     </p:extLst>
   </p:cSld>
@@ -4271,10 +4703,10 @@
           <a:lstStyle/>
           <a:p>
             <a:r>
-              <a:rPr lang="en-US" dirty="0" smtClean="0"/>
-              <a:t>Method</a:t>
-            </a:r>
-            <a:endParaRPr lang="en-US" dirty="0"/>
+              <a:rPr lang="en-US" altLang="zh-TW" dirty="0" smtClean="0"/>
+              <a:t>Implementation</a:t>
+            </a:r>
+            <a:endParaRPr lang="zh-TW" altLang="en-US" dirty="0"/>
           </a:p>
         </p:txBody>
       </p:sp>
@@ -4294,81 +4726,103 @@
           <a:lstStyle/>
           <a:p>
             <a:r>
-              <a:rPr lang="en-US" altLang="zh-TW" b="1" dirty="0" smtClean="0"/>
-              <a:t>Job </a:t>
-            </a:r>
-            <a:r>
-              <a:rPr lang="en-US" altLang="zh-TW" b="1" dirty="0"/>
-              <a:t>generator </a:t>
-            </a:r>
-            <a:r>
-              <a:rPr lang="en-US" altLang="zh-TW" b="1" dirty="0" smtClean="0"/>
-              <a:t>: </a:t>
+              <a:rPr lang="en-US" altLang="zh-TW" dirty="0"/>
+              <a:t>Resource Monitor: </a:t>
             </a:r>
             <a:r>
               <a:rPr lang="en-US" altLang="zh-TW" dirty="0" smtClean="0"/>
-              <a:t>Yahoo</a:t>
+              <a:t>Measures </a:t>
             </a:r>
             <a:r>
               <a:rPr lang="en-US" altLang="zh-TW" dirty="0"/>
-              <a:t>! Cloud Service Benchmark (YCSB</a:t>
+              <a:t>the load information of a node in the </a:t>
             </a:r>
             <a:r>
               <a:rPr lang="en-US" altLang="zh-TW" dirty="0" smtClean="0"/>
-              <a:t>)</a:t>
-            </a:r>
-          </a:p>
-          <a:p>
+              <a:t>cluster</a:t>
+            </a:r>
+          </a:p>
+          <a:p>
+            <a:pPr lvl="1"/>
+            <a:r>
+              <a:rPr lang="en-US" altLang="zh-TW" dirty="0" smtClean="0">
+                <a:solidFill>
+                  <a:srgbClr val="FF0000"/>
+                </a:solidFill>
+              </a:rPr>
+              <a:t>[have little picture from design slide]</a:t>
+            </a:r>
+          </a:p>
+          <a:p>
+            <a:r>
+              <a:rPr lang="en-US" altLang="zh-TW" dirty="0" smtClean="0"/>
+              <a:t>Central </a:t>
+            </a:r>
+            <a:r>
+              <a:rPr lang="en-US" altLang="zh-TW" dirty="0"/>
+              <a:t>job director (CJD</a:t>
+            </a:r>
+            <a:r>
+              <a:rPr lang="en-US" altLang="zh-TW" dirty="0" smtClean="0"/>
+              <a:t>): </a:t>
+            </a:r>
+            <a:r>
+              <a:rPr lang="en-US" altLang="zh-TW" dirty="0" smtClean="0"/>
+              <a:t>C</a:t>
+            </a:r>
+            <a:r>
+              <a:rPr lang="en-US" altLang="zh-TW" dirty="0" smtClean="0"/>
+              <a:t>entral </a:t>
+            </a:r>
+            <a:r>
+              <a:rPr lang="en-US" altLang="zh-TW" dirty="0"/>
+              <a:t>master server </a:t>
+            </a:r>
+            <a:r>
+              <a:rPr lang="en-US" altLang="zh-TW" dirty="0" smtClean="0"/>
+              <a:t>responsible </a:t>
+            </a:r>
+            <a:r>
+              <a:rPr lang="en-US" altLang="zh-TW" dirty="0"/>
+              <a:t>for scheduling jobs on </a:t>
+            </a:r>
+            <a:r>
+              <a:rPr lang="en-US" altLang="zh-TW" dirty="0" smtClean="0"/>
+              <a:t>nodes </a:t>
+            </a:r>
+          </a:p>
+          <a:p>
+            <a:pPr lvl="1"/>
+            <a:r>
+              <a:rPr lang="en-US" altLang="zh-TW" dirty="0" smtClean="0"/>
+              <a:t>B</a:t>
+            </a:r>
+            <a:r>
+              <a:rPr lang="en-US" altLang="zh-TW" dirty="0" smtClean="0"/>
+              <a:t>ased on resource usage</a:t>
+            </a:r>
+          </a:p>
+          <a:p>
+            <a:pPr lvl="1"/>
+            <a:r>
+              <a:rPr lang="en-US" altLang="zh-TW" dirty="0" smtClean="0">
+                <a:solidFill>
+                  <a:srgbClr val="FF0000"/>
+                </a:solidFill>
+              </a:rPr>
+              <a:t>[have little picture from design slide]</a:t>
+            </a:r>
+            <a:endParaRPr lang="en-US" altLang="zh-TW" dirty="0" smtClean="0">
+              <a:solidFill>
+                <a:srgbClr val="FF0000"/>
+              </a:solidFill>
+            </a:endParaRPr>
+          </a:p>
+          <a:p>
+            <a:pPr marL="0" indent="0">
+              <a:buNone/>
+            </a:pPr>
             <a:endParaRPr lang="en-US" altLang="zh-TW" dirty="0" smtClean="0"/>
-          </a:p>
-          <a:p>
-            <a:r>
-              <a:rPr lang="en-US" altLang="zh-TW" b="1" dirty="0"/>
-              <a:t>D</a:t>
-            </a:r>
-            <a:r>
-              <a:rPr lang="en-US" altLang="zh-TW" b="1" dirty="0" smtClean="0"/>
-              <a:t>istributed </a:t>
-            </a:r>
-            <a:r>
-              <a:rPr lang="en-US" altLang="zh-TW" b="1" dirty="0"/>
-              <a:t>database management </a:t>
-            </a:r>
-            <a:r>
-              <a:rPr lang="en-US" altLang="zh-TW" b="1" dirty="0" smtClean="0"/>
-              <a:t>system:</a:t>
-            </a:r>
-            <a:r>
-              <a:rPr lang="en-US" altLang="zh-TW" dirty="0" smtClean="0"/>
-              <a:t> </a:t>
-            </a:r>
-            <a:r>
-              <a:rPr lang="en-US" altLang="zh-TW" dirty="0"/>
-              <a:t>C</a:t>
-            </a:r>
-            <a:r>
-              <a:rPr lang="en-US" altLang="zh-TW" dirty="0" smtClean="0"/>
-              <a:t>assandra </a:t>
-            </a:r>
-          </a:p>
-          <a:p>
-            <a:endParaRPr lang="en-US" dirty="0"/>
-          </a:p>
-          <a:p>
-            <a:r>
-              <a:rPr lang="en-US" dirty="0" smtClean="0"/>
-              <a:t>10 cluster (configuration)</a:t>
-            </a:r>
-          </a:p>
-          <a:p>
-            <a:endParaRPr lang="en-US" dirty="0"/>
-          </a:p>
-          <a:p>
-            <a:r>
-              <a:rPr lang="en-US" dirty="0" smtClean="0"/>
-              <a:t>150 GB read heavy query.</a:t>
-            </a:r>
-            <a:endParaRPr lang="en-US" dirty="0"/>
           </a:p>
         </p:txBody>
       </p:sp>
@@ -4398,7 +4852,7 @@
     </p:spTree>
     <p:extLst>
       <p:ext uri="{BB962C8B-B14F-4D97-AF65-F5344CB8AC3E}">
-        <p14:creationId xmlns:p14="http://schemas.microsoft.com/office/powerpoint/2010/main" val="771379248"/>
+        <p14:creationId xmlns:p14="http://schemas.microsoft.com/office/powerpoint/2010/main" val="1053628095"/>
       </p:ext>
     </p:extLst>
   </p:cSld>
@@ -4441,10 +4895,10 @@
           <a:lstStyle/>
           <a:p>
             <a:r>
-              <a:rPr lang="en-US" altLang="zh-TW" dirty="0" smtClean="0"/>
-              <a:t>Result</a:t>
-            </a:r>
-            <a:endParaRPr lang="zh-TW" altLang="en-US" dirty="0"/>
+              <a:rPr lang="en-US" dirty="0" smtClean="0"/>
+              <a:t>Concrete Implementation (placeholder)</a:t>
+            </a:r>
+            <a:endParaRPr lang="en-US" dirty="0"/>
           </a:p>
         </p:txBody>
       </p:sp>
@@ -4464,10 +4918,33 @@
           <a:lstStyle/>
           <a:p>
             <a:r>
-              <a:rPr lang="en-US" altLang="zh-TW" dirty="0" smtClean="0"/>
-              <a:t>5 times experiments </a:t>
-            </a:r>
-            <a:endParaRPr lang="zh-TW" altLang="en-US" dirty="0"/>
+              <a:rPr lang="en-US" dirty="0" smtClean="0"/>
+              <a:t>have the animation from slide 6, but with concrete numbers</a:t>
+            </a:r>
+          </a:p>
+          <a:p>
+            <a:r>
+              <a:rPr lang="en-US" dirty="0" smtClean="0"/>
+              <a:t>Implemented the scheduler in </a:t>
+            </a:r>
+            <a:r>
+              <a:rPr lang="en-US" dirty="0" err="1" smtClean="0"/>
+              <a:t>cassandra</a:t>
+            </a:r>
+            <a:endParaRPr lang="en-US" dirty="0" smtClean="0"/>
+          </a:p>
+          <a:p>
+            <a:r>
+              <a:rPr lang="en-US" dirty="0" smtClean="0"/>
+              <a:t>About 25 lines of code</a:t>
+            </a:r>
+          </a:p>
+          <a:p>
+            <a:r>
+              <a:rPr lang="en-US" dirty="0" smtClean="0"/>
+              <a:t>Calculation for resource monitor [cite the paper]</a:t>
+            </a:r>
+            <a:endParaRPr lang="en-US" dirty="0"/>
           </a:p>
         </p:txBody>
       </p:sp>
@@ -4497,7 +4974,7 @@
     </p:spTree>
     <p:extLst>
       <p:ext uri="{BB962C8B-B14F-4D97-AF65-F5344CB8AC3E}">
-        <p14:creationId xmlns:p14="http://schemas.microsoft.com/office/powerpoint/2010/main" val="3684417483"/>
+        <p14:creationId xmlns:p14="http://schemas.microsoft.com/office/powerpoint/2010/main" val="1100651842"/>
       </p:ext>
     </p:extLst>
   </p:cSld>
@@ -4540,51 +5017,100 @@
           <a:lstStyle/>
           <a:p>
             <a:r>
+              <a:rPr lang="en-US" dirty="0" smtClean="0"/>
+              <a:t>Experimental Methodology</a:t>
+            </a:r>
+            <a:endParaRPr lang="en-US" dirty="0"/>
+          </a:p>
+        </p:txBody>
+      </p:sp>
+      <p:sp>
+        <p:nvSpPr>
+          <p:cNvPr id="3" name="Content Placeholder 2"/>
+          <p:cNvSpPr>
+            <a:spLocks noGrp="1"/>
+          </p:cNvSpPr>
+          <p:nvPr>
+            <p:ph idx="1"/>
+          </p:nvPr>
+        </p:nvSpPr>
+        <p:spPr>
+          <a:xfrm>
+            <a:off x="264426" y="1600200"/>
+            <a:ext cx="8229600" cy="4525963"/>
+          </a:xfrm>
+        </p:spPr>
+        <p:txBody>
+          <a:bodyPr/>
+          <a:lstStyle/>
+          <a:p>
+            <a:r>
               <a:rPr lang="en-US" altLang="zh-TW" dirty="0" smtClean="0"/>
-              <a:t>Summary the result</a:t>
-            </a:r>
-            <a:endParaRPr lang="zh-TW" altLang="en-US" dirty="0"/>
-          </a:p>
-        </p:txBody>
-      </p:sp>
-      <p:sp>
-        <p:nvSpPr>
-          <p:cNvPr id="3" name="Content Placeholder 2"/>
-          <p:cNvSpPr>
-            <a:spLocks noGrp="1"/>
-          </p:cNvSpPr>
-          <p:nvPr>
-            <p:ph idx="1"/>
-          </p:nvPr>
-        </p:nvSpPr>
-        <p:spPr/>
-        <p:txBody>
-          <a:bodyPr/>
-          <a:lstStyle/>
+              <a:t>Compared Apache Cassandra with and without our scheduler</a:t>
+            </a:r>
+            <a:endParaRPr lang="en-US" altLang="zh-TW" dirty="0" smtClean="0"/>
+          </a:p>
           <a:p>
             <a:r>
               <a:rPr lang="en-US" altLang="zh-TW" dirty="0" smtClean="0"/>
-              <a:t>Our scheduling algorithm makes small improvement  to the default scheduler.</a:t>
-            </a:r>
-          </a:p>
-          <a:p>
+              <a:t>Used Yahoo</a:t>
+            </a:r>
+            <a:r>
+              <a:rPr lang="en-US" altLang="zh-TW" dirty="0"/>
+              <a:t>! Cloud Service Benchmark (YCSB</a:t>
+            </a:r>
+            <a:r>
+              <a:rPr lang="en-US" altLang="zh-TW" dirty="0" smtClean="0"/>
+              <a:t>) to generate queries for benchmarking each </a:t>
+            </a:r>
+            <a:r>
+              <a:rPr lang="en-US" altLang="zh-TW" dirty="0" err="1" smtClean="0"/>
+              <a:t>datastore</a:t>
+            </a:r>
             <a:endParaRPr lang="en-US" altLang="zh-TW" dirty="0" smtClean="0"/>
           </a:p>
           <a:p>
+            <a:pPr lvl="1"/>
             <a:r>
               <a:rPr lang="en-US" altLang="zh-TW" dirty="0" smtClean="0"/>
-              <a:t>CPU usage seems not make any different to query processing.</a:t>
-            </a:r>
-          </a:p>
-          <a:p>
+              <a:t>Generates data and queries for testing the performance of a distributed </a:t>
+            </a:r>
+            <a:r>
+              <a:rPr lang="en-US" altLang="zh-TW" dirty="0" err="1" smtClean="0"/>
+              <a:t>datastore</a:t>
+            </a:r>
             <a:endParaRPr lang="en-US" altLang="zh-TW" dirty="0" smtClean="0"/>
           </a:p>
           <a:p>
-            <a:r>
-              <a:rPr lang="en-US" altLang="zh-TW" dirty="0" smtClean="0"/>
-              <a:t>The amount memory used by Cassandra make no difference</a:t>
-            </a:r>
-            <a:endParaRPr lang="en-US" altLang="zh-TW" dirty="0"/>
+            <a:endParaRPr lang="en-US" dirty="0"/>
+          </a:p>
+          <a:p>
+            <a:r>
+              <a:rPr lang="en-US" dirty="0" smtClean="0"/>
+              <a:t>10 cluster (configuration</a:t>
+            </a:r>
+            <a:r>
+              <a:rPr lang="en-US" dirty="0" smtClean="0"/>
+              <a:t>)</a:t>
+            </a:r>
+            <a:endParaRPr lang="en-US" dirty="0"/>
+          </a:p>
+          <a:p>
+            <a:r>
+              <a:rPr lang="en-US" dirty="0" smtClean="0"/>
+              <a:t>150 GB read heavy query</a:t>
+            </a:r>
+            <a:r>
+              <a:rPr lang="en-US" dirty="0" smtClean="0"/>
+              <a:t>.</a:t>
+            </a:r>
+          </a:p>
+          <a:p>
+            <a:r>
+              <a:rPr lang="en-US" dirty="0" smtClean="0"/>
+              <a:t>Data is hash partitioned</a:t>
+            </a:r>
+            <a:endParaRPr lang="en-US" dirty="0"/>
           </a:p>
         </p:txBody>
       </p:sp>
@@ -4614,7 +5140,7 @@
     </p:spTree>
     <p:extLst>
       <p:ext uri="{BB962C8B-B14F-4D97-AF65-F5344CB8AC3E}">
-        <p14:creationId xmlns:p14="http://schemas.microsoft.com/office/powerpoint/2010/main" val="1688006671"/>
+        <p14:creationId xmlns:p14="http://schemas.microsoft.com/office/powerpoint/2010/main" val="771379248"/>
       </p:ext>
     </p:extLst>
   </p:cSld>

--- a/PresentationSlides/Presentation.pptx
+++ b/PresentationSlides/Presentation.pptx
@@ -303,7 +303,7 @@
           <a:p>
             <a:fld id="{578C8EFD-E150-CA4D-905C-A94D1A78A82A}" type="datetime1">
               <a:rPr lang="en-CA" smtClean="0"/>
-              <a:t>12-11-29</a:t>
+              <a:t>12-11-30</a:t>
             </a:fld>
             <a:endParaRPr lang="en-US"/>
           </a:p>
@@ -473,7 +473,7 @@
           <a:p>
             <a:fld id="{15D8ADF8-3441-5F45-A19B-D033F59CF17D}" type="datetime1">
               <a:rPr lang="en-CA" smtClean="0"/>
-              <a:t>12-11-29</a:t>
+              <a:t>12-11-30</a:t>
             </a:fld>
             <a:endParaRPr lang="en-US"/>
           </a:p>
@@ -653,7 +653,7 @@
           <a:p>
             <a:fld id="{0AED5A46-46F0-524C-B118-2413C4B118F2}" type="datetime1">
               <a:rPr lang="en-CA" smtClean="0"/>
-              <a:t>12-11-29</a:t>
+              <a:t>12-11-30</a:t>
             </a:fld>
             <a:endParaRPr lang="en-US"/>
           </a:p>
@@ -823,7 +823,7 @@
           <a:p>
             <a:fld id="{2FFAA75D-0121-8445-A2D5-37B4791018BB}" type="datetime1">
               <a:rPr lang="en-CA" smtClean="0"/>
-              <a:t>12-11-29</a:t>
+              <a:t>12-11-30</a:t>
             </a:fld>
             <a:endParaRPr lang="en-US"/>
           </a:p>
@@ -1069,7 +1069,7 @@
           <a:p>
             <a:fld id="{53F7EAB1-141B-FB47-8AAB-E68313ADDAE7}" type="datetime1">
               <a:rPr lang="en-CA" smtClean="0"/>
-              <a:t>12-11-29</a:t>
+              <a:t>12-11-30</a:t>
             </a:fld>
             <a:endParaRPr lang="en-US"/>
           </a:p>
@@ -1357,7 +1357,7 @@
           <a:p>
             <a:fld id="{7B50838B-1487-4842-81F1-BDF2A6D1F1B3}" type="datetime1">
               <a:rPr lang="en-CA" smtClean="0"/>
-              <a:t>12-11-29</a:t>
+              <a:t>12-11-30</a:t>
             </a:fld>
             <a:endParaRPr lang="en-US"/>
           </a:p>
@@ -1779,7 +1779,7 @@
           <a:p>
             <a:fld id="{8597D41A-A37E-B94A-ABBE-66D061CC16A8}" type="datetime1">
               <a:rPr lang="en-CA" smtClean="0"/>
-              <a:t>12-11-29</a:t>
+              <a:t>12-11-30</a:t>
             </a:fld>
             <a:endParaRPr lang="en-US"/>
           </a:p>
@@ -1897,7 +1897,7 @@
           <a:p>
             <a:fld id="{3E462AFF-A87A-3449-BF73-2E332730FBBD}" type="datetime1">
               <a:rPr lang="en-CA" smtClean="0"/>
-              <a:t>12-11-29</a:t>
+              <a:t>12-11-30</a:t>
             </a:fld>
             <a:endParaRPr lang="en-US"/>
           </a:p>
@@ -1992,7 +1992,7 @@
           <a:p>
             <a:fld id="{61F0DCD8-522C-0E46-A196-33CF3C2A12C1}" type="datetime1">
               <a:rPr lang="en-CA" smtClean="0"/>
-              <a:t>12-11-29</a:t>
+              <a:t>12-11-30</a:t>
             </a:fld>
             <a:endParaRPr lang="en-US"/>
           </a:p>
@@ -2269,7 +2269,7 @@
           <a:p>
             <a:fld id="{05556C25-90F2-064D-BF7A-B83AB86F67C5}" type="datetime1">
               <a:rPr lang="en-CA" smtClean="0"/>
-              <a:t>12-11-29</a:t>
+              <a:t>12-11-30</a:t>
             </a:fld>
             <a:endParaRPr lang="en-US"/>
           </a:p>
@@ -2526,7 +2526,7 @@
           <a:p>
             <a:fld id="{D36A68E7-021F-D94A-BB37-798C61C4259E}" type="datetime1">
               <a:rPr lang="en-CA" smtClean="0"/>
-              <a:t>12-11-29</a:t>
+              <a:t>12-11-30</a:t>
             </a:fld>
             <a:endParaRPr lang="en-US"/>
           </a:p>
@@ -2739,7 +2739,7 @@
           <a:p>
             <a:fld id="{740C5816-A486-5D43-AC42-C657B961AA99}" type="datetime1">
               <a:rPr lang="en-CA" smtClean="0"/>
-              <a:t>12-11-29</a:t>
+              <a:t>12-11-30</a:t>
             </a:fld>
             <a:endParaRPr lang="en-US"/>
           </a:p>
@@ -3135,8 +3135,8 @@
               <a:t>Horoscope: Resource Based Scheduling of Queries in Distributed </a:t>
             </a:r>
             <a:r>
-              <a:rPr lang="en-US" dirty="0" err="1" smtClean="0"/>
-              <a:t>Datastores</a:t>
+              <a:rPr lang="en-US" dirty="0" smtClean="0"/>
+              <a:t>Databases</a:t>
             </a:r>
             <a:endParaRPr lang="en-US" dirty="0"/>
           </a:p>
@@ -3280,11 +3280,7 @@
           <a:p>
             <a:r>
               <a:rPr lang="en-US" altLang="zh-TW" dirty="0" smtClean="0"/>
-              <a:t>1 Graph</a:t>
-            </a:r>
-            <a:r>
-              <a:rPr lang="en-US" altLang="zh-TW" dirty="0" smtClean="0"/>
-              <a:t> </a:t>
+              <a:t>1 Graph </a:t>
             </a:r>
             <a:endParaRPr lang="zh-TW" altLang="en-US" dirty="0"/>
           </a:p>
@@ -3478,23 +3474,7 @@
           <a:p>
             <a:r>
               <a:rPr lang="en-US" altLang="zh-TW" dirty="0" smtClean="0"/>
-              <a:t>Our scheduling algorithm </a:t>
-            </a:r>
-            <a:r>
-              <a:rPr lang="en-US" altLang="zh-TW" dirty="0" smtClean="0"/>
-              <a:t>provides</a:t>
-            </a:r>
-            <a:r>
-              <a:rPr lang="en-US" altLang="zh-TW" dirty="0" smtClean="0"/>
-              <a:t> a small </a:t>
-            </a:r>
-            <a:r>
-              <a:rPr lang="en-US" altLang="zh-TW" dirty="0" smtClean="0"/>
-              <a:t>improvement  to the default </a:t>
-            </a:r>
-            <a:r>
-              <a:rPr lang="en-US" altLang="zh-TW" dirty="0" smtClean="0"/>
-              <a:t>scheduler</a:t>
+              <a:t>Our scheduling algorithm provides a small improvement  to the default scheduler</a:t>
             </a:r>
           </a:p>
           <a:p>
@@ -3509,7 +3489,6 @@
               <a:rPr lang="en-US" altLang="zh-TW" dirty="0" smtClean="0"/>
               <a:t>The operations/second difference is not as drastic as we had hoped</a:t>
             </a:r>
-            <a:endParaRPr lang="en-US" altLang="zh-TW" dirty="0" smtClean="0"/>
           </a:p>
         </p:txBody>
       </p:sp>
@@ -3935,11 +3914,7 @@
           <a:p>
             <a:r>
               <a:rPr lang="en-US" altLang="zh-TW" dirty="0" smtClean="0"/>
-              <a:t>Test on the real </a:t>
-            </a:r>
-            <a:r>
-              <a:rPr lang="en-US" altLang="zh-TW" dirty="0" smtClean="0"/>
-              <a:t>datacenter</a:t>
+              <a:t>Test on the real datacenter</a:t>
             </a:r>
           </a:p>
           <a:p>
@@ -4169,7 +4144,6 @@
               <a:rPr lang="en-US" altLang="zh-TW" dirty="0" smtClean="0"/>
               <a:t>In a distributed database, the computing capacity of servers may vary</a:t>
             </a:r>
-            <a:endParaRPr lang="en-US" altLang="zh-TW" dirty="0" smtClean="0"/>
           </a:p>
           <a:p>
             <a:pPr lvl="1"/>
@@ -4221,7 +4195,6 @@
               <a:rPr lang="en-US" dirty="0" smtClean="0"/>
               <a:t>Typically, distributed databases only schedule queries based upon location to the replica</a:t>
             </a:r>
-            <a:endParaRPr lang="en-US" dirty="0" smtClean="0"/>
           </a:p>
           <a:p>
             <a:endParaRPr lang="en-US" dirty="0"/>
@@ -4764,15 +4737,7 @@
             </a:r>
             <a:r>
               <a:rPr lang="en-US" altLang="zh-TW" dirty="0" smtClean="0"/>
-              <a:t>): </a:t>
-            </a:r>
-            <a:r>
-              <a:rPr lang="en-US" altLang="zh-TW" dirty="0" smtClean="0"/>
-              <a:t>C</a:t>
-            </a:r>
-            <a:r>
-              <a:rPr lang="en-US" altLang="zh-TW" dirty="0" smtClean="0"/>
-              <a:t>entral </a:t>
+              <a:t>): Central </a:t>
             </a:r>
             <a:r>
               <a:rPr lang="en-US" altLang="zh-TW" dirty="0"/>
@@ -4795,11 +4760,7 @@
             <a:pPr lvl="1"/>
             <a:r>
               <a:rPr lang="en-US" altLang="zh-TW" dirty="0" smtClean="0"/>
-              <a:t>B</a:t>
-            </a:r>
-            <a:r>
-              <a:rPr lang="en-US" altLang="zh-TW" dirty="0" smtClean="0"/>
-              <a:t>ased on resource usage</a:t>
+              <a:t>Based on resource usage</a:t>
             </a:r>
           </a:p>
           <a:p>
@@ -4812,11 +4773,6 @@
               </a:rPr>
               <a:t>[have little picture from design slide]</a:t>
             </a:r>
-            <a:endParaRPr lang="en-US" altLang="zh-TW" dirty="0" smtClean="0">
-              <a:solidFill>
-                <a:srgbClr val="FF0000"/>
-              </a:solidFill>
-            </a:endParaRPr>
           </a:p>
           <a:p>
             <a:pPr marL="0" indent="0">
@@ -5048,7 +5004,6 @@
               <a:rPr lang="en-US" altLang="zh-TW" dirty="0" smtClean="0"/>
               <a:t>Compared Apache Cassandra with and without our scheduler</a:t>
             </a:r>
-            <a:endParaRPr lang="en-US" altLang="zh-TW" dirty="0" smtClean="0"/>
           </a:p>
           <a:p>
             <a:r>
@@ -5061,11 +5016,11 @@
             </a:r>
             <a:r>
               <a:rPr lang="en-US" altLang="zh-TW" dirty="0" smtClean="0"/>
-              <a:t>) to generate queries for benchmarking each </a:t>
-            </a:r>
-            <a:r>
-              <a:rPr lang="en-US" altLang="zh-TW" dirty="0" err="1" smtClean="0"/>
-              <a:t>datastore</a:t>
+              <a:t>) to generate queries for </a:t>
+            </a:r>
+            <a:r>
+              <a:rPr lang="en-US" altLang="zh-TW" dirty="0" smtClean="0"/>
+              <a:t>benchmarking</a:t>
             </a:r>
             <a:endParaRPr lang="en-US" altLang="zh-TW" dirty="0" smtClean="0"/>
           </a:p>
@@ -5076,8 +5031,8 @@
               <a:t>Generates data and queries for testing the performance of a distributed </a:t>
             </a:r>
             <a:r>
-              <a:rPr lang="en-US" altLang="zh-TW" dirty="0" err="1" smtClean="0"/>
-              <a:t>datastore</a:t>
+              <a:rPr lang="en-US" altLang="zh-TW" dirty="0" smtClean="0"/>
+              <a:t>database</a:t>
             </a:r>
             <a:endParaRPr lang="en-US" altLang="zh-TW" dirty="0" smtClean="0"/>
           </a:p>
@@ -5087,22 +5042,14 @@
           <a:p>
             <a:r>
               <a:rPr lang="en-US" dirty="0" smtClean="0"/>
-              <a:t>10 cluster (configuration</a:t>
-            </a:r>
+              <a:t>10 cluster (configuration)</a:t>
+            </a:r>
+            <a:endParaRPr lang="en-US" dirty="0"/>
+          </a:p>
+          <a:p>
             <a:r>
               <a:rPr lang="en-US" dirty="0" smtClean="0"/>
-              <a:t>)</a:t>
-            </a:r>
-            <a:endParaRPr lang="en-US" dirty="0"/>
-          </a:p>
-          <a:p>
-            <a:r>
-              <a:rPr lang="en-US" dirty="0" smtClean="0"/>
-              <a:t>150 GB read heavy query</a:t>
-            </a:r>
-            <a:r>
-              <a:rPr lang="en-US" dirty="0" smtClean="0"/>
-              <a:t>.</a:t>
+              <a:t>150 GB read heavy query.</a:t>
             </a:r>
           </a:p>
           <a:p>

--- a/PresentationSlides/Presentation.pptx
+++ b/PresentationSlides/Presentation.pptx
@@ -3132,11 +3132,7 @@
           <a:p>
             <a:r>
               <a:rPr lang="en-US" dirty="0" smtClean="0"/>
-              <a:t>Horoscope: Resource Based Scheduling of Queries in Distributed </a:t>
-            </a:r>
-            <a:r>
-              <a:rPr lang="en-US" dirty="0" smtClean="0"/>
-              <a:t>Databases</a:t>
+              <a:t>Horoscope: Resource Based Scheduling of Queries in Distributed Databases</a:t>
             </a:r>
             <a:endParaRPr lang="en-US" dirty="0"/>
           </a:p>
@@ -4082,6 +4078,13 @@
   <p:clrMapOvr>
     <a:masterClrMapping/>
   </p:clrMapOvr>
+  <p:timing>
+    <p:tnLst>
+      <p:par>
+        <p:cTn xmlns:p14="http://schemas.microsoft.com/office/powerpoint/2010/main" id="1" dur="indefinite" restart="never" nodeType="tmRoot"/>
+      </p:par>
+    </p:tnLst>
+  </p:timing>
 </p:sld>
 </file>
 
@@ -4464,8 +4467,8 @@
               <a:t>Feasible for any </a:t>
             </a:r>
             <a:r>
-              <a:rPr lang="en-US" altLang="zh-TW" dirty="0" err="1" smtClean="0"/>
-              <a:t>datastore</a:t>
+              <a:rPr lang="en-US" altLang="zh-TW" dirty="0" smtClean="0"/>
+              <a:t>database</a:t>
             </a:r>
             <a:endParaRPr lang="en-US" altLang="zh-TW" dirty="0" smtClean="0"/>
           </a:p>
@@ -4518,6 +4521,13 @@
   <p:clrMapOvr>
     <a:masterClrMapping/>
   </p:clrMapOvr>
+  <p:timing>
+    <p:tnLst>
+      <p:par>
+        <p:cTn xmlns:p14="http://schemas.microsoft.com/office/powerpoint/2010/main" id="1" dur="indefinite" restart="never" nodeType="tmRoot"/>
+      </p:par>
+    </p:tnLst>
+  </p:timing>
 </p:sld>
 </file>
 
@@ -4563,52 +4573,6 @@
       </p:sp>
       <p:sp>
         <p:nvSpPr>
-          <p:cNvPr id="3" name="Content Placeholder 2"/>
-          <p:cNvSpPr>
-            <a:spLocks noGrp="1"/>
-          </p:cNvSpPr>
-          <p:nvPr>
-            <p:ph idx="1"/>
-          </p:nvPr>
-        </p:nvSpPr>
-        <p:spPr/>
-        <p:txBody>
-          <a:bodyPr/>
-          <a:lstStyle/>
-          <a:p>
-            <a:r>
-              <a:rPr lang="en-US" dirty="0" smtClean="0"/>
-              <a:t>Take server load into account when deciding the location to execute a query [cite black/grey box paper]</a:t>
-            </a:r>
-          </a:p>
-          <a:p>
-            <a:pPr lvl="1"/>
-            <a:r>
-              <a:rPr lang="en-US" dirty="0" smtClean="0"/>
-              <a:t>CPU Usage</a:t>
-            </a:r>
-          </a:p>
-          <a:p>
-            <a:pPr lvl="1"/>
-            <a:r>
-              <a:rPr lang="en-US" dirty="0" smtClean="0"/>
-              <a:t>Memory</a:t>
-            </a:r>
-          </a:p>
-          <a:p>
-            <a:r>
-              <a:rPr lang="en-US" dirty="0" smtClean="0">
-                <a:solidFill>
-                  <a:srgbClr val="FF0000"/>
-                </a:solidFill>
-              </a:rPr>
-              <a:t>Create picture of cluster with CJD and RM, make this an animation showing how a query enters the cluster and is scheduled</a:t>
-            </a:r>
-          </a:p>
-        </p:txBody>
-      </p:sp>
-      <p:sp>
-        <p:nvSpPr>
           <p:cNvPr id="4" name="Slide Number Placeholder 3"/>
           <p:cNvSpPr>
             <a:spLocks noGrp="1"/>
@@ -4630,6 +4594,617 @@
           </a:p>
         </p:txBody>
       </p:sp>
+      <p:sp>
+        <p:nvSpPr>
+          <p:cNvPr id="5" name="Rounded Rectangle 4"/>
+          <p:cNvSpPr/>
+          <p:nvPr/>
+        </p:nvSpPr>
+        <p:spPr>
+          <a:xfrm>
+            <a:off x="3923514" y="2052610"/>
+            <a:ext cx="1304059" cy="873197"/>
+          </a:xfrm>
+          <a:prstGeom prst="roundRect">
+            <a:avLst/>
+          </a:prstGeom>
+        </p:spPr>
+        <p:style>
+          <a:lnRef idx="1">
+            <a:schemeClr val="accent1"/>
+          </a:lnRef>
+          <a:fillRef idx="3">
+            <a:schemeClr val="accent1"/>
+          </a:fillRef>
+          <a:effectRef idx="2">
+            <a:schemeClr val="accent1"/>
+          </a:effectRef>
+          <a:fontRef idx="minor">
+            <a:schemeClr val="lt1"/>
+          </a:fontRef>
+        </p:style>
+        <p:txBody>
+          <a:bodyPr rtlCol="0" anchor="ctr"/>
+          <a:lstStyle/>
+          <a:p>
+            <a:pPr algn="ctr"/>
+            <a:r>
+              <a:rPr lang="en-US" dirty="0" smtClean="0"/>
+              <a:t>Master</a:t>
+            </a:r>
+            <a:endParaRPr lang="en-US" dirty="0"/>
+          </a:p>
+        </p:txBody>
+      </p:sp>
+      <p:sp>
+        <p:nvSpPr>
+          <p:cNvPr id="6" name="Rounded Rectangle 5"/>
+          <p:cNvSpPr/>
+          <p:nvPr/>
+        </p:nvSpPr>
+        <p:spPr>
+          <a:xfrm>
+            <a:off x="6219106" y="3569428"/>
+            <a:ext cx="1304059" cy="873197"/>
+          </a:xfrm>
+          <a:prstGeom prst="roundRect">
+            <a:avLst/>
+          </a:prstGeom>
+        </p:spPr>
+        <p:style>
+          <a:lnRef idx="1">
+            <a:schemeClr val="accent1"/>
+          </a:lnRef>
+          <a:fillRef idx="3">
+            <a:schemeClr val="accent1"/>
+          </a:fillRef>
+          <a:effectRef idx="2">
+            <a:schemeClr val="accent1"/>
+          </a:effectRef>
+          <a:fontRef idx="minor">
+            <a:schemeClr val="lt1"/>
+          </a:fontRef>
+        </p:style>
+        <p:txBody>
+          <a:bodyPr rtlCol="0" anchor="ctr"/>
+          <a:lstStyle/>
+          <a:p>
+            <a:pPr algn="ctr"/>
+            <a:r>
+              <a:rPr lang="en-US" dirty="0" smtClean="0"/>
+              <a:t>Node N</a:t>
+            </a:r>
+            <a:endParaRPr lang="en-US" dirty="0"/>
+          </a:p>
+        </p:txBody>
+      </p:sp>
+      <p:sp>
+        <p:nvSpPr>
+          <p:cNvPr id="8" name="Rounded Rectangle 7"/>
+          <p:cNvSpPr/>
+          <p:nvPr/>
+        </p:nvSpPr>
+        <p:spPr>
+          <a:xfrm>
+            <a:off x="3923514" y="3569428"/>
+            <a:ext cx="1304059" cy="873197"/>
+          </a:xfrm>
+          <a:prstGeom prst="roundRect">
+            <a:avLst/>
+          </a:prstGeom>
+        </p:spPr>
+        <p:style>
+          <a:lnRef idx="1">
+            <a:schemeClr val="accent1"/>
+          </a:lnRef>
+          <a:fillRef idx="3">
+            <a:schemeClr val="accent1"/>
+          </a:fillRef>
+          <a:effectRef idx="2">
+            <a:schemeClr val="accent1"/>
+          </a:effectRef>
+          <a:fontRef idx="minor">
+            <a:schemeClr val="lt1"/>
+          </a:fontRef>
+        </p:style>
+        <p:txBody>
+          <a:bodyPr rtlCol="0" anchor="ctr"/>
+          <a:lstStyle/>
+          <a:p>
+            <a:pPr algn="ctr"/>
+            <a:r>
+              <a:rPr lang="en-US" dirty="0" smtClean="0"/>
+              <a:t>Node K</a:t>
+            </a:r>
+            <a:endParaRPr lang="en-US" dirty="0"/>
+          </a:p>
+        </p:txBody>
+      </p:sp>
+      <p:sp>
+        <p:nvSpPr>
+          <p:cNvPr id="9" name="Rounded Rectangle 8"/>
+          <p:cNvSpPr/>
+          <p:nvPr/>
+        </p:nvSpPr>
+        <p:spPr>
+          <a:xfrm>
+            <a:off x="1573469" y="3569428"/>
+            <a:ext cx="1304059" cy="873197"/>
+          </a:xfrm>
+          <a:prstGeom prst="roundRect">
+            <a:avLst/>
+          </a:prstGeom>
+        </p:spPr>
+        <p:style>
+          <a:lnRef idx="1">
+            <a:schemeClr val="accent1"/>
+          </a:lnRef>
+          <a:fillRef idx="3">
+            <a:schemeClr val="accent1"/>
+          </a:fillRef>
+          <a:effectRef idx="2">
+            <a:schemeClr val="accent1"/>
+          </a:effectRef>
+          <a:fontRef idx="minor">
+            <a:schemeClr val="lt1"/>
+          </a:fontRef>
+        </p:style>
+        <p:txBody>
+          <a:bodyPr rtlCol="0" anchor="ctr"/>
+          <a:lstStyle/>
+          <a:p>
+            <a:pPr algn="ctr"/>
+            <a:r>
+              <a:rPr lang="en-US" dirty="0" smtClean="0"/>
+              <a:t>Node A</a:t>
+            </a:r>
+            <a:endParaRPr lang="en-US" dirty="0"/>
+          </a:p>
+        </p:txBody>
+      </p:sp>
+      <p:sp>
+        <p:nvSpPr>
+          <p:cNvPr id="10" name="Donut 9"/>
+          <p:cNvSpPr/>
+          <p:nvPr/>
+        </p:nvSpPr>
+        <p:spPr>
+          <a:xfrm>
+            <a:off x="435158" y="1508279"/>
+            <a:ext cx="8251642" cy="3704976"/>
+          </a:xfrm>
+          <a:prstGeom prst="donut">
+            <a:avLst>
+              <a:gd name="adj" fmla="val 1187"/>
+            </a:avLst>
+          </a:prstGeom>
+          <a:solidFill>
+            <a:schemeClr val="tx1"/>
+          </a:solidFill>
+        </p:spPr>
+        <p:style>
+          <a:lnRef idx="1">
+            <a:schemeClr val="accent1"/>
+          </a:lnRef>
+          <a:fillRef idx="3">
+            <a:schemeClr val="accent1"/>
+          </a:fillRef>
+          <a:effectRef idx="2">
+            <a:schemeClr val="accent1"/>
+          </a:effectRef>
+          <a:fontRef idx="minor">
+            <a:schemeClr val="lt1"/>
+          </a:fontRef>
+        </p:style>
+        <p:txBody>
+          <a:bodyPr rtlCol="0" anchor="ctr"/>
+          <a:lstStyle/>
+          <a:p>
+            <a:pPr algn="ctr"/>
+            <a:endParaRPr lang="en-US">
+              <a:solidFill>
+                <a:schemeClr val="tx1"/>
+              </a:solidFill>
+            </a:endParaRPr>
+          </a:p>
+        </p:txBody>
+      </p:sp>
+      <p:cxnSp>
+        <p:nvCxnSpPr>
+          <p:cNvPr id="12" name="Straight Arrow Connector 11"/>
+          <p:cNvCxnSpPr/>
+          <p:nvPr/>
+        </p:nvCxnSpPr>
+        <p:spPr>
+          <a:xfrm flipH="1">
+            <a:off x="5068818" y="1292815"/>
+            <a:ext cx="793774" cy="759795"/>
+          </a:xfrm>
+          <a:prstGeom prst="straightConnector1">
+            <a:avLst/>
+          </a:prstGeom>
+          <a:ln w="38100">
+            <a:solidFill>
+              <a:srgbClr val="008000"/>
+            </a:solidFill>
+            <a:tailEnd type="arrow"/>
+          </a:ln>
+        </p:spPr>
+        <p:style>
+          <a:lnRef idx="2">
+            <a:schemeClr val="accent1"/>
+          </a:lnRef>
+          <a:fillRef idx="0">
+            <a:schemeClr val="accent1"/>
+          </a:fillRef>
+          <a:effectRef idx="1">
+            <a:schemeClr val="accent1"/>
+          </a:effectRef>
+          <a:fontRef idx="minor">
+            <a:schemeClr val="tx1"/>
+          </a:fontRef>
+        </p:style>
+      </p:cxnSp>
+      <p:sp>
+        <p:nvSpPr>
+          <p:cNvPr id="13" name="TextBox 12"/>
+          <p:cNvSpPr txBox="1"/>
+          <p:nvPr/>
+        </p:nvSpPr>
+        <p:spPr>
+          <a:xfrm>
+            <a:off x="5491961" y="920290"/>
+            <a:ext cx="727145" cy="369332"/>
+          </a:xfrm>
+          <a:prstGeom prst="rect">
+            <a:avLst/>
+          </a:prstGeom>
+          <a:noFill/>
+        </p:spPr>
+        <p:txBody>
+          <a:bodyPr wrap="none" rtlCol="0">
+            <a:spAutoFit/>
+          </a:bodyPr>
+          <a:lstStyle/>
+          <a:p>
+            <a:r>
+              <a:rPr lang="en-US" dirty="0" smtClean="0">
+                <a:solidFill>
+                  <a:srgbClr val="008000"/>
+                </a:solidFill>
+              </a:rPr>
+              <a:t>Client</a:t>
+            </a:r>
+            <a:endParaRPr lang="en-US" dirty="0">
+              <a:solidFill>
+                <a:srgbClr val="008000"/>
+              </a:solidFill>
+            </a:endParaRPr>
+          </a:p>
+        </p:txBody>
+      </p:sp>
+      <p:cxnSp>
+        <p:nvCxnSpPr>
+          <p:cNvPr id="14" name="Straight Arrow Connector 13"/>
+          <p:cNvCxnSpPr>
+            <a:endCxn id="9" idx="0"/>
+          </p:cNvCxnSpPr>
+          <p:nvPr/>
+        </p:nvCxnSpPr>
+        <p:spPr>
+          <a:xfrm flipH="1">
+            <a:off x="2225499" y="2686969"/>
+            <a:ext cx="1698015" cy="882459"/>
+          </a:xfrm>
+          <a:prstGeom prst="straightConnector1">
+            <a:avLst/>
+          </a:prstGeom>
+          <a:ln w="38100">
+            <a:solidFill>
+              <a:srgbClr val="008000"/>
+            </a:solidFill>
+            <a:tailEnd type="arrow"/>
+          </a:ln>
+        </p:spPr>
+        <p:style>
+          <a:lnRef idx="2">
+            <a:schemeClr val="accent1"/>
+          </a:lnRef>
+          <a:fillRef idx="0">
+            <a:schemeClr val="accent1"/>
+          </a:fillRef>
+          <a:effectRef idx="1">
+            <a:schemeClr val="accent1"/>
+          </a:effectRef>
+          <a:fontRef idx="minor">
+            <a:schemeClr val="tx1"/>
+          </a:fontRef>
+        </p:style>
+      </p:cxnSp>
+      <p:cxnSp>
+        <p:nvCxnSpPr>
+          <p:cNvPr id="15" name="Straight Arrow Connector 14"/>
+          <p:cNvCxnSpPr>
+            <a:stCxn id="5" idx="2"/>
+            <a:endCxn id="8" idx="0"/>
+          </p:cNvCxnSpPr>
+          <p:nvPr/>
+        </p:nvCxnSpPr>
+        <p:spPr>
+          <a:xfrm>
+            <a:off x="4575544" y="2925807"/>
+            <a:ext cx="0" cy="643621"/>
+          </a:xfrm>
+          <a:prstGeom prst="straightConnector1">
+            <a:avLst/>
+          </a:prstGeom>
+          <a:ln w="38100">
+            <a:solidFill>
+              <a:srgbClr val="008000"/>
+            </a:solidFill>
+            <a:tailEnd type="arrow"/>
+          </a:ln>
+        </p:spPr>
+        <p:style>
+          <a:lnRef idx="2">
+            <a:schemeClr val="accent1"/>
+          </a:lnRef>
+          <a:fillRef idx="0">
+            <a:schemeClr val="accent1"/>
+          </a:fillRef>
+          <a:effectRef idx="1">
+            <a:schemeClr val="accent1"/>
+          </a:effectRef>
+          <a:fontRef idx="minor">
+            <a:schemeClr val="tx1"/>
+          </a:fontRef>
+        </p:style>
+      </p:cxnSp>
+      <p:cxnSp>
+        <p:nvCxnSpPr>
+          <p:cNvPr id="16" name="Straight Arrow Connector 15"/>
+          <p:cNvCxnSpPr>
+            <a:endCxn id="6" idx="0"/>
+          </p:cNvCxnSpPr>
+          <p:nvPr/>
+        </p:nvCxnSpPr>
+        <p:spPr>
+          <a:xfrm>
+            <a:off x="5227573" y="2686969"/>
+            <a:ext cx="1643563" cy="882459"/>
+          </a:xfrm>
+          <a:prstGeom prst="straightConnector1">
+            <a:avLst/>
+          </a:prstGeom>
+          <a:ln w="38100">
+            <a:solidFill>
+              <a:srgbClr val="008000"/>
+            </a:solidFill>
+            <a:tailEnd type="arrow"/>
+          </a:ln>
+        </p:spPr>
+        <p:style>
+          <a:lnRef idx="2">
+            <a:schemeClr val="accent1"/>
+          </a:lnRef>
+          <a:fillRef idx="0">
+            <a:schemeClr val="accent1"/>
+          </a:fillRef>
+          <a:effectRef idx="1">
+            <a:schemeClr val="accent1"/>
+          </a:effectRef>
+          <a:fontRef idx="minor">
+            <a:schemeClr val="tx1"/>
+          </a:fontRef>
+        </p:style>
+      </p:cxnSp>
+      <p:sp>
+        <p:nvSpPr>
+          <p:cNvPr id="21" name="TextBox 20"/>
+          <p:cNvSpPr txBox="1"/>
+          <p:nvPr/>
+        </p:nvSpPr>
+        <p:spPr>
+          <a:xfrm>
+            <a:off x="457200" y="5334800"/>
+            <a:ext cx="8229600" cy="1200329"/>
+          </a:xfrm>
+          <a:prstGeom prst="rect">
+            <a:avLst/>
+          </a:prstGeom>
+          <a:noFill/>
+        </p:spPr>
+        <p:txBody>
+          <a:bodyPr wrap="square" rtlCol="0">
+            <a:spAutoFit/>
+          </a:bodyPr>
+          <a:lstStyle/>
+          <a:p>
+            <a:pPr marL="342900" indent="-342900">
+              <a:buAutoNum type="arabicPeriod"/>
+            </a:pPr>
+            <a:r>
+              <a:rPr lang="en-US" dirty="0" smtClean="0"/>
+              <a:t>Client sends query</a:t>
+            </a:r>
+          </a:p>
+          <a:p>
+            <a:pPr marL="342900" indent="-342900">
+              <a:buAutoNum type="arabicPeriod"/>
+            </a:pPr>
+            <a:r>
+              <a:rPr lang="en-US" dirty="0" smtClean="0"/>
+              <a:t>Master collects resource information from nodes</a:t>
+            </a:r>
+          </a:p>
+          <a:p>
+            <a:pPr marL="342900" indent="-342900">
+              <a:buAutoNum type="arabicPeriod"/>
+            </a:pPr>
+            <a:r>
+              <a:rPr lang="en-US" dirty="0" smtClean="0"/>
+              <a:t>Master sends query based upon resource usage</a:t>
+            </a:r>
+          </a:p>
+          <a:p>
+            <a:pPr marL="342900" indent="-342900">
+              <a:buAutoNum type="arabicPeriod"/>
+            </a:pPr>
+            <a:r>
+              <a:rPr lang="en-US" dirty="0" smtClean="0"/>
+              <a:t>Master returns query result</a:t>
+            </a:r>
+            <a:endParaRPr lang="en-US" dirty="0"/>
+          </a:p>
+        </p:txBody>
+      </p:sp>
+      <p:cxnSp>
+        <p:nvCxnSpPr>
+          <p:cNvPr id="24" name="Straight Arrow Connector 23"/>
+          <p:cNvCxnSpPr/>
+          <p:nvPr/>
+        </p:nvCxnSpPr>
+        <p:spPr>
+          <a:xfrm flipH="1">
+            <a:off x="2664815" y="2839369"/>
+            <a:ext cx="1258699" cy="730059"/>
+          </a:xfrm>
+          <a:prstGeom prst="straightConnector1">
+            <a:avLst/>
+          </a:prstGeom>
+          <a:ln w="38100">
+            <a:solidFill>
+              <a:srgbClr val="FF0000"/>
+            </a:solidFill>
+            <a:headEnd type="arrow"/>
+            <a:tailEnd type="arrow"/>
+          </a:ln>
+        </p:spPr>
+        <p:style>
+          <a:lnRef idx="2">
+            <a:schemeClr val="accent1"/>
+          </a:lnRef>
+          <a:fillRef idx="0">
+            <a:schemeClr val="accent1"/>
+          </a:fillRef>
+          <a:effectRef idx="1">
+            <a:schemeClr val="accent1"/>
+          </a:effectRef>
+          <a:fontRef idx="minor">
+            <a:schemeClr val="tx1"/>
+          </a:fontRef>
+        </p:style>
+      </p:cxnSp>
+      <p:cxnSp>
+        <p:nvCxnSpPr>
+          <p:cNvPr id="27" name="Straight Arrow Connector 26"/>
+          <p:cNvCxnSpPr/>
+          <p:nvPr/>
+        </p:nvCxnSpPr>
+        <p:spPr>
+          <a:xfrm flipH="1">
+            <a:off x="4399779" y="2925807"/>
+            <a:ext cx="1" cy="643621"/>
+          </a:xfrm>
+          <a:prstGeom prst="straightConnector1">
+            <a:avLst/>
+          </a:prstGeom>
+          <a:ln w="38100">
+            <a:solidFill>
+              <a:srgbClr val="FF0000"/>
+            </a:solidFill>
+            <a:headEnd type="arrow"/>
+            <a:tailEnd type="arrow"/>
+          </a:ln>
+        </p:spPr>
+        <p:style>
+          <a:lnRef idx="2">
+            <a:schemeClr val="accent1"/>
+          </a:lnRef>
+          <a:fillRef idx="0">
+            <a:schemeClr val="accent1"/>
+          </a:fillRef>
+          <a:effectRef idx="1">
+            <a:schemeClr val="accent1"/>
+          </a:effectRef>
+          <a:fontRef idx="minor">
+            <a:schemeClr val="tx1"/>
+          </a:fontRef>
+        </p:style>
+      </p:cxnSp>
+      <p:cxnSp>
+        <p:nvCxnSpPr>
+          <p:cNvPr id="30" name="Straight Arrow Connector 29"/>
+          <p:cNvCxnSpPr/>
+          <p:nvPr/>
+        </p:nvCxnSpPr>
+        <p:spPr>
+          <a:xfrm>
+            <a:off x="5227574" y="2839369"/>
+            <a:ext cx="1325626" cy="730059"/>
+          </a:xfrm>
+          <a:prstGeom prst="straightConnector1">
+            <a:avLst/>
+          </a:prstGeom>
+          <a:ln w="38100">
+            <a:solidFill>
+              <a:srgbClr val="FF0000"/>
+            </a:solidFill>
+            <a:headEnd type="arrow"/>
+            <a:tailEnd type="arrow"/>
+          </a:ln>
+        </p:spPr>
+        <p:style>
+          <a:lnRef idx="2">
+            <a:schemeClr val="accent1"/>
+          </a:lnRef>
+          <a:fillRef idx="0">
+            <a:schemeClr val="accent1"/>
+          </a:fillRef>
+          <a:effectRef idx="1">
+            <a:schemeClr val="accent1"/>
+          </a:effectRef>
+          <a:fontRef idx="minor">
+            <a:schemeClr val="tx1"/>
+          </a:fontRef>
+        </p:style>
+      </p:cxnSp>
+      <p:cxnSp>
+        <p:nvCxnSpPr>
+          <p:cNvPr id="33" name="Straight Arrow Connector 32"/>
+          <p:cNvCxnSpPr/>
+          <p:nvPr/>
+        </p:nvCxnSpPr>
+        <p:spPr>
+          <a:xfrm flipV="1">
+            <a:off x="4887384" y="1292815"/>
+            <a:ext cx="737076" cy="759795"/>
+          </a:xfrm>
+          <a:prstGeom prst="straightConnector1">
+            <a:avLst/>
+          </a:prstGeom>
+          <a:ln w="38100">
+            <a:solidFill>
+              <a:srgbClr val="FF0000"/>
+            </a:solidFill>
+            <a:tailEnd type="arrow"/>
+          </a:ln>
+        </p:spPr>
+        <p:style>
+          <a:lnRef idx="2">
+            <a:schemeClr val="accent1"/>
+          </a:lnRef>
+          <a:fillRef idx="0">
+            <a:schemeClr val="accent1"/>
+          </a:fillRef>
+          <a:effectRef idx="1">
+            <a:schemeClr val="accent1"/>
+          </a:effectRef>
+          <a:fontRef idx="minor">
+            <a:schemeClr val="tx1"/>
+          </a:fontRef>
+        </p:style>
+      </p:cxnSp>
     </p:spTree>
     <p:extLst>
       <p:ext uri="{BB962C8B-B14F-4D97-AF65-F5344CB8AC3E}">
@@ -4640,6 +5215,478 @@
   <p:clrMapOvr>
     <a:masterClrMapping/>
   </p:clrMapOvr>
+  <p:timing>
+    <p:tnLst>
+      <p:par>
+        <p:cTn xmlns:p14="http://schemas.microsoft.com/office/powerpoint/2010/main" id="1" dur="indefinite" restart="never" nodeType="tmRoot">
+          <p:childTnLst>
+            <p:seq concurrent="1" nextAc="seek">
+              <p:cTn id="2" dur="indefinite" nodeType="mainSeq">
+                <p:childTnLst>
+                  <p:par>
+                    <p:cTn id="3" fill="hold">
+                      <p:stCondLst>
+                        <p:cond delay="indefinite"/>
+                      </p:stCondLst>
+                      <p:childTnLst>
+                        <p:par>
+                          <p:cTn id="4" fill="hold">
+                            <p:stCondLst>
+                              <p:cond delay="0"/>
+                            </p:stCondLst>
+                            <p:childTnLst>
+                              <p:par>
+                                <p:cTn id="5" presetID="1" presetClass="entr" presetSubtype="0" fill="hold" grpId="0" nodeType="clickEffect">
+                                  <p:stCondLst>
+                                    <p:cond delay="0"/>
+                                  </p:stCondLst>
+                                  <p:childTnLst>
+                                    <p:set>
+                                      <p:cBhvr>
+                                        <p:cTn id="6" dur="1" fill="hold">
+                                          <p:stCondLst>
+                                            <p:cond delay="0"/>
+                                          </p:stCondLst>
+                                        </p:cTn>
+                                        <p:tgtEl>
+                                          <p:spTgt spid="13"/>
+                                        </p:tgtEl>
+                                        <p:attrNameLst>
+                                          <p:attrName>style.visibility</p:attrName>
+                                        </p:attrNameLst>
+                                      </p:cBhvr>
+                                      <p:to>
+                                        <p:strVal val="visible"/>
+                                      </p:to>
+                                    </p:set>
+                                  </p:childTnLst>
+                                </p:cTn>
+                              </p:par>
+                              <p:par>
+                                <p:cTn id="7" presetID="1" presetClass="entr" presetSubtype="0" fill="hold" nodeType="withEffect">
+                                  <p:stCondLst>
+                                    <p:cond delay="0"/>
+                                  </p:stCondLst>
+                                  <p:childTnLst>
+                                    <p:set>
+                                      <p:cBhvr>
+                                        <p:cTn id="8" dur="1" fill="hold">
+                                          <p:stCondLst>
+                                            <p:cond delay="0"/>
+                                          </p:stCondLst>
+                                        </p:cTn>
+                                        <p:tgtEl>
+                                          <p:spTgt spid="12"/>
+                                        </p:tgtEl>
+                                        <p:attrNameLst>
+                                          <p:attrName>style.visibility</p:attrName>
+                                        </p:attrNameLst>
+                                      </p:cBhvr>
+                                      <p:to>
+                                        <p:strVal val="visible"/>
+                                      </p:to>
+                                    </p:set>
+                                  </p:childTnLst>
+                                </p:cTn>
+                              </p:par>
+                              <p:par>
+                                <p:cTn id="9" presetID="1" presetClass="entr" presetSubtype="0" fill="hold" nodeType="withEffect">
+                                  <p:stCondLst>
+                                    <p:cond delay="0"/>
+                                  </p:stCondLst>
+                                  <p:childTnLst>
+                                    <p:set>
+                                      <p:cBhvr>
+                                        <p:cTn id="10" dur="1" fill="hold">
+                                          <p:stCondLst>
+                                            <p:cond delay="0"/>
+                                          </p:stCondLst>
+                                        </p:cTn>
+                                        <p:tgtEl>
+                                          <p:spTgt spid="21">
+                                            <p:txEl>
+                                              <p:pRg st="0" end="0"/>
+                                            </p:txEl>
+                                          </p:spTgt>
+                                        </p:tgtEl>
+                                        <p:attrNameLst>
+                                          <p:attrName>style.visibility</p:attrName>
+                                        </p:attrNameLst>
+                                      </p:cBhvr>
+                                      <p:to>
+                                        <p:strVal val="visible"/>
+                                      </p:to>
+                                    </p:set>
+                                  </p:childTnLst>
+                                </p:cTn>
+                              </p:par>
+                            </p:childTnLst>
+                          </p:cTn>
+                        </p:par>
+                      </p:childTnLst>
+                    </p:cTn>
+                  </p:par>
+                  <p:par>
+                    <p:cTn id="11" fill="hold">
+                      <p:stCondLst>
+                        <p:cond delay="indefinite"/>
+                      </p:stCondLst>
+                      <p:childTnLst>
+                        <p:par>
+                          <p:cTn id="12" fill="hold">
+                            <p:stCondLst>
+                              <p:cond delay="0"/>
+                            </p:stCondLst>
+                            <p:childTnLst>
+                              <p:par>
+                                <p:cTn id="13" presetID="1" presetClass="entr" presetSubtype="0" fill="hold" nodeType="clickEffect">
+                                  <p:stCondLst>
+                                    <p:cond delay="0"/>
+                                  </p:stCondLst>
+                                  <p:childTnLst>
+                                    <p:set>
+                                      <p:cBhvr>
+                                        <p:cTn id="14" dur="1" fill="hold">
+                                          <p:stCondLst>
+                                            <p:cond delay="0"/>
+                                          </p:stCondLst>
+                                        </p:cTn>
+                                        <p:tgtEl>
+                                          <p:spTgt spid="14"/>
+                                        </p:tgtEl>
+                                        <p:attrNameLst>
+                                          <p:attrName>style.visibility</p:attrName>
+                                        </p:attrNameLst>
+                                      </p:cBhvr>
+                                      <p:to>
+                                        <p:strVal val="visible"/>
+                                      </p:to>
+                                    </p:set>
+                                  </p:childTnLst>
+                                </p:cTn>
+                              </p:par>
+                              <p:par>
+                                <p:cTn id="15" presetID="1" presetClass="entr" presetSubtype="0" fill="hold" nodeType="withEffect">
+                                  <p:stCondLst>
+                                    <p:cond delay="0"/>
+                                  </p:stCondLst>
+                                  <p:childTnLst>
+                                    <p:set>
+                                      <p:cBhvr>
+                                        <p:cTn id="16" dur="1" fill="hold">
+                                          <p:stCondLst>
+                                            <p:cond delay="0"/>
+                                          </p:stCondLst>
+                                        </p:cTn>
+                                        <p:tgtEl>
+                                          <p:spTgt spid="15"/>
+                                        </p:tgtEl>
+                                        <p:attrNameLst>
+                                          <p:attrName>style.visibility</p:attrName>
+                                        </p:attrNameLst>
+                                      </p:cBhvr>
+                                      <p:to>
+                                        <p:strVal val="visible"/>
+                                      </p:to>
+                                    </p:set>
+                                  </p:childTnLst>
+                                </p:cTn>
+                              </p:par>
+                              <p:par>
+                                <p:cTn id="17" presetID="1" presetClass="entr" presetSubtype="0" fill="hold" nodeType="withEffect">
+                                  <p:stCondLst>
+                                    <p:cond delay="0"/>
+                                  </p:stCondLst>
+                                  <p:childTnLst>
+                                    <p:set>
+                                      <p:cBhvr>
+                                        <p:cTn id="18" dur="1" fill="hold">
+                                          <p:stCondLst>
+                                            <p:cond delay="0"/>
+                                          </p:stCondLst>
+                                        </p:cTn>
+                                        <p:tgtEl>
+                                          <p:spTgt spid="16"/>
+                                        </p:tgtEl>
+                                        <p:attrNameLst>
+                                          <p:attrName>style.visibility</p:attrName>
+                                        </p:attrNameLst>
+                                      </p:cBhvr>
+                                      <p:to>
+                                        <p:strVal val="visible"/>
+                                      </p:to>
+                                    </p:set>
+                                  </p:childTnLst>
+                                </p:cTn>
+                              </p:par>
+                              <p:par>
+                                <p:cTn id="19" presetID="1" presetClass="entr" presetSubtype="0" fill="hold" nodeType="withEffect">
+                                  <p:stCondLst>
+                                    <p:cond delay="0"/>
+                                  </p:stCondLst>
+                                  <p:childTnLst>
+                                    <p:set>
+                                      <p:cBhvr>
+                                        <p:cTn id="20" dur="1" fill="hold">
+                                          <p:stCondLst>
+                                            <p:cond delay="0"/>
+                                          </p:stCondLst>
+                                        </p:cTn>
+                                        <p:tgtEl>
+                                          <p:spTgt spid="21">
+                                            <p:txEl>
+                                              <p:pRg st="1" end="1"/>
+                                            </p:txEl>
+                                          </p:spTgt>
+                                        </p:tgtEl>
+                                        <p:attrNameLst>
+                                          <p:attrName>style.visibility</p:attrName>
+                                        </p:attrNameLst>
+                                      </p:cBhvr>
+                                      <p:to>
+                                        <p:strVal val="visible"/>
+                                      </p:to>
+                                    </p:set>
+                                  </p:childTnLst>
+                                </p:cTn>
+                              </p:par>
+                            </p:childTnLst>
+                          </p:cTn>
+                        </p:par>
+                      </p:childTnLst>
+                    </p:cTn>
+                  </p:par>
+                  <p:par>
+                    <p:cTn id="21" fill="hold">
+                      <p:stCondLst>
+                        <p:cond delay="indefinite"/>
+                      </p:stCondLst>
+                      <p:childTnLst>
+                        <p:par>
+                          <p:cTn id="22" fill="hold">
+                            <p:stCondLst>
+                              <p:cond delay="0"/>
+                            </p:stCondLst>
+                            <p:childTnLst>
+                              <p:par>
+                                <p:cTn id="23" presetID="1" presetClass="entr" presetSubtype="0" fill="hold" nodeType="clickEffect">
+                                  <p:stCondLst>
+                                    <p:cond delay="0"/>
+                                  </p:stCondLst>
+                                  <p:childTnLst>
+                                    <p:set>
+                                      <p:cBhvr>
+                                        <p:cTn id="24" dur="1" fill="hold">
+                                          <p:stCondLst>
+                                            <p:cond delay="0"/>
+                                          </p:stCondLst>
+                                        </p:cTn>
+                                        <p:tgtEl>
+                                          <p:spTgt spid="24"/>
+                                        </p:tgtEl>
+                                        <p:attrNameLst>
+                                          <p:attrName>style.visibility</p:attrName>
+                                        </p:attrNameLst>
+                                      </p:cBhvr>
+                                      <p:to>
+                                        <p:strVal val="visible"/>
+                                      </p:to>
+                                    </p:set>
+                                  </p:childTnLst>
+                                </p:cTn>
+                              </p:par>
+                              <p:par>
+                                <p:cTn id="25" presetID="1" presetClass="entr" presetSubtype="0" fill="hold" nodeType="withEffect">
+                                  <p:stCondLst>
+                                    <p:cond delay="0"/>
+                                  </p:stCondLst>
+                                  <p:childTnLst>
+                                    <p:set>
+                                      <p:cBhvr>
+                                        <p:cTn id="26" dur="1" fill="hold">
+                                          <p:stCondLst>
+                                            <p:cond delay="0"/>
+                                          </p:stCondLst>
+                                        </p:cTn>
+                                        <p:tgtEl>
+                                          <p:spTgt spid="27"/>
+                                        </p:tgtEl>
+                                        <p:attrNameLst>
+                                          <p:attrName>style.visibility</p:attrName>
+                                        </p:attrNameLst>
+                                      </p:cBhvr>
+                                      <p:to>
+                                        <p:strVal val="visible"/>
+                                      </p:to>
+                                    </p:set>
+                                  </p:childTnLst>
+                                </p:cTn>
+                              </p:par>
+                              <p:par>
+                                <p:cTn id="27" presetID="1" presetClass="entr" presetSubtype="0" fill="hold" nodeType="withEffect">
+                                  <p:stCondLst>
+                                    <p:cond delay="0"/>
+                                  </p:stCondLst>
+                                  <p:childTnLst>
+                                    <p:set>
+                                      <p:cBhvr>
+                                        <p:cTn id="28" dur="1" fill="hold">
+                                          <p:stCondLst>
+                                            <p:cond delay="0"/>
+                                          </p:stCondLst>
+                                        </p:cTn>
+                                        <p:tgtEl>
+                                          <p:spTgt spid="30"/>
+                                        </p:tgtEl>
+                                        <p:attrNameLst>
+                                          <p:attrName>style.visibility</p:attrName>
+                                        </p:attrNameLst>
+                                      </p:cBhvr>
+                                      <p:to>
+                                        <p:strVal val="visible"/>
+                                      </p:to>
+                                    </p:set>
+                                  </p:childTnLst>
+                                </p:cTn>
+                              </p:par>
+                              <p:par>
+                                <p:cTn id="29" presetID="1" presetClass="entr" presetSubtype="0" fill="hold" nodeType="withEffect">
+                                  <p:stCondLst>
+                                    <p:cond delay="0"/>
+                                  </p:stCondLst>
+                                  <p:childTnLst>
+                                    <p:set>
+                                      <p:cBhvr>
+                                        <p:cTn id="30" dur="1" fill="hold">
+                                          <p:stCondLst>
+                                            <p:cond delay="0"/>
+                                          </p:stCondLst>
+                                        </p:cTn>
+                                        <p:tgtEl>
+                                          <p:spTgt spid="21">
+                                            <p:txEl>
+                                              <p:pRg st="2" end="2"/>
+                                            </p:txEl>
+                                          </p:spTgt>
+                                        </p:tgtEl>
+                                        <p:attrNameLst>
+                                          <p:attrName>style.visibility</p:attrName>
+                                        </p:attrNameLst>
+                                      </p:cBhvr>
+                                      <p:to>
+                                        <p:strVal val="visible"/>
+                                      </p:to>
+                                    </p:set>
+                                  </p:childTnLst>
+                                </p:cTn>
+                              </p:par>
+                            </p:childTnLst>
+                          </p:cTn>
+                        </p:par>
+                      </p:childTnLst>
+                    </p:cTn>
+                  </p:par>
+                  <p:par>
+                    <p:cTn id="31" fill="hold">
+                      <p:stCondLst>
+                        <p:cond delay="indefinite"/>
+                      </p:stCondLst>
+                      <p:childTnLst>
+                        <p:par>
+                          <p:cTn id="32" fill="hold">
+                            <p:stCondLst>
+                              <p:cond delay="0"/>
+                            </p:stCondLst>
+                            <p:childTnLst>
+                              <p:par>
+                                <p:cTn id="33" presetID="1" presetClass="entr" presetSubtype="0" fill="hold" nodeType="clickEffect">
+                                  <p:stCondLst>
+                                    <p:cond delay="0"/>
+                                  </p:stCondLst>
+                                  <p:childTnLst>
+                                    <p:set>
+                                      <p:cBhvr>
+                                        <p:cTn id="34" dur="1" fill="hold">
+                                          <p:stCondLst>
+                                            <p:cond delay="0"/>
+                                          </p:stCondLst>
+                                        </p:cTn>
+                                        <p:tgtEl>
+                                          <p:spTgt spid="33"/>
+                                        </p:tgtEl>
+                                        <p:attrNameLst>
+                                          <p:attrName>style.visibility</p:attrName>
+                                        </p:attrNameLst>
+                                      </p:cBhvr>
+                                      <p:to>
+                                        <p:strVal val="visible"/>
+                                      </p:to>
+                                    </p:set>
+                                  </p:childTnLst>
+                                </p:cTn>
+                              </p:par>
+                              <p:par>
+                                <p:cTn id="35" presetID="1" presetClass="entr" presetSubtype="0" fill="hold" nodeType="withEffect">
+                                  <p:stCondLst>
+                                    <p:cond delay="0"/>
+                                  </p:stCondLst>
+                                  <p:childTnLst>
+                                    <p:set>
+                                      <p:cBhvr>
+                                        <p:cTn id="36" dur="1" fill="hold">
+                                          <p:stCondLst>
+                                            <p:cond delay="0"/>
+                                          </p:stCondLst>
+                                        </p:cTn>
+                                        <p:tgtEl>
+                                          <p:spTgt spid="21">
+                                            <p:txEl>
+                                              <p:pRg st="3" end="3"/>
+                                            </p:txEl>
+                                          </p:spTgt>
+                                        </p:tgtEl>
+                                        <p:attrNameLst>
+                                          <p:attrName>style.visibility</p:attrName>
+                                        </p:attrNameLst>
+                                      </p:cBhvr>
+                                      <p:to>
+                                        <p:strVal val="visible"/>
+                                      </p:to>
+                                    </p:set>
+                                  </p:childTnLst>
+                                </p:cTn>
+                              </p:par>
+                            </p:childTnLst>
+                          </p:cTn>
+                        </p:par>
+                      </p:childTnLst>
+                    </p:cTn>
+                  </p:par>
+                </p:childTnLst>
+              </p:cTn>
+              <p:prevCondLst>
+                <p:cond evt="onPrev" delay="0">
+                  <p:tgtEl>
+                    <p:sldTgt/>
+                  </p:tgtEl>
+                </p:cond>
+              </p:prevCondLst>
+              <p:nextCondLst>
+                <p:cond evt="onNext" delay="0">
+                  <p:tgtEl>
+                    <p:sldTgt/>
+                  </p:tgtEl>
+                </p:cond>
+              </p:nextCondLst>
+            </p:seq>
+          </p:childTnLst>
+        </p:cTn>
+      </p:par>
+    </p:tnLst>
+    <p:bldLst>
+      <p:bldP spid="13" grpId="0"/>
+    </p:bldLst>
+  </p:timing>
 </p:sld>
 </file>
 
@@ -4712,8 +5759,23 @@
             </a:r>
             <a:r>
               <a:rPr lang="en-US" altLang="zh-TW" dirty="0" smtClean="0"/>
-              <a:t>cluster</a:t>
-            </a:r>
+              <a:t>cluster [cite gray and black box paper]</a:t>
+            </a:r>
+          </a:p>
+          <a:p>
+            <a:pPr lvl="1"/>
+            <a:r>
+              <a:rPr lang="en-US" altLang="zh-TW" dirty="0" smtClean="0"/>
+              <a:t>CPU Usage</a:t>
+            </a:r>
+          </a:p>
+          <a:p>
+            <a:pPr lvl="1"/>
+            <a:r>
+              <a:rPr lang="en-US" altLang="zh-TW" dirty="0" smtClean="0"/>
+              <a:t>Memory</a:t>
+            </a:r>
+            <a:endParaRPr lang="en-US" altLang="zh-TW" dirty="0" smtClean="0"/>
           </a:p>
           <a:p>
             <a:pPr lvl="1"/>
@@ -4815,6 +5877,13 @@
   <p:clrMapOvr>
     <a:masterClrMapping/>
   </p:clrMapOvr>
+  <p:timing>
+    <p:tnLst>
+      <p:par>
+        <p:cTn xmlns:p14="http://schemas.microsoft.com/office/powerpoint/2010/main" id="1" dur="indefinite" restart="never" nodeType="tmRoot"/>
+      </p:par>
+    </p:tnLst>
+  </p:timing>
 </p:sld>
 </file>
 
@@ -4937,6 +6006,13 @@
   <p:clrMapOvr>
     <a:masterClrMapping/>
   </p:clrMapOvr>
+  <p:timing>
+    <p:tnLst>
+      <p:par>
+        <p:cTn xmlns:p14="http://schemas.microsoft.com/office/powerpoint/2010/main" id="1" dur="indefinite" restart="never" nodeType="tmRoot"/>
+      </p:par>
+    </p:tnLst>
+  </p:timing>
 </p:sld>
 </file>
 
@@ -5016,25 +6092,15 @@
             </a:r>
             <a:r>
               <a:rPr lang="en-US" altLang="zh-TW" dirty="0" smtClean="0"/>
-              <a:t>) to generate queries for </a:t>
-            </a:r>
+              <a:t>) to generate queries for benchmarking</a:t>
+            </a:r>
+          </a:p>
+          <a:p>
+            <a:pPr lvl="1"/>
             <a:r>
               <a:rPr lang="en-US" altLang="zh-TW" dirty="0" smtClean="0"/>
-              <a:t>benchmarking</a:t>
-            </a:r>
-            <a:endParaRPr lang="en-US" altLang="zh-TW" dirty="0" smtClean="0"/>
-          </a:p>
-          <a:p>
-            <a:pPr lvl="1"/>
-            <a:r>
-              <a:rPr lang="en-US" altLang="zh-TW" dirty="0" smtClean="0"/>
-              <a:t>Generates data and queries for testing the performance of a distributed </a:t>
-            </a:r>
-            <a:r>
-              <a:rPr lang="en-US" altLang="zh-TW" dirty="0" smtClean="0"/>
-              <a:t>database</a:t>
-            </a:r>
-            <a:endParaRPr lang="en-US" altLang="zh-TW" dirty="0" smtClean="0"/>
+              <a:t>Generates data and queries for testing the performance of a distributed database</a:t>
+            </a:r>
           </a:p>
           <a:p>
             <a:endParaRPr lang="en-US" dirty="0"/>
@@ -5094,6 +6160,13 @@
   <p:clrMapOvr>
     <a:masterClrMapping/>
   </p:clrMapOvr>
+  <p:timing>
+    <p:tnLst>
+      <p:par>
+        <p:cTn xmlns:p14="http://schemas.microsoft.com/office/powerpoint/2010/main" id="1" dur="indefinite" restart="never" nodeType="tmRoot"/>
+      </p:par>
+    </p:tnLst>
+  </p:timing>
 </p:sld>
 </file>
 

--- a/PresentationSlides/Presentation.pptx
+++ b/PresentationSlides/Presentation.pptx
@@ -4237,6 +4237,13 @@
   <p:clrMapOvr>
     <a:masterClrMapping/>
   </p:clrMapOvr>
+  <p:timing>
+    <p:tnLst>
+      <p:par>
+        <p:cTn xmlns:p14="http://schemas.microsoft.com/office/powerpoint/2010/main" id="1" dur="indefinite" restart="never" nodeType="tmRoot"/>
+      </p:par>
+    </p:tnLst>
+  </p:timing>
 </p:sld>
 </file>
 
@@ -5775,18 +5782,6 @@
               <a:rPr lang="en-US" altLang="zh-TW" dirty="0" smtClean="0"/>
               <a:t>Memory</a:t>
             </a:r>
-            <a:endParaRPr lang="en-US" altLang="zh-TW" dirty="0" smtClean="0"/>
-          </a:p>
-          <a:p>
-            <a:pPr lvl="1"/>
-            <a:r>
-              <a:rPr lang="en-US" altLang="zh-TW" dirty="0" smtClean="0">
-                <a:solidFill>
-                  <a:srgbClr val="FF0000"/>
-                </a:solidFill>
-              </a:rPr>
-              <a:t>[have little picture from design slide]</a:t>
-            </a:r>
           </a:p>
           <a:p>
             <a:r>
@@ -5822,24 +5817,16 @@
             <a:pPr lvl="1"/>
             <a:r>
               <a:rPr lang="en-US" altLang="zh-TW" dirty="0" smtClean="0"/>
-              <a:t>Based on resource usage</a:t>
-            </a:r>
-          </a:p>
-          <a:p>
-            <a:pPr lvl="1"/>
-            <a:r>
-              <a:rPr lang="en-US" altLang="zh-TW" dirty="0" smtClean="0">
-                <a:solidFill>
-                  <a:srgbClr val="FF0000"/>
-                </a:solidFill>
-              </a:rPr>
-              <a:t>[have little picture from design slide]</a:t>
-            </a:r>
-          </a:p>
-          <a:p>
-            <a:pPr marL="0" indent="0">
-              <a:buNone/>
-            </a:pPr>
+              <a:t>Based on </a:t>
+            </a:r>
+            <a:r>
+              <a:rPr lang="en-US" altLang="zh-TW" smtClean="0"/>
+              <a:t>resource </a:t>
+            </a:r>
+            <a:r>
+              <a:rPr lang="en-US" altLang="zh-TW" smtClean="0"/>
+              <a:t>usage</a:t>
+            </a:r>
             <a:endParaRPr lang="en-US" altLang="zh-TW" dirty="0" smtClean="0"/>
           </a:p>
         </p:txBody>

--- a/PresentationSlides/Presentation.pptx
+++ b/PresentationSlides/Presentation.pptx
@@ -3315,6 +3315,13 @@
   <p:clrMapOvr>
     <a:masterClrMapping/>
   </p:clrMapOvr>
+  <p:timing>
+    <p:tnLst>
+      <p:par>
+        <p:cTn xmlns:p14="http://schemas.microsoft.com/office/powerpoint/2010/main" id="1" dur="indefinite" restart="never" nodeType="tmRoot"/>
+      </p:par>
+    </p:tnLst>
+  </p:timing>
 </p:sld>
 </file>
 
@@ -5817,14 +5824,10 @@
             <a:pPr lvl="1"/>
             <a:r>
               <a:rPr lang="en-US" altLang="zh-TW" dirty="0" smtClean="0"/>
-              <a:t>Based on </a:t>
-            </a:r>
-            <a:r>
-              <a:rPr lang="en-US" altLang="zh-TW" smtClean="0"/>
-              <a:t>resource </a:t>
-            </a:r>
-            <a:r>
-              <a:rPr lang="en-US" altLang="zh-TW" smtClean="0"/>
+              <a:t>Based on resource </a:t>
+            </a:r>
+            <a:r>
+              <a:rPr lang="en-US" altLang="zh-TW" dirty="0" smtClean="0"/>
               <a:t>usage</a:t>
             </a:r>
             <a:endParaRPr lang="en-US" altLang="zh-TW" dirty="0" smtClean="0"/>
@@ -5916,52 +5919,6 @@
       </p:sp>
       <p:sp>
         <p:nvSpPr>
-          <p:cNvPr id="3" name="Content Placeholder 2"/>
-          <p:cNvSpPr>
-            <a:spLocks noGrp="1"/>
-          </p:cNvSpPr>
-          <p:nvPr>
-            <p:ph idx="1"/>
-          </p:nvPr>
-        </p:nvSpPr>
-        <p:spPr/>
-        <p:txBody>
-          <a:bodyPr/>
-          <a:lstStyle/>
-          <a:p>
-            <a:r>
-              <a:rPr lang="en-US" dirty="0" smtClean="0"/>
-              <a:t>have the animation from slide 6, but with concrete numbers</a:t>
-            </a:r>
-          </a:p>
-          <a:p>
-            <a:r>
-              <a:rPr lang="en-US" dirty="0" smtClean="0"/>
-              <a:t>Implemented the scheduler in </a:t>
-            </a:r>
-            <a:r>
-              <a:rPr lang="en-US" dirty="0" err="1" smtClean="0"/>
-              <a:t>cassandra</a:t>
-            </a:r>
-            <a:endParaRPr lang="en-US" dirty="0" smtClean="0"/>
-          </a:p>
-          <a:p>
-            <a:r>
-              <a:rPr lang="en-US" dirty="0" smtClean="0"/>
-              <a:t>About 25 lines of code</a:t>
-            </a:r>
-          </a:p>
-          <a:p>
-            <a:r>
-              <a:rPr lang="en-US" dirty="0" smtClean="0"/>
-              <a:t>Calculation for resource monitor [cite the paper]</a:t>
-            </a:r>
-            <a:endParaRPr lang="en-US" dirty="0"/>
-          </a:p>
-        </p:txBody>
-      </p:sp>
-      <p:sp>
-        <p:nvSpPr>
           <p:cNvPr id="4" name="Slide Number Placeholder 3"/>
           <p:cNvSpPr>
             <a:spLocks noGrp="1"/>
@@ -5983,6 +5940,719 @@
           </a:p>
         </p:txBody>
       </p:sp>
+      <p:sp>
+        <p:nvSpPr>
+          <p:cNvPr id="5" name="Rounded Rectangle 4"/>
+          <p:cNvSpPr/>
+          <p:nvPr/>
+        </p:nvSpPr>
+        <p:spPr>
+          <a:xfrm>
+            <a:off x="3923514" y="2302090"/>
+            <a:ext cx="1304059" cy="873197"/>
+          </a:xfrm>
+          <a:prstGeom prst="roundRect">
+            <a:avLst/>
+          </a:prstGeom>
+        </p:spPr>
+        <p:style>
+          <a:lnRef idx="1">
+            <a:schemeClr val="accent1"/>
+          </a:lnRef>
+          <a:fillRef idx="3">
+            <a:schemeClr val="accent1"/>
+          </a:fillRef>
+          <a:effectRef idx="2">
+            <a:schemeClr val="accent1"/>
+          </a:effectRef>
+          <a:fontRef idx="minor">
+            <a:schemeClr val="lt1"/>
+          </a:fontRef>
+        </p:style>
+        <p:txBody>
+          <a:bodyPr rtlCol="0" anchor="ctr"/>
+          <a:lstStyle/>
+          <a:p>
+            <a:pPr algn="ctr"/>
+            <a:r>
+              <a:rPr lang="en-US" dirty="0" smtClean="0"/>
+              <a:t>Master</a:t>
+            </a:r>
+          </a:p>
+          <a:p>
+            <a:pPr algn="ctr"/>
+            <a:r>
+              <a:rPr lang="en-US" dirty="0" smtClean="0"/>
+              <a:t>- CJD</a:t>
+            </a:r>
+          </a:p>
+        </p:txBody>
+      </p:sp>
+      <p:sp>
+        <p:nvSpPr>
+          <p:cNvPr id="6" name="Rounded Rectangle 5"/>
+          <p:cNvSpPr/>
+          <p:nvPr/>
+        </p:nvSpPr>
+        <p:spPr>
+          <a:xfrm>
+            <a:off x="6219106" y="3818908"/>
+            <a:ext cx="1304059" cy="873197"/>
+          </a:xfrm>
+          <a:prstGeom prst="roundRect">
+            <a:avLst/>
+          </a:prstGeom>
+        </p:spPr>
+        <p:style>
+          <a:lnRef idx="1">
+            <a:schemeClr val="accent1"/>
+          </a:lnRef>
+          <a:fillRef idx="3">
+            <a:schemeClr val="accent1"/>
+          </a:fillRef>
+          <a:effectRef idx="2">
+            <a:schemeClr val="accent1"/>
+          </a:effectRef>
+          <a:fontRef idx="minor">
+            <a:schemeClr val="lt1"/>
+          </a:fontRef>
+        </p:style>
+        <p:txBody>
+          <a:bodyPr rtlCol="0" anchor="ctr"/>
+          <a:lstStyle/>
+          <a:p>
+            <a:pPr algn="ctr"/>
+            <a:r>
+              <a:rPr lang="en-US" dirty="0" smtClean="0"/>
+              <a:t>Node N</a:t>
+            </a:r>
+          </a:p>
+          <a:p>
+            <a:pPr algn="ctr"/>
+            <a:r>
+              <a:rPr lang="en-US" dirty="0" smtClean="0"/>
+              <a:t>- </a:t>
+            </a:r>
+            <a:r>
+              <a:rPr lang="en-US" dirty="0" err="1" smtClean="0"/>
+              <a:t>ResMon</a:t>
+            </a:r>
+            <a:endParaRPr lang="en-US" dirty="0"/>
+          </a:p>
+        </p:txBody>
+      </p:sp>
+      <p:sp>
+        <p:nvSpPr>
+          <p:cNvPr id="7" name="Rounded Rectangle 6"/>
+          <p:cNvSpPr/>
+          <p:nvPr/>
+        </p:nvSpPr>
+        <p:spPr>
+          <a:xfrm>
+            <a:off x="3923514" y="3818908"/>
+            <a:ext cx="1304059" cy="873197"/>
+          </a:xfrm>
+          <a:prstGeom prst="roundRect">
+            <a:avLst/>
+          </a:prstGeom>
+        </p:spPr>
+        <p:style>
+          <a:lnRef idx="1">
+            <a:schemeClr val="accent1"/>
+          </a:lnRef>
+          <a:fillRef idx="3">
+            <a:schemeClr val="accent1"/>
+          </a:fillRef>
+          <a:effectRef idx="2">
+            <a:schemeClr val="accent1"/>
+          </a:effectRef>
+          <a:fontRef idx="minor">
+            <a:schemeClr val="lt1"/>
+          </a:fontRef>
+        </p:style>
+        <p:txBody>
+          <a:bodyPr rtlCol="0" anchor="ctr"/>
+          <a:lstStyle/>
+          <a:p>
+            <a:pPr algn="ctr"/>
+            <a:r>
+              <a:rPr lang="en-US" dirty="0" smtClean="0"/>
+              <a:t>Node K</a:t>
+            </a:r>
+          </a:p>
+          <a:p>
+            <a:pPr algn="ctr"/>
+            <a:r>
+              <a:rPr lang="en-US" dirty="0" smtClean="0"/>
+              <a:t>- </a:t>
+            </a:r>
+            <a:r>
+              <a:rPr lang="en-US" dirty="0" err="1" smtClean="0"/>
+              <a:t>ResMon</a:t>
+            </a:r>
+            <a:endParaRPr lang="en-US" dirty="0"/>
+          </a:p>
+        </p:txBody>
+      </p:sp>
+      <p:sp>
+        <p:nvSpPr>
+          <p:cNvPr id="8" name="Rounded Rectangle 7"/>
+          <p:cNvSpPr/>
+          <p:nvPr/>
+        </p:nvSpPr>
+        <p:spPr>
+          <a:xfrm>
+            <a:off x="1573469" y="3818908"/>
+            <a:ext cx="1304059" cy="873197"/>
+          </a:xfrm>
+          <a:prstGeom prst="roundRect">
+            <a:avLst/>
+          </a:prstGeom>
+        </p:spPr>
+        <p:style>
+          <a:lnRef idx="1">
+            <a:schemeClr val="accent1"/>
+          </a:lnRef>
+          <a:fillRef idx="3">
+            <a:schemeClr val="accent1"/>
+          </a:fillRef>
+          <a:effectRef idx="2">
+            <a:schemeClr val="accent1"/>
+          </a:effectRef>
+          <a:fontRef idx="minor">
+            <a:schemeClr val="lt1"/>
+          </a:fontRef>
+        </p:style>
+        <p:txBody>
+          <a:bodyPr rtlCol="0" anchor="ctr"/>
+          <a:lstStyle/>
+          <a:p>
+            <a:pPr algn="ctr"/>
+            <a:r>
+              <a:rPr lang="en-US" dirty="0" smtClean="0"/>
+              <a:t>Node A</a:t>
+            </a:r>
+          </a:p>
+          <a:p>
+            <a:pPr algn="ctr"/>
+            <a:r>
+              <a:rPr lang="en-US" dirty="0" smtClean="0"/>
+              <a:t>- </a:t>
+            </a:r>
+            <a:r>
+              <a:rPr lang="en-US" dirty="0" err="1" smtClean="0"/>
+              <a:t>ResMon</a:t>
+            </a:r>
+            <a:endParaRPr lang="en-US" dirty="0"/>
+          </a:p>
+        </p:txBody>
+      </p:sp>
+      <p:sp>
+        <p:nvSpPr>
+          <p:cNvPr id="9" name="Donut 8"/>
+          <p:cNvSpPr/>
+          <p:nvPr/>
+        </p:nvSpPr>
+        <p:spPr>
+          <a:xfrm>
+            <a:off x="435158" y="1757759"/>
+            <a:ext cx="8251642" cy="3704976"/>
+          </a:xfrm>
+          <a:prstGeom prst="donut">
+            <a:avLst>
+              <a:gd name="adj" fmla="val 1187"/>
+            </a:avLst>
+          </a:prstGeom>
+          <a:solidFill>
+            <a:schemeClr val="tx1"/>
+          </a:solidFill>
+        </p:spPr>
+        <p:style>
+          <a:lnRef idx="1">
+            <a:schemeClr val="accent1"/>
+          </a:lnRef>
+          <a:fillRef idx="3">
+            <a:schemeClr val="accent1"/>
+          </a:fillRef>
+          <a:effectRef idx="2">
+            <a:schemeClr val="accent1"/>
+          </a:effectRef>
+          <a:fontRef idx="minor">
+            <a:schemeClr val="lt1"/>
+          </a:fontRef>
+        </p:style>
+        <p:txBody>
+          <a:bodyPr rtlCol="0" anchor="ctr"/>
+          <a:lstStyle/>
+          <a:p>
+            <a:pPr algn="ctr"/>
+            <a:endParaRPr lang="en-US">
+              <a:solidFill>
+                <a:schemeClr val="tx1"/>
+              </a:solidFill>
+            </a:endParaRPr>
+          </a:p>
+        </p:txBody>
+      </p:sp>
+      <p:cxnSp>
+        <p:nvCxnSpPr>
+          <p:cNvPr id="10" name="Straight Arrow Connector 9"/>
+          <p:cNvCxnSpPr/>
+          <p:nvPr/>
+        </p:nvCxnSpPr>
+        <p:spPr>
+          <a:xfrm flipH="1">
+            <a:off x="5068818" y="1542295"/>
+            <a:ext cx="793774" cy="759795"/>
+          </a:xfrm>
+          <a:prstGeom prst="straightConnector1">
+            <a:avLst/>
+          </a:prstGeom>
+          <a:ln w="38100">
+            <a:solidFill>
+              <a:srgbClr val="008000"/>
+            </a:solidFill>
+            <a:tailEnd type="arrow"/>
+          </a:ln>
+        </p:spPr>
+        <p:style>
+          <a:lnRef idx="2">
+            <a:schemeClr val="accent1"/>
+          </a:lnRef>
+          <a:fillRef idx="0">
+            <a:schemeClr val="accent1"/>
+          </a:fillRef>
+          <a:effectRef idx="1">
+            <a:schemeClr val="accent1"/>
+          </a:effectRef>
+          <a:fontRef idx="minor">
+            <a:schemeClr val="tx1"/>
+          </a:fontRef>
+        </p:style>
+      </p:cxnSp>
+      <p:cxnSp>
+        <p:nvCxnSpPr>
+          <p:cNvPr id="11" name="Straight Arrow Connector 10"/>
+          <p:cNvCxnSpPr>
+            <a:endCxn id="8" idx="0"/>
+          </p:cNvCxnSpPr>
+          <p:nvPr/>
+        </p:nvCxnSpPr>
+        <p:spPr>
+          <a:xfrm flipH="1">
+            <a:off x="2225499" y="2936449"/>
+            <a:ext cx="1698015" cy="882459"/>
+          </a:xfrm>
+          <a:prstGeom prst="straightConnector1">
+            <a:avLst/>
+          </a:prstGeom>
+          <a:ln w="38100">
+            <a:solidFill>
+              <a:srgbClr val="008000"/>
+            </a:solidFill>
+            <a:headEnd type="arrow"/>
+            <a:tailEnd type="none"/>
+          </a:ln>
+        </p:spPr>
+        <p:style>
+          <a:lnRef idx="2">
+            <a:schemeClr val="accent1"/>
+          </a:lnRef>
+          <a:fillRef idx="0">
+            <a:schemeClr val="accent1"/>
+          </a:fillRef>
+          <a:effectRef idx="1">
+            <a:schemeClr val="accent1"/>
+          </a:effectRef>
+          <a:fontRef idx="minor">
+            <a:schemeClr val="tx1"/>
+          </a:fontRef>
+        </p:style>
+      </p:cxnSp>
+      <p:cxnSp>
+        <p:nvCxnSpPr>
+          <p:cNvPr id="12" name="Straight Arrow Connector 11"/>
+          <p:cNvCxnSpPr>
+            <a:stCxn id="5" idx="2"/>
+            <a:endCxn id="7" idx="0"/>
+          </p:cNvCxnSpPr>
+          <p:nvPr/>
+        </p:nvCxnSpPr>
+        <p:spPr>
+          <a:xfrm>
+            <a:off x="4575544" y="3175287"/>
+            <a:ext cx="0" cy="643621"/>
+          </a:xfrm>
+          <a:prstGeom prst="straightConnector1">
+            <a:avLst/>
+          </a:prstGeom>
+          <a:ln w="38100">
+            <a:solidFill>
+              <a:srgbClr val="008000"/>
+            </a:solidFill>
+            <a:headEnd type="arrow"/>
+            <a:tailEnd type="none"/>
+          </a:ln>
+        </p:spPr>
+        <p:style>
+          <a:lnRef idx="2">
+            <a:schemeClr val="accent1"/>
+          </a:lnRef>
+          <a:fillRef idx="0">
+            <a:schemeClr val="accent1"/>
+          </a:fillRef>
+          <a:effectRef idx="1">
+            <a:schemeClr val="accent1"/>
+          </a:effectRef>
+          <a:fontRef idx="minor">
+            <a:schemeClr val="tx1"/>
+          </a:fontRef>
+        </p:style>
+      </p:cxnSp>
+      <p:cxnSp>
+        <p:nvCxnSpPr>
+          <p:cNvPr id="13" name="Straight Arrow Connector 12"/>
+          <p:cNvCxnSpPr>
+            <a:endCxn id="6" idx="0"/>
+          </p:cNvCxnSpPr>
+          <p:nvPr/>
+        </p:nvCxnSpPr>
+        <p:spPr>
+          <a:xfrm>
+            <a:off x="5227573" y="2936449"/>
+            <a:ext cx="1643563" cy="882459"/>
+          </a:xfrm>
+          <a:prstGeom prst="straightConnector1">
+            <a:avLst/>
+          </a:prstGeom>
+          <a:ln w="38100">
+            <a:solidFill>
+              <a:srgbClr val="008000"/>
+            </a:solidFill>
+            <a:headEnd type="arrow"/>
+            <a:tailEnd type="none"/>
+          </a:ln>
+        </p:spPr>
+        <p:style>
+          <a:lnRef idx="2">
+            <a:schemeClr val="accent1"/>
+          </a:lnRef>
+          <a:fillRef idx="0">
+            <a:schemeClr val="accent1"/>
+          </a:fillRef>
+          <a:effectRef idx="1">
+            <a:schemeClr val="accent1"/>
+          </a:effectRef>
+          <a:fontRef idx="minor">
+            <a:schemeClr val="tx1"/>
+          </a:fontRef>
+        </p:style>
+      </p:cxnSp>
+      <p:cxnSp>
+        <p:nvCxnSpPr>
+          <p:cNvPr id="14" name="Straight Arrow Connector 13"/>
+          <p:cNvCxnSpPr/>
+          <p:nvPr/>
+        </p:nvCxnSpPr>
+        <p:spPr>
+          <a:xfrm flipH="1">
+            <a:off x="2664815" y="3088849"/>
+            <a:ext cx="1258699" cy="730059"/>
+          </a:xfrm>
+          <a:prstGeom prst="straightConnector1">
+            <a:avLst/>
+          </a:prstGeom>
+          <a:ln w="38100">
+            <a:solidFill>
+              <a:srgbClr val="FF0000"/>
+            </a:solidFill>
+            <a:headEnd type="arrow"/>
+            <a:tailEnd type="arrow"/>
+          </a:ln>
+        </p:spPr>
+        <p:style>
+          <a:lnRef idx="2">
+            <a:schemeClr val="accent1"/>
+          </a:lnRef>
+          <a:fillRef idx="0">
+            <a:schemeClr val="accent1"/>
+          </a:fillRef>
+          <a:effectRef idx="1">
+            <a:schemeClr val="accent1"/>
+          </a:effectRef>
+          <a:fontRef idx="minor">
+            <a:schemeClr val="tx1"/>
+          </a:fontRef>
+        </p:style>
+      </p:cxnSp>
+      <p:cxnSp>
+        <p:nvCxnSpPr>
+          <p:cNvPr id="15" name="Straight Arrow Connector 14"/>
+          <p:cNvCxnSpPr/>
+          <p:nvPr/>
+        </p:nvCxnSpPr>
+        <p:spPr>
+          <a:xfrm flipH="1">
+            <a:off x="4399779" y="3175287"/>
+            <a:ext cx="1" cy="643621"/>
+          </a:xfrm>
+          <a:prstGeom prst="straightConnector1">
+            <a:avLst/>
+          </a:prstGeom>
+          <a:ln w="38100">
+            <a:solidFill>
+              <a:srgbClr val="FF0000"/>
+            </a:solidFill>
+            <a:headEnd type="arrow"/>
+            <a:tailEnd type="arrow"/>
+          </a:ln>
+        </p:spPr>
+        <p:style>
+          <a:lnRef idx="2">
+            <a:schemeClr val="accent1"/>
+          </a:lnRef>
+          <a:fillRef idx="0">
+            <a:schemeClr val="accent1"/>
+          </a:fillRef>
+          <a:effectRef idx="1">
+            <a:schemeClr val="accent1"/>
+          </a:effectRef>
+          <a:fontRef idx="minor">
+            <a:schemeClr val="tx1"/>
+          </a:fontRef>
+        </p:style>
+      </p:cxnSp>
+      <p:cxnSp>
+        <p:nvCxnSpPr>
+          <p:cNvPr id="16" name="Straight Arrow Connector 15"/>
+          <p:cNvCxnSpPr/>
+          <p:nvPr/>
+        </p:nvCxnSpPr>
+        <p:spPr>
+          <a:xfrm>
+            <a:off x="5227574" y="3088849"/>
+            <a:ext cx="1325626" cy="730059"/>
+          </a:xfrm>
+          <a:prstGeom prst="straightConnector1">
+            <a:avLst/>
+          </a:prstGeom>
+          <a:ln w="38100">
+            <a:solidFill>
+              <a:srgbClr val="FF0000"/>
+            </a:solidFill>
+            <a:headEnd type="arrow"/>
+            <a:tailEnd type="arrow"/>
+          </a:ln>
+        </p:spPr>
+        <p:style>
+          <a:lnRef idx="2">
+            <a:schemeClr val="accent1"/>
+          </a:lnRef>
+          <a:fillRef idx="0">
+            <a:schemeClr val="accent1"/>
+          </a:fillRef>
+          <a:effectRef idx="1">
+            <a:schemeClr val="accent1"/>
+          </a:effectRef>
+          <a:fontRef idx="minor">
+            <a:schemeClr val="tx1"/>
+          </a:fontRef>
+        </p:style>
+      </p:cxnSp>
+      <p:cxnSp>
+        <p:nvCxnSpPr>
+          <p:cNvPr id="17" name="Straight Arrow Connector 16"/>
+          <p:cNvCxnSpPr/>
+          <p:nvPr/>
+        </p:nvCxnSpPr>
+        <p:spPr>
+          <a:xfrm flipV="1">
+            <a:off x="4887384" y="1542295"/>
+            <a:ext cx="737076" cy="759795"/>
+          </a:xfrm>
+          <a:prstGeom prst="straightConnector1">
+            <a:avLst/>
+          </a:prstGeom>
+          <a:ln w="38100">
+            <a:solidFill>
+              <a:srgbClr val="FF0000"/>
+            </a:solidFill>
+            <a:tailEnd type="arrow"/>
+          </a:ln>
+        </p:spPr>
+        <p:style>
+          <a:lnRef idx="2">
+            <a:schemeClr val="accent1"/>
+          </a:lnRef>
+          <a:fillRef idx="0">
+            <a:schemeClr val="accent1"/>
+          </a:fillRef>
+          <a:effectRef idx="1">
+            <a:schemeClr val="accent1"/>
+          </a:effectRef>
+          <a:fontRef idx="minor">
+            <a:schemeClr val="tx1"/>
+          </a:fontRef>
+        </p:style>
+      </p:cxnSp>
+      <p:sp>
+        <p:nvSpPr>
+          <p:cNvPr id="20" name="TextBox 19"/>
+          <p:cNvSpPr txBox="1"/>
+          <p:nvPr/>
+        </p:nvSpPr>
+        <p:spPr>
+          <a:xfrm>
+            <a:off x="5491961" y="1169770"/>
+            <a:ext cx="727145" cy="369332"/>
+          </a:xfrm>
+          <a:prstGeom prst="rect">
+            <a:avLst/>
+          </a:prstGeom>
+          <a:noFill/>
+        </p:spPr>
+        <p:txBody>
+          <a:bodyPr wrap="none" rtlCol="0">
+            <a:spAutoFit/>
+          </a:bodyPr>
+          <a:lstStyle/>
+          <a:p>
+            <a:r>
+              <a:rPr lang="en-US" dirty="0" smtClean="0">
+                <a:solidFill>
+                  <a:srgbClr val="008000"/>
+                </a:solidFill>
+              </a:rPr>
+              <a:t>Client</a:t>
+            </a:r>
+            <a:endParaRPr lang="en-US" dirty="0">
+              <a:solidFill>
+                <a:srgbClr val="008000"/>
+              </a:solidFill>
+            </a:endParaRPr>
+          </a:p>
+        </p:txBody>
+      </p:sp>
+      <p:sp>
+        <p:nvSpPr>
+          <p:cNvPr id="23" name="TextBox 22"/>
+          <p:cNvSpPr txBox="1"/>
+          <p:nvPr/>
+        </p:nvSpPr>
+        <p:spPr>
+          <a:xfrm>
+            <a:off x="2664815" y="2936449"/>
+            <a:ext cx="593920" cy="369332"/>
+          </a:xfrm>
+          <a:prstGeom prst="rect">
+            <a:avLst/>
+          </a:prstGeom>
+          <a:noFill/>
+        </p:spPr>
+        <p:txBody>
+          <a:bodyPr wrap="none" rtlCol="0">
+            <a:spAutoFit/>
+          </a:bodyPr>
+          <a:lstStyle/>
+          <a:p>
+            <a:r>
+              <a:rPr lang="en-US" dirty="0" smtClean="0"/>
+              <a:t>14.7</a:t>
+            </a:r>
+            <a:endParaRPr lang="en-US" dirty="0"/>
+          </a:p>
+        </p:txBody>
+      </p:sp>
+      <p:sp>
+        <p:nvSpPr>
+          <p:cNvPr id="24" name="TextBox 23"/>
+          <p:cNvSpPr txBox="1"/>
+          <p:nvPr/>
+        </p:nvSpPr>
+        <p:spPr>
+          <a:xfrm>
+            <a:off x="4602482" y="3385844"/>
+            <a:ext cx="476926" cy="369332"/>
+          </a:xfrm>
+          <a:prstGeom prst="rect">
+            <a:avLst/>
+          </a:prstGeom>
+          <a:noFill/>
+        </p:spPr>
+        <p:txBody>
+          <a:bodyPr wrap="none" rtlCol="0">
+            <a:spAutoFit/>
+          </a:bodyPr>
+          <a:lstStyle/>
+          <a:p>
+            <a:r>
+              <a:rPr lang="en-US" dirty="0" smtClean="0"/>
+              <a:t>7.5</a:t>
+            </a:r>
+            <a:endParaRPr lang="en-US" dirty="0"/>
+          </a:p>
+        </p:txBody>
+      </p:sp>
+      <p:sp>
+        <p:nvSpPr>
+          <p:cNvPr id="25" name="TextBox 24"/>
+          <p:cNvSpPr txBox="1"/>
+          <p:nvPr/>
+        </p:nvSpPr>
+        <p:spPr>
+          <a:xfrm>
+            <a:off x="5922146" y="2904183"/>
+            <a:ext cx="593920" cy="369332"/>
+          </a:xfrm>
+          <a:prstGeom prst="rect">
+            <a:avLst/>
+          </a:prstGeom>
+          <a:noFill/>
+        </p:spPr>
+        <p:txBody>
+          <a:bodyPr wrap="none" rtlCol="0">
+            <a:spAutoFit/>
+          </a:bodyPr>
+          <a:lstStyle/>
+          <a:p>
+            <a:r>
+              <a:rPr lang="en-US" dirty="0" smtClean="0"/>
+              <a:t>89.3</a:t>
+            </a:r>
+            <a:endParaRPr lang="en-US" dirty="0"/>
+          </a:p>
+        </p:txBody>
+      </p:sp>
+      <p:pic>
+        <p:nvPicPr>
+          <p:cNvPr id="28" name="Picture 27" descr="CodeCogsEqn(2).gif"/>
+          <p:cNvPicPr>
+            <a:picLocks noChangeAspect="1"/>
+          </p:cNvPicPr>
+          <p:nvPr/>
+        </p:nvPicPr>
+        <p:blipFill>
+          <a:blip r:embed="rId2">
+            <a:extLst>
+              <a:ext uri="{28A0092B-C50C-407E-A947-70E740481C1C}">
+                <a14:useLocalDpi xmlns:a14="http://schemas.microsoft.com/office/drawing/2010/main" val="0"/>
+              </a:ext>
+            </a:extLst>
+          </a:blip>
+          <a:stretch>
+            <a:fillRect/>
+          </a:stretch>
+        </p:blipFill>
+        <p:spPr>
+          <a:xfrm>
+            <a:off x="1172589" y="5667642"/>
+            <a:ext cx="6805909" cy="796118"/>
+          </a:xfrm>
+          <a:prstGeom prst="rect">
+            <a:avLst/>
+          </a:prstGeom>
+        </p:spPr>
+      </p:pic>
     </p:spTree>
     <p:extLst>
       <p:ext uri="{BB962C8B-B14F-4D97-AF65-F5344CB8AC3E}">
@@ -5996,9 +6666,455 @@
   <p:timing>
     <p:tnLst>
       <p:par>
-        <p:cTn xmlns:p14="http://schemas.microsoft.com/office/powerpoint/2010/main" id="1" dur="indefinite" restart="never" nodeType="tmRoot"/>
+        <p:cTn xmlns:p14="http://schemas.microsoft.com/office/powerpoint/2010/main" id="1" dur="indefinite" restart="never" nodeType="tmRoot">
+          <p:childTnLst>
+            <p:seq concurrent="1" nextAc="seek">
+              <p:cTn id="2" dur="indefinite" nodeType="mainSeq">
+                <p:childTnLst>
+                  <p:par>
+                    <p:cTn id="3" fill="hold">
+                      <p:stCondLst>
+                        <p:cond delay="indefinite"/>
+                        <p:cond evt="onBegin" delay="0">
+                          <p:tn val="2"/>
+                        </p:cond>
+                      </p:stCondLst>
+                      <p:childTnLst>
+                        <p:par>
+                          <p:cTn id="4" fill="hold">
+                            <p:stCondLst>
+                              <p:cond delay="0"/>
+                            </p:stCondLst>
+                            <p:childTnLst>
+                              <p:par>
+                                <p:cTn id="5" presetID="1" presetClass="entr" presetSubtype="0" fill="hold" nodeType="withEffect">
+                                  <p:stCondLst>
+                                    <p:cond delay="0"/>
+                                  </p:stCondLst>
+                                  <p:childTnLst>
+                                    <p:set>
+                                      <p:cBhvr>
+                                        <p:cTn id="6" dur="1" fill="hold">
+                                          <p:stCondLst>
+                                            <p:cond delay="0"/>
+                                          </p:stCondLst>
+                                        </p:cTn>
+                                        <p:tgtEl>
+                                          <p:spTgt spid="10"/>
+                                        </p:tgtEl>
+                                        <p:attrNameLst>
+                                          <p:attrName>style.visibility</p:attrName>
+                                        </p:attrNameLst>
+                                      </p:cBhvr>
+                                      <p:to>
+                                        <p:strVal val="visible"/>
+                                      </p:to>
+                                    </p:set>
+                                  </p:childTnLst>
+                                </p:cTn>
+                              </p:par>
+                            </p:childTnLst>
+                          </p:cTn>
+                        </p:par>
+                      </p:childTnLst>
+                    </p:cTn>
+                  </p:par>
+                  <p:par>
+                    <p:cTn id="7" fill="hold">
+                      <p:stCondLst>
+                        <p:cond delay="indefinite"/>
+                      </p:stCondLst>
+                      <p:childTnLst>
+                        <p:par>
+                          <p:cTn id="8" fill="hold">
+                            <p:stCondLst>
+                              <p:cond delay="0"/>
+                            </p:stCondLst>
+                            <p:childTnLst>
+                              <p:par>
+                                <p:cTn id="9" presetID="1" presetClass="entr" presetSubtype="0" fill="hold" nodeType="clickEffect">
+                                  <p:stCondLst>
+                                    <p:cond delay="0"/>
+                                  </p:stCondLst>
+                                  <p:childTnLst>
+                                    <p:set>
+                                      <p:cBhvr>
+                                        <p:cTn id="10" dur="1" fill="hold">
+                                          <p:stCondLst>
+                                            <p:cond delay="0"/>
+                                          </p:stCondLst>
+                                        </p:cTn>
+                                        <p:tgtEl>
+                                          <p:spTgt spid="11"/>
+                                        </p:tgtEl>
+                                        <p:attrNameLst>
+                                          <p:attrName>style.visibility</p:attrName>
+                                        </p:attrNameLst>
+                                      </p:cBhvr>
+                                      <p:to>
+                                        <p:strVal val="visible"/>
+                                      </p:to>
+                                    </p:set>
+                                  </p:childTnLst>
+                                </p:cTn>
+                              </p:par>
+                              <p:par>
+                                <p:cTn id="11" presetID="1" presetClass="entr" presetSubtype="0" fill="hold" nodeType="withEffect">
+                                  <p:stCondLst>
+                                    <p:cond delay="0"/>
+                                  </p:stCondLst>
+                                  <p:childTnLst>
+                                    <p:set>
+                                      <p:cBhvr>
+                                        <p:cTn id="12" dur="1" fill="hold">
+                                          <p:stCondLst>
+                                            <p:cond delay="0"/>
+                                          </p:stCondLst>
+                                        </p:cTn>
+                                        <p:tgtEl>
+                                          <p:spTgt spid="12"/>
+                                        </p:tgtEl>
+                                        <p:attrNameLst>
+                                          <p:attrName>style.visibility</p:attrName>
+                                        </p:attrNameLst>
+                                      </p:cBhvr>
+                                      <p:to>
+                                        <p:strVal val="visible"/>
+                                      </p:to>
+                                    </p:set>
+                                  </p:childTnLst>
+                                </p:cTn>
+                              </p:par>
+                              <p:par>
+                                <p:cTn id="13" presetID="1" presetClass="entr" presetSubtype="0" fill="hold" nodeType="withEffect">
+                                  <p:stCondLst>
+                                    <p:cond delay="0"/>
+                                  </p:stCondLst>
+                                  <p:childTnLst>
+                                    <p:set>
+                                      <p:cBhvr>
+                                        <p:cTn id="14" dur="1" fill="hold">
+                                          <p:stCondLst>
+                                            <p:cond delay="0"/>
+                                          </p:stCondLst>
+                                        </p:cTn>
+                                        <p:tgtEl>
+                                          <p:spTgt spid="13"/>
+                                        </p:tgtEl>
+                                        <p:attrNameLst>
+                                          <p:attrName>style.visibility</p:attrName>
+                                        </p:attrNameLst>
+                                      </p:cBhvr>
+                                      <p:to>
+                                        <p:strVal val="visible"/>
+                                      </p:to>
+                                    </p:set>
+                                  </p:childTnLst>
+                                </p:cTn>
+                              </p:par>
+                              <p:par>
+                                <p:cTn id="15" presetID="1" presetClass="entr" presetSubtype="0" fill="hold" grpId="0" nodeType="withEffect">
+                                  <p:stCondLst>
+                                    <p:cond delay="0"/>
+                                  </p:stCondLst>
+                                  <p:childTnLst>
+                                    <p:set>
+                                      <p:cBhvr>
+                                        <p:cTn id="16" dur="1" fill="hold">
+                                          <p:stCondLst>
+                                            <p:cond delay="0"/>
+                                          </p:stCondLst>
+                                        </p:cTn>
+                                        <p:tgtEl>
+                                          <p:spTgt spid="23"/>
+                                        </p:tgtEl>
+                                        <p:attrNameLst>
+                                          <p:attrName>style.visibility</p:attrName>
+                                        </p:attrNameLst>
+                                      </p:cBhvr>
+                                      <p:to>
+                                        <p:strVal val="visible"/>
+                                      </p:to>
+                                    </p:set>
+                                  </p:childTnLst>
+                                </p:cTn>
+                              </p:par>
+                              <p:par>
+                                <p:cTn id="17" presetID="1" presetClass="entr" presetSubtype="0" fill="hold" grpId="0" nodeType="withEffect">
+                                  <p:stCondLst>
+                                    <p:cond delay="0"/>
+                                  </p:stCondLst>
+                                  <p:childTnLst>
+                                    <p:set>
+                                      <p:cBhvr>
+                                        <p:cTn id="18" dur="1" fill="hold">
+                                          <p:stCondLst>
+                                            <p:cond delay="0"/>
+                                          </p:stCondLst>
+                                        </p:cTn>
+                                        <p:tgtEl>
+                                          <p:spTgt spid="24"/>
+                                        </p:tgtEl>
+                                        <p:attrNameLst>
+                                          <p:attrName>style.visibility</p:attrName>
+                                        </p:attrNameLst>
+                                      </p:cBhvr>
+                                      <p:to>
+                                        <p:strVal val="visible"/>
+                                      </p:to>
+                                    </p:set>
+                                  </p:childTnLst>
+                                </p:cTn>
+                              </p:par>
+                              <p:par>
+                                <p:cTn id="19" presetID="1" presetClass="entr" presetSubtype="0" fill="hold" grpId="0" nodeType="withEffect">
+                                  <p:stCondLst>
+                                    <p:cond delay="0"/>
+                                  </p:stCondLst>
+                                  <p:childTnLst>
+                                    <p:set>
+                                      <p:cBhvr>
+                                        <p:cTn id="20" dur="1" fill="hold">
+                                          <p:stCondLst>
+                                            <p:cond delay="0"/>
+                                          </p:stCondLst>
+                                        </p:cTn>
+                                        <p:tgtEl>
+                                          <p:spTgt spid="25"/>
+                                        </p:tgtEl>
+                                        <p:attrNameLst>
+                                          <p:attrName>style.visibility</p:attrName>
+                                        </p:attrNameLst>
+                                      </p:cBhvr>
+                                      <p:to>
+                                        <p:strVal val="visible"/>
+                                      </p:to>
+                                    </p:set>
+                                  </p:childTnLst>
+                                </p:cTn>
+                              </p:par>
+                            </p:childTnLst>
+                          </p:cTn>
+                        </p:par>
+                      </p:childTnLst>
+                    </p:cTn>
+                  </p:par>
+                  <p:par>
+                    <p:cTn id="21" fill="hold">
+                      <p:stCondLst>
+                        <p:cond delay="indefinite"/>
+                      </p:stCondLst>
+                      <p:childTnLst>
+                        <p:par>
+                          <p:cTn id="22" fill="hold">
+                            <p:stCondLst>
+                              <p:cond delay="0"/>
+                            </p:stCondLst>
+                            <p:childTnLst>
+                              <p:par>
+                                <p:cTn id="23" presetID="1" presetClass="entr" presetSubtype="0" fill="hold" nodeType="clickEffect">
+                                  <p:stCondLst>
+                                    <p:cond delay="0"/>
+                                  </p:stCondLst>
+                                  <p:childTnLst>
+                                    <p:set>
+                                      <p:cBhvr>
+                                        <p:cTn id="24" dur="1" fill="hold">
+                                          <p:stCondLst>
+                                            <p:cond delay="0"/>
+                                          </p:stCondLst>
+                                        </p:cTn>
+                                        <p:tgtEl>
+                                          <p:spTgt spid="14"/>
+                                        </p:tgtEl>
+                                        <p:attrNameLst>
+                                          <p:attrName>style.visibility</p:attrName>
+                                        </p:attrNameLst>
+                                      </p:cBhvr>
+                                      <p:to>
+                                        <p:strVal val="visible"/>
+                                      </p:to>
+                                    </p:set>
+                                  </p:childTnLst>
+                                </p:cTn>
+                              </p:par>
+                              <p:par>
+                                <p:cTn id="25" presetID="1" presetClass="entr" presetSubtype="0" fill="hold" nodeType="withEffect">
+                                  <p:stCondLst>
+                                    <p:cond delay="0"/>
+                                  </p:stCondLst>
+                                  <p:childTnLst>
+                                    <p:set>
+                                      <p:cBhvr>
+                                        <p:cTn id="26" dur="1" fill="hold">
+                                          <p:stCondLst>
+                                            <p:cond delay="0"/>
+                                          </p:stCondLst>
+                                        </p:cTn>
+                                        <p:tgtEl>
+                                          <p:spTgt spid="15"/>
+                                        </p:tgtEl>
+                                        <p:attrNameLst>
+                                          <p:attrName>style.visibility</p:attrName>
+                                        </p:attrNameLst>
+                                      </p:cBhvr>
+                                      <p:to>
+                                        <p:strVal val="visible"/>
+                                      </p:to>
+                                    </p:set>
+                                  </p:childTnLst>
+                                </p:cTn>
+                              </p:par>
+                              <p:par>
+                                <p:cTn id="27" presetID="1" presetClass="entr" presetSubtype="0" fill="hold" nodeType="withEffect">
+                                  <p:stCondLst>
+                                    <p:cond delay="0"/>
+                                  </p:stCondLst>
+                                  <p:childTnLst>
+                                    <p:set>
+                                      <p:cBhvr>
+                                        <p:cTn id="28" dur="1" fill="hold">
+                                          <p:stCondLst>
+                                            <p:cond delay="0"/>
+                                          </p:stCondLst>
+                                        </p:cTn>
+                                        <p:tgtEl>
+                                          <p:spTgt spid="16"/>
+                                        </p:tgtEl>
+                                        <p:attrNameLst>
+                                          <p:attrName>style.visibility</p:attrName>
+                                        </p:attrNameLst>
+                                      </p:cBhvr>
+                                      <p:to>
+                                        <p:strVal val="visible"/>
+                                      </p:to>
+                                    </p:set>
+                                  </p:childTnLst>
+                                </p:cTn>
+                              </p:par>
+                            </p:childTnLst>
+                          </p:cTn>
+                        </p:par>
+                      </p:childTnLst>
+                    </p:cTn>
+                  </p:par>
+                  <p:par>
+                    <p:cTn id="29" fill="hold">
+                      <p:stCondLst>
+                        <p:cond delay="indefinite"/>
+                      </p:stCondLst>
+                      <p:childTnLst>
+                        <p:par>
+                          <p:cTn id="30" fill="hold">
+                            <p:stCondLst>
+                              <p:cond delay="0"/>
+                            </p:stCondLst>
+                            <p:childTnLst>
+                              <p:par>
+                                <p:cTn id="31" presetID="1" presetClass="entr" presetSubtype="0" fill="hold" nodeType="clickEffect">
+                                  <p:stCondLst>
+                                    <p:cond delay="0"/>
+                                  </p:stCondLst>
+                                  <p:childTnLst>
+                                    <p:set>
+                                      <p:cBhvr>
+                                        <p:cTn id="32" dur="1" fill="hold">
+                                          <p:stCondLst>
+                                            <p:cond delay="0"/>
+                                          </p:stCondLst>
+                                        </p:cTn>
+                                        <p:tgtEl>
+                                          <p:spTgt spid="17"/>
+                                        </p:tgtEl>
+                                        <p:attrNameLst>
+                                          <p:attrName>style.visibility</p:attrName>
+                                        </p:attrNameLst>
+                                      </p:cBhvr>
+                                      <p:to>
+                                        <p:strVal val="visible"/>
+                                      </p:to>
+                                    </p:set>
+                                  </p:childTnLst>
+                                </p:cTn>
+                              </p:par>
+                            </p:childTnLst>
+                          </p:cTn>
+                        </p:par>
+                      </p:childTnLst>
+                    </p:cTn>
+                  </p:par>
+                  <p:par>
+                    <p:cTn id="33" fill="hold">
+                      <p:stCondLst>
+                        <p:cond delay="indefinite"/>
+                      </p:stCondLst>
+                      <p:childTnLst>
+                        <p:par>
+                          <p:cTn id="34" fill="hold">
+                            <p:stCondLst>
+                              <p:cond delay="0"/>
+                            </p:stCondLst>
+                            <p:childTnLst>
+                              <p:par>
+                                <p:cTn id="35" presetID="1" presetClass="entr" presetSubtype="0" fill="hold" grpId="0" nodeType="clickEffect">
+                                  <p:stCondLst>
+                                    <p:cond delay="0"/>
+                                  </p:stCondLst>
+                                  <p:childTnLst>
+                                    <p:set>
+                                      <p:cBhvr>
+                                        <p:cTn id="36" dur="1" fill="hold">
+                                          <p:stCondLst>
+                                            <p:cond delay="0"/>
+                                          </p:stCondLst>
+                                        </p:cTn>
+                                        <p:tgtEl>
+                                          <p:spTgt spid="20"/>
+                                        </p:tgtEl>
+                                        <p:attrNameLst>
+                                          <p:attrName>style.visibility</p:attrName>
+                                        </p:attrNameLst>
+                                      </p:cBhvr>
+                                      <p:to>
+                                        <p:strVal val="visible"/>
+                                      </p:to>
+                                    </p:set>
+                                  </p:childTnLst>
+                                </p:cTn>
+                              </p:par>
+                            </p:childTnLst>
+                          </p:cTn>
+                        </p:par>
+                      </p:childTnLst>
+                    </p:cTn>
+                  </p:par>
+                </p:childTnLst>
+              </p:cTn>
+              <p:prevCondLst>
+                <p:cond evt="onPrev" delay="0">
+                  <p:tgtEl>
+                    <p:sldTgt/>
+                  </p:tgtEl>
+                </p:cond>
+              </p:prevCondLst>
+              <p:nextCondLst>
+                <p:cond evt="onNext" delay="0">
+                  <p:tgtEl>
+                    <p:sldTgt/>
+                  </p:tgtEl>
+                </p:cond>
+              </p:nextCondLst>
+            </p:seq>
+          </p:childTnLst>
+        </p:cTn>
       </p:par>
     </p:tnLst>
+    <p:bldLst>
+      <p:bldP spid="20" grpId="0"/>
+      <p:bldP spid="23" grpId="0"/>
+      <p:bldP spid="24" grpId="0"/>
+      <p:bldP spid="25" grpId="0"/>
+    </p:bldLst>
   </p:timing>
 </p:sld>
 </file>
@@ -6060,7 +7176,9 @@
           </a:xfrm>
         </p:spPr>
         <p:txBody>
-          <a:bodyPr/>
+          <a:bodyPr>
+            <a:normAutofit lnSpcReduction="10000"/>
+          </a:bodyPr>
           <a:lstStyle/>
           <a:p>
             <a:r>
@@ -6108,8 +7226,39 @@
           <a:p>
             <a:r>
               <a:rPr lang="en-US" dirty="0" smtClean="0"/>
-              <a:t>Data is hash partitioned</a:t>
-            </a:r>
+              <a:t>Data is hash </a:t>
+            </a:r>
+            <a:r>
+              <a:rPr lang="en-US" dirty="0" smtClean="0"/>
+              <a:t>partitioned</a:t>
+            </a:r>
+          </a:p>
+          <a:p>
+            <a:r>
+              <a:rPr lang="en-US" dirty="0"/>
+              <a:t>Implemented the scheduler in </a:t>
+            </a:r>
+            <a:r>
+              <a:rPr lang="en-US" dirty="0" err="1"/>
+              <a:t>cassandra</a:t>
+            </a:r>
+            <a:endParaRPr lang="en-US" dirty="0"/>
+          </a:p>
+          <a:p>
+            <a:pPr lvl="1"/>
+            <a:r>
+              <a:rPr lang="en-US" dirty="0"/>
+              <a:t>About 25 lines of </a:t>
+            </a:r>
+            <a:r>
+              <a:rPr lang="en-US" dirty="0" smtClean="0"/>
+              <a:t>code</a:t>
+            </a:r>
+          </a:p>
+          <a:p>
+            <a:endParaRPr lang="en-US" dirty="0"/>
+          </a:p>
+          <a:p>
             <a:endParaRPr lang="en-US" dirty="0"/>
           </a:p>
         </p:txBody>

--- a/PresentationSlides/Presentation.pptx
+++ b/PresentationSlides/Presentation.pptx
@@ -3261,29 +3261,6 @@
       </p:sp>
       <p:sp>
         <p:nvSpPr>
-          <p:cNvPr id="3" name="Content Placeholder 2"/>
-          <p:cNvSpPr>
-            <a:spLocks noGrp="1"/>
-          </p:cNvSpPr>
-          <p:nvPr>
-            <p:ph idx="1"/>
-          </p:nvPr>
-        </p:nvSpPr>
-        <p:spPr/>
-        <p:txBody>
-          <a:bodyPr/>
-          <a:lstStyle/>
-          <a:p>
-            <a:r>
-              <a:rPr lang="en-US" altLang="zh-TW" dirty="0" smtClean="0"/>
-              <a:t>1 Graph </a:t>
-            </a:r>
-            <a:endParaRPr lang="zh-TW" altLang="en-US" dirty="0"/>
-          </a:p>
-        </p:txBody>
-      </p:sp>
-      <p:sp>
-        <p:nvSpPr>
           <p:cNvPr id="4" name="Slide Number Placeholder 3"/>
           <p:cNvSpPr>
             <a:spLocks noGrp="1"/>
@@ -3305,6 +3282,36 @@
           </a:p>
         </p:txBody>
       </p:sp>
+      <p:pic>
+        <p:nvPicPr>
+          <p:cNvPr id="7" name="Picture 6" descr="SchedVsNoSched.pdf"/>
+          <p:cNvPicPr>
+            <a:picLocks noChangeAspect="1"/>
+          </p:cNvPicPr>
+          <p:nvPr/>
+        </p:nvPicPr>
+        <p:blipFill>
+          <a:blip r:embed="rId2">
+            <a:extLst>
+              <a:ext uri="{28A0092B-C50C-407E-A947-70E740481C1C}">
+                <a14:useLocalDpi xmlns:a14="http://schemas.microsoft.com/office/drawing/2010/main" val="0"/>
+              </a:ext>
+            </a:extLst>
+          </a:blip>
+          <a:stretch>
+            <a:fillRect/>
+          </a:stretch>
+        </p:blipFill>
+        <p:spPr>
+          <a:xfrm>
+            <a:off x="-239749" y="453600"/>
+            <a:ext cx="8875059" cy="6858000"/>
+          </a:xfrm>
+          <a:prstGeom prst="rect">
+            <a:avLst/>
+          </a:prstGeom>
+        </p:spPr>
+      </p:pic>
     </p:spTree>
     <p:extLst>
       <p:ext uri="{BB962C8B-B14F-4D97-AF65-F5344CB8AC3E}">
@@ -3417,6 +3424,13 @@
   <p:clrMapOvr>
     <a:masterClrMapping/>
   </p:clrMapOvr>
+  <p:timing>
+    <p:tnLst>
+      <p:par>
+        <p:cTn xmlns:p14="http://schemas.microsoft.com/office/powerpoint/2010/main" id="1" dur="indefinite" restart="never" nodeType="tmRoot"/>
+      </p:par>
+    </p:tnLst>
+  </p:timing>
 </p:sld>
 </file>
 
@@ -3528,6 +3542,13 @@
   <p:clrMapOvr>
     <a:masterClrMapping/>
   </p:clrMapOvr>
+  <p:timing>
+    <p:tnLst>
+      <p:par>
+        <p:cTn xmlns:p14="http://schemas.microsoft.com/office/powerpoint/2010/main" id="1" dur="indefinite" restart="never" nodeType="tmRoot"/>
+      </p:par>
+    </p:tnLst>
+  </p:timing>
 </p:sld>
 </file>
 
@@ -3623,6 +3644,13 @@
   <p:clrMapOvr>
     <a:masterClrMapping/>
   </p:clrMapOvr>
+  <p:timing>
+    <p:tnLst>
+      <p:par>
+        <p:cTn xmlns:p14="http://schemas.microsoft.com/office/powerpoint/2010/main" id="1" dur="indefinite" restart="never" nodeType="tmRoot"/>
+      </p:par>
+    </p:tnLst>
+  </p:timing>
 </p:sld>
 </file>
 
@@ -3740,6 +3768,13 @@
   <p:clrMapOvr>
     <a:masterClrMapping/>
   </p:clrMapOvr>
+  <p:timing>
+    <p:tnLst>
+      <p:par>
+        <p:cTn xmlns:p14="http://schemas.microsoft.com/office/powerpoint/2010/main" id="1" dur="indefinite" restart="never" nodeType="tmRoot"/>
+      </p:par>
+    </p:tnLst>
+  </p:timing>
 </p:sld>
 </file>
 
@@ -3845,6 +3880,13 @@
   <p:clrMapOvr>
     <a:masterClrMapping/>
   </p:clrMapOvr>
+  <p:timing>
+    <p:tnLst>
+      <p:par>
+        <p:cTn xmlns:p14="http://schemas.microsoft.com/office/powerpoint/2010/main" id="1" dur="indefinite" restart="never" nodeType="tmRoot"/>
+      </p:par>
+    </p:tnLst>
+  </p:timing>
 </p:sld>
 </file>
 
@@ -4383,6 +4425,13 @@
   <p:clrMapOvr>
     <a:masterClrMapping/>
   </p:clrMapOvr>
+  <p:timing>
+    <p:tnLst>
+      <p:par>
+        <p:cTn xmlns:p14="http://schemas.microsoft.com/office/powerpoint/2010/main" id="1" dur="indefinite" restart="never" nodeType="tmRoot"/>
+      </p:par>
+    </p:tnLst>
+  </p:timing>
 </p:sld>
 </file>
 
@@ -6713,39 +6762,21 @@
                                   </p:childTnLst>
                                 </p:cTn>
                               </p:par>
-                            </p:childTnLst>
-                          </p:cTn>
-                        </p:par>
-                      </p:childTnLst>
-                    </p:cTn>
-                  </p:par>
-                  <p:par>
-                    <p:cTn id="7" fill="hold">
-                      <p:stCondLst>
-                        <p:cond delay="indefinite"/>
-                      </p:stCondLst>
-                      <p:childTnLst>
-                        <p:par>
-                          <p:cTn id="8" fill="hold">
-                            <p:stCondLst>
-                              <p:cond delay="0"/>
-                            </p:stCondLst>
-                            <p:childTnLst>
                               <p:par>
-                                <p:cTn id="9" presetID="1" presetClass="entr" presetSubtype="0" fill="hold" nodeType="clickEffect">
+                                <p:cTn id="7" presetID="1" presetClass="entr" presetSubtype="0" fill="hold" grpId="0" nodeType="withEffect">
                                   <p:stCondLst>
                                     <p:cond delay="0"/>
                                   </p:stCondLst>
                                   <p:childTnLst>
                                     <p:set>
                                       <p:cBhvr>
-                                        <p:cTn id="10" dur="1" fill="hold">
+                                        <p:cTn id="8" dur="1" fill="hold">
                                           <p:stCondLst>
                                             <p:cond delay="0"/>
                                           </p:stCondLst>
                                         </p:cTn>
                                         <p:tgtEl>
-                                          <p:spTgt spid="11"/>
+                                          <p:spTgt spid="20"/>
                                         </p:tgtEl>
                                         <p:attrNameLst>
                                           <p:attrName>style.visibility</p:attrName>
@@ -6758,8 +6789,26 @@
                                   </p:childTnLst>
                                 </p:cTn>
                               </p:par>
+                            </p:childTnLst>
+                          </p:cTn>
+                        </p:par>
+                      </p:childTnLst>
+                    </p:cTn>
+                  </p:par>
+                  <p:par>
+                    <p:cTn id="9" fill="hold">
+                      <p:stCondLst>
+                        <p:cond delay="indefinite"/>
+                      </p:stCondLst>
+                      <p:childTnLst>
+                        <p:par>
+                          <p:cTn id="10" fill="hold">
+                            <p:stCondLst>
+                              <p:cond delay="0"/>
+                            </p:stCondLst>
+                            <p:childTnLst>
                               <p:par>
-                                <p:cTn id="11" presetID="1" presetClass="entr" presetSubtype="0" fill="hold" nodeType="withEffect">
+                                <p:cTn id="11" presetID="1" presetClass="entr" presetSubtype="0" fill="hold" nodeType="clickEffect">
                                   <p:stCondLst>
                                     <p:cond delay="0"/>
                                   </p:stCondLst>
@@ -6772,7 +6821,7 @@
                                           </p:stCondLst>
                                         </p:cTn>
                                         <p:tgtEl>
-                                          <p:spTgt spid="12"/>
+                                          <p:spTgt spid="11"/>
                                         </p:tgtEl>
                                         <p:attrNameLst>
                                           <p:attrName>style.visibility</p:attrName>
@@ -6799,7 +6848,7 @@
                                           </p:stCondLst>
                                         </p:cTn>
                                         <p:tgtEl>
-                                          <p:spTgt spid="13"/>
+                                          <p:spTgt spid="12"/>
                                         </p:tgtEl>
                                         <p:attrNameLst>
                                           <p:attrName>style.visibility</p:attrName>
@@ -6813,7 +6862,7 @@
                                 </p:cTn>
                               </p:par>
                               <p:par>
-                                <p:cTn id="15" presetID="1" presetClass="entr" presetSubtype="0" fill="hold" grpId="0" nodeType="withEffect">
+                                <p:cTn id="15" presetID="1" presetClass="entr" presetSubtype="0" fill="hold" nodeType="withEffect">
                                   <p:stCondLst>
                                     <p:cond delay="0"/>
                                   </p:stCondLst>
@@ -6826,7 +6875,7 @@
                                           </p:stCondLst>
                                         </p:cTn>
                                         <p:tgtEl>
-                                          <p:spTgt spid="23"/>
+                                          <p:spTgt spid="13"/>
                                         </p:tgtEl>
                                         <p:attrNameLst>
                                           <p:attrName>style.visibility</p:attrName>
@@ -6853,7 +6902,7 @@
                                           </p:stCondLst>
                                         </p:cTn>
                                         <p:tgtEl>
-                                          <p:spTgt spid="24"/>
+                                          <p:spTgt spid="23"/>
                                         </p:tgtEl>
                                         <p:attrNameLst>
                                           <p:attrName>style.visibility</p:attrName>
@@ -6880,7 +6929,61 @@
                                           </p:stCondLst>
                                         </p:cTn>
                                         <p:tgtEl>
+                                          <p:spTgt spid="24"/>
+                                        </p:tgtEl>
+                                        <p:attrNameLst>
+                                          <p:attrName>style.visibility</p:attrName>
+                                        </p:attrNameLst>
+                                      </p:cBhvr>
+                                      <p:to>
+                                        <p:strVal val="visible"/>
+                                      </p:to>
+                                    </p:set>
+                                  </p:childTnLst>
+                                </p:cTn>
+                              </p:par>
+                              <p:par>
+                                <p:cTn id="21" presetID="1" presetClass="entr" presetSubtype="0" fill="hold" grpId="0" nodeType="withEffect">
+                                  <p:stCondLst>
+                                    <p:cond delay="0"/>
+                                  </p:stCondLst>
+                                  <p:childTnLst>
+                                    <p:set>
+                                      <p:cBhvr>
+                                        <p:cTn id="22" dur="1" fill="hold">
+                                          <p:stCondLst>
+                                            <p:cond delay="0"/>
+                                          </p:stCondLst>
+                                        </p:cTn>
+                                        <p:tgtEl>
                                           <p:spTgt spid="25"/>
+                                        </p:tgtEl>
+                                        <p:attrNameLst>
+                                          <p:attrName>style.visibility</p:attrName>
+                                        </p:attrNameLst>
+                                      </p:cBhvr>
+                                      <p:to>
+                                        <p:strVal val="visible"/>
+                                      </p:to>
+                                    </p:set>
+                                  </p:childTnLst>
+                                </p:cTn>
+                              </p:par>
+                              <p:par>
+                                <p:cTn id="23" presetID="1" presetClass="entr" presetSubtype="0" fill="hold" nodeType="withEffect">
+                                  <p:stCondLst>
+                                    <p:cond delay="0"/>
+                                  </p:stCondLst>
+                                  <p:childTnLst>
+                                    <p:set>
+                                      <p:cBhvr>
+                                        <p:cTn id="24" dur="1" fill="hold">
+                                          <p:stCondLst>
+                                            <p:cond delay="0"/>
+                                          </p:stCondLst>
+                                        </p:cTn>
+                                        <p:tgtEl>
+                                          <p:spTgt spid="28"/>
                                         </p:tgtEl>
                                         <p:attrNameLst>
                                           <p:attrName>style.visibility</p:attrName>
@@ -6900,26 +7003,26 @@
                     </p:cTn>
                   </p:par>
                   <p:par>
-                    <p:cTn id="21" fill="hold">
+                    <p:cTn id="25" fill="hold">
                       <p:stCondLst>
                         <p:cond delay="indefinite"/>
                       </p:stCondLst>
                       <p:childTnLst>
                         <p:par>
-                          <p:cTn id="22" fill="hold">
+                          <p:cTn id="26" fill="hold">
                             <p:stCondLst>
                               <p:cond delay="0"/>
                             </p:stCondLst>
                             <p:childTnLst>
                               <p:par>
-                                <p:cTn id="23" presetID="1" presetClass="entr" presetSubtype="0" fill="hold" nodeType="clickEffect">
+                                <p:cTn id="27" presetID="1" presetClass="entr" presetSubtype="0" fill="hold" nodeType="clickEffect">
                                   <p:stCondLst>
                                     <p:cond delay="0"/>
                                   </p:stCondLst>
                                   <p:childTnLst>
                                     <p:set>
                                       <p:cBhvr>
-                                        <p:cTn id="24" dur="1" fill="hold">
+                                        <p:cTn id="28" dur="1" fill="hold">
                                           <p:stCondLst>
                                             <p:cond delay="0"/>
                                           </p:stCondLst>
@@ -6939,14 +7042,14 @@
                                 </p:cTn>
                               </p:par>
                               <p:par>
-                                <p:cTn id="25" presetID="1" presetClass="entr" presetSubtype="0" fill="hold" nodeType="withEffect">
+                                <p:cTn id="29" presetID="1" presetClass="entr" presetSubtype="0" fill="hold" nodeType="withEffect">
                                   <p:stCondLst>
                                     <p:cond delay="0"/>
                                   </p:stCondLst>
                                   <p:childTnLst>
                                     <p:set>
                                       <p:cBhvr>
-                                        <p:cTn id="26" dur="1" fill="hold">
+                                        <p:cTn id="30" dur="1" fill="hold">
                                           <p:stCondLst>
                                             <p:cond delay="0"/>
                                           </p:stCondLst>
@@ -6966,52 +7069,7 @@
                                 </p:cTn>
                               </p:par>
                               <p:par>
-                                <p:cTn id="27" presetID="1" presetClass="entr" presetSubtype="0" fill="hold" nodeType="withEffect">
-                                  <p:stCondLst>
-                                    <p:cond delay="0"/>
-                                  </p:stCondLst>
-                                  <p:childTnLst>
-                                    <p:set>
-                                      <p:cBhvr>
-                                        <p:cTn id="28" dur="1" fill="hold">
-                                          <p:stCondLst>
-                                            <p:cond delay="0"/>
-                                          </p:stCondLst>
-                                        </p:cTn>
-                                        <p:tgtEl>
-                                          <p:spTgt spid="16"/>
-                                        </p:tgtEl>
-                                        <p:attrNameLst>
-                                          <p:attrName>style.visibility</p:attrName>
-                                        </p:attrNameLst>
-                                      </p:cBhvr>
-                                      <p:to>
-                                        <p:strVal val="visible"/>
-                                      </p:to>
-                                    </p:set>
-                                  </p:childTnLst>
-                                </p:cTn>
-                              </p:par>
-                            </p:childTnLst>
-                          </p:cTn>
-                        </p:par>
-                      </p:childTnLst>
-                    </p:cTn>
-                  </p:par>
-                  <p:par>
-                    <p:cTn id="29" fill="hold">
-                      <p:stCondLst>
-                        <p:cond delay="indefinite"/>
-                      </p:stCondLst>
-                      <p:childTnLst>
-                        <p:par>
-                          <p:cTn id="30" fill="hold">
-                            <p:stCondLst>
-                              <p:cond delay="0"/>
-                            </p:stCondLst>
-                            <p:childTnLst>
-                              <p:par>
-                                <p:cTn id="31" presetID="1" presetClass="entr" presetSubtype="0" fill="hold" nodeType="clickEffect">
+                                <p:cTn id="31" presetID="1" presetClass="entr" presetSubtype="0" fill="hold" nodeType="withEffect">
                                   <p:stCondLst>
                                     <p:cond delay="0"/>
                                   </p:stCondLst>
@@ -7024,7 +7082,7 @@
                                           </p:stCondLst>
                                         </p:cTn>
                                         <p:tgtEl>
-                                          <p:spTgt spid="17"/>
+                                          <p:spTgt spid="16"/>
                                         </p:tgtEl>
                                         <p:attrNameLst>
                                           <p:attrName>style.visibility</p:attrName>
@@ -7056,7 +7114,7 @@
                             </p:stCondLst>
                             <p:childTnLst>
                               <p:par>
-                                <p:cTn id="35" presetID="1" presetClass="entr" presetSubtype="0" fill="hold" grpId="0" nodeType="clickEffect">
+                                <p:cTn id="35" presetID="1" presetClass="entr" presetSubtype="0" fill="hold" nodeType="clickEffect">
                                   <p:stCondLst>
                                     <p:cond delay="0"/>
                                   </p:stCondLst>
@@ -7069,7 +7127,7 @@
                                           </p:stCondLst>
                                         </p:cTn>
                                         <p:tgtEl>
-                                          <p:spTgt spid="20"/>
+                                          <p:spTgt spid="17"/>
                                         </p:tgtEl>
                                         <p:attrNameLst>
                                           <p:attrName>style.visibility</p:attrName>

--- a/PresentationSlides/Presentation.pptx
+++ b/PresentationSlides/Presentation.pptx
@@ -303,7 +303,7 @@
           <a:p>
             <a:fld id="{578C8EFD-E150-CA4D-905C-A94D1A78A82A}" type="datetime1">
               <a:rPr lang="en-CA" smtClean="0"/>
-              <a:t>12-11-30</a:t>
+              <a:t>30/11/2012</a:t>
             </a:fld>
             <a:endParaRPr lang="en-US"/>
           </a:p>
@@ -473,7 +473,7 @@
           <a:p>
             <a:fld id="{15D8ADF8-3441-5F45-A19B-D033F59CF17D}" type="datetime1">
               <a:rPr lang="en-CA" smtClean="0"/>
-              <a:t>12-11-30</a:t>
+              <a:t>30/11/2012</a:t>
             </a:fld>
             <a:endParaRPr lang="en-US"/>
           </a:p>
@@ -653,7 +653,7 @@
           <a:p>
             <a:fld id="{0AED5A46-46F0-524C-B118-2413C4B118F2}" type="datetime1">
               <a:rPr lang="en-CA" smtClean="0"/>
-              <a:t>12-11-30</a:t>
+              <a:t>30/11/2012</a:t>
             </a:fld>
             <a:endParaRPr lang="en-US"/>
           </a:p>
@@ -823,7 +823,7 @@
           <a:p>
             <a:fld id="{2FFAA75D-0121-8445-A2D5-37B4791018BB}" type="datetime1">
               <a:rPr lang="en-CA" smtClean="0"/>
-              <a:t>12-11-30</a:t>
+              <a:t>30/11/2012</a:t>
             </a:fld>
             <a:endParaRPr lang="en-US"/>
           </a:p>
@@ -1069,7 +1069,7 @@
           <a:p>
             <a:fld id="{53F7EAB1-141B-FB47-8AAB-E68313ADDAE7}" type="datetime1">
               <a:rPr lang="en-CA" smtClean="0"/>
-              <a:t>12-11-30</a:t>
+              <a:t>30/11/2012</a:t>
             </a:fld>
             <a:endParaRPr lang="en-US"/>
           </a:p>
@@ -1357,7 +1357,7 @@
           <a:p>
             <a:fld id="{7B50838B-1487-4842-81F1-BDF2A6D1F1B3}" type="datetime1">
               <a:rPr lang="en-CA" smtClean="0"/>
-              <a:t>12-11-30</a:t>
+              <a:t>30/11/2012</a:t>
             </a:fld>
             <a:endParaRPr lang="en-US"/>
           </a:p>
@@ -1779,7 +1779,7 @@
           <a:p>
             <a:fld id="{8597D41A-A37E-B94A-ABBE-66D061CC16A8}" type="datetime1">
               <a:rPr lang="en-CA" smtClean="0"/>
-              <a:t>12-11-30</a:t>
+              <a:t>30/11/2012</a:t>
             </a:fld>
             <a:endParaRPr lang="en-US"/>
           </a:p>
@@ -1897,7 +1897,7 @@
           <a:p>
             <a:fld id="{3E462AFF-A87A-3449-BF73-2E332730FBBD}" type="datetime1">
               <a:rPr lang="en-CA" smtClean="0"/>
-              <a:t>12-11-30</a:t>
+              <a:t>30/11/2012</a:t>
             </a:fld>
             <a:endParaRPr lang="en-US"/>
           </a:p>
@@ -1992,7 +1992,7 @@
           <a:p>
             <a:fld id="{61F0DCD8-522C-0E46-A196-33CF3C2A12C1}" type="datetime1">
               <a:rPr lang="en-CA" smtClean="0"/>
-              <a:t>12-11-30</a:t>
+              <a:t>30/11/2012</a:t>
             </a:fld>
             <a:endParaRPr lang="en-US"/>
           </a:p>
@@ -2269,7 +2269,7 @@
           <a:p>
             <a:fld id="{05556C25-90F2-064D-BF7A-B83AB86F67C5}" type="datetime1">
               <a:rPr lang="en-CA" smtClean="0"/>
-              <a:t>12-11-30</a:t>
+              <a:t>30/11/2012</a:t>
             </a:fld>
             <a:endParaRPr lang="en-US"/>
           </a:p>
@@ -2526,7 +2526,7 @@
           <a:p>
             <a:fld id="{D36A68E7-021F-D94A-BB37-798C61C4259E}" type="datetime1">
               <a:rPr lang="en-CA" smtClean="0"/>
-              <a:t>12-11-30</a:t>
+              <a:t>30/11/2012</a:t>
             </a:fld>
             <a:endParaRPr lang="en-US"/>
           </a:p>
@@ -2739,7 +2739,7 @@
           <a:p>
             <a:fld id="{740C5816-A486-5D43-AC42-C657B961AA99}" type="datetime1">
               <a:rPr lang="en-CA" smtClean="0"/>
-              <a:t>12-11-30</a:t>
+              <a:t>30/11/2012</a:t>
             </a:fld>
             <a:endParaRPr lang="en-US"/>
           </a:p>
@@ -3216,6 +3216,13 @@
   <p:clrMapOvr>
     <a:masterClrMapping/>
   </p:clrMapOvr>
+  <p:timing>
+    <p:tnLst>
+      <p:par>
+        <p:cTn id="1" dur="indefinite" restart="never" nodeType="tmRoot"/>
+      </p:par>
+    </p:tnLst>
+  </p:timing>
 </p:sld>
 </file>
 
@@ -3291,7 +3298,7 @@
           <p:nvPr/>
         </p:nvPicPr>
         <p:blipFill>
-          <a:blip r:embed="rId2">
+          <a:blip r:embed="rId2" cstate="email">
             <a:extLst>
               <a:ext uri="{28A0092B-C50C-407E-A947-70E740481C1C}">
                 <a14:useLocalDpi xmlns:a14="http://schemas.microsoft.com/office/drawing/2010/main" val="0"/>
@@ -3325,7 +3332,7 @@
   <p:timing>
     <p:tnLst>
       <p:par>
-        <p:cTn xmlns:p14="http://schemas.microsoft.com/office/powerpoint/2010/main" id="1" dur="indefinite" restart="never" nodeType="tmRoot"/>
+        <p:cTn id="1" dur="indefinite" restart="never" nodeType="tmRoot"/>
       </p:par>
     </p:tnLst>
   </p:timing>
@@ -3427,7 +3434,7 @@
   <p:timing>
     <p:tnLst>
       <p:par>
-        <p:cTn xmlns:p14="http://schemas.microsoft.com/office/powerpoint/2010/main" id="1" dur="indefinite" restart="never" nodeType="tmRoot"/>
+        <p:cTn id="1" dur="indefinite" restart="never" nodeType="tmRoot"/>
       </p:par>
     </p:tnLst>
   </p:timing>
@@ -3545,7 +3552,7 @@
   <p:timing>
     <p:tnLst>
       <p:par>
-        <p:cTn xmlns:p14="http://schemas.microsoft.com/office/powerpoint/2010/main" id="1" dur="indefinite" restart="never" nodeType="tmRoot"/>
+        <p:cTn id="1" dur="indefinite" restart="never" nodeType="tmRoot"/>
       </p:par>
     </p:tnLst>
   </p:timing>
@@ -3647,7 +3654,7 @@
   <p:timing>
     <p:tnLst>
       <p:par>
-        <p:cTn xmlns:p14="http://schemas.microsoft.com/office/powerpoint/2010/main" id="1" dur="indefinite" restart="never" nodeType="tmRoot"/>
+        <p:cTn id="1" dur="indefinite" restart="never" nodeType="tmRoot"/>
       </p:par>
     </p:tnLst>
   </p:timing>
@@ -3717,19 +3724,92 @@
           <a:p>
             <a:r>
               <a:rPr lang="en-US" altLang="zh-TW" dirty="0" smtClean="0"/>
-              <a:t>Do not have complex workload.</a:t>
-            </a:r>
-          </a:p>
-          <a:p>
+              <a:t>Do not have complex workload</a:t>
+            </a:r>
             <a:r>
               <a:rPr lang="en-US" altLang="zh-TW" dirty="0" smtClean="0"/>
-              <a:t>Unable to congest the network manfully.</a:t>
-            </a:r>
-          </a:p>
-          <a:p>
+              <a:t>.</a:t>
+            </a:r>
+          </a:p>
+          <a:p>
+            <a:pPr lvl="1"/>
+            <a:r>
+              <a:rPr lang="en-US" altLang="zh-TW" dirty="0"/>
+              <a:t>Queries </a:t>
+            </a:r>
             <a:r>
               <a:rPr lang="en-US" altLang="zh-TW" dirty="0" smtClean="0"/>
-              <a:t>Do not have access to the real datacenter</a:t>
+              <a:t>are still </a:t>
+            </a:r>
+            <a:r>
+              <a:rPr lang="en-US" altLang="zh-TW" dirty="0"/>
+              <a:t>small, so CPU &amp; Memory usage has little </a:t>
+            </a:r>
+            <a:r>
+              <a:rPr lang="en-US" altLang="zh-TW" dirty="0" smtClean="0"/>
+              <a:t>effect</a:t>
+            </a:r>
+            <a:endParaRPr lang="en-US" altLang="zh-TW" dirty="0" smtClean="0"/>
+          </a:p>
+          <a:p>
+            <a:r>
+              <a:rPr lang="en-US" altLang="zh-TW" dirty="0" smtClean="0"/>
+              <a:t>Unable to congest the network manfully</a:t>
+            </a:r>
+            <a:r>
+              <a:rPr lang="en-US" altLang="zh-TW" dirty="0" smtClean="0"/>
+              <a:t>.</a:t>
+            </a:r>
+          </a:p>
+          <a:p>
+            <a:pPr lvl="1"/>
+            <a:r>
+              <a:rPr lang="en-US" altLang="zh-TW" dirty="0"/>
+              <a:t>Clusters are in local plus workload is light, so network never </a:t>
+            </a:r>
+            <a:r>
+              <a:rPr lang="en-US" altLang="zh-TW" dirty="0" smtClean="0"/>
+              <a:t>congested</a:t>
+            </a:r>
+            <a:endParaRPr lang="en-US" altLang="zh-TW" dirty="0" smtClean="0"/>
+          </a:p>
+          <a:p>
+            <a:r>
+              <a:rPr lang="en-US" altLang="zh-TW" dirty="0" smtClean="0"/>
+              <a:t>No disk time information</a:t>
+            </a:r>
+          </a:p>
+          <a:p>
+            <a:pPr lvl="1"/>
+            <a:r>
+              <a:rPr lang="en-US" altLang="zh-TW" dirty="0"/>
+              <a:t>We do not take disk time into consider &amp; hard to manually make disk time </a:t>
+            </a:r>
+            <a:r>
+              <a:rPr lang="en-US" altLang="zh-TW" dirty="0" smtClean="0"/>
+              <a:t>busy</a:t>
+            </a:r>
+            <a:endParaRPr lang="en-US" altLang="zh-TW" dirty="0" smtClean="0"/>
+          </a:p>
+          <a:p>
+            <a:r>
+              <a:rPr lang="en-US" altLang="zh-TW" dirty="0" smtClean="0"/>
+              <a:t>Do </a:t>
+            </a:r>
+            <a:r>
+              <a:rPr lang="en-US" altLang="zh-TW" dirty="0" smtClean="0"/>
+              <a:t>not have access to the real </a:t>
+            </a:r>
+            <a:r>
+              <a:rPr lang="en-US" altLang="zh-TW" dirty="0" smtClean="0"/>
+              <a:t>datacenter</a:t>
+            </a:r>
+          </a:p>
+          <a:p>
+            <a:pPr lvl="1"/>
+            <a:r>
+              <a:rPr lang="en-US" altLang="zh-TW" dirty="0" smtClean="0"/>
+              <a:t>Cannot have large test environment and complex workload</a:t>
             </a:r>
             <a:endParaRPr lang="zh-TW" altLang="en-US" dirty="0"/>
           </a:p>
@@ -3771,7 +3851,7 @@
   <p:timing>
     <p:tnLst>
       <p:par>
-        <p:cTn xmlns:p14="http://schemas.microsoft.com/office/powerpoint/2010/main" id="1" dur="indefinite" restart="never" nodeType="tmRoot"/>
+        <p:cTn id="1" dur="indefinite" restart="never" nodeType="tmRoot"/>
       </p:par>
     </p:tnLst>
   </p:timing>
@@ -3834,16 +3914,52 @@
           <a:lstStyle/>
           <a:p>
             <a:r>
+              <a:rPr lang="en-US" altLang="zh-TW" dirty="0"/>
+              <a:t>Horoscope has </a:t>
+            </a:r>
+            <a:r>
               <a:rPr lang="en-US" altLang="zh-TW" dirty="0" smtClean="0"/>
-              <a:t>Our scheduler has little better performance than the ordinary scheduling algorithm .</a:t>
-            </a:r>
-          </a:p>
-          <a:p>
+              <a:t>little better performance than the ordinary scheduling algorithm </a:t>
+            </a:r>
             <a:r>
               <a:rPr lang="en-US" altLang="zh-TW" dirty="0" smtClean="0"/>
-              <a:t>If we can get the bandwidth usage of the server, we believe that our algorithms can outperform the old one</a:t>
-            </a:r>
-            <a:endParaRPr lang="zh-TW" altLang="en-US" dirty="0"/>
+              <a:t>.</a:t>
+            </a:r>
+          </a:p>
+          <a:p>
+            <a:r>
+              <a:rPr lang="en-US" altLang="zh-TW" dirty="0" smtClean="0"/>
+              <a:t>Scheduling queries only base on memory &amp; CPU usage is insufficient.</a:t>
+            </a:r>
+          </a:p>
+          <a:p>
+            <a:pPr lvl="1"/>
+            <a:r>
+              <a:rPr lang="en-US" altLang="zh-TW" dirty="0" smtClean="0">
+                <a:solidFill>
+                  <a:srgbClr val="FF0000"/>
+                </a:solidFill>
+                <a:effectLst>
+                  <a:outerShdw blurRad="38100" dist="38100" dir="2700000" algn="tl">
+                    <a:srgbClr val="000000">
+                      <a:alpha val="43137"/>
+                    </a:srgbClr>
+                  </a:outerShdw>
+                </a:effectLst>
+              </a:rPr>
+              <a:t>Other factors: </a:t>
+            </a:r>
+            <a:r>
+              <a:rPr lang="en-US" altLang="zh-TW" dirty="0"/>
+              <a:t>bandwidth usage </a:t>
+            </a:r>
+            <a:r>
+              <a:rPr lang="en-US" altLang="zh-TW" dirty="0" smtClean="0"/>
+              <a:t>and disk time</a:t>
+            </a:r>
+          </a:p>
+          <a:p>
+            <a:endParaRPr lang="en-US" altLang="zh-TW" dirty="0" smtClean="0"/>
           </a:p>
         </p:txBody>
       </p:sp>
@@ -3883,7 +3999,7 @@
   <p:timing>
     <p:tnLst>
       <p:par>
-        <p:cTn xmlns:p14="http://schemas.microsoft.com/office/powerpoint/2010/main" id="1" dur="indefinite" restart="never" nodeType="tmRoot"/>
+        <p:cTn id="1" dur="indefinite" restart="never" nodeType="tmRoot"/>
       </p:par>
     </p:tnLst>
   </p:timing>
@@ -4004,6 +4120,13 @@
   <p:clrMapOvr>
     <a:masterClrMapping/>
   </p:clrMapOvr>
+  <p:timing>
+    <p:tnLst>
+      <p:par>
+        <p:cTn id="1" dur="indefinite" restart="never" nodeType="tmRoot"/>
+      </p:par>
+    </p:tnLst>
+  </p:timing>
 </p:sld>
 </file>
 
@@ -4130,7 +4253,7 @@
   <p:timing>
     <p:tnLst>
       <p:par>
-        <p:cTn xmlns:p14="http://schemas.microsoft.com/office/powerpoint/2010/main" id="1" dur="indefinite" restart="never" nodeType="tmRoot"/>
+        <p:cTn id="1" dur="indefinite" restart="never" nodeType="tmRoot"/>
       </p:par>
     </p:tnLst>
   </p:timing>
@@ -4289,7 +4412,7 @@
   <p:timing>
     <p:tnLst>
       <p:par>
-        <p:cTn xmlns:p14="http://schemas.microsoft.com/office/powerpoint/2010/main" id="1" dur="indefinite" restart="never" nodeType="tmRoot"/>
+        <p:cTn id="1" dur="indefinite" restart="never" nodeType="tmRoot"/>
       </p:par>
     </p:tnLst>
   </p:timing>
@@ -4428,7 +4551,7 @@
   <p:timing>
     <p:tnLst>
       <p:par>
-        <p:cTn xmlns:p14="http://schemas.microsoft.com/office/powerpoint/2010/main" id="1" dur="indefinite" restart="never" nodeType="tmRoot"/>
+        <p:cTn id="1" dur="indefinite" restart="never" nodeType="tmRoot"/>
       </p:par>
     </p:tnLst>
   </p:timing>
@@ -4527,13 +4650,8 @@
             <a:pPr lvl="1"/>
             <a:r>
               <a:rPr lang="en-US" altLang="zh-TW" dirty="0" smtClean="0"/>
-              <a:t>Feasible for any </a:t>
-            </a:r>
-            <a:r>
-              <a:rPr lang="en-US" altLang="zh-TW" dirty="0" smtClean="0"/>
-              <a:t>database</a:t>
-            </a:r>
-            <a:endParaRPr lang="en-US" altLang="zh-TW" dirty="0" smtClean="0"/>
+              <a:t>Feasible for any database</a:t>
+            </a:r>
           </a:p>
           <a:p>
             <a:pPr lvl="1"/>
@@ -4587,7 +4705,7 @@
   <p:timing>
     <p:tnLst>
       <p:par>
-        <p:cTn xmlns:p14="http://schemas.microsoft.com/office/powerpoint/2010/main" id="1" dur="indefinite" restart="never" nodeType="tmRoot"/>
+        <p:cTn id="1" dur="indefinite" restart="never" nodeType="tmRoot"/>
       </p:par>
     </p:tnLst>
   </p:timing>
@@ -5281,7 +5399,7 @@
   <p:timing>
     <p:tnLst>
       <p:par>
-        <p:cTn xmlns:p14="http://schemas.microsoft.com/office/powerpoint/2010/main" id="1" dur="indefinite" restart="never" nodeType="tmRoot">
+        <p:cTn id="1" dur="indefinite" restart="never" nodeType="tmRoot">
           <p:childTnLst>
             <p:seq concurrent="1" nextAc="seek">
               <p:cTn id="2" dur="indefinite" nodeType="mainSeq">
@@ -5873,13 +5991,8 @@
             <a:pPr lvl="1"/>
             <a:r>
               <a:rPr lang="en-US" altLang="zh-TW" dirty="0" smtClean="0"/>
-              <a:t>Based on resource </a:t>
-            </a:r>
-            <a:r>
-              <a:rPr lang="en-US" altLang="zh-TW" dirty="0" smtClean="0"/>
-              <a:t>usage</a:t>
-            </a:r>
-            <a:endParaRPr lang="en-US" altLang="zh-TW" dirty="0" smtClean="0"/>
+              <a:t>Based on resource usage</a:t>
+            </a:r>
           </a:p>
         </p:txBody>
       </p:sp>
@@ -5919,7 +6032,7 @@
   <p:timing>
     <p:tnLst>
       <p:par>
-        <p:cTn xmlns:p14="http://schemas.microsoft.com/office/powerpoint/2010/main" id="1" dur="indefinite" restart="never" nodeType="tmRoot"/>
+        <p:cTn id="1" dur="indefinite" restart="never" nodeType="tmRoot"/>
       </p:par>
     </p:tnLst>
   </p:timing>
@@ -6681,7 +6794,7 @@
           <p:nvPr/>
         </p:nvPicPr>
         <p:blipFill>
-          <a:blip r:embed="rId2">
+          <a:blip r:embed="rId2" cstate="email">
             <a:extLst>
               <a:ext uri="{28A0092B-C50C-407E-A947-70E740481C1C}">
                 <a14:useLocalDpi xmlns:a14="http://schemas.microsoft.com/office/drawing/2010/main" val="0"/>
@@ -6715,7 +6828,7 @@
   <p:timing>
     <p:tnLst>
       <p:par>
-        <p:cTn xmlns:p14="http://schemas.microsoft.com/office/powerpoint/2010/main" id="1" dur="indefinite" restart="never" nodeType="tmRoot">
+        <p:cTn id="1" dur="indefinite" restart="never" nodeType="tmRoot">
           <p:childTnLst>
             <p:seq concurrent="1" nextAc="seek">
               <p:cTn id="2" dur="indefinite" nodeType="mainSeq">
@@ -7284,11 +7397,7 @@
           <a:p>
             <a:r>
               <a:rPr lang="en-US" dirty="0" smtClean="0"/>
-              <a:t>Data is hash </a:t>
-            </a:r>
-            <a:r>
-              <a:rPr lang="en-US" dirty="0" smtClean="0"/>
-              <a:t>partitioned</a:t>
+              <a:t>Data is hash partitioned</a:t>
             </a:r>
           </a:p>
           <a:p>
@@ -7357,7 +7466,7 @@
   <p:timing>
     <p:tnLst>
       <p:par>
-        <p:cTn xmlns:p14="http://schemas.microsoft.com/office/powerpoint/2010/main" id="1" dur="indefinite" restart="never" nodeType="tmRoot"/>
+        <p:cTn id="1" dur="indefinite" restart="never" nodeType="tmRoot"/>
       </p:par>
     </p:tnLst>
   </p:timing>

--- a/PresentationSlides/Presentation.pptx
+++ b/PresentationSlides/Presentation.pptx
@@ -303,7 +303,7 @@
           <a:p>
             <a:fld id="{578C8EFD-E150-CA4D-905C-A94D1A78A82A}" type="datetime1">
               <a:rPr lang="en-CA" smtClean="0"/>
-              <a:t>30/11/2012</a:t>
+              <a:t>12-11-30</a:t>
             </a:fld>
             <a:endParaRPr lang="en-US"/>
           </a:p>
@@ -473,7 +473,7 @@
           <a:p>
             <a:fld id="{15D8ADF8-3441-5F45-A19B-D033F59CF17D}" type="datetime1">
               <a:rPr lang="en-CA" smtClean="0"/>
-              <a:t>30/11/2012</a:t>
+              <a:t>12-11-30</a:t>
             </a:fld>
             <a:endParaRPr lang="en-US"/>
           </a:p>
@@ -653,7 +653,7 @@
           <a:p>
             <a:fld id="{0AED5A46-46F0-524C-B118-2413C4B118F2}" type="datetime1">
               <a:rPr lang="en-CA" smtClean="0"/>
-              <a:t>30/11/2012</a:t>
+              <a:t>12-11-30</a:t>
             </a:fld>
             <a:endParaRPr lang="en-US"/>
           </a:p>
@@ -823,7 +823,7 @@
           <a:p>
             <a:fld id="{2FFAA75D-0121-8445-A2D5-37B4791018BB}" type="datetime1">
               <a:rPr lang="en-CA" smtClean="0"/>
-              <a:t>30/11/2012</a:t>
+              <a:t>12-11-30</a:t>
             </a:fld>
             <a:endParaRPr lang="en-US"/>
           </a:p>
@@ -1069,7 +1069,7 @@
           <a:p>
             <a:fld id="{53F7EAB1-141B-FB47-8AAB-E68313ADDAE7}" type="datetime1">
               <a:rPr lang="en-CA" smtClean="0"/>
-              <a:t>30/11/2012</a:t>
+              <a:t>12-11-30</a:t>
             </a:fld>
             <a:endParaRPr lang="en-US"/>
           </a:p>
@@ -1357,7 +1357,7 @@
           <a:p>
             <a:fld id="{7B50838B-1487-4842-81F1-BDF2A6D1F1B3}" type="datetime1">
               <a:rPr lang="en-CA" smtClean="0"/>
-              <a:t>30/11/2012</a:t>
+              <a:t>12-11-30</a:t>
             </a:fld>
             <a:endParaRPr lang="en-US"/>
           </a:p>
@@ -1779,7 +1779,7 @@
           <a:p>
             <a:fld id="{8597D41A-A37E-B94A-ABBE-66D061CC16A8}" type="datetime1">
               <a:rPr lang="en-CA" smtClean="0"/>
-              <a:t>30/11/2012</a:t>
+              <a:t>12-11-30</a:t>
             </a:fld>
             <a:endParaRPr lang="en-US"/>
           </a:p>
@@ -1897,7 +1897,7 @@
           <a:p>
             <a:fld id="{3E462AFF-A87A-3449-BF73-2E332730FBBD}" type="datetime1">
               <a:rPr lang="en-CA" smtClean="0"/>
-              <a:t>30/11/2012</a:t>
+              <a:t>12-11-30</a:t>
             </a:fld>
             <a:endParaRPr lang="en-US"/>
           </a:p>
@@ -1992,7 +1992,7 @@
           <a:p>
             <a:fld id="{61F0DCD8-522C-0E46-A196-33CF3C2A12C1}" type="datetime1">
               <a:rPr lang="en-CA" smtClean="0"/>
-              <a:t>30/11/2012</a:t>
+              <a:t>12-11-30</a:t>
             </a:fld>
             <a:endParaRPr lang="en-US"/>
           </a:p>
@@ -2269,7 +2269,7 @@
           <a:p>
             <a:fld id="{05556C25-90F2-064D-BF7A-B83AB86F67C5}" type="datetime1">
               <a:rPr lang="en-CA" smtClean="0"/>
-              <a:t>30/11/2012</a:t>
+              <a:t>12-11-30</a:t>
             </a:fld>
             <a:endParaRPr lang="en-US"/>
           </a:p>
@@ -2526,7 +2526,7 @@
           <a:p>
             <a:fld id="{D36A68E7-021F-D94A-BB37-798C61C4259E}" type="datetime1">
               <a:rPr lang="en-CA" smtClean="0"/>
-              <a:t>30/11/2012</a:t>
+              <a:t>12-11-30</a:t>
             </a:fld>
             <a:endParaRPr lang="en-US"/>
           </a:p>
@@ -2739,7 +2739,7 @@
           <a:p>
             <a:fld id="{740C5816-A486-5D43-AC42-C657B961AA99}" type="datetime1">
               <a:rPr lang="en-CA" smtClean="0"/>
-              <a:t>30/11/2012</a:t>
+              <a:t>12-11-30</a:t>
             </a:fld>
             <a:endParaRPr lang="en-US"/>
           </a:p>
@@ -3219,7 +3219,7 @@
   <p:timing>
     <p:tnLst>
       <p:par>
-        <p:cTn id="1" dur="indefinite" restart="never" nodeType="tmRoot"/>
+        <p:cTn xmlns:p14="http://schemas.microsoft.com/office/powerpoint/2010/main" id="1" dur="indefinite" restart="never" nodeType="tmRoot"/>
       </p:par>
     </p:tnLst>
   </p:timing>
@@ -3332,7 +3332,7 @@
   <p:timing>
     <p:tnLst>
       <p:par>
-        <p:cTn id="1" dur="indefinite" restart="never" nodeType="tmRoot"/>
+        <p:cTn xmlns:p14="http://schemas.microsoft.com/office/powerpoint/2010/main" id="1" dur="indefinite" restart="never" nodeType="tmRoot"/>
       </p:par>
     </p:tnLst>
   </p:timing>
@@ -3434,7 +3434,7 @@
   <p:timing>
     <p:tnLst>
       <p:par>
-        <p:cTn id="1" dur="indefinite" restart="never" nodeType="tmRoot"/>
+        <p:cTn xmlns:p14="http://schemas.microsoft.com/office/powerpoint/2010/main" id="1" dur="indefinite" restart="never" nodeType="tmRoot"/>
       </p:par>
     </p:tnLst>
   </p:timing>
@@ -3552,7 +3552,7 @@
   <p:timing>
     <p:tnLst>
       <p:par>
-        <p:cTn id="1" dur="indefinite" restart="never" nodeType="tmRoot"/>
+        <p:cTn xmlns:p14="http://schemas.microsoft.com/office/powerpoint/2010/main" id="1" dur="indefinite" restart="never" nodeType="tmRoot"/>
       </p:par>
     </p:tnLst>
   </p:timing>
@@ -3654,7 +3654,7 @@
   <p:timing>
     <p:tnLst>
       <p:par>
-        <p:cTn id="1" dur="indefinite" restart="never" nodeType="tmRoot"/>
+        <p:cTn xmlns:p14="http://schemas.microsoft.com/office/powerpoint/2010/main" id="1" dur="indefinite" restart="never" nodeType="tmRoot"/>
       </p:par>
     </p:tnLst>
   </p:timing>
@@ -3718,18 +3718,20 @@
           <a:p>
             <a:r>
               <a:rPr lang="en-US" altLang="zh-TW" dirty="0" smtClean="0"/>
-              <a:t>Clusters are few</a:t>
-            </a:r>
+              <a:t>There are few servers in our cluster</a:t>
+            </a:r>
+            <a:endParaRPr lang="en-US" altLang="zh-TW" dirty="0" smtClean="0"/>
           </a:p>
           <a:p>
             <a:r>
               <a:rPr lang="en-US" altLang="zh-TW" dirty="0" smtClean="0"/>
-              <a:t>Do not have complex workload</a:t>
+              <a:t>Do not have complex </a:t>
             </a:r>
             <a:r>
               <a:rPr lang="en-US" altLang="zh-TW" dirty="0" smtClean="0"/>
-              <a:t>.</a:t>
-            </a:r>
+              <a:t>workload</a:t>
+            </a:r>
+            <a:endParaRPr lang="en-US" altLang="zh-TW" dirty="0" smtClean="0"/>
           </a:p>
           <a:p>
             <a:pPr lvl="1"/>
@@ -3749,17 +3751,17 @@
               <a:rPr lang="en-US" altLang="zh-TW" dirty="0" smtClean="0"/>
               <a:t>effect</a:t>
             </a:r>
+          </a:p>
+          <a:p>
+            <a:r>
+              <a:rPr lang="en-US" altLang="zh-TW" dirty="0" smtClean="0"/>
+              <a:t>Unable to congest the network </a:t>
+            </a:r>
+            <a:r>
+              <a:rPr lang="en-US" altLang="zh-TW" dirty="0" smtClean="0"/>
+              <a:t>manfully</a:t>
+            </a:r>
             <a:endParaRPr lang="en-US" altLang="zh-TW" dirty="0" smtClean="0"/>
-          </a:p>
-          <a:p>
-            <a:r>
-              <a:rPr lang="en-US" altLang="zh-TW" dirty="0" smtClean="0"/>
-              <a:t>Unable to congest the network manfully</a:t>
-            </a:r>
-            <a:r>
-              <a:rPr lang="en-US" altLang="zh-TW" dirty="0" smtClean="0"/>
-              <a:t>.</a:t>
-            </a:r>
           </a:p>
           <a:p>
             <a:pPr lvl="1"/>
@@ -3771,7 +3773,6 @@
               <a:rPr lang="en-US" altLang="zh-TW" dirty="0" smtClean="0"/>
               <a:t>congested</a:t>
             </a:r>
-            <a:endParaRPr lang="en-US" altLang="zh-TW" dirty="0" smtClean="0"/>
           </a:p>
           <a:p>
             <a:r>
@@ -3789,20 +3790,11 @@
               <a:rPr lang="en-US" altLang="zh-TW" dirty="0" smtClean="0"/>
               <a:t>busy</a:t>
             </a:r>
-            <a:endParaRPr lang="en-US" altLang="zh-TW" dirty="0" smtClean="0"/>
           </a:p>
           <a:p>
             <a:r>
               <a:rPr lang="en-US" altLang="zh-TW" dirty="0" smtClean="0"/>
-              <a:t>Do </a:t>
-            </a:r>
-            <a:r>
-              <a:rPr lang="en-US" altLang="zh-TW" dirty="0" smtClean="0"/>
-              <a:t>not have access to the real </a:t>
-            </a:r>
-            <a:r>
-              <a:rPr lang="en-US" altLang="zh-TW" dirty="0" smtClean="0"/>
-              <a:t>datacenter</a:t>
+              <a:t>Do not have access to the real datacenter</a:t>
             </a:r>
           </a:p>
           <a:p>
@@ -3851,7 +3843,7 @@
   <p:timing>
     <p:tnLst>
       <p:par>
-        <p:cTn id="1" dur="indefinite" restart="never" nodeType="tmRoot"/>
+        <p:cTn xmlns:p14="http://schemas.microsoft.com/office/powerpoint/2010/main" id="1" dur="indefinite" restart="never" nodeType="tmRoot"/>
       </p:par>
     </p:tnLst>
   </p:timing>
@@ -3919,11 +3911,7 @@
             </a:r>
             <a:r>
               <a:rPr lang="en-US" altLang="zh-TW" dirty="0" smtClean="0"/>
-              <a:t>little better performance than the ordinary scheduling algorithm </a:t>
-            </a:r>
-            <a:r>
-              <a:rPr lang="en-US" altLang="zh-TW" dirty="0" smtClean="0"/>
-              <a:t>.</a:t>
+              <a:t>little better performance than the ordinary scheduling algorithm .</a:t>
             </a:r>
           </a:p>
           <a:p>
@@ -3999,7 +3987,7 @@
   <p:timing>
     <p:tnLst>
       <p:par>
-        <p:cTn id="1" dur="indefinite" restart="never" nodeType="tmRoot"/>
+        <p:cTn xmlns:p14="http://schemas.microsoft.com/office/powerpoint/2010/main" id="1" dur="indefinite" restart="never" nodeType="tmRoot"/>
       </p:par>
     </p:tnLst>
   </p:timing>
@@ -4123,7 +4111,7 @@
   <p:timing>
     <p:tnLst>
       <p:par>
-        <p:cTn id="1" dur="indefinite" restart="never" nodeType="tmRoot"/>
+        <p:cTn xmlns:p14="http://schemas.microsoft.com/office/powerpoint/2010/main" id="1" dur="indefinite" restart="never" nodeType="tmRoot"/>
       </p:par>
     </p:tnLst>
   </p:timing>
@@ -4253,7 +4241,7 @@
   <p:timing>
     <p:tnLst>
       <p:par>
-        <p:cTn id="1" dur="indefinite" restart="never" nodeType="tmRoot"/>
+        <p:cTn xmlns:p14="http://schemas.microsoft.com/office/powerpoint/2010/main" id="1" dur="indefinite" restart="never" nodeType="tmRoot"/>
       </p:par>
     </p:tnLst>
   </p:timing>
@@ -4412,7 +4400,7 @@
   <p:timing>
     <p:tnLst>
       <p:par>
-        <p:cTn id="1" dur="indefinite" restart="never" nodeType="tmRoot"/>
+        <p:cTn xmlns:p14="http://schemas.microsoft.com/office/powerpoint/2010/main" id="1" dur="indefinite" restart="never" nodeType="tmRoot"/>
       </p:par>
     </p:tnLst>
   </p:timing>
@@ -4551,7 +4539,7 @@
   <p:timing>
     <p:tnLst>
       <p:par>
-        <p:cTn id="1" dur="indefinite" restart="never" nodeType="tmRoot"/>
+        <p:cTn xmlns:p14="http://schemas.microsoft.com/office/powerpoint/2010/main" id="1" dur="indefinite" restart="never" nodeType="tmRoot"/>
       </p:par>
     </p:tnLst>
   </p:timing>
@@ -4705,7 +4693,7 @@
   <p:timing>
     <p:tnLst>
       <p:par>
-        <p:cTn id="1" dur="indefinite" restart="never" nodeType="tmRoot"/>
+        <p:cTn xmlns:p14="http://schemas.microsoft.com/office/powerpoint/2010/main" id="1" dur="indefinite" restart="never" nodeType="tmRoot"/>
       </p:par>
     </p:tnLst>
   </p:timing>
@@ -5399,7 +5387,7 @@
   <p:timing>
     <p:tnLst>
       <p:par>
-        <p:cTn id="1" dur="indefinite" restart="never" nodeType="tmRoot">
+        <p:cTn xmlns:p14="http://schemas.microsoft.com/office/powerpoint/2010/main" id="1" dur="indefinite" restart="never" nodeType="tmRoot">
           <p:childTnLst>
             <p:seq concurrent="1" nextAc="seek">
               <p:cTn id="2" dur="indefinite" nodeType="mainSeq">
@@ -6032,7 +6020,7 @@
   <p:timing>
     <p:tnLst>
       <p:par>
-        <p:cTn id="1" dur="indefinite" restart="never" nodeType="tmRoot"/>
+        <p:cTn xmlns:p14="http://schemas.microsoft.com/office/powerpoint/2010/main" id="1" dur="indefinite" restart="never" nodeType="tmRoot"/>
       </p:par>
     </p:tnLst>
   </p:timing>
@@ -6828,7 +6816,7 @@
   <p:timing>
     <p:tnLst>
       <p:par>
-        <p:cTn id="1" dur="indefinite" restart="never" nodeType="tmRoot">
+        <p:cTn xmlns:p14="http://schemas.microsoft.com/office/powerpoint/2010/main" id="1" dur="indefinite" restart="never" nodeType="tmRoot">
           <p:childTnLst>
             <p:seq concurrent="1" nextAc="seek">
               <p:cTn id="2" dur="indefinite" nodeType="mainSeq">
@@ -7466,7 +7454,7 @@
   <p:timing>
     <p:tnLst>
       <p:par>
-        <p:cTn id="1" dur="indefinite" restart="never" nodeType="tmRoot"/>
+        <p:cTn xmlns:p14="http://schemas.microsoft.com/office/powerpoint/2010/main" id="1" dur="indefinite" restart="never" nodeType="tmRoot"/>
       </p:par>
     </p:tnLst>
   </p:timing>

--- a/PresentationSlides/Presentation.pptx
+++ b/PresentationSlides/Presentation.pptx
@@ -3291,14 +3291,14 @@
       </p:sp>
       <p:pic>
         <p:nvPicPr>
-          <p:cNvPr id="7" name="Picture 6" descr="SchedVsNoSched.pdf"/>
+          <p:cNvPr id="3" name="Picture 2" descr="SchedVsNoSched.pdf"/>
           <p:cNvPicPr>
             <a:picLocks noChangeAspect="1"/>
           </p:cNvPicPr>
           <p:nvPr/>
         </p:nvPicPr>
         <p:blipFill>
-          <a:blip r:embed="rId2" cstate="email">
+          <a:blip r:embed="rId2">
             <a:extLst>
               <a:ext uri="{28A0092B-C50C-407E-A947-70E740481C1C}">
                 <a14:useLocalDpi xmlns:a14="http://schemas.microsoft.com/office/drawing/2010/main" val="0"/>
@@ -3310,9 +3310,9 @@
           </a:stretch>
         </p:blipFill>
         <p:spPr>
-          <a:xfrm>
-            <a:off x="-239749" y="453600"/>
-            <a:ext cx="8875059" cy="6858000"/>
+          <a:xfrm rot="5400000">
+            <a:off x="1656887" y="385567"/>
+            <a:ext cx="5299364" cy="6858000"/>
           </a:xfrm>
           <a:prstGeom prst="rect">
             <a:avLst/>
@@ -3394,7 +3394,11 @@
           <a:bodyPr/>
           <a:lstStyle/>
           <a:p>
-            <a:endParaRPr lang="en-US"/>
+            <a:r>
+              <a:rPr lang="en-US" dirty="0" smtClean="0"/>
+              <a:t>Run experiment on Saturday night to see if it is worthwhile to explore</a:t>
+            </a:r>
+            <a:endParaRPr lang="en-US" dirty="0"/>
           </a:p>
         </p:txBody>
       </p:sp>
@@ -3720,18 +3724,12 @@
               <a:rPr lang="en-US" altLang="zh-TW" dirty="0" smtClean="0"/>
               <a:t>There are few servers in our cluster</a:t>
             </a:r>
-            <a:endParaRPr lang="en-US" altLang="zh-TW" dirty="0" smtClean="0"/>
           </a:p>
           <a:p>
             <a:r>
               <a:rPr lang="en-US" altLang="zh-TW" dirty="0" smtClean="0"/>
-              <a:t>Do not have complex </a:t>
-            </a:r>
-            <a:r>
-              <a:rPr lang="en-US" altLang="zh-TW" dirty="0" smtClean="0"/>
-              <a:t>workload</a:t>
-            </a:r>
-            <a:endParaRPr lang="en-US" altLang="zh-TW" dirty="0" smtClean="0"/>
+              <a:t>Do not have complex workload</a:t>
+            </a:r>
           </a:p>
           <a:p>
             <a:pPr lvl="1"/>
@@ -3755,13 +3753,8 @@
           <a:p>
             <a:r>
               <a:rPr lang="en-US" altLang="zh-TW" dirty="0" smtClean="0"/>
-              <a:t>Unable to congest the network </a:t>
-            </a:r>
-            <a:r>
-              <a:rPr lang="en-US" altLang="zh-TW" dirty="0" smtClean="0"/>
-              <a:t>manfully</a:t>
-            </a:r>
-            <a:endParaRPr lang="en-US" altLang="zh-TW" dirty="0" smtClean="0"/>
+              <a:t>Unable to congest the network manfully</a:t>
+            </a:r>
           </a:p>
           <a:p>
             <a:pPr lvl="1"/>
@@ -5227,80 +5220,6 @@
           </a:p>
         </p:txBody>
       </p:sp>
-      <p:cxnSp>
-        <p:nvCxnSpPr>
-          <p:cNvPr id="24" name="Straight Arrow Connector 23"/>
-          <p:cNvCxnSpPr/>
-          <p:nvPr/>
-        </p:nvCxnSpPr>
-        <p:spPr>
-          <a:xfrm flipH="1">
-            <a:off x="2664815" y="2839369"/>
-            <a:ext cx="1258699" cy="730059"/>
-          </a:xfrm>
-          <a:prstGeom prst="straightConnector1">
-            <a:avLst/>
-          </a:prstGeom>
-          <a:ln w="38100">
-            <a:solidFill>
-              <a:srgbClr val="FF0000"/>
-            </a:solidFill>
-            <a:headEnd type="arrow"/>
-            <a:tailEnd type="arrow"/>
-          </a:ln>
-        </p:spPr>
-        <p:style>
-          <a:lnRef idx="2">
-            <a:schemeClr val="accent1"/>
-          </a:lnRef>
-          <a:fillRef idx="0">
-            <a:schemeClr val="accent1"/>
-          </a:fillRef>
-          <a:effectRef idx="1">
-            <a:schemeClr val="accent1"/>
-          </a:effectRef>
-          <a:fontRef idx="minor">
-            <a:schemeClr val="tx1"/>
-          </a:fontRef>
-        </p:style>
-      </p:cxnSp>
-      <p:cxnSp>
-        <p:nvCxnSpPr>
-          <p:cNvPr id="27" name="Straight Arrow Connector 26"/>
-          <p:cNvCxnSpPr/>
-          <p:nvPr/>
-        </p:nvCxnSpPr>
-        <p:spPr>
-          <a:xfrm flipH="1">
-            <a:off x="4399779" y="2925807"/>
-            <a:ext cx="1" cy="643621"/>
-          </a:xfrm>
-          <a:prstGeom prst="straightConnector1">
-            <a:avLst/>
-          </a:prstGeom>
-          <a:ln w="38100">
-            <a:solidFill>
-              <a:srgbClr val="FF0000"/>
-            </a:solidFill>
-            <a:headEnd type="arrow"/>
-            <a:tailEnd type="arrow"/>
-          </a:ln>
-        </p:spPr>
-        <p:style>
-          <a:lnRef idx="2">
-            <a:schemeClr val="accent1"/>
-          </a:lnRef>
-          <a:fillRef idx="0">
-            <a:schemeClr val="accent1"/>
-          </a:fillRef>
-          <a:effectRef idx="1">
-            <a:schemeClr val="accent1"/>
-          </a:effectRef>
-          <a:fontRef idx="minor">
-            <a:schemeClr val="tx1"/>
-          </a:fontRef>
-        </p:style>
-      </p:cxnSp>
       <p:cxnSp>
         <p:nvCxnSpPr>
           <p:cNvPr id="30" name="Straight Arrow Connector 29"/>
@@ -5651,7 +5570,7 @@
                                           </p:stCondLst>
                                         </p:cTn>
                                         <p:tgtEl>
-                                          <p:spTgt spid="24"/>
+                                          <p:spTgt spid="30"/>
                                         </p:tgtEl>
                                         <p:attrNameLst>
                                           <p:attrName>style.visibility</p:attrName>
@@ -5673,60 +5592,6 @@
                                     <p:set>
                                       <p:cBhvr>
                                         <p:cTn id="26" dur="1" fill="hold">
-                                          <p:stCondLst>
-                                            <p:cond delay="0"/>
-                                          </p:stCondLst>
-                                        </p:cTn>
-                                        <p:tgtEl>
-                                          <p:spTgt spid="27"/>
-                                        </p:tgtEl>
-                                        <p:attrNameLst>
-                                          <p:attrName>style.visibility</p:attrName>
-                                        </p:attrNameLst>
-                                      </p:cBhvr>
-                                      <p:to>
-                                        <p:strVal val="visible"/>
-                                      </p:to>
-                                    </p:set>
-                                  </p:childTnLst>
-                                </p:cTn>
-                              </p:par>
-                              <p:par>
-                                <p:cTn id="27" presetID="1" presetClass="entr" presetSubtype="0" fill="hold" nodeType="withEffect">
-                                  <p:stCondLst>
-                                    <p:cond delay="0"/>
-                                  </p:stCondLst>
-                                  <p:childTnLst>
-                                    <p:set>
-                                      <p:cBhvr>
-                                        <p:cTn id="28" dur="1" fill="hold">
-                                          <p:stCondLst>
-                                            <p:cond delay="0"/>
-                                          </p:stCondLst>
-                                        </p:cTn>
-                                        <p:tgtEl>
-                                          <p:spTgt spid="30"/>
-                                        </p:tgtEl>
-                                        <p:attrNameLst>
-                                          <p:attrName>style.visibility</p:attrName>
-                                        </p:attrNameLst>
-                                      </p:cBhvr>
-                                      <p:to>
-                                        <p:strVal val="visible"/>
-                                      </p:to>
-                                    </p:set>
-                                  </p:childTnLst>
-                                </p:cTn>
-                              </p:par>
-                              <p:par>
-                                <p:cTn id="29" presetID="1" presetClass="entr" presetSubtype="0" fill="hold" nodeType="withEffect">
-                                  <p:stCondLst>
-                                    <p:cond delay="0"/>
-                                  </p:stCondLst>
-                                  <p:childTnLst>
-                                    <p:set>
-                                      <p:cBhvr>
-                                        <p:cTn id="30" dur="1" fill="hold">
                                           <p:stCondLst>
                                             <p:cond delay="0"/>
                                           </p:stCondLst>
@@ -5756,26 +5621,26 @@
                     </p:cTn>
                   </p:par>
                   <p:par>
-                    <p:cTn id="31" fill="hold">
+                    <p:cTn id="27" fill="hold">
                       <p:stCondLst>
                         <p:cond delay="indefinite"/>
                       </p:stCondLst>
                       <p:childTnLst>
                         <p:par>
-                          <p:cTn id="32" fill="hold">
+                          <p:cTn id="28" fill="hold">
                             <p:stCondLst>
                               <p:cond delay="0"/>
                             </p:stCondLst>
                             <p:childTnLst>
                               <p:par>
-                                <p:cTn id="33" presetID="1" presetClass="entr" presetSubtype="0" fill="hold" nodeType="clickEffect">
+                                <p:cTn id="29" presetID="1" presetClass="entr" presetSubtype="0" fill="hold" nodeType="clickEffect">
                                   <p:stCondLst>
                                     <p:cond delay="0"/>
                                   </p:stCondLst>
                                   <p:childTnLst>
                                     <p:set>
                                       <p:cBhvr>
-                                        <p:cTn id="34" dur="1" fill="hold">
+                                        <p:cTn id="30" dur="1" fill="hold">
                                           <p:stCondLst>
                                             <p:cond delay="0"/>
                                           </p:stCondLst>
@@ -5795,14 +5660,14 @@
                                 </p:cTn>
                               </p:par>
                               <p:par>
-                                <p:cTn id="35" presetID="1" presetClass="entr" presetSubtype="0" fill="hold" nodeType="withEffect">
+                                <p:cTn id="31" presetID="1" presetClass="entr" presetSubtype="0" fill="hold" nodeType="withEffect">
                                   <p:stCondLst>
                                     <p:cond delay="0"/>
                                   </p:stCondLst>
                                   <p:childTnLst>
                                     <p:set>
                                       <p:cBhvr>
-                                        <p:cTn id="36" dur="1" fill="hold">
+                                        <p:cTn id="32" dur="1" fill="hold">
                                           <p:stCondLst>
                                             <p:cond delay="0"/>
                                           </p:stCondLst>
@@ -6500,80 +6365,6 @@
       </p:cxnSp>
       <p:cxnSp>
         <p:nvCxnSpPr>
-          <p:cNvPr id="14" name="Straight Arrow Connector 13"/>
-          <p:cNvCxnSpPr/>
-          <p:nvPr/>
-        </p:nvCxnSpPr>
-        <p:spPr>
-          <a:xfrm flipH="1">
-            <a:off x="2664815" y="3088849"/>
-            <a:ext cx="1258699" cy="730059"/>
-          </a:xfrm>
-          <a:prstGeom prst="straightConnector1">
-            <a:avLst/>
-          </a:prstGeom>
-          <a:ln w="38100">
-            <a:solidFill>
-              <a:srgbClr val="FF0000"/>
-            </a:solidFill>
-            <a:headEnd type="arrow"/>
-            <a:tailEnd type="arrow"/>
-          </a:ln>
-        </p:spPr>
-        <p:style>
-          <a:lnRef idx="2">
-            <a:schemeClr val="accent1"/>
-          </a:lnRef>
-          <a:fillRef idx="0">
-            <a:schemeClr val="accent1"/>
-          </a:fillRef>
-          <a:effectRef idx="1">
-            <a:schemeClr val="accent1"/>
-          </a:effectRef>
-          <a:fontRef idx="minor">
-            <a:schemeClr val="tx1"/>
-          </a:fontRef>
-        </p:style>
-      </p:cxnSp>
-      <p:cxnSp>
-        <p:nvCxnSpPr>
-          <p:cNvPr id="15" name="Straight Arrow Connector 14"/>
-          <p:cNvCxnSpPr/>
-          <p:nvPr/>
-        </p:nvCxnSpPr>
-        <p:spPr>
-          <a:xfrm flipH="1">
-            <a:off x="4399779" y="3175287"/>
-            <a:ext cx="1" cy="643621"/>
-          </a:xfrm>
-          <a:prstGeom prst="straightConnector1">
-            <a:avLst/>
-          </a:prstGeom>
-          <a:ln w="38100">
-            <a:solidFill>
-              <a:srgbClr val="FF0000"/>
-            </a:solidFill>
-            <a:headEnd type="arrow"/>
-            <a:tailEnd type="arrow"/>
-          </a:ln>
-        </p:spPr>
-        <p:style>
-          <a:lnRef idx="2">
-            <a:schemeClr val="accent1"/>
-          </a:lnRef>
-          <a:fillRef idx="0">
-            <a:schemeClr val="accent1"/>
-          </a:fillRef>
-          <a:effectRef idx="1">
-            <a:schemeClr val="accent1"/>
-          </a:effectRef>
-          <a:fontRef idx="minor">
-            <a:schemeClr val="tx1"/>
-          </a:fontRef>
-        </p:style>
-      </p:cxnSp>
-      <p:cxnSp>
-        <p:nvCxnSpPr>
           <p:cNvPr id="16" name="Straight Arrow Connector 15"/>
           <p:cNvCxnSpPr/>
           <p:nvPr/>
@@ -6722,6 +6513,40 @@
         <p:spPr>
           <a:xfrm>
             <a:off x="4602482" y="3385844"/>
+            <a:ext cx="593920" cy="369332"/>
+          </a:xfrm>
+          <a:prstGeom prst="rect">
+            <a:avLst/>
+          </a:prstGeom>
+          <a:noFill/>
+        </p:spPr>
+        <p:txBody>
+          <a:bodyPr wrap="none" rtlCol="0">
+            <a:spAutoFit/>
+          </a:bodyPr>
+          <a:lstStyle/>
+          <a:p>
+            <a:r>
+              <a:rPr lang="en-US" dirty="0" smtClean="0"/>
+              <a:t>89</a:t>
+            </a:r>
+            <a:r>
+              <a:rPr lang="en-US" dirty="0" smtClean="0"/>
+              <a:t>.5</a:t>
+            </a:r>
+            <a:endParaRPr lang="en-US" dirty="0"/>
+          </a:p>
+        </p:txBody>
+      </p:sp>
+      <p:sp>
+        <p:nvSpPr>
+          <p:cNvPr id="25" name="TextBox 24"/>
+          <p:cNvSpPr txBox="1"/>
+          <p:nvPr/>
+        </p:nvSpPr>
+        <p:spPr>
+          <a:xfrm>
+            <a:off x="5922146" y="2904183"/>
             <a:ext cx="476926" cy="369332"/>
           </a:xfrm>
           <a:prstGeom prst="rect">
@@ -6736,38 +6561,12 @@
           <a:lstStyle/>
           <a:p>
             <a:r>
+              <a:rPr lang="en-US" dirty="0"/>
+              <a:t>7</a:t>
+            </a:r>
+            <a:r>
               <a:rPr lang="en-US" dirty="0" smtClean="0"/>
-              <a:t>7.5</a:t>
-            </a:r>
-            <a:endParaRPr lang="en-US" dirty="0"/>
-          </a:p>
-        </p:txBody>
-      </p:sp>
-      <p:sp>
-        <p:nvSpPr>
-          <p:cNvPr id="25" name="TextBox 24"/>
-          <p:cNvSpPr txBox="1"/>
-          <p:nvPr/>
-        </p:nvSpPr>
-        <p:spPr>
-          <a:xfrm>
-            <a:off x="5922146" y="2904183"/>
-            <a:ext cx="593920" cy="369332"/>
-          </a:xfrm>
-          <a:prstGeom prst="rect">
-            <a:avLst/>
-          </a:prstGeom>
-          <a:noFill/>
-        </p:spPr>
-        <p:txBody>
-          <a:bodyPr wrap="none" rtlCol="0">
-            <a:spAutoFit/>
-          </a:bodyPr>
-          <a:lstStyle/>
-          <a:p>
-            <a:r>
-              <a:rPr lang="en-US" dirty="0" smtClean="0"/>
-              <a:t>89.3</a:t>
+              <a:t>.3</a:t>
             </a:r>
             <a:endParaRPr lang="en-US" dirty="0"/>
           </a:p>
@@ -7129,60 +6928,6 @@
                                           </p:stCondLst>
                                         </p:cTn>
                                         <p:tgtEl>
-                                          <p:spTgt spid="14"/>
-                                        </p:tgtEl>
-                                        <p:attrNameLst>
-                                          <p:attrName>style.visibility</p:attrName>
-                                        </p:attrNameLst>
-                                      </p:cBhvr>
-                                      <p:to>
-                                        <p:strVal val="visible"/>
-                                      </p:to>
-                                    </p:set>
-                                  </p:childTnLst>
-                                </p:cTn>
-                              </p:par>
-                              <p:par>
-                                <p:cTn id="29" presetID="1" presetClass="entr" presetSubtype="0" fill="hold" nodeType="withEffect">
-                                  <p:stCondLst>
-                                    <p:cond delay="0"/>
-                                  </p:stCondLst>
-                                  <p:childTnLst>
-                                    <p:set>
-                                      <p:cBhvr>
-                                        <p:cTn id="30" dur="1" fill="hold">
-                                          <p:stCondLst>
-                                            <p:cond delay="0"/>
-                                          </p:stCondLst>
-                                        </p:cTn>
-                                        <p:tgtEl>
-                                          <p:spTgt spid="15"/>
-                                        </p:tgtEl>
-                                        <p:attrNameLst>
-                                          <p:attrName>style.visibility</p:attrName>
-                                        </p:attrNameLst>
-                                      </p:cBhvr>
-                                      <p:to>
-                                        <p:strVal val="visible"/>
-                                      </p:to>
-                                    </p:set>
-                                  </p:childTnLst>
-                                </p:cTn>
-                              </p:par>
-                              <p:par>
-                                <p:cTn id="31" presetID="1" presetClass="entr" presetSubtype="0" fill="hold" nodeType="withEffect">
-                                  <p:stCondLst>
-                                    <p:cond delay="0"/>
-                                  </p:stCondLst>
-                                  <p:childTnLst>
-                                    <p:set>
-                                      <p:cBhvr>
-                                        <p:cTn id="32" dur="1" fill="hold">
-                                          <p:stCondLst>
-                                            <p:cond delay="0"/>
-                                          </p:stCondLst>
-                                        </p:cTn>
-                                        <p:tgtEl>
                                           <p:spTgt spid="16"/>
                                         </p:tgtEl>
                                         <p:attrNameLst>
@@ -7203,26 +6948,26 @@
                     </p:cTn>
                   </p:par>
                   <p:par>
-                    <p:cTn id="33" fill="hold">
+                    <p:cTn id="29" fill="hold">
                       <p:stCondLst>
                         <p:cond delay="indefinite"/>
                       </p:stCondLst>
                       <p:childTnLst>
                         <p:par>
-                          <p:cTn id="34" fill="hold">
+                          <p:cTn id="30" fill="hold">
                             <p:stCondLst>
                               <p:cond delay="0"/>
                             </p:stCondLst>
                             <p:childTnLst>
                               <p:par>
-                                <p:cTn id="35" presetID="1" presetClass="entr" presetSubtype="0" fill="hold" nodeType="clickEffect">
+                                <p:cTn id="31" presetID="1" presetClass="entr" presetSubtype="0" fill="hold" nodeType="clickEffect">
                                   <p:stCondLst>
                                     <p:cond delay="0"/>
                                   </p:stCondLst>
                                   <p:childTnLst>
                                     <p:set>
                                       <p:cBhvr>
-                                        <p:cTn id="36" dur="1" fill="hold">
+                                        <p:cTn id="32" dur="1" fill="hold">
                                           <p:stCondLst>
                                             <p:cond delay="0"/>
                                           </p:stCondLst>
@@ -7336,7 +7081,7 @@
         </p:spPr>
         <p:txBody>
           <a:bodyPr>
-            <a:normAutofit lnSpcReduction="10000"/>
+            <a:normAutofit fontScale="92500" lnSpcReduction="10000"/>
           </a:bodyPr>
           <a:lstStyle/>
           <a:p>
@@ -7385,8 +7130,19 @@
           <a:p>
             <a:r>
               <a:rPr lang="en-US" dirty="0" smtClean="0"/>
-              <a:t>Data is hash partitioned</a:t>
-            </a:r>
+              <a:t>Data is hash </a:t>
+            </a:r>
+            <a:r>
+              <a:rPr lang="en-US" dirty="0" smtClean="0"/>
+              <a:t>partitioned</a:t>
+            </a:r>
+          </a:p>
+          <a:p>
+            <a:r>
+              <a:rPr lang="en-US" dirty="0" smtClean="0"/>
+              <a:t>Read Consistency = ONE</a:t>
+            </a:r>
+            <a:endParaRPr lang="en-US" dirty="0" smtClean="0"/>
           </a:p>
           <a:p>
             <a:r>

--- a/PresentationSlides/Presentation.pptx
+++ b/PresentationSlides/Presentation.pptx
@@ -14,13 +14,15 @@
     <p:sldId id="267" r:id="rId8"/>
     <p:sldId id="270" r:id="rId9"/>
     <p:sldId id="260" r:id="rId10"/>
-    <p:sldId id="261" r:id="rId11"/>
-    <p:sldId id="271" r:id="rId12"/>
-    <p:sldId id="262" r:id="rId13"/>
-    <p:sldId id="273" r:id="rId14"/>
-    <p:sldId id="263" r:id="rId15"/>
-    <p:sldId id="264" r:id="rId16"/>
-    <p:sldId id="265" r:id="rId17"/>
+    <p:sldId id="274" r:id="rId11"/>
+    <p:sldId id="261" r:id="rId12"/>
+    <p:sldId id="271" r:id="rId13"/>
+    <p:sldId id="262" r:id="rId14"/>
+    <p:sldId id="273" r:id="rId15"/>
+    <p:sldId id="275" r:id="rId16"/>
+    <p:sldId id="263" r:id="rId17"/>
+    <p:sldId id="264" r:id="rId18"/>
+    <p:sldId id="265" r:id="rId19"/>
   </p:sldIdLst>
   <p:sldSz cx="9144000" cy="6858000" type="screen4x3"/>
   <p:notesSz cx="6858000" cy="9144000"/>
@@ -119,7 +121,102 @@
       </a:defRPr>
     </a:lvl9pPr>
   </p:defaultTextStyle>
+  <p:extLst>
+    <p:ext uri="{EFAFB233-063F-42B5-8137-9DF3F51BA10A}">
+      <p15:sldGuideLst xmlns:p15="http://schemas.microsoft.com/office/powerpoint/2012/main">
+        <p15:guide id="1" orient="horz" pos="2160">
+          <p15:clr>
+            <a:srgbClr val="A4A3A4"/>
+          </p15:clr>
+        </p15:guide>
+        <p15:guide id="2" pos="2880">
+          <p15:clr>
+            <a:srgbClr val="A4A3A4"/>
+          </p15:clr>
+        </p15:guide>
+      </p15:sldGuideLst>
+    </p:ext>
+  </p:extLst>
 </p:presentation>
+</file>
+
+<file path=ppt/commentAuthors.xml><?xml version="1.0" encoding="utf-8"?>
+<p:cmAuthorLst xmlns:a="http://schemas.openxmlformats.org/drawingml/2006/main" xmlns:r="http://schemas.openxmlformats.org/officeDocument/2006/relationships" xmlns:p="http://schemas.openxmlformats.org/presentationml/2006/main">
+  <p:cmAuthor id="1" name="Happier LIU" initials="HL" lastIdx="6" clrIdx="0">
+    <p:extLst>
+      <p:ext uri="{19B8F6BF-5375-455C-9EA6-DF929625EA0E}">
+        <p15:presenceInfo xmlns:p15="http://schemas.microsoft.com/office/powerpoint/2012/main" userId="dfbd9b513a1915c0" providerId="Windows Live"/>
+      </p:ext>
+    </p:extLst>
+  </p:cmAuthor>
+</p:cmAuthorLst>
+</file>
+
+<file path=ppt/comments/comment1.xml><?xml version="1.0" encoding="utf-8"?>
+<p:cmLst xmlns:a="http://schemas.openxmlformats.org/drawingml/2006/main" xmlns:r="http://schemas.openxmlformats.org/officeDocument/2006/relationships" xmlns:p="http://schemas.openxmlformats.org/presentationml/2006/main">
+  <p:cm authorId="1" dt="2012-11-30T22:16:27.327" idx="1">
+    <p:pos x="10" y="10"/>
+    <p:text>I don't feel this slide is right, but not sure how to modify it. What does it mean by "scheduling reads‘? I think it's quite confusing</p:text>
+    <p:extLst>
+      <p:ext uri="{C676402C-5697-4E1C-873F-D02D1690AC5C}">
+        <p15:threadingInfo xmlns:p15="http://schemas.microsoft.com/office/powerpoint/2012/main" timeZoneBias="300"/>
+      </p:ext>
+    </p:extLst>
+  </p:cm>
+</p:cmLst>
+</file>
+
+<file path=ppt/comments/comment2.xml><?xml version="1.0" encoding="utf-8"?>
+<p:cmLst xmlns:a="http://schemas.openxmlformats.org/drawingml/2006/main" xmlns:r="http://schemas.openxmlformats.org/officeDocument/2006/relationships" xmlns:p="http://schemas.openxmlformats.org/presentationml/2006/main">
+  <p:cm authorId="1" dt="2012-11-30T22:19:39.686" idx="2">
+    <p:pos x="10" y="10"/>
+    <p:text>reference here ?</p:text>
+    <p:extLst>
+      <p:ext uri="{C676402C-5697-4E1C-873F-D02D1690AC5C}">
+        <p15:threadingInfo xmlns:p15="http://schemas.microsoft.com/office/powerpoint/2012/main" timeZoneBias="300"/>
+      </p:ext>
+    </p:extLst>
+  </p:cm>
+  <p:cm authorId="1" dt="2012-11-30T22:20:23.419" idx="3">
+    <p:pos x="10" y="146"/>
+    <p:text>and i think this slide is confusing too. maybe because i don't have tht related work background</p:text>
+    <p:extLst>
+      <p:ext uri="{C676402C-5697-4E1C-873F-D02D1690AC5C}">
+        <p15:threadingInfo xmlns:p15="http://schemas.microsoft.com/office/powerpoint/2012/main" timeZoneBias="300">
+          <p15:parentCm authorId="1" idx="2"/>
+        </p15:threadingInfo>
+      </p:ext>
+    </p:extLst>
+  </p:cm>
+</p:cmLst>
+</file>
+
+<file path=ppt/comments/comment3.xml><?xml version="1.0" encoding="utf-8"?>
+<p:cmLst xmlns:a="http://schemas.openxmlformats.org/drawingml/2006/main" xmlns:r="http://schemas.openxmlformats.org/officeDocument/2006/relationships" xmlns:p="http://schemas.openxmlformats.org/presentationml/2006/main">
+  <p:cm authorId="1" dt="2012-11-30T22:24:05.408" idx="4">
+    <p:pos x="10" y="10"/>
+    <p:text>Does this kind of leave the impression on people that after the master gets a query, it asks for the resource usage information ?</p:text>
+    <p:extLst>
+      <p:ext uri="{C676402C-5697-4E1C-873F-D02D1690AC5C}">
+        <p15:threadingInfo xmlns:p15="http://schemas.microsoft.com/office/powerpoint/2012/main" timeZoneBias="300"/>
+      </p:ext>
+    </p:extLst>
+  </p:cm>
+</p:cmLst>
+</file>
+
+<file path=ppt/comments/comment4.xml><?xml version="1.0" encoding="utf-8"?>
+<p:cmLst xmlns:a="http://schemas.openxmlformats.org/drawingml/2006/main" xmlns:r="http://schemas.openxmlformats.org/officeDocument/2006/relationships" xmlns:p="http://schemas.openxmlformats.org/presentationml/2006/main">
+  <p:cm authorId="1" dt="2012-11-30T22:28:25.160" idx="6">
+    <p:pos x="10" y="10"/>
+    <p:text>what is the purpose of this slide compared to slide 6 ?</p:text>
+    <p:extLst>
+      <p:ext uri="{C676402C-5697-4E1C-873F-D02D1690AC5C}">
+        <p15:threadingInfo xmlns:p15="http://schemas.microsoft.com/office/powerpoint/2012/main" timeZoneBias="300"/>
+      </p:ext>
+    </p:extLst>
+  </p:cm>
+</p:cmLst>
 </file>
 
 <file path=ppt/slideLayouts/slideLayout1.xml><?xml version="1.0" encoding="utf-8"?>
@@ -303,7 +400,7 @@
           <a:p>
             <a:fld id="{578C8EFD-E150-CA4D-905C-A94D1A78A82A}" type="datetime1">
               <a:rPr lang="en-CA" smtClean="0"/>
-              <a:t>12-11-30</a:t>
+              <a:t>2012-11-30</a:t>
             </a:fld>
             <a:endParaRPr lang="en-US"/>
           </a:p>
@@ -473,7 +570,7 @@
           <a:p>
             <a:fld id="{15D8ADF8-3441-5F45-A19B-D033F59CF17D}" type="datetime1">
               <a:rPr lang="en-CA" smtClean="0"/>
-              <a:t>12-11-30</a:t>
+              <a:t>2012-11-30</a:t>
             </a:fld>
             <a:endParaRPr lang="en-US"/>
           </a:p>
@@ -653,7 +750,7 @@
           <a:p>
             <a:fld id="{0AED5A46-46F0-524C-B118-2413C4B118F2}" type="datetime1">
               <a:rPr lang="en-CA" smtClean="0"/>
-              <a:t>12-11-30</a:t>
+              <a:t>2012-11-30</a:t>
             </a:fld>
             <a:endParaRPr lang="en-US"/>
           </a:p>
@@ -823,7 +920,7 @@
           <a:p>
             <a:fld id="{2FFAA75D-0121-8445-A2D5-37B4791018BB}" type="datetime1">
               <a:rPr lang="en-CA" smtClean="0"/>
-              <a:t>12-11-30</a:t>
+              <a:t>2012-11-30</a:t>
             </a:fld>
             <a:endParaRPr lang="en-US"/>
           </a:p>
@@ -1069,7 +1166,7 @@
           <a:p>
             <a:fld id="{53F7EAB1-141B-FB47-8AAB-E68313ADDAE7}" type="datetime1">
               <a:rPr lang="en-CA" smtClean="0"/>
-              <a:t>12-11-30</a:t>
+              <a:t>2012-11-30</a:t>
             </a:fld>
             <a:endParaRPr lang="en-US"/>
           </a:p>
@@ -1357,7 +1454,7 @@
           <a:p>
             <a:fld id="{7B50838B-1487-4842-81F1-BDF2A6D1F1B3}" type="datetime1">
               <a:rPr lang="en-CA" smtClean="0"/>
-              <a:t>12-11-30</a:t>
+              <a:t>2012-11-30</a:t>
             </a:fld>
             <a:endParaRPr lang="en-US"/>
           </a:p>
@@ -1779,7 +1876,7 @@
           <a:p>
             <a:fld id="{8597D41A-A37E-B94A-ABBE-66D061CC16A8}" type="datetime1">
               <a:rPr lang="en-CA" smtClean="0"/>
-              <a:t>12-11-30</a:t>
+              <a:t>2012-11-30</a:t>
             </a:fld>
             <a:endParaRPr lang="en-US"/>
           </a:p>
@@ -1897,7 +1994,7 @@
           <a:p>
             <a:fld id="{3E462AFF-A87A-3449-BF73-2E332730FBBD}" type="datetime1">
               <a:rPr lang="en-CA" smtClean="0"/>
-              <a:t>12-11-30</a:t>
+              <a:t>2012-11-30</a:t>
             </a:fld>
             <a:endParaRPr lang="en-US"/>
           </a:p>
@@ -1992,7 +2089,7 @@
           <a:p>
             <a:fld id="{61F0DCD8-522C-0E46-A196-33CF3C2A12C1}" type="datetime1">
               <a:rPr lang="en-CA" smtClean="0"/>
-              <a:t>12-11-30</a:t>
+              <a:t>2012-11-30</a:t>
             </a:fld>
             <a:endParaRPr lang="en-US"/>
           </a:p>
@@ -2269,7 +2366,7 @@
           <a:p>
             <a:fld id="{05556C25-90F2-064D-BF7A-B83AB86F67C5}" type="datetime1">
               <a:rPr lang="en-CA" smtClean="0"/>
-              <a:t>12-11-30</a:t>
+              <a:t>2012-11-30</a:t>
             </a:fld>
             <a:endParaRPr lang="en-US"/>
           </a:p>
@@ -2526,7 +2623,7 @@
           <a:p>
             <a:fld id="{D36A68E7-021F-D94A-BB37-798C61C4259E}" type="datetime1">
               <a:rPr lang="en-CA" smtClean="0"/>
-              <a:t>12-11-30</a:t>
+              <a:t>2012-11-30</a:t>
             </a:fld>
             <a:endParaRPr lang="en-US"/>
           </a:p>
@@ -2739,7 +2836,7 @@
           <a:p>
             <a:fld id="{740C5816-A486-5D43-AC42-C657B961AA99}" type="datetime1">
               <a:rPr lang="en-CA" smtClean="0"/>
-              <a:t>12-11-30</a:t>
+              <a:t>2012-11-30</a:t>
             </a:fld>
             <a:endParaRPr lang="en-US"/>
           </a:p>
@@ -3219,7 +3316,7 @@
   <p:timing>
     <p:tnLst>
       <p:par>
-        <p:cTn xmlns:p14="http://schemas.microsoft.com/office/powerpoint/2010/main" id="1" dur="indefinite" restart="never" nodeType="tmRoot"/>
+        <p:cTn id="1" dur="indefinite" restart="never" nodeType="tmRoot"/>
       </p:par>
     </p:tnLst>
   </p:timing>
@@ -3259,10 +3356,88 @@
           <a:lstStyle/>
           <a:p>
             <a:r>
-              <a:rPr lang="en-US" altLang="zh-TW" dirty="0" smtClean="0"/>
-              <a:t>Experimental Results</a:t>
-            </a:r>
-            <a:endParaRPr lang="zh-TW" altLang="en-US" dirty="0"/>
+              <a:rPr lang="en-US" dirty="0" smtClean="0"/>
+              <a:t>Experimental setup </a:t>
+            </a:r>
+            <a:endParaRPr lang="en-US" dirty="0"/>
+          </a:p>
+        </p:txBody>
+      </p:sp>
+      <p:sp>
+        <p:nvSpPr>
+          <p:cNvPr id="3" name="Content Placeholder 2"/>
+          <p:cNvSpPr>
+            <a:spLocks noGrp="1"/>
+          </p:cNvSpPr>
+          <p:nvPr>
+            <p:ph idx="1"/>
+          </p:nvPr>
+        </p:nvSpPr>
+        <p:spPr/>
+        <p:txBody>
+          <a:bodyPr/>
+          <a:lstStyle/>
+          <a:p>
+            <a:r>
+              <a:rPr lang="en-US" dirty="0"/>
+              <a:t>10 cluster (configuration)</a:t>
+            </a:r>
+          </a:p>
+          <a:p>
+            <a:r>
+              <a:rPr lang="en-US" dirty="0"/>
+              <a:t>150 GB read heavy query.</a:t>
+            </a:r>
+          </a:p>
+          <a:p>
+            <a:r>
+              <a:rPr lang="en-US" dirty="0"/>
+              <a:t>Data is hash partitioned</a:t>
+            </a:r>
+          </a:p>
+          <a:p>
+            <a:r>
+              <a:rPr lang="en-US" dirty="0"/>
+              <a:t>Read Consistency = ONE</a:t>
+            </a:r>
+          </a:p>
+          <a:p>
+            <a:r>
+              <a:rPr lang="en-US" dirty="0"/>
+              <a:t>Implemented the scheduler in </a:t>
+            </a:r>
+            <a:r>
+              <a:rPr lang="en-US" dirty="0" err="1"/>
+              <a:t>cassandra</a:t>
+            </a:r>
+            <a:endParaRPr lang="en-US" dirty="0"/>
+          </a:p>
+          <a:p>
+            <a:pPr lvl="1"/>
+            <a:r>
+              <a:rPr lang="en-US" dirty="0"/>
+              <a:t>About 25 lines of </a:t>
+            </a:r>
+            <a:r>
+              <a:rPr lang="en-US" dirty="0" smtClean="0"/>
+              <a:t>code </a:t>
+            </a:r>
+            <a:r>
+              <a:rPr lang="en-US" dirty="0" smtClean="0">
+                <a:solidFill>
+                  <a:srgbClr val="FF0000"/>
+                </a:solidFill>
+              </a:rPr>
+              <a:t>(why put this here?)</a:t>
+            </a:r>
+            <a:endParaRPr lang="en-US" dirty="0">
+              <a:solidFill>
+                <a:srgbClr val="FF0000"/>
+              </a:solidFill>
+            </a:endParaRPr>
+          </a:p>
+          <a:p>
+            <a:endParaRPr lang="en-US" dirty="0"/>
           </a:p>
         </p:txBody>
       </p:sp>
@@ -3289,53 +3464,16 @@
           </a:p>
         </p:txBody>
       </p:sp>
-      <p:pic>
-        <p:nvPicPr>
-          <p:cNvPr id="3" name="Picture 2" descr="SchedVsNoSched.pdf"/>
-          <p:cNvPicPr>
-            <a:picLocks noChangeAspect="1"/>
-          </p:cNvPicPr>
-          <p:nvPr/>
-        </p:nvPicPr>
-        <p:blipFill>
-          <a:blip r:embed="rId2">
-            <a:extLst>
-              <a:ext uri="{28A0092B-C50C-407E-A947-70E740481C1C}">
-                <a14:useLocalDpi xmlns:a14="http://schemas.microsoft.com/office/drawing/2010/main" val="0"/>
-              </a:ext>
-            </a:extLst>
-          </a:blip>
-          <a:stretch>
-            <a:fillRect/>
-          </a:stretch>
-        </p:blipFill>
-        <p:spPr>
-          <a:xfrm rot="5400000">
-            <a:off x="1656887" y="385567"/>
-            <a:ext cx="5299364" cy="6858000"/>
-          </a:xfrm>
-          <a:prstGeom prst="rect">
-            <a:avLst/>
-          </a:prstGeom>
-        </p:spPr>
-      </p:pic>
     </p:spTree>
     <p:extLst>
       <p:ext uri="{BB962C8B-B14F-4D97-AF65-F5344CB8AC3E}">
-        <p14:creationId xmlns:p14="http://schemas.microsoft.com/office/powerpoint/2010/main" val="3684417483"/>
+        <p14:creationId xmlns:p14="http://schemas.microsoft.com/office/powerpoint/2010/main" val="1544019210"/>
       </p:ext>
     </p:extLst>
   </p:cSld>
   <p:clrMapOvr>
     <a:masterClrMapping/>
   </p:clrMapOvr>
-  <p:timing>
-    <p:tnLst>
-      <p:par>
-        <p:cTn xmlns:p14="http://schemas.microsoft.com/office/powerpoint/2010/main" id="1" dur="indefinite" restart="never" nodeType="tmRoot"/>
-      </p:par>
-    </p:tnLst>
-  </p:timing>
 </p:sld>
 </file>
 
@@ -3372,33 +3510,10 @@
           <a:lstStyle/>
           <a:p>
             <a:r>
-              <a:rPr lang="en-US" dirty="0" smtClean="0"/>
-              <a:t>Scaling the server down</a:t>
-            </a:r>
-            <a:endParaRPr lang="en-US" dirty="0"/>
-          </a:p>
-        </p:txBody>
-      </p:sp>
-      <p:sp>
-        <p:nvSpPr>
-          <p:cNvPr id="3" name="Content Placeholder 2"/>
-          <p:cNvSpPr>
-            <a:spLocks noGrp="1"/>
-          </p:cNvSpPr>
-          <p:nvPr>
-            <p:ph idx="1"/>
-          </p:nvPr>
-        </p:nvSpPr>
-        <p:spPr/>
-        <p:txBody>
-          <a:bodyPr/>
-          <a:lstStyle/>
-          <a:p>
-            <a:r>
-              <a:rPr lang="en-US" dirty="0" smtClean="0"/>
-              <a:t>Run experiment on Saturday night to see if it is worthwhile to explore</a:t>
-            </a:r>
-            <a:endParaRPr lang="en-US" dirty="0"/>
+              <a:rPr lang="en-US" altLang="zh-TW" dirty="0" smtClean="0"/>
+              <a:t>Experimental Results</a:t>
+            </a:r>
+            <a:endParaRPr lang="zh-TW" altLang="en-US" dirty="0"/>
           </a:p>
         </p:txBody>
       </p:sp>
@@ -3425,10 +3540,40 @@
           </a:p>
         </p:txBody>
       </p:sp>
+      <p:pic>
+        <p:nvPicPr>
+          <p:cNvPr id="3" name="Picture 2" descr="SchedVsNoSched.pdf"/>
+          <p:cNvPicPr>
+            <a:picLocks noChangeAspect="1"/>
+          </p:cNvPicPr>
+          <p:nvPr/>
+        </p:nvPicPr>
+        <p:blipFill>
+          <a:blip r:embed="rId2" cstate="email">
+            <a:extLst>
+              <a:ext uri="{28A0092B-C50C-407E-A947-70E740481C1C}">
+                <a14:useLocalDpi xmlns:a14="http://schemas.microsoft.com/office/drawing/2010/main" val="0"/>
+              </a:ext>
+            </a:extLst>
+          </a:blip>
+          <a:stretch>
+            <a:fillRect/>
+          </a:stretch>
+        </p:blipFill>
+        <p:spPr>
+          <a:xfrm>
+            <a:off x="828443" y="385567"/>
+            <a:ext cx="7487113" cy="6858000"/>
+          </a:xfrm>
+          <a:prstGeom prst="rect">
+            <a:avLst/>
+          </a:prstGeom>
+        </p:spPr>
+      </p:pic>
     </p:spTree>
     <p:extLst>
       <p:ext uri="{BB962C8B-B14F-4D97-AF65-F5344CB8AC3E}">
-        <p14:creationId xmlns:p14="http://schemas.microsoft.com/office/powerpoint/2010/main" val="358113619"/>
+        <p14:creationId xmlns:p14="http://schemas.microsoft.com/office/powerpoint/2010/main" val="3684417483"/>
       </p:ext>
     </p:extLst>
   </p:cSld>
@@ -3438,7 +3583,7 @@
   <p:timing>
     <p:tnLst>
       <p:par>
-        <p:cTn xmlns:p14="http://schemas.microsoft.com/office/powerpoint/2010/main" id="1" dur="indefinite" restart="never" nodeType="tmRoot"/>
+        <p:cTn id="1" dur="indefinite" restart="never" nodeType="tmRoot"/>
       </p:par>
     </p:tnLst>
   </p:timing>
@@ -3478,10 +3623,10 @@
           <a:lstStyle/>
           <a:p>
             <a:r>
-              <a:rPr lang="en-US" altLang="zh-TW" dirty="0" smtClean="0"/>
-              <a:t>Experimental Results</a:t>
-            </a:r>
-            <a:endParaRPr lang="zh-TW" altLang="en-US" dirty="0"/>
+              <a:rPr lang="en-US" dirty="0" smtClean="0"/>
+              <a:t>Scaling the server down</a:t>
+            </a:r>
+            <a:endParaRPr lang="en-US" dirty="0"/>
           </a:p>
         </p:txBody>
       </p:sp>
@@ -3501,22 +3646,10 @@
           <a:lstStyle/>
           <a:p>
             <a:r>
-              <a:rPr lang="en-US" altLang="zh-TW" dirty="0" smtClean="0"/>
-              <a:t>Our scheduling algorithm provides a small improvement  to the default scheduler</a:t>
-            </a:r>
-          </a:p>
-          <a:p>
-            <a:pPr lvl="1"/>
-            <a:r>
-              <a:rPr lang="en-US" altLang="zh-TW" dirty="0" smtClean="0"/>
-              <a:t>[average difference]</a:t>
-            </a:r>
-          </a:p>
-          <a:p>
-            <a:r>
-              <a:rPr lang="en-US" altLang="zh-TW" dirty="0" smtClean="0"/>
-              <a:t>The operations/second difference is not as drastic as we had hoped</a:t>
-            </a:r>
+              <a:rPr lang="en-US" dirty="0" smtClean="0"/>
+              <a:t>Run experiment on Saturday night to see if it is worthwhile to explore</a:t>
+            </a:r>
+            <a:endParaRPr lang="en-US" dirty="0"/>
           </a:p>
         </p:txBody>
       </p:sp>
@@ -3546,7 +3679,7 @@
     </p:spTree>
     <p:extLst>
       <p:ext uri="{BB962C8B-B14F-4D97-AF65-F5344CB8AC3E}">
-        <p14:creationId xmlns:p14="http://schemas.microsoft.com/office/powerpoint/2010/main" val="1688006671"/>
+        <p14:creationId xmlns:p14="http://schemas.microsoft.com/office/powerpoint/2010/main" val="358113619"/>
       </p:ext>
     </p:extLst>
   </p:cSld>
@@ -3556,7 +3689,7 @@
   <p:timing>
     <p:tnLst>
       <p:par>
-        <p:cTn xmlns:p14="http://schemas.microsoft.com/office/powerpoint/2010/main" id="1" dur="indefinite" restart="never" nodeType="tmRoot"/>
+        <p:cTn id="1" dur="indefinite" restart="never" nodeType="tmRoot"/>
       </p:par>
     </p:tnLst>
   </p:timing>
@@ -3596,10 +3729,10 @@
           <a:lstStyle/>
           <a:p>
             <a:r>
-              <a:rPr lang="en-US" dirty="0" smtClean="0"/>
-              <a:t>Resource Usage and What not</a:t>
-            </a:r>
-            <a:endParaRPr lang="en-US" dirty="0"/>
+              <a:rPr lang="en-US" altLang="zh-TW" dirty="0" smtClean="0"/>
+              <a:t>Experimental Results</a:t>
+            </a:r>
+            <a:endParaRPr lang="zh-TW" altLang="en-US" dirty="0"/>
           </a:p>
         </p:txBody>
       </p:sp>
@@ -3618,7 +3751,23 @@
           <a:bodyPr/>
           <a:lstStyle/>
           <a:p>
-            <a:endParaRPr lang="en-US"/>
+            <a:r>
+              <a:rPr lang="en-US" altLang="zh-TW" dirty="0" smtClean="0"/>
+              <a:t>Our scheduling algorithm provides a small improvement  to the default scheduler</a:t>
+            </a:r>
+          </a:p>
+          <a:p>
+            <a:pPr lvl="1"/>
+            <a:r>
+              <a:rPr lang="en-US" altLang="zh-TW" dirty="0" smtClean="0"/>
+              <a:t>[average difference]</a:t>
+            </a:r>
+          </a:p>
+          <a:p>
+            <a:r>
+              <a:rPr lang="en-US" altLang="zh-TW" dirty="0" smtClean="0"/>
+              <a:t>The operations/second difference is not as drastic as we had hoped</a:t>
+            </a:r>
           </a:p>
         </p:txBody>
       </p:sp>
@@ -3648,7 +3797,7 @@
     </p:spTree>
     <p:extLst>
       <p:ext uri="{BB962C8B-B14F-4D97-AF65-F5344CB8AC3E}">
-        <p14:creationId xmlns:p14="http://schemas.microsoft.com/office/powerpoint/2010/main" val="3151732787"/>
+        <p14:creationId xmlns:p14="http://schemas.microsoft.com/office/powerpoint/2010/main" val="1688006671"/>
       </p:ext>
     </p:extLst>
   </p:cSld>
@@ -3658,7 +3807,7 @@
   <p:timing>
     <p:tnLst>
       <p:par>
-        <p:cTn xmlns:p14="http://schemas.microsoft.com/office/powerpoint/2010/main" id="1" dur="indefinite" restart="never" nodeType="tmRoot"/>
+        <p:cTn id="1" dur="indefinite" restart="never" nodeType="tmRoot"/>
       </p:par>
     </p:tnLst>
   </p:timing>
@@ -3698,10 +3847,14 @@
           <a:lstStyle/>
           <a:p>
             <a:r>
-              <a:rPr lang="en-US" altLang="zh-TW" dirty="0" smtClean="0"/>
-              <a:t>Limitations</a:t>
-            </a:r>
-            <a:endParaRPr lang="zh-TW" altLang="en-US" dirty="0"/>
+              <a:rPr lang="en-US" dirty="0" smtClean="0"/>
+              <a:t>Resource </a:t>
+            </a:r>
+            <a:r>
+              <a:rPr lang="en-US" dirty="0" smtClean="0"/>
+              <a:t>Usage</a:t>
+            </a:r>
+            <a:endParaRPr lang="en-US" dirty="0"/>
           </a:p>
         </p:txBody>
       </p:sp>
@@ -3721,82 +3874,54 @@
           <a:lstStyle/>
           <a:p>
             <a:r>
-              <a:rPr lang="en-US" altLang="zh-TW" dirty="0" smtClean="0"/>
-              <a:t>There are few servers in our cluster</a:t>
-            </a:r>
-          </a:p>
-          <a:p>
-            <a:r>
-              <a:rPr lang="en-US" altLang="zh-TW" dirty="0" smtClean="0"/>
-              <a:t>Do not have complex workload</a:t>
+              <a:rPr lang="en-US" dirty="0" smtClean="0"/>
+              <a:t>Examine how the CPU and memory usage affect the time to process one query </a:t>
             </a:r>
           </a:p>
           <a:p>
             <a:pPr lvl="1"/>
             <a:r>
-              <a:rPr lang="en-US" altLang="zh-TW" dirty="0"/>
-              <a:t>Queries </a:t>
-            </a:r>
-            <a:r>
-              <a:rPr lang="en-US" altLang="zh-TW" dirty="0" smtClean="0"/>
-              <a:t>are still </a:t>
-            </a:r>
-            <a:r>
-              <a:rPr lang="en-US" altLang="zh-TW" dirty="0"/>
-              <a:t>small, so CPU &amp; Memory usage has little </a:t>
-            </a:r>
-            <a:r>
-              <a:rPr lang="en-US" altLang="zh-TW" dirty="0" smtClean="0"/>
-              <a:t>effect</a:t>
-            </a:r>
-          </a:p>
-          <a:p>
-            <a:r>
-              <a:rPr lang="en-US" altLang="zh-TW" dirty="0" smtClean="0"/>
-              <a:t>Unable to congest the network manfully</a:t>
+              <a:rPr lang="en-US" dirty="0" smtClean="0"/>
+              <a:t>How representative is the score? </a:t>
+            </a:r>
+          </a:p>
+          <a:p>
+            <a:r>
+              <a:rPr lang="en-US" dirty="0" smtClean="0"/>
+              <a:t>Collected </a:t>
             </a:r>
           </a:p>
           <a:p>
             <a:pPr lvl="1"/>
             <a:r>
-              <a:rPr lang="en-US" altLang="zh-TW" dirty="0"/>
-              <a:t>Clusters are in local plus workload is light, so network never </a:t>
-            </a:r>
-            <a:r>
-              <a:rPr lang="en-US" altLang="zh-TW" dirty="0" smtClean="0"/>
-              <a:t>congested</a:t>
-            </a:r>
-          </a:p>
-          <a:p>
-            <a:r>
-              <a:rPr lang="en-US" altLang="zh-TW" dirty="0" smtClean="0"/>
-              <a:t>No disk time information</a:t>
+              <a:rPr lang="en-US" dirty="0" smtClean="0"/>
+              <a:t>Time to execute a query</a:t>
             </a:r>
           </a:p>
           <a:p>
             <a:pPr lvl="1"/>
             <a:r>
-              <a:rPr lang="en-US" altLang="zh-TW" dirty="0"/>
-              <a:t>We do not take disk time into consider &amp; hard to manually make disk time </a:t>
-            </a:r>
-            <a:r>
-              <a:rPr lang="en-US" altLang="zh-TW" dirty="0" smtClean="0"/>
-              <a:t>busy</a:t>
-            </a:r>
-          </a:p>
-          <a:p>
-            <a:r>
-              <a:rPr lang="en-US" altLang="zh-TW" dirty="0" smtClean="0"/>
-              <a:t>Do not have access to the real datacenter</a:t>
+              <a:rPr lang="en-US" dirty="0" smtClean="0"/>
+              <a:t>CPU usage</a:t>
             </a:r>
           </a:p>
           <a:p>
             <a:pPr lvl="1"/>
             <a:r>
-              <a:rPr lang="en-US" altLang="zh-TW" dirty="0" smtClean="0"/>
-              <a:t>Cannot have large test environment and complex workload</a:t>
-            </a:r>
-            <a:endParaRPr lang="zh-TW" altLang="en-US" dirty="0"/>
+              <a:rPr lang="en-US" dirty="0" smtClean="0"/>
+              <a:t>Memory usage</a:t>
+            </a:r>
+          </a:p>
+          <a:p>
+            <a:pPr lvl="1"/>
+            <a:r>
+              <a:rPr lang="en-US" dirty="0" smtClean="0"/>
+              <a:t>Process list size </a:t>
+            </a:r>
+          </a:p>
+          <a:p>
+            <a:pPr lvl="1"/>
+            <a:endParaRPr lang="en-US" dirty="0"/>
           </a:p>
         </p:txBody>
       </p:sp>
@@ -3826,7 +3951,7 @@
     </p:spTree>
     <p:extLst>
       <p:ext uri="{BB962C8B-B14F-4D97-AF65-F5344CB8AC3E}">
-        <p14:creationId xmlns:p14="http://schemas.microsoft.com/office/powerpoint/2010/main" val="870914844"/>
+        <p14:creationId xmlns:p14="http://schemas.microsoft.com/office/powerpoint/2010/main" val="3151732787"/>
       </p:ext>
     </p:extLst>
   </p:cSld>
@@ -3836,7 +3961,7 @@
   <p:timing>
     <p:tnLst>
       <p:par>
-        <p:cTn xmlns:p14="http://schemas.microsoft.com/office/powerpoint/2010/main" id="1" dur="indefinite" restart="never" nodeType="tmRoot"/>
+        <p:cTn id="1" dur="indefinite" restart="never" nodeType="tmRoot"/>
       </p:par>
     </p:tnLst>
   </p:timing>
@@ -3876,10 +4001,10 @@
           <a:lstStyle/>
           <a:p>
             <a:r>
-              <a:rPr lang="en-US" altLang="zh-TW" dirty="0" smtClean="0"/>
-              <a:t>Conclusion</a:t>
-            </a:r>
-            <a:endParaRPr lang="zh-TW" altLang="en-US" dirty="0"/>
+              <a:rPr lang="en-US" dirty="0" smtClean="0"/>
+              <a:t>Resource usage experimental result</a:t>
+            </a:r>
+            <a:endParaRPr lang="en-US" dirty="0"/>
           </a:p>
         </p:txBody>
       </p:sp>
@@ -3899,48 +4024,10 @@
           <a:lstStyle/>
           <a:p>
             <a:r>
-              <a:rPr lang="en-US" altLang="zh-TW" dirty="0"/>
-              <a:t>Horoscope has </a:t>
-            </a:r>
-            <a:r>
-              <a:rPr lang="en-US" altLang="zh-TW" dirty="0" smtClean="0"/>
-              <a:t>little better performance than the ordinary scheduling algorithm .</a:t>
-            </a:r>
-          </a:p>
-          <a:p>
-            <a:r>
-              <a:rPr lang="en-US" altLang="zh-TW" dirty="0" smtClean="0"/>
-              <a:t>Scheduling queries only base on memory &amp; CPU usage is insufficient.</a:t>
-            </a:r>
-          </a:p>
-          <a:p>
-            <a:pPr lvl="1"/>
-            <a:r>
-              <a:rPr lang="en-US" altLang="zh-TW" dirty="0" smtClean="0">
-                <a:solidFill>
-                  <a:srgbClr val="FF0000"/>
-                </a:solidFill>
-                <a:effectLst>
-                  <a:outerShdw blurRad="38100" dist="38100" dir="2700000" algn="tl">
-                    <a:srgbClr val="000000">
-                      <a:alpha val="43137"/>
-                    </a:srgbClr>
-                  </a:outerShdw>
-                </a:effectLst>
-              </a:rPr>
-              <a:t>Other factors: </a:t>
-            </a:r>
-            <a:r>
-              <a:rPr lang="en-US" altLang="zh-TW" dirty="0"/>
-              <a:t>bandwidth usage </a:t>
-            </a:r>
-            <a:r>
-              <a:rPr lang="en-US" altLang="zh-TW" dirty="0" smtClean="0"/>
-              <a:t>and disk time</a:t>
-            </a:r>
-          </a:p>
-          <a:p>
-            <a:endParaRPr lang="en-US" altLang="zh-TW" dirty="0" smtClean="0"/>
+              <a:rPr lang="en-US" dirty="0" smtClean="0"/>
+              <a:t>Graph goes here :D</a:t>
+            </a:r>
+            <a:endParaRPr lang="en-US" dirty="0"/>
           </a:p>
         </p:txBody>
       </p:sp>
@@ -3970,20 +4057,13 @@
     </p:spTree>
     <p:extLst>
       <p:ext uri="{BB962C8B-B14F-4D97-AF65-F5344CB8AC3E}">
-        <p14:creationId xmlns:p14="http://schemas.microsoft.com/office/powerpoint/2010/main" val="3955323304"/>
+        <p14:creationId xmlns:p14="http://schemas.microsoft.com/office/powerpoint/2010/main" val="3909428807"/>
       </p:ext>
     </p:extLst>
   </p:cSld>
   <p:clrMapOvr>
     <a:masterClrMapping/>
   </p:clrMapOvr>
-  <p:timing>
-    <p:tnLst>
-      <p:par>
-        <p:cTn xmlns:p14="http://schemas.microsoft.com/office/powerpoint/2010/main" id="1" dur="indefinite" restart="never" nodeType="tmRoot"/>
-      </p:par>
-    </p:tnLst>
-  </p:timing>
 </p:sld>
 </file>
 
@@ -4021,7 +4101,7 @@
           <a:p>
             <a:r>
               <a:rPr lang="en-US" altLang="zh-TW" dirty="0" smtClean="0"/>
-              <a:t>Future Work</a:t>
+              <a:t>Limitations</a:t>
             </a:r>
             <a:endParaRPr lang="zh-TW" altLang="en-US" dirty="0"/>
           </a:p>
@@ -4044,25 +4124,79 @@
           <a:p>
             <a:r>
               <a:rPr lang="en-US" altLang="zh-TW" dirty="0" smtClean="0"/>
-              <a:t>Test with more complex real quires</a:t>
+              <a:t>There are few servers in our cluster</a:t>
             </a:r>
           </a:p>
           <a:p>
             <a:r>
               <a:rPr lang="en-US" altLang="zh-TW" dirty="0" smtClean="0"/>
-              <a:t>Test with multiple databases</a:t>
-            </a:r>
-          </a:p>
-          <a:p>
+              <a:t>Do not have complex workload</a:t>
+            </a:r>
+          </a:p>
+          <a:p>
+            <a:pPr lvl="1"/>
+            <a:r>
+              <a:rPr lang="en-US" altLang="zh-TW" dirty="0"/>
+              <a:t>Queries </a:t>
+            </a:r>
             <a:r>
               <a:rPr lang="en-US" altLang="zh-TW" dirty="0" smtClean="0"/>
-              <a:t>Test on the real datacenter</a:t>
-            </a:r>
-          </a:p>
-          <a:p>
+              <a:t>are still </a:t>
+            </a:r>
+            <a:r>
+              <a:rPr lang="en-US" altLang="zh-TW" dirty="0"/>
+              <a:t>small, so CPU &amp; Memory usage has little </a:t>
+            </a:r>
             <a:r>
               <a:rPr lang="en-US" altLang="zh-TW" dirty="0" smtClean="0"/>
-              <a:t>Consider a query distributed across multiple nodes in cluster</a:t>
+              <a:t>effect</a:t>
+            </a:r>
+          </a:p>
+          <a:p>
+            <a:r>
+              <a:rPr lang="en-US" altLang="zh-TW" dirty="0" smtClean="0"/>
+              <a:t>Unable to congest the network manfully</a:t>
+            </a:r>
+          </a:p>
+          <a:p>
+            <a:pPr lvl="1"/>
+            <a:r>
+              <a:rPr lang="en-US" altLang="zh-TW" dirty="0"/>
+              <a:t>Clusters are in local plus workload is light, so network never </a:t>
+            </a:r>
+            <a:r>
+              <a:rPr lang="en-US" altLang="zh-TW" dirty="0" smtClean="0"/>
+              <a:t>congested</a:t>
+            </a:r>
+          </a:p>
+          <a:p>
+            <a:r>
+              <a:rPr lang="en-US" altLang="zh-TW" dirty="0" smtClean="0"/>
+              <a:t>No disk time information</a:t>
+            </a:r>
+          </a:p>
+          <a:p>
+            <a:pPr lvl="1"/>
+            <a:r>
+              <a:rPr lang="en-US" altLang="zh-TW" dirty="0"/>
+              <a:t>We do not take disk time into consider &amp; hard to manually make disk time </a:t>
+            </a:r>
+            <a:r>
+              <a:rPr lang="en-US" altLang="zh-TW" dirty="0" smtClean="0"/>
+              <a:t>busy</a:t>
+            </a:r>
+          </a:p>
+          <a:p>
+            <a:r>
+              <a:rPr lang="en-US" altLang="zh-TW" dirty="0" smtClean="0"/>
+              <a:t>Do not have access to the real datacenter</a:t>
+            </a:r>
+          </a:p>
+          <a:p>
+            <a:pPr lvl="1"/>
+            <a:r>
+              <a:rPr lang="en-US" altLang="zh-TW" dirty="0" smtClean="0"/>
+              <a:t>Cannot have large test environment and complex workload</a:t>
             </a:r>
             <a:endParaRPr lang="zh-TW" altLang="en-US" dirty="0"/>
           </a:p>
@@ -4086,6 +4220,274 @@
             <a:fld id="{CFE4BAC9-6D41-4691-9299-18EF07EF0177}" type="slidenum">
               <a:rPr lang="en-US" smtClean="0"/>
               <a:t>16</a:t>
+            </a:fld>
+            <a:endParaRPr lang="en-US"/>
+          </a:p>
+        </p:txBody>
+      </p:sp>
+    </p:spTree>
+    <p:extLst>
+      <p:ext uri="{BB962C8B-B14F-4D97-AF65-F5344CB8AC3E}">
+        <p14:creationId xmlns:p14="http://schemas.microsoft.com/office/powerpoint/2010/main" val="870914844"/>
+      </p:ext>
+    </p:extLst>
+  </p:cSld>
+  <p:clrMapOvr>
+    <a:masterClrMapping/>
+  </p:clrMapOvr>
+  <p:timing>
+    <p:tnLst>
+      <p:par>
+        <p:cTn id="1" dur="indefinite" restart="never" nodeType="tmRoot"/>
+      </p:par>
+    </p:tnLst>
+  </p:timing>
+</p:sld>
+</file>
+
+<file path=ppt/slides/slide17.xml><?xml version="1.0" encoding="utf-8"?>
+<p:sld xmlns:a="http://schemas.openxmlformats.org/drawingml/2006/main" xmlns:r="http://schemas.openxmlformats.org/officeDocument/2006/relationships" xmlns:p="http://schemas.openxmlformats.org/presentationml/2006/main">
+  <p:cSld>
+    <p:spTree>
+      <p:nvGrpSpPr>
+        <p:cNvPr id="1" name=""/>
+        <p:cNvGrpSpPr/>
+        <p:nvPr/>
+      </p:nvGrpSpPr>
+      <p:grpSpPr>
+        <a:xfrm>
+          <a:off x="0" y="0"/>
+          <a:ext cx="0" cy="0"/>
+          <a:chOff x="0" y="0"/>
+          <a:chExt cx="0" cy="0"/>
+        </a:xfrm>
+      </p:grpSpPr>
+      <p:sp>
+        <p:nvSpPr>
+          <p:cNvPr id="2" name="Title 1"/>
+          <p:cNvSpPr>
+            <a:spLocks noGrp="1"/>
+          </p:cNvSpPr>
+          <p:nvPr>
+            <p:ph type="title"/>
+          </p:nvPr>
+        </p:nvSpPr>
+        <p:spPr/>
+        <p:txBody>
+          <a:bodyPr/>
+          <a:lstStyle/>
+          <a:p>
+            <a:r>
+              <a:rPr lang="en-US" altLang="zh-TW" dirty="0" smtClean="0"/>
+              <a:t>Conclusion</a:t>
+            </a:r>
+            <a:endParaRPr lang="zh-TW" altLang="en-US" dirty="0"/>
+          </a:p>
+        </p:txBody>
+      </p:sp>
+      <p:sp>
+        <p:nvSpPr>
+          <p:cNvPr id="3" name="Content Placeholder 2"/>
+          <p:cNvSpPr>
+            <a:spLocks noGrp="1"/>
+          </p:cNvSpPr>
+          <p:nvPr>
+            <p:ph idx="1"/>
+          </p:nvPr>
+        </p:nvSpPr>
+        <p:spPr/>
+        <p:txBody>
+          <a:bodyPr/>
+          <a:lstStyle/>
+          <a:p>
+            <a:r>
+              <a:rPr lang="en-US" altLang="zh-TW" dirty="0"/>
+              <a:t>Horoscope has </a:t>
+            </a:r>
+            <a:r>
+              <a:rPr lang="en-US" altLang="zh-TW" dirty="0" smtClean="0"/>
+              <a:t>little better performance than the ordinary scheduling algorithm .</a:t>
+            </a:r>
+          </a:p>
+          <a:p>
+            <a:r>
+              <a:rPr lang="en-US" altLang="zh-TW" dirty="0" smtClean="0"/>
+              <a:t>Scheduling queries only base on memory &amp; CPU usage is insufficient.</a:t>
+            </a:r>
+          </a:p>
+          <a:p>
+            <a:pPr lvl="1"/>
+            <a:r>
+              <a:rPr lang="en-US" altLang="zh-TW" dirty="0" smtClean="0">
+                <a:solidFill>
+                  <a:srgbClr val="FF0000"/>
+                </a:solidFill>
+                <a:effectLst>
+                  <a:outerShdw blurRad="38100" dist="38100" dir="2700000" algn="tl">
+                    <a:srgbClr val="000000">
+                      <a:alpha val="43137"/>
+                    </a:srgbClr>
+                  </a:outerShdw>
+                </a:effectLst>
+              </a:rPr>
+              <a:t>Other factors: </a:t>
+            </a:r>
+            <a:r>
+              <a:rPr lang="en-US" altLang="zh-TW" dirty="0"/>
+              <a:t>bandwidth usage </a:t>
+            </a:r>
+            <a:r>
+              <a:rPr lang="en-US" altLang="zh-TW" dirty="0" smtClean="0"/>
+              <a:t>and disk time</a:t>
+            </a:r>
+          </a:p>
+          <a:p>
+            <a:endParaRPr lang="en-US" altLang="zh-TW" dirty="0" smtClean="0"/>
+          </a:p>
+        </p:txBody>
+      </p:sp>
+      <p:sp>
+        <p:nvSpPr>
+          <p:cNvPr id="4" name="Slide Number Placeholder 3"/>
+          <p:cNvSpPr>
+            <a:spLocks noGrp="1"/>
+          </p:cNvSpPr>
+          <p:nvPr>
+            <p:ph type="sldNum" sz="quarter" idx="12"/>
+          </p:nvPr>
+        </p:nvSpPr>
+        <p:spPr/>
+        <p:txBody>
+          <a:bodyPr/>
+          <a:lstStyle/>
+          <a:p>
+            <a:fld id="{CFE4BAC9-6D41-4691-9299-18EF07EF0177}" type="slidenum">
+              <a:rPr lang="en-US" smtClean="0"/>
+              <a:t>17</a:t>
+            </a:fld>
+            <a:endParaRPr lang="en-US"/>
+          </a:p>
+        </p:txBody>
+      </p:sp>
+    </p:spTree>
+    <p:extLst>
+      <p:ext uri="{BB962C8B-B14F-4D97-AF65-F5344CB8AC3E}">
+        <p14:creationId xmlns:p14="http://schemas.microsoft.com/office/powerpoint/2010/main" val="3955323304"/>
+      </p:ext>
+    </p:extLst>
+  </p:cSld>
+  <p:clrMapOvr>
+    <a:masterClrMapping/>
+  </p:clrMapOvr>
+  <p:timing>
+    <p:tnLst>
+      <p:par>
+        <p:cTn id="1" dur="indefinite" restart="never" nodeType="tmRoot"/>
+      </p:par>
+    </p:tnLst>
+  </p:timing>
+</p:sld>
+</file>
+
+<file path=ppt/slides/slide18.xml><?xml version="1.0" encoding="utf-8"?>
+<p:sld xmlns:a="http://schemas.openxmlformats.org/drawingml/2006/main" xmlns:r="http://schemas.openxmlformats.org/officeDocument/2006/relationships" xmlns:p="http://schemas.openxmlformats.org/presentationml/2006/main">
+  <p:cSld>
+    <p:spTree>
+      <p:nvGrpSpPr>
+        <p:cNvPr id="1" name=""/>
+        <p:cNvGrpSpPr/>
+        <p:nvPr/>
+      </p:nvGrpSpPr>
+      <p:grpSpPr>
+        <a:xfrm>
+          <a:off x="0" y="0"/>
+          <a:ext cx="0" cy="0"/>
+          <a:chOff x="0" y="0"/>
+          <a:chExt cx="0" cy="0"/>
+        </a:xfrm>
+      </p:grpSpPr>
+      <p:sp>
+        <p:nvSpPr>
+          <p:cNvPr id="2" name="Title 1"/>
+          <p:cNvSpPr>
+            <a:spLocks noGrp="1"/>
+          </p:cNvSpPr>
+          <p:nvPr>
+            <p:ph type="title"/>
+          </p:nvPr>
+        </p:nvSpPr>
+        <p:spPr/>
+        <p:txBody>
+          <a:bodyPr/>
+          <a:lstStyle/>
+          <a:p>
+            <a:r>
+              <a:rPr lang="en-US" altLang="zh-TW" dirty="0" smtClean="0"/>
+              <a:t>Future Work</a:t>
+            </a:r>
+            <a:endParaRPr lang="zh-TW" altLang="en-US" dirty="0"/>
+          </a:p>
+        </p:txBody>
+      </p:sp>
+      <p:sp>
+        <p:nvSpPr>
+          <p:cNvPr id="3" name="Content Placeholder 2"/>
+          <p:cNvSpPr>
+            <a:spLocks noGrp="1"/>
+          </p:cNvSpPr>
+          <p:nvPr>
+            <p:ph idx="1"/>
+          </p:nvPr>
+        </p:nvSpPr>
+        <p:spPr/>
+        <p:txBody>
+          <a:bodyPr/>
+          <a:lstStyle/>
+          <a:p>
+            <a:r>
+              <a:rPr lang="en-US" altLang="zh-TW" dirty="0" smtClean="0"/>
+              <a:t>Test with more complex real quires</a:t>
+            </a:r>
+          </a:p>
+          <a:p>
+            <a:r>
+              <a:rPr lang="en-US" altLang="zh-TW" dirty="0" smtClean="0"/>
+              <a:t>Test with multiple databases</a:t>
+            </a:r>
+          </a:p>
+          <a:p>
+            <a:r>
+              <a:rPr lang="en-US" altLang="zh-TW" dirty="0" smtClean="0"/>
+              <a:t>Test on the real datacenter</a:t>
+            </a:r>
+          </a:p>
+          <a:p>
+            <a:r>
+              <a:rPr lang="en-US" altLang="zh-TW" dirty="0" smtClean="0"/>
+              <a:t>Consider a query distributed across multiple nodes in cluster</a:t>
+            </a:r>
+            <a:endParaRPr lang="zh-TW" altLang="en-US" dirty="0"/>
+          </a:p>
+        </p:txBody>
+      </p:sp>
+      <p:sp>
+        <p:nvSpPr>
+          <p:cNvPr id="4" name="Slide Number Placeholder 3"/>
+          <p:cNvSpPr>
+            <a:spLocks noGrp="1"/>
+          </p:cNvSpPr>
+          <p:nvPr>
+            <p:ph type="sldNum" sz="quarter" idx="12"/>
+          </p:nvPr>
+        </p:nvSpPr>
+        <p:spPr/>
+        <p:txBody>
+          <a:bodyPr/>
+          <a:lstStyle/>
+          <a:p>
+            <a:fld id="{CFE4BAC9-6D41-4691-9299-18EF07EF0177}" type="slidenum">
+              <a:rPr lang="en-US" smtClean="0"/>
+              <a:t>18</a:t>
             </a:fld>
             <a:endParaRPr lang="en-US"/>
           </a:p>
@@ -4104,7 +4506,7 @@
   <p:timing>
     <p:tnLst>
       <p:par>
-        <p:cTn xmlns:p14="http://schemas.microsoft.com/office/powerpoint/2010/main" id="1" dur="indefinite" restart="never" nodeType="tmRoot"/>
+        <p:cTn id="1" dur="indefinite" restart="never" nodeType="tmRoot"/>
       </p:par>
     </p:tnLst>
   </p:timing>
@@ -4173,13 +4575,21 @@
           </a:p>
           <a:p>
             <a:r>
-              <a:rPr lang="en-US" dirty="0" smtClean="0"/>
+              <a:rPr lang="en-US" dirty="0" smtClean="0">
+                <a:solidFill>
+                  <a:srgbClr val="FF0000"/>
+                </a:solidFill>
+              </a:rPr>
               <a:t>Monitoring a server’s resources</a:t>
             </a:r>
           </a:p>
           <a:p>
             <a:r>
-              <a:rPr lang="en-US" dirty="0" smtClean="0"/>
+              <a:rPr lang="en-US" dirty="0" smtClean="0">
+                <a:solidFill>
+                  <a:srgbClr val="FF0000"/>
+                </a:solidFill>
+              </a:rPr>
               <a:t>Scheduling Reads</a:t>
             </a:r>
           </a:p>
@@ -4234,7 +4644,7 @@
   <p:timing>
     <p:tnLst>
       <p:par>
-        <p:cTn xmlns:p14="http://schemas.microsoft.com/office/powerpoint/2010/main" id="1" dur="indefinite" restart="never" nodeType="tmRoot"/>
+        <p:cTn id="1" dur="indefinite" restart="never" nodeType="tmRoot"/>
       </p:par>
     </p:tnLst>
   </p:timing>
@@ -4304,21 +4714,21 @@
           <a:p>
             <a:pPr lvl="1"/>
             <a:r>
-              <a:rPr lang="en-US" altLang="zh-TW" dirty="0"/>
-              <a:t>E</a:t>
-            </a:r>
-            <a:r>
               <a:rPr lang="en-US" altLang="zh-TW" dirty="0" smtClean="0"/>
-              <a:t>xtremely </a:t>
-            </a:r>
-            <a:r>
-              <a:rPr lang="en-US" altLang="zh-TW" dirty="0"/>
-              <a:t>heavy </a:t>
-            </a:r>
+              <a:t>Different hardware </a:t>
+            </a:r>
+          </a:p>
+          <a:p>
+            <a:pPr lvl="1"/>
             <a:r>
               <a:rPr lang="en-US" altLang="zh-TW" dirty="0" smtClean="0"/>
-              <a:t>workload</a:t>
-            </a:r>
+              <a:t>Different</a:t>
+            </a:r>
+            <a:r>
+              <a:rPr lang="en-US" altLang="zh-TW" dirty="0" smtClean="0"/>
+              <a:t> workload</a:t>
+            </a:r>
+            <a:endParaRPr lang="en-US" altLang="zh-TW" dirty="0" smtClean="0"/>
           </a:p>
           <a:p>
             <a:pPr lvl="1"/>
@@ -4349,8 +4759,33 @@
           <a:p>
             <a:r>
               <a:rPr lang="en-US" dirty="0" smtClean="0"/>
-              <a:t>Typically, distributed databases only schedule queries based upon location to the replica</a:t>
-            </a:r>
+              <a:t>Typically, </a:t>
+            </a:r>
+            <a:r>
+              <a:rPr lang="en-US" dirty="0" smtClean="0"/>
+              <a:t>query is </a:t>
+            </a:r>
+            <a:r>
+              <a:rPr lang="en-US" dirty="0" smtClean="0"/>
+              <a:t>only </a:t>
+            </a:r>
+            <a:r>
+              <a:rPr lang="en-US" dirty="0" smtClean="0"/>
+              <a:t>schedule </a:t>
+            </a:r>
+            <a:r>
+              <a:rPr lang="en-US" dirty="0" smtClean="0"/>
+              <a:t>based </a:t>
+            </a:r>
+            <a:r>
+              <a:rPr lang="en-US" dirty="0"/>
+              <a:t>upon replica </a:t>
+            </a:r>
+            <a:r>
+              <a:rPr lang="en-US" dirty="0" smtClean="0"/>
+              <a:t>location</a:t>
+            </a:r>
+            <a:endParaRPr lang="en-US" dirty="0" smtClean="0"/>
           </a:p>
           <a:p>
             <a:endParaRPr lang="en-US" dirty="0"/>
@@ -4393,7 +4828,7 @@
   <p:timing>
     <p:tnLst>
       <p:par>
-        <p:cTn xmlns:p14="http://schemas.microsoft.com/office/powerpoint/2010/main" id="1" dur="indefinite" restart="never" nodeType="tmRoot"/>
+        <p:cTn id="1" dur="indefinite" restart="never" nodeType="tmRoot"/>
       </p:par>
     </p:tnLst>
   </p:timing>
@@ -4532,7 +4967,7 @@
   <p:timing>
     <p:tnLst>
       <p:par>
-        <p:cTn xmlns:p14="http://schemas.microsoft.com/office/powerpoint/2010/main" id="1" dur="indefinite" restart="never" nodeType="tmRoot"/>
+        <p:cTn id="1" dur="indefinite" restart="never" nodeType="tmRoot"/>
       </p:par>
     </p:tnLst>
   </p:timing>
@@ -4599,8 +5034,12 @@
               <a:t>To explore </a:t>
             </a:r>
             <a:r>
+              <a:rPr lang="en-US" altLang="zh-TW" dirty="0" smtClean="0"/>
+              <a:t>an efficient </a:t>
+            </a:r>
+            <a:r>
               <a:rPr lang="en-US" altLang="zh-TW" dirty="0"/>
-              <a:t>a more efficient way to schedule </a:t>
+              <a:t>way to schedule </a:t>
             </a:r>
             <a:r>
               <a:rPr lang="en-US" altLang="zh-TW" dirty="0" smtClean="0"/>
@@ -4624,15 +5063,44 @@
             <a:pPr lvl="1"/>
             <a:r>
               <a:rPr lang="en-US" altLang="zh-TW" dirty="0" smtClean="0"/>
-              <a:t>Better performance</a:t>
-            </a:r>
+              <a:t>Allocate work based on node status</a:t>
+            </a:r>
+            <a:endParaRPr lang="en-US" altLang="zh-TW" dirty="0" smtClean="0"/>
           </a:p>
           <a:p>
             <a:pPr lvl="1"/>
             <a:r>
               <a:rPr lang="en-US" altLang="zh-TW" dirty="0" smtClean="0"/>
-              <a:t>Feasible for any database</a:t>
-            </a:r>
+              <a:t>Better </a:t>
+            </a:r>
+            <a:r>
+              <a:rPr lang="en-US" altLang="zh-TW" dirty="0" smtClean="0"/>
+              <a:t>performance</a:t>
+            </a:r>
+          </a:p>
+          <a:p>
+            <a:pPr lvl="1"/>
+            <a:r>
+              <a:rPr lang="en-US" altLang="zh-TW" dirty="0" smtClean="0">
+                <a:solidFill>
+                  <a:srgbClr val="FF0000"/>
+                </a:solidFill>
+              </a:rPr>
+              <a:t>Feasible for any </a:t>
+            </a:r>
+            <a:r>
+              <a:rPr lang="en-US" altLang="zh-TW" dirty="0" smtClean="0">
+                <a:solidFill>
+                  <a:srgbClr val="FF0000"/>
+                </a:solidFill>
+              </a:rPr>
+              <a:t>database (kind of uncertain about this) </a:t>
+            </a:r>
+            <a:endParaRPr lang="en-US" altLang="zh-TW" dirty="0" smtClean="0">
+              <a:solidFill>
+                <a:srgbClr val="FF0000"/>
+              </a:solidFill>
+            </a:endParaRPr>
           </a:p>
           <a:p>
             <a:pPr lvl="1"/>
@@ -4644,9 +5112,30 @@
           <a:p>
             <a:r>
               <a:rPr lang="en-US" altLang="zh-TW" dirty="0" smtClean="0"/>
-              <a:t>Consider heterogeneous hardware when scheduling</a:t>
-            </a:r>
-            <a:endParaRPr lang="zh-TW" altLang="en-US" dirty="0"/>
+              <a:t>Consider heterogeneous hardware when </a:t>
+            </a:r>
+            <a:r>
+              <a:rPr lang="en-US" altLang="zh-TW" dirty="0" smtClean="0"/>
+              <a:t>scheduling</a:t>
+            </a:r>
+          </a:p>
+          <a:p>
+            <a:pPr marL="0" indent="0">
+              <a:buNone/>
+            </a:pPr>
+            <a:r>
+              <a:rPr lang="en-US" altLang="zh-TW" dirty="0" smtClean="0">
+                <a:solidFill>
+                  <a:srgbClr val="FF0000"/>
+                </a:solidFill>
+              </a:rPr>
+              <a:t>this might not be true, we’ll see </a:t>
+            </a:r>
+            <a:endParaRPr lang="zh-TW" altLang="en-US" dirty="0">
+              <a:solidFill>
+                <a:srgbClr val="FF0000"/>
+              </a:solidFill>
+            </a:endParaRPr>
           </a:p>
         </p:txBody>
       </p:sp>
@@ -4686,7 +5175,7 @@
   <p:timing>
     <p:tnLst>
       <p:par>
-        <p:cTn xmlns:p14="http://schemas.microsoft.com/office/powerpoint/2010/main" id="1" dur="indefinite" restart="never" nodeType="tmRoot"/>
+        <p:cTn id="1" dur="indefinite" restart="never" nodeType="tmRoot"/>
       </p:par>
     </p:tnLst>
   </p:timing>
@@ -5306,7 +5795,7 @@
   <p:timing>
     <p:tnLst>
       <p:par>
-        <p:cTn xmlns:p14="http://schemas.microsoft.com/office/powerpoint/2010/main" id="1" dur="indefinite" restart="never" nodeType="tmRoot">
+        <p:cTn id="1" dur="indefinite" restart="never" nodeType="tmRoot">
           <p:childTnLst>
             <p:seq concurrent="1" nextAc="seek">
               <p:cTn id="2" dur="indefinite" nodeType="mainSeq">
@@ -5779,9 +6268,39 @@
           <a:bodyPr/>
           <a:lstStyle/>
           <a:p>
+            <a:pPr marL="342900" lvl="1" indent="-342900">
+              <a:buFont typeface="Arial"/>
+              <a:buChar char="•"/>
+            </a:pPr>
             <a:r>
               <a:rPr lang="en-US" altLang="zh-TW" dirty="0"/>
-              <a:t>Resource Monitor: </a:t>
+              <a:t>Resource </a:t>
+            </a:r>
+            <a:r>
+              <a:rPr lang="en-US" altLang="zh-TW" dirty="0"/>
+              <a:t>Monitor  [cite gray and black box paper</a:t>
+            </a:r>
+            <a:r>
+              <a:rPr lang="en-US" altLang="zh-TW" dirty="0" smtClean="0"/>
+              <a:t>]</a:t>
+            </a:r>
+            <a:r>
+              <a:rPr lang="en-US" altLang="zh-TW" dirty="0" smtClean="0"/>
+              <a:t>: </a:t>
+            </a:r>
+          </a:p>
+          <a:p>
+            <a:pPr lvl="1"/>
+            <a:r>
+              <a:rPr lang="en-US" altLang="zh-TW" dirty="0" smtClean="0"/>
+              <a:t>On each node server</a:t>
+            </a:r>
+          </a:p>
+          <a:p>
+            <a:pPr lvl="1"/>
+            <a:r>
+              <a:rPr lang="en-US" altLang="zh-TW" dirty="0" smtClean="0"/>
+              <a:t> </a:t>
             </a:r>
             <a:r>
               <a:rPr lang="en-US" altLang="zh-TW" dirty="0" smtClean="0"/>
@@ -5789,28 +6308,37 @@
             </a:r>
             <a:r>
               <a:rPr lang="en-US" altLang="zh-TW" dirty="0"/>
-              <a:t>the load information of a node in the </a:t>
-            </a:r>
+              <a:t>the load </a:t>
+            </a:r>
+            <a:endParaRPr lang="en-US" altLang="zh-TW" dirty="0"/>
+          </a:p>
+          <a:p>
+            <a:pPr lvl="2"/>
             <a:r>
               <a:rPr lang="en-US" altLang="zh-TW" dirty="0" smtClean="0"/>
-              <a:t>cluster [cite gray and black box paper]</a:t>
-            </a:r>
-          </a:p>
-          <a:p>
-            <a:pPr lvl="1"/>
+              <a:t>CPU </a:t>
+            </a:r>
             <a:r>
               <a:rPr lang="en-US" altLang="zh-TW" dirty="0" smtClean="0"/>
-              <a:t>CPU Usage</a:t>
-            </a:r>
-          </a:p>
-          <a:p>
-            <a:pPr lvl="1"/>
+              <a:t>Usage</a:t>
+            </a:r>
+          </a:p>
+          <a:p>
+            <a:pPr lvl="2"/>
             <a:r>
               <a:rPr lang="en-US" altLang="zh-TW" dirty="0" smtClean="0"/>
               <a:t>Memory</a:t>
             </a:r>
           </a:p>
           <a:p>
+            <a:pPr lvl="2"/>
+            <a:r>
+              <a:rPr lang="en-US" altLang="zh-TW" dirty="0" smtClean="0"/>
+              <a:t>Process list </a:t>
+            </a:r>
+            <a:endParaRPr lang="en-US" altLang="zh-TW" dirty="0" smtClean="0"/>
+          </a:p>
+          <a:p>
             <a:r>
               <a:rPr lang="en-US" altLang="zh-TW" dirty="0" smtClean="0"/>
               <a:t>Central </a:t>
@@ -5821,31 +6349,53 @@
             </a:r>
             <a:r>
               <a:rPr lang="en-US" altLang="zh-TW" dirty="0" smtClean="0"/>
-              <a:t>): Central </a:t>
+              <a:t>): </a:t>
+            </a:r>
+            <a:endParaRPr lang="en-US" altLang="zh-TW" dirty="0" smtClean="0"/>
+          </a:p>
+          <a:p>
+            <a:pPr lvl="1"/>
+            <a:r>
+              <a:rPr lang="en-US" altLang="zh-TW" dirty="0" smtClean="0"/>
+              <a:t>On </a:t>
+            </a:r>
+            <a:r>
+              <a:rPr lang="en-US" altLang="zh-TW" dirty="0"/>
+              <a:t>c</a:t>
+            </a:r>
+            <a:r>
+              <a:rPr lang="en-US" altLang="zh-TW" dirty="0" smtClean="0"/>
+              <a:t>entral </a:t>
             </a:r>
             <a:r>
               <a:rPr lang="en-US" altLang="zh-TW" dirty="0"/>
               <a:t>master server </a:t>
             </a:r>
+            <a:endParaRPr lang="en-US" altLang="zh-TW" dirty="0" smtClean="0"/>
+          </a:p>
+          <a:p>
+            <a:pPr lvl="1"/>
             <a:r>
               <a:rPr lang="en-US" altLang="zh-TW" dirty="0" smtClean="0"/>
-              <a:t>responsible </a:t>
-            </a:r>
-            <a:r>
-              <a:rPr lang="en-US" altLang="zh-TW" dirty="0"/>
-              <a:t>for scheduling jobs on </a:t>
-            </a:r>
+              <a:t>Collect resource usage information </a:t>
+            </a:r>
+            <a:endParaRPr lang="en-US" altLang="zh-TW" dirty="0" smtClean="0"/>
+          </a:p>
+          <a:p>
+            <a:pPr lvl="1"/>
             <a:r>
               <a:rPr lang="en-US" altLang="zh-TW" dirty="0" smtClean="0"/>
-              <a:t>nodes </a:t>
-            </a:r>
-          </a:p>
-          <a:p>
-            <a:pPr lvl="1"/>
+              <a:t>Schedule </a:t>
+            </a:r>
             <a:r>
               <a:rPr lang="en-US" altLang="zh-TW" dirty="0" smtClean="0"/>
-              <a:t>Based on resource usage</a:t>
-            </a:r>
+              <a:t>and assign </a:t>
+            </a:r>
+            <a:r>
+              <a:rPr lang="en-US" altLang="zh-TW" dirty="0" smtClean="0"/>
+              <a:t>jobs to nodes</a:t>
+            </a:r>
+            <a:endParaRPr lang="en-US" altLang="zh-TW" dirty="0" smtClean="0"/>
           </a:p>
         </p:txBody>
       </p:sp>
@@ -5885,7 +6435,7 @@
   <p:timing>
     <p:tnLst>
       <p:par>
-        <p:cTn xmlns:p14="http://schemas.microsoft.com/office/powerpoint/2010/main" id="1" dur="indefinite" restart="never" nodeType="tmRoot"/>
+        <p:cTn id="1" dur="indefinite" restart="never" nodeType="tmRoot"/>
       </p:par>
     </p:tnLst>
   </p:timing>
@@ -6528,11 +7078,7 @@
           <a:p>
             <a:r>
               <a:rPr lang="en-US" dirty="0" smtClean="0"/>
-              <a:t>89</a:t>
-            </a:r>
-            <a:r>
-              <a:rPr lang="en-US" dirty="0" smtClean="0"/>
-              <a:t>.5</a:t>
+              <a:t>89.5</a:t>
             </a:r>
             <a:endParaRPr lang="en-US" dirty="0"/>
           </a:p>
@@ -6615,7 +7161,7 @@
   <p:timing>
     <p:tnLst>
       <p:par>
-        <p:cTn xmlns:p14="http://schemas.microsoft.com/office/powerpoint/2010/main" id="1" dur="indefinite" restart="never" nodeType="tmRoot">
+        <p:cTn id="1" dur="indefinite" restart="never" nodeType="tmRoot">
           <p:childTnLst>
             <p:seq concurrent="1" nextAc="seek">
               <p:cTn id="2" dur="indefinite" nodeType="mainSeq">
@@ -7081,19 +7627,48 @@
         </p:spPr>
         <p:txBody>
           <a:bodyPr>
-            <a:normAutofit fontScale="92500" lnSpcReduction="10000"/>
+            <a:normAutofit/>
           </a:bodyPr>
           <a:lstStyle/>
           <a:p>
             <a:r>
               <a:rPr lang="en-US" altLang="zh-TW" dirty="0" smtClean="0"/>
-              <a:t>Compared Apache Cassandra with and without our scheduler</a:t>
-            </a:r>
-          </a:p>
-          <a:p>
+              <a:t>Apache </a:t>
+            </a:r>
             <a:r>
               <a:rPr lang="en-US" altLang="zh-TW" dirty="0" smtClean="0"/>
-              <a:t>Used Yahoo</a:t>
+              <a:t>Cassandra </a:t>
+            </a:r>
+            <a:endParaRPr lang="en-US" altLang="zh-TW" dirty="0" smtClean="0"/>
+          </a:p>
+          <a:p>
+            <a:pPr lvl="1"/>
+            <a:r>
+              <a:rPr lang="en-US" altLang="zh-TW" dirty="0" smtClean="0"/>
+              <a:t>Distributed key-value database </a:t>
+            </a:r>
+          </a:p>
+          <a:p>
+            <a:pPr lvl="1"/>
+            <a:r>
+              <a:rPr lang="en-US" altLang="zh-TW" dirty="0" smtClean="0"/>
+              <a:t>Compare its performance with </a:t>
+            </a:r>
+            <a:r>
+              <a:rPr lang="en-US" altLang="zh-TW" dirty="0"/>
+              <a:t>and without our scheduler</a:t>
+            </a:r>
+          </a:p>
+          <a:p>
+            <a:pPr marL="457200" lvl="1" indent="0">
+              <a:buNone/>
+            </a:pPr>
+            <a:endParaRPr lang="en-US" altLang="zh-TW" dirty="0" smtClean="0"/>
+          </a:p>
+          <a:p>
+            <a:r>
+              <a:rPr lang="en-US" altLang="zh-TW" dirty="0" smtClean="0"/>
+              <a:t>Yahoo</a:t>
             </a:r>
             <a:r>
               <a:rPr lang="en-US" altLang="zh-TW" dirty="0"/>
@@ -7101,70 +7676,47 @@
             </a:r>
             <a:r>
               <a:rPr lang="en-US" altLang="zh-TW" dirty="0" smtClean="0"/>
-              <a:t>) to generate queries for benchmarking</a:t>
-            </a:r>
+              <a:t>) </a:t>
+            </a:r>
+            <a:endParaRPr lang="en-US" altLang="zh-TW" dirty="0"/>
           </a:p>
           <a:p>
             <a:pPr lvl="1"/>
             <a:r>
               <a:rPr lang="en-US" altLang="zh-TW" dirty="0" smtClean="0"/>
-              <a:t>Generates data and queries for testing the performance of a distributed database</a:t>
-            </a:r>
+              <a:t>G</a:t>
+            </a:r>
+            <a:r>
+              <a:rPr lang="en-US" altLang="zh-TW" dirty="0" smtClean="0"/>
+              <a:t>enerate </a:t>
+            </a:r>
+            <a:r>
+              <a:rPr lang="en-US" altLang="zh-TW" dirty="0" smtClean="0"/>
+              <a:t>queries for benchmarking</a:t>
+            </a:r>
+          </a:p>
+          <a:p>
+            <a:pPr lvl="1"/>
+            <a:r>
+              <a:rPr lang="en-US" altLang="zh-TW" dirty="0" smtClean="0"/>
+              <a:t>T</a:t>
+            </a:r>
+            <a:r>
+              <a:rPr lang="en-US" altLang="zh-TW" dirty="0" smtClean="0"/>
+              <a:t>est </a:t>
+            </a:r>
+            <a:r>
+              <a:rPr lang="en-US" altLang="zh-TW" dirty="0" smtClean="0"/>
+              <a:t>the performance of </a:t>
+            </a:r>
+            <a:r>
+              <a:rPr lang="en-US" altLang="zh-TW" dirty="0" smtClean="0"/>
+              <a:t>Cassandra</a:t>
+            </a:r>
+            <a:endParaRPr lang="en-US" altLang="zh-TW" dirty="0" smtClean="0"/>
           </a:p>
           <a:p>
             <a:endParaRPr lang="en-US" dirty="0"/>
-          </a:p>
-          <a:p>
-            <a:r>
-              <a:rPr lang="en-US" dirty="0" smtClean="0"/>
-              <a:t>10 cluster (configuration)</a:t>
-            </a:r>
-            <a:endParaRPr lang="en-US" dirty="0"/>
-          </a:p>
-          <a:p>
-            <a:r>
-              <a:rPr lang="en-US" dirty="0" smtClean="0"/>
-              <a:t>150 GB read heavy query.</a:t>
-            </a:r>
-          </a:p>
-          <a:p>
-            <a:r>
-              <a:rPr lang="en-US" dirty="0" smtClean="0"/>
-              <a:t>Data is hash </a:t>
-            </a:r>
-            <a:r>
-              <a:rPr lang="en-US" dirty="0" smtClean="0"/>
-              <a:t>partitioned</a:t>
-            </a:r>
-          </a:p>
-          <a:p>
-            <a:r>
-              <a:rPr lang="en-US" dirty="0" smtClean="0"/>
-              <a:t>Read Consistency = ONE</a:t>
-            </a:r>
-            <a:endParaRPr lang="en-US" dirty="0" smtClean="0"/>
-          </a:p>
-          <a:p>
-            <a:r>
-              <a:rPr lang="en-US" dirty="0"/>
-              <a:t>Implemented the scheduler in </a:t>
-            </a:r>
-            <a:r>
-              <a:rPr lang="en-US" dirty="0" err="1"/>
-              <a:t>cassandra</a:t>
-            </a:r>
-            <a:endParaRPr lang="en-US" dirty="0"/>
-          </a:p>
-          <a:p>
-            <a:pPr lvl="1"/>
-            <a:r>
-              <a:rPr lang="en-US" dirty="0"/>
-              <a:t>About 25 lines of </a:t>
-            </a:r>
-            <a:r>
-              <a:rPr lang="en-US" dirty="0" smtClean="0"/>
-              <a:t>code</a:t>
-            </a:r>
           </a:p>
           <a:p>
             <a:endParaRPr lang="en-US" dirty="0"/>
@@ -7210,7 +7762,7 @@
   <p:timing>
     <p:tnLst>
       <p:par>
-        <p:cTn xmlns:p14="http://schemas.microsoft.com/office/powerpoint/2010/main" id="1" dur="indefinite" restart="never" nodeType="tmRoot"/>
+        <p:cTn id="1" dur="indefinite" restart="never" nodeType="tmRoot"/>
       </p:par>
     </p:tnLst>
   </p:timing>

--- a/PresentationSlides/Presentation.pptx
+++ b/PresentationSlides/Presentation.pptx
@@ -123,7 +123,7 @@
   </p:defaultTextStyle>
   <p:extLst>
     <p:ext uri="{EFAFB233-063F-42B5-8137-9DF3F51BA10A}">
-      <p15:sldGuideLst xmlns:p15="http://schemas.microsoft.com/office/powerpoint/2012/main">
+      <p15:sldGuideLst xmlns:p15="http://schemas.microsoft.com/office/powerpoint/2012/main" xmlns="">
         <p15:guide id="1" orient="horz" pos="2160">
           <p15:clr>
             <a:srgbClr val="A4A3A4"/>
@@ -145,7 +145,7 @@
   <p:cmAuthor id="1" name="Happier LIU" initials="HL" lastIdx="6" clrIdx="0">
     <p:extLst>
       <p:ext uri="{19B8F6BF-5375-455C-9EA6-DF929625EA0E}">
-        <p15:presenceInfo xmlns:p15="http://schemas.microsoft.com/office/powerpoint/2012/main" userId="dfbd9b513a1915c0" providerId="Windows Live"/>
+        <p15:presenceInfo xmlns:p15="http://schemas.microsoft.com/office/powerpoint/2012/main" xmlns="" userId="dfbd9b513a1915c0" providerId="Windows Live"/>
       </p:ext>
     </p:extLst>
   </p:cmAuthor>
@@ -159,7 +159,7 @@
     <p:text>I don't feel this slide is right, but not sure how to modify it. What does it mean by "scheduling reads‘? I think it's quite confusing</p:text>
     <p:extLst>
       <p:ext uri="{C676402C-5697-4E1C-873F-D02D1690AC5C}">
-        <p15:threadingInfo xmlns:p15="http://schemas.microsoft.com/office/powerpoint/2012/main" timeZoneBias="300"/>
+        <p15:threadingInfo xmlns:p15="http://schemas.microsoft.com/office/powerpoint/2012/main" xmlns="" timeZoneBias="300"/>
       </p:ext>
     </p:extLst>
   </p:cm>
@@ -173,7 +173,7 @@
     <p:text>reference here ?</p:text>
     <p:extLst>
       <p:ext uri="{C676402C-5697-4E1C-873F-D02D1690AC5C}">
-        <p15:threadingInfo xmlns:p15="http://schemas.microsoft.com/office/powerpoint/2012/main" timeZoneBias="300"/>
+        <p15:threadingInfo xmlns:p15="http://schemas.microsoft.com/office/powerpoint/2012/main" xmlns="" timeZoneBias="300"/>
       </p:ext>
     </p:extLst>
   </p:cm>
@@ -182,7 +182,7 @@
     <p:text>and i think this slide is confusing too. maybe because i don't have tht related work background</p:text>
     <p:extLst>
       <p:ext uri="{C676402C-5697-4E1C-873F-D02D1690AC5C}">
-        <p15:threadingInfo xmlns:p15="http://schemas.microsoft.com/office/powerpoint/2012/main" timeZoneBias="300">
+        <p15:threadingInfo xmlns:p15="http://schemas.microsoft.com/office/powerpoint/2012/main" xmlns="" timeZoneBias="300">
           <p15:parentCm authorId="1" idx="2"/>
         </p15:threadingInfo>
       </p:ext>
@@ -198,7 +198,7 @@
     <p:text>Does this kind of leave the impression on people that after the master gets a query, it asks for the resource usage information ?</p:text>
     <p:extLst>
       <p:ext uri="{C676402C-5697-4E1C-873F-D02D1690AC5C}">
-        <p15:threadingInfo xmlns:p15="http://schemas.microsoft.com/office/powerpoint/2012/main" timeZoneBias="300"/>
+        <p15:threadingInfo xmlns:p15="http://schemas.microsoft.com/office/powerpoint/2012/main" xmlns="" timeZoneBias="300"/>
       </p:ext>
     </p:extLst>
   </p:cm>
@@ -212,7 +212,7 @@
     <p:text>what is the purpose of this slide compared to slide 6 ?</p:text>
     <p:extLst>
       <p:ext uri="{C676402C-5697-4E1C-873F-D02D1690AC5C}">
-        <p15:threadingInfo xmlns:p15="http://schemas.microsoft.com/office/powerpoint/2012/main" timeZoneBias="300"/>
+        <p15:threadingInfo xmlns:p15="http://schemas.microsoft.com/office/powerpoint/2012/main" xmlns="" timeZoneBias="300"/>
       </p:ext>
     </p:extLst>
   </p:cm>
@@ -400,7 +400,7 @@
           <a:p>
             <a:fld id="{578C8EFD-E150-CA4D-905C-A94D1A78A82A}" type="datetime1">
               <a:rPr lang="en-CA" smtClean="0"/>
-              <a:t>2012-11-30</a:t>
+              <a:t>12-12-01</a:t>
             </a:fld>
             <a:endParaRPr lang="en-US"/>
           </a:p>
@@ -570,7 +570,7 @@
           <a:p>
             <a:fld id="{15D8ADF8-3441-5F45-A19B-D033F59CF17D}" type="datetime1">
               <a:rPr lang="en-CA" smtClean="0"/>
-              <a:t>2012-11-30</a:t>
+              <a:t>12-12-01</a:t>
             </a:fld>
             <a:endParaRPr lang="en-US"/>
           </a:p>
@@ -750,7 +750,7 @@
           <a:p>
             <a:fld id="{0AED5A46-46F0-524C-B118-2413C4B118F2}" type="datetime1">
               <a:rPr lang="en-CA" smtClean="0"/>
-              <a:t>2012-11-30</a:t>
+              <a:t>12-12-01</a:t>
             </a:fld>
             <a:endParaRPr lang="en-US"/>
           </a:p>
@@ -920,7 +920,7 @@
           <a:p>
             <a:fld id="{2FFAA75D-0121-8445-A2D5-37B4791018BB}" type="datetime1">
               <a:rPr lang="en-CA" smtClean="0"/>
-              <a:t>2012-11-30</a:t>
+              <a:t>12-12-01</a:t>
             </a:fld>
             <a:endParaRPr lang="en-US"/>
           </a:p>
@@ -1166,7 +1166,7 @@
           <a:p>
             <a:fld id="{53F7EAB1-141B-FB47-8AAB-E68313ADDAE7}" type="datetime1">
               <a:rPr lang="en-CA" smtClean="0"/>
-              <a:t>2012-11-30</a:t>
+              <a:t>12-12-01</a:t>
             </a:fld>
             <a:endParaRPr lang="en-US"/>
           </a:p>
@@ -1454,7 +1454,7 @@
           <a:p>
             <a:fld id="{7B50838B-1487-4842-81F1-BDF2A6D1F1B3}" type="datetime1">
               <a:rPr lang="en-CA" smtClean="0"/>
-              <a:t>2012-11-30</a:t>
+              <a:t>12-12-01</a:t>
             </a:fld>
             <a:endParaRPr lang="en-US"/>
           </a:p>
@@ -1876,7 +1876,7 @@
           <a:p>
             <a:fld id="{8597D41A-A37E-B94A-ABBE-66D061CC16A8}" type="datetime1">
               <a:rPr lang="en-CA" smtClean="0"/>
-              <a:t>2012-11-30</a:t>
+              <a:t>12-12-01</a:t>
             </a:fld>
             <a:endParaRPr lang="en-US"/>
           </a:p>
@@ -1994,7 +1994,7 @@
           <a:p>
             <a:fld id="{3E462AFF-A87A-3449-BF73-2E332730FBBD}" type="datetime1">
               <a:rPr lang="en-CA" smtClean="0"/>
-              <a:t>2012-11-30</a:t>
+              <a:t>12-12-01</a:t>
             </a:fld>
             <a:endParaRPr lang="en-US"/>
           </a:p>
@@ -2089,7 +2089,7 @@
           <a:p>
             <a:fld id="{61F0DCD8-522C-0E46-A196-33CF3C2A12C1}" type="datetime1">
               <a:rPr lang="en-CA" smtClean="0"/>
-              <a:t>2012-11-30</a:t>
+              <a:t>12-12-01</a:t>
             </a:fld>
             <a:endParaRPr lang="en-US"/>
           </a:p>
@@ -2366,7 +2366,7 @@
           <a:p>
             <a:fld id="{05556C25-90F2-064D-BF7A-B83AB86F67C5}" type="datetime1">
               <a:rPr lang="en-CA" smtClean="0"/>
-              <a:t>2012-11-30</a:t>
+              <a:t>12-12-01</a:t>
             </a:fld>
             <a:endParaRPr lang="en-US"/>
           </a:p>
@@ -2623,7 +2623,7 @@
           <a:p>
             <a:fld id="{D36A68E7-021F-D94A-BB37-798C61C4259E}" type="datetime1">
               <a:rPr lang="en-CA" smtClean="0"/>
-              <a:t>2012-11-30</a:t>
+              <a:t>12-12-01</a:t>
             </a:fld>
             <a:endParaRPr lang="en-US"/>
           </a:p>
@@ -2836,7 +2836,7 @@
           <a:p>
             <a:fld id="{740C5816-A486-5D43-AC42-C657B961AA99}" type="datetime1">
               <a:rPr lang="en-CA" smtClean="0"/>
-              <a:t>2012-11-30</a:t>
+              <a:t>12-12-01</a:t>
             </a:fld>
             <a:endParaRPr lang="en-US"/>
           </a:p>
@@ -3316,7 +3316,7 @@
   <p:timing>
     <p:tnLst>
       <p:par>
-        <p:cTn id="1" dur="indefinite" restart="never" nodeType="tmRoot"/>
+        <p:cTn xmlns:p14="http://schemas.microsoft.com/office/powerpoint/2010/main" id="1" dur="indefinite" restart="never" nodeType="tmRoot"/>
       </p:par>
     </p:tnLst>
   </p:timing>
@@ -3379,62 +3379,45 @@
           <a:lstStyle/>
           <a:p>
             <a:r>
+              <a:rPr lang="en-US" dirty="0" smtClean="0"/>
+              <a:t>Ran on 10 machine cluster</a:t>
+            </a:r>
+            <a:endParaRPr lang="en-US" dirty="0"/>
+          </a:p>
+          <a:p>
+            <a:r>
+              <a:rPr lang="en-US" dirty="0" smtClean="0"/>
+              <a:t>150GB of generated of data</a:t>
+            </a:r>
+            <a:endParaRPr lang="en-US" dirty="0"/>
+          </a:p>
+          <a:p>
+            <a:pPr lvl="1"/>
+            <a:r>
+              <a:rPr lang="en-US" dirty="0" smtClean="0"/>
+              <a:t>Hash partitioned</a:t>
+            </a:r>
+          </a:p>
+          <a:p>
+            <a:r>
+              <a:rPr lang="en-US" dirty="0" smtClean="0"/>
+              <a:t>Read </a:t>
+            </a:r>
+            <a:r>
               <a:rPr lang="en-US" dirty="0"/>
-              <a:t>10 cluster (configuration)</a:t>
-            </a:r>
-          </a:p>
-          <a:p>
-            <a:r>
-              <a:rPr lang="en-US" dirty="0"/>
-              <a:t>150 GB read heavy query.</a:t>
-            </a:r>
-          </a:p>
-          <a:p>
-            <a:r>
-              <a:rPr lang="en-US" dirty="0"/>
-              <a:t>Data is hash partitioned</a:t>
-            </a:r>
-          </a:p>
-          <a:p>
-            <a:r>
-              <a:rPr lang="en-US" dirty="0"/>
-              <a:t>Read Consistency = ONE</a:t>
-            </a:r>
-          </a:p>
-          <a:p>
-            <a:r>
-              <a:rPr lang="en-US" dirty="0"/>
-              <a:t>Implemented the scheduler in </a:t>
-            </a:r>
-            <a:r>
-              <a:rPr lang="en-US" dirty="0" err="1"/>
-              <a:t>cassandra</a:t>
+              <a:t>Consistency = </a:t>
+            </a:r>
+            <a:r>
+              <a:rPr lang="en-US" dirty="0" smtClean="0"/>
+              <a:t>ONE</a:t>
+            </a:r>
+          </a:p>
+          <a:p>
+            <a:r>
+              <a:rPr lang="en-US" dirty="0" smtClean="0"/>
+              <a:t>Results averaged over 5 executions</a:t>
             </a:r>
             <a:endParaRPr lang="en-US" dirty="0"/>
-          </a:p>
-          <a:p>
-            <a:pPr lvl="1"/>
-            <a:r>
-              <a:rPr lang="en-US" dirty="0"/>
-              <a:t>About 25 lines of </a:t>
-            </a:r>
-            <a:r>
-              <a:rPr lang="en-US" dirty="0" smtClean="0"/>
-              <a:t>code </a:t>
-            </a:r>
-            <a:r>
-              <a:rPr lang="en-US" dirty="0" smtClean="0">
-                <a:solidFill>
-                  <a:srgbClr val="FF0000"/>
-                </a:solidFill>
-              </a:rPr>
-              <a:t>(why put this here?)</a:t>
-            </a:r>
-            <a:endParaRPr lang="en-US" dirty="0">
-              <a:solidFill>
-                <a:srgbClr val="FF0000"/>
-              </a:solidFill>
-            </a:endParaRPr>
           </a:p>
           <a:p>
             <a:endParaRPr lang="en-US" dirty="0"/>
@@ -3542,14 +3525,14 @@
       </p:sp>
       <p:pic>
         <p:nvPicPr>
-          <p:cNvPr id="3" name="Picture 2" descr="SchedVsNoSched.pdf"/>
+          <p:cNvPr id="5" name="Picture 4" descr="SchedVsNoSched.pdf"/>
           <p:cNvPicPr>
             <a:picLocks noChangeAspect="1"/>
           </p:cNvPicPr>
           <p:nvPr/>
         </p:nvPicPr>
         <p:blipFill>
-          <a:blip r:embed="rId2" cstate="email">
+          <a:blip r:embed="rId2">
             <a:extLst>
               <a:ext uri="{28A0092B-C50C-407E-A947-70E740481C1C}">
                 <a14:useLocalDpi xmlns:a14="http://schemas.microsoft.com/office/drawing/2010/main" val="0"/>
@@ -3561,9 +3544,9 @@
           </a:stretch>
         </p:blipFill>
         <p:spPr>
-          <a:xfrm>
-            <a:off x="828443" y="385567"/>
-            <a:ext cx="7487113" cy="6858000"/>
+          <a:xfrm rot="5400000">
+            <a:off x="1906360" y="277668"/>
+            <a:ext cx="5299364" cy="6858000"/>
           </a:xfrm>
           <a:prstGeom prst="rect">
             <a:avLst/>
@@ -3583,7 +3566,7 @@
   <p:timing>
     <p:tnLst>
       <p:par>
-        <p:cTn id="1" dur="indefinite" restart="never" nodeType="tmRoot"/>
+        <p:cTn xmlns:p14="http://schemas.microsoft.com/office/powerpoint/2010/main" id="1" dur="indefinite" restart="never" nodeType="tmRoot"/>
       </p:par>
     </p:tnLst>
   </p:timing>
@@ -3689,7 +3672,7 @@
   <p:timing>
     <p:tnLst>
       <p:par>
-        <p:cTn id="1" dur="indefinite" restart="never" nodeType="tmRoot"/>
+        <p:cTn xmlns:p14="http://schemas.microsoft.com/office/powerpoint/2010/main" id="1" dur="indefinite" restart="never" nodeType="tmRoot"/>
       </p:par>
     </p:tnLst>
   </p:timing>
@@ -3760,8 +3743,13 @@
             <a:pPr lvl="1"/>
             <a:r>
               <a:rPr lang="en-US" altLang="zh-TW" dirty="0" smtClean="0"/>
-              <a:t>[average difference]</a:t>
-            </a:r>
+              <a:t>Average improvement = </a:t>
+            </a:r>
+            <a:r>
+              <a:rPr lang="en-US" altLang="zh-TW" dirty="0" smtClean="0"/>
+              <a:t>151 operations/second</a:t>
+            </a:r>
+            <a:endParaRPr lang="en-US" altLang="zh-TW" dirty="0" smtClean="0"/>
           </a:p>
           <a:p>
             <a:r>
@@ -3807,7 +3795,7 @@
   <p:timing>
     <p:tnLst>
       <p:par>
-        <p:cTn id="1" dur="indefinite" restart="never" nodeType="tmRoot"/>
+        <p:cTn xmlns:p14="http://schemas.microsoft.com/office/powerpoint/2010/main" id="1" dur="indefinite" restart="never" nodeType="tmRoot"/>
       </p:par>
     </p:tnLst>
   </p:timing>
@@ -3848,34 +3836,34 @@
           <a:p>
             <a:r>
               <a:rPr lang="en-US" dirty="0" smtClean="0"/>
-              <a:t>Resource </a:t>
-            </a:r>
+              <a:t>Resource Usage</a:t>
+            </a:r>
+            <a:endParaRPr lang="en-US" dirty="0"/>
+          </a:p>
+        </p:txBody>
+      </p:sp>
+      <p:sp>
+        <p:nvSpPr>
+          <p:cNvPr id="3" name="Content Placeholder 2"/>
+          <p:cNvSpPr>
+            <a:spLocks noGrp="1"/>
+          </p:cNvSpPr>
+          <p:nvPr>
+            <p:ph idx="1"/>
+          </p:nvPr>
+        </p:nvSpPr>
+        <p:spPr/>
+        <p:txBody>
+          <a:bodyPr/>
+          <a:lstStyle/>
+          <a:p>
             <a:r>
               <a:rPr lang="en-US" dirty="0" smtClean="0"/>
-              <a:t>Usage</a:t>
-            </a:r>
-            <a:endParaRPr lang="en-US" dirty="0"/>
-          </a:p>
-        </p:txBody>
-      </p:sp>
-      <p:sp>
-        <p:nvSpPr>
-          <p:cNvPr id="3" name="Content Placeholder 2"/>
-          <p:cNvSpPr>
-            <a:spLocks noGrp="1"/>
-          </p:cNvSpPr>
-          <p:nvPr>
-            <p:ph idx="1"/>
-          </p:nvPr>
-        </p:nvSpPr>
-        <p:spPr/>
-        <p:txBody>
-          <a:bodyPr/>
-          <a:lstStyle/>
-          <a:p>
+              <a:t>Examining </a:t>
+            </a:r>
             <a:r>
               <a:rPr lang="en-US" dirty="0" smtClean="0"/>
-              <a:t>Examine how the CPU and memory usage affect the time to process one query </a:t>
+              <a:t>how the CPU and memory usage affect the time to process one query </a:t>
             </a:r>
           </a:p>
           <a:p>
@@ -3961,7 +3949,7 @@
   <p:timing>
     <p:tnLst>
       <p:par>
-        <p:cTn id="1" dur="indefinite" restart="never" nodeType="tmRoot"/>
+        <p:cTn xmlns:p14="http://schemas.microsoft.com/office/powerpoint/2010/main" id="1" dur="indefinite" restart="never" nodeType="tmRoot"/>
       </p:par>
     </p:tnLst>
   </p:timing>
@@ -4010,29 +3998,6 @@
       </p:sp>
       <p:sp>
         <p:nvSpPr>
-          <p:cNvPr id="3" name="Content Placeholder 2"/>
-          <p:cNvSpPr>
-            <a:spLocks noGrp="1"/>
-          </p:cNvSpPr>
-          <p:nvPr>
-            <p:ph idx="1"/>
-          </p:nvPr>
-        </p:nvSpPr>
-        <p:spPr/>
-        <p:txBody>
-          <a:bodyPr/>
-          <a:lstStyle/>
-          <a:p>
-            <a:r>
-              <a:rPr lang="en-US" dirty="0" smtClean="0"/>
-              <a:t>Graph goes here :D</a:t>
-            </a:r>
-            <a:endParaRPr lang="en-US" dirty="0"/>
-          </a:p>
-        </p:txBody>
-      </p:sp>
-      <p:sp>
-        <p:nvSpPr>
           <p:cNvPr id="4" name="Slide Number Placeholder 3"/>
           <p:cNvSpPr>
             <a:spLocks noGrp="1"/>
@@ -4054,6 +4019,36 @@
           </a:p>
         </p:txBody>
       </p:sp>
+      <p:pic>
+        <p:nvPicPr>
+          <p:cNvPr id="5" name="Picture 4" descr="plot5.pdf"/>
+          <p:cNvPicPr>
+            <a:picLocks noChangeAspect="1"/>
+          </p:cNvPicPr>
+          <p:nvPr/>
+        </p:nvPicPr>
+        <p:blipFill>
+          <a:blip r:embed="rId2">
+            <a:extLst>
+              <a:ext uri="{28A0092B-C50C-407E-A947-70E740481C1C}">
+                <a14:useLocalDpi xmlns:a14="http://schemas.microsoft.com/office/drawing/2010/main" val="0"/>
+              </a:ext>
+            </a:extLst>
+          </a:blip>
+          <a:stretch>
+            <a:fillRect/>
+          </a:stretch>
+        </p:blipFill>
+        <p:spPr>
+          <a:xfrm rot="5400000">
+            <a:off x="1917700" y="277668"/>
+            <a:ext cx="5299364" cy="6858000"/>
+          </a:xfrm>
+          <a:prstGeom prst="rect">
+            <a:avLst/>
+          </a:prstGeom>
+        </p:spPr>
+      </p:pic>
     </p:spTree>
     <p:extLst>
       <p:ext uri="{BB962C8B-B14F-4D97-AF65-F5344CB8AC3E}">
@@ -4119,7 +4114,9 @@
         </p:nvSpPr>
         <p:spPr/>
         <p:txBody>
-          <a:bodyPr/>
+          <a:bodyPr>
+            <a:normAutofit/>
+          </a:bodyPr>
           <a:lstStyle/>
           <a:p>
             <a:r>
@@ -4130,8 +4127,9 @@
           <a:p>
             <a:r>
               <a:rPr lang="en-US" altLang="zh-TW" dirty="0" smtClean="0"/>
-              <a:t>Do not have complex workload</a:t>
-            </a:r>
+              <a:t>Simplistic workload</a:t>
+            </a:r>
+            <a:endParaRPr lang="en-US" altLang="zh-TW" dirty="0" smtClean="0"/>
           </a:p>
           <a:p>
             <a:pPr lvl="1"/>
@@ -4141,11 +4139,15 @@
             </a:r>
             <a:r>
               <a:rPr lang="en-US" altLang="zh-TW" dirty="0" smtClean="0"/>
-              <a:t>are still </a:t>
+              <a:t>are </a:t>
+            </a:r>
+            <a:r>
+              <a:rPr lang="en-US" altLang="zh-TW" dirty="0" smtClean="0"/>
+              <a:t>small</a:t>
             </a:r>
             <a:r>
               <a:rPr lang="en-US" altLang="zh-TW" dirty="0"/>
-              <a:t>small, so CPU &amp; Memory usage has little </a:t>
+              <a:t>, so CPU &amp; Memory usage has little </a:t>
             </a:r>
             <a:r>
               <a:rPr lang="en-US" altLang="zh-TW" dirty="0" smtClean="0"/>
@@ -4155,14 +4157,31 @@
           <a:p>
             <a:r>
               <a:rPr lang="en-US" altLang="zh-TW" dirty="0" smtClean="0"/>
-              <a:t>Unable to congest the network manfully</a:t>
-            </a:r>
+              <a:t>Unable to congest the network </a:t>
+            </a:r>
+            <a:r>
+              <a:rPr lang="en-US" altLang="zh-TW" dirty="0" smtClean="0"/>
+              <a:t>meaningfully</a:t>
+            </a:r>
+            <a:endParaRPr lang="en-US" altLang="zh-TW" dirty="0" smtClean="0"/>
           </a:p>
           <a:p>
             <a:pPr lvl="1"/>
             <a:r>
+              <a:rPr lang="en-US" altLang="zh-TW" dirty="0" smtClean="0"/>
+              <a:t>All servers are collocated on the same rack</a:t>
+            </a:r>
+            <a:r>
+              <a:rPr lang="en-US" altLang="zh-TW" dirty="0" smtClean="0"/>
+              <a:t>, </a:t>
+            </a:r>
+            <a:r>
               <a:rPr lang="en-US" altLang="zh-TW" dirty="0"/>
-              <a:t>Clusters are in local plus workload is light, so network never </a:t>
+              <a:t>so network </a:t>
+            </a:r>
+            <a:r>
+              <a:rPr lang="en-US" altLang="zh-TW" dirty="0" smtClean="0"/>
+              <a:t>is never </a:t>
             </a:r>
             <a:r>
               <a:rPr lang="en-US" altLang="zh-TW" dirty="0" smtClean="0"/>
@@ -4172,31 +4191,53 @@
           <a:p>
             <a:r>
               <a:rPr lang="en-US" altLang="zh-TW" dirty="0" smtClean="0"/>
-              <a:t>No disk time information</a:t>
+              <a:t>No </a:t>
+            </a:r>
+            <a:r>
+              <a:rPr lang="en-US" altLang="zh-TW" dirty="0" smtClean="0"/>
+              <a:t>disk </a:t>
+            </a:r>
+            <a:r>
+              <a:rPr lang="en-US" altLang="zh-TW" dirty="0" smtClean="0"/>
+              <a:t>information</a:t>
             </a:r>
           </a:p>
           <a:p>
             <a:pPr lvl="1"/>
             <a:r>
-              <a:rPr lang="en-US" altLang="zh-TW" dirty="0"/>
-              <a:t>We do not take disk time into consider &amp; hard to manually make disk time </a:t>
-            </a:r>
-            <a:r>
               <a:rPr lang="en-US" altLang="zh-TW" dirty="0" smtClean="0"/>
-              <a:t>busy</a:t>
-            </a:r>
+              <a:t>We do not take hard disk accesses into account</a:t>
+            </a:r>
+            <a:endParaRPr lang="en-US" altLang="zh-TW" dirty="0" smtClean="0"/>
           </a:p>
           <a:p>
             <a:r>
               <a:rPr lang="en-US" altLang="zh-TW" dirty="0" smtClean="0"/>
-              <a:t>Do not have access to the real datacenter</a:t>
-            </a:r>
+              <a:t>Do not have access </a:t>
+            </a:r>
+            <a:r>
+              <a:rPr lang="en-US" altLang="zh-TW" dirty="0" smtClean="0"/>
+              <a:t>to a </a:t>
+            </a:r>
+            <a:r>
+              <a:rPr lang="en-US" altLang="zh-TW" dirty="0" smtClean="0"/>
+              <a:t>real </a:t>
+            </a:r>
+            <a:r>
+              <a:rPr lang="en-US" altLang="zh-TW" dirty="0" smtClean="0"/>
+              <a:t>datacenter (I don’t think we need this)</a:t>
+            </a:r>
+            <a:endParaRPr lang="en-US" altLang="zh-TW" dirty="0" smtClean="0"/>
           </a:p>
           <a:p>
             <a:pPr lvl="1"/>
             <a:r>
               <a:rPr lang="en-US" altLang="zh-TW" dirty="0" smtClean="0"/>
-              <a:t>Cannot have large test environment and complex workload</a:t>
+              <a:t>Limite</a:t>
+            </a:r>
+            <a:r>
+              <a:rPr lang="en-US" altLang="zh-TW" dirty="0" smtClean="0"/>
+              <a:t>d test environment</a:t>
             </a:r>
             <a:endParaRPr lang="zh-TW" altLang="en-US" dirty="0"/>
           </a:p>
@@ -4238,7 +4279,7 @@
   <p:timing>
     <p:tnLst>
       <p:par>
-        <p:cTn id="1" dur="indefinite" restart="never" nodeType="tmRoot"/>
+        <p:cTn xmlns:p14="http://schemas.microsoft.com/office/powerpoint/2010/main" id="1" dur="indefinite" restart="never" nodeType="tmRoot"/>
       </p:par>
     </p:tnLst>
   </p:timing>
@@ -4306,14 +4347,24 @@
             </a:r>
             <a:r>
               <a:rPr lang="en-US" altLang="zh-TW" dirty="0" smtClean="0"/>
-              <a:t>little better performance than the ordinary scheduling algorithm .</a:t>
-            </a:r>
-          </a:p>
-          <a:p>
+              <a:t>slightly </a:t>
+            </a:r>
             <a:r>
               <a:rPr lang="en-US" altLang="zh-TW" dirty="0" smtClean="0"/>
-              <a:t>Scheduling queries only base on memory &amp; CPU usage is insufficient.</a:t>
-            </a:r>
+              <a:t>better performance than the ordinary scheduling </a:t>
+            </a:r>
+            <a:r>
+              <a:rPr lang="en-US" altLang="zh-TW" dirty="0" smtClean="0"/>
+              <a:t>algorithm</a:t>
+            </a:r>
+            <a:endParaRPr lang="en-US" altLang="zh-TW" dirty="0" smtClean="0"/>
+          </a:p>
+          <a:p>
+            <a:r>
+              <a:rPr lang="en-US" altLang="zh-TW" dirty="0" smtClean="0"/>
+              <a:t>Scheduling queries based upon only CPU Usage and Memory seems to be insufficient</a:t>
+            </a:r>
+            <a:endParaRPr lang="en-US" altLang="zh-TW" dirty="0" smtClean="0"/>
           </a:p>
           <a:p>
             <a:pPr lvl="1"/>
@@ -4382,7 +4433,7 @@
   <p:timing>
     <p:tnLst>
       <p:par>
-        <p:cTn id="1" dur="indefinite" restart="never" nodeType="tmRoot"/>
+        <p:cTn xmlns:p14="http://schemas.microsoft.com/office/powerpoint/2010/main" id="1" dur="indefinite" restart="never" nodeType="tmRoot"/>
       </p:par>
     </p:tnLst>
   </p:timing>
@@ -4446,14 +4497,24 @@
           <a:p>
             <a:r>
               <a:rPr lang="en-US" altLang="zh-TW" dirty="0" smtClean="0"/>
-              <a:t>Test with more complex real quires</a:t>
-            </a:r>
-          </a:p>
-          <a:p>
+              <a:t>Test with more complex real </a:t>
+            </a:r>
             <a:r>
               <a:rPr lang="en-US" altLang="zh-TW" dirty="0" smtClean="0"/>
-              <a:t>Test with multiple databases</a:t>
-            </a:r>
+              <a:t>queries</a:t>
+            </a:r>
+            <a:endParaRPr lang="en-US" altLang="zh-TW" dirty="0" smtClean="0"/>
+          </a:p>
+          <a:p>
+            <a:r>
+              <a:rPr lang="en-US" altLang="zh-TW" dirty="0" smtClean="0"/>
+              <a:t>Test with multiple </a:t>
+            </a:r>
+            <a:r>
+              <a:rPr lang="en-US" altLang="zh-TW" dirty="0" smtClean="0"/>
+              <a:t>databases on the cluster</a:t>
+            </a:r>
+            <a:endParaRPr lang="en-US" altLang="zh-TW" dirty="0" smtClean="0"/>
           </a:p>
           <a:p>
             <a:r>
@@ -4464,7 +4525,11 @@
           <a:p>
             <a:r>
               <a:rPr lang="en-US" altLang="zh-TW" dirty="0" smtClean="0"/>
-              <a:t>Consider a query distributed across multiple nodes in cluster</a:t>
+              <a:t>Consider a query distributed across multiple nodes in </a:t>
+            </a:r>
+            <a:r>
+              <a:rPr lang="en-US" altLang="zh-TW" dirty="0" smtClean="0"/>
+              <a:t>cluster (not needed)</a:t>
             </a:r>
             <a:endParaRPr lang="zh-TW" altLang="en-US" dirty="0"/>
           </a:p>
@@ -4506,7 +4571,7 @@
   <p:timing>
     <p:tnLst>
       <p:par>
-        <p:cTn id="1" dur="indefinite" restart="never" nodeType="tmRoot"/>
+        <p:cTn xmlns:p14="http://schemas.microsoft.com/office/powerpoint/2010/main" id="1" dur="indefinite" restart="never" nodeType="tmRoot"/>
       </p:par>
     </p:tnLst>
   </p:timing>
@@ -4644,7 +4709,7 @@
   <p:timing>
     <p:tnLst>
       <p:par>
-        <p:cTn id="1" dur="indefinite" restart="never" nodeType="tmRoot"/>
+        <p:cTn xmlns:p14="http://schemas.microsoft.com/office/powerpoint/2010/main" id="1" dur="indefinite" restart="never" nodeType="tmRoot"/>
       </p:par>
     </p:tnLst>
   </p:timing>
@@ -4722,13 +4787,8 @@
             <a:pPr lvl="1"/>
             <a:r>
               <a:rPr lang="en-US" altLang="zh-TW" dirty="0" smtClean="0"/>
-              <a:t>Different</a:t>
-            </a:r>
-            <a:r>
-              <a:rPr lang="en-US" altLang="zh-TW" dirty="0" smtClean="0"/>
-              <a:t> workload</a:t>
-            </a:r>
-            <a:endParaRPr lang="en-US" altLang="zh-TW" dirty="0" smtClean="0"/>
+              <a:t>Different workload</a:t>
+            </a:r>
           </a:p>
           <a:p>
             <a:pPr lvl="1"/>
@@ -4763,19 +4823,15 @@
             </a:r>
             <a:r>
               <a:rPr lang="en-US" dirty="0" smtClean="0"/>
-              <a:t>query is </a:t>
+              <a:t>a query </a:t>
             </a:r>
             <a:r>
               <a:rPr lang="en-US" dirty="0" smtClean="0"/>
-              <a:t>only </a:t>
+              <a:t>is only </a:t>
             </a:r>
             <a:r>
               <a:rPr lang="en-US" dirty="0" smtClean="0"/>
-              <a:t>schedule </a:t>
-            </a:r>
-            <a:r>
-              <a:rPr lang="en-US" dirty="0" smtClean="0"/>
-              <a:t>based </a:t>
+              <a:t>assigned based </a:t>
             </a:r>
             <a:r>
               <a:rPr lang="en-US" dirty="0"/>
@@ -4785,7 +4841,6 @@
               <a:rPr lang="en-US" dirty="0" smtClean="0"/>
               <a:t>location</a:t>
             </a:r>
-            <a:endParaRPr lang="en-US" dirty="0" smtClean="0"/>
           </a:p>
           <a:p>
             <a:endParaRPr lang="en-US" dirty="0"/>
@@ -4828,7 +4883,7 @@
   <p:timing>
     <p:tnLst>
       <p:par>
-        <p:cTn id="1" dur="indefinite" restart="never" nodeType="tmRoot"/>
+        <p:cTn xmlns:p14="http://schemas.microsoft.com/office/powerpoint/2010/main" id="1" dur="indefinite" restart="never" nodeType="tmRoot"/>
       </p:par>
     </p:tnLst>
   </p:timing>
@@ -4967,7 +5022,7 @@
   <p:timing>
     <p:tnLst>
       <p:par>
-        <p:cTn id="1" dur="indefinite" restart="never" nodeType="tmRoot"/>
+        <p:cTn xmlns:p14="http://schemas.microsoft.com/office/powerpoint/2010/main" id="1" dur="indefinite" restart="never" nodeType="tmRoot"/>
       </p:par>
     </p:tnLst>
   </p:timing>
@@ -5031,11 +5086,7 @@
           <a:p>
             <a:r>
               <a:rPr lang="en-US" altLang="zh-TW" dirty="0" smtClean="0"/>
-              <a:t>To explore </a:t>
-            </a:r>
-            <a:r>
-              <a:rPr lang="en-US" altLang="zh-TW" dirty="0" smtClean="0"/>
-              <a:t>an efficient </a:t>
+              <a:t>To explore an efficient </a:t>
             </a:r>
             <a:r>
               <a:rPr lang="en-US" altLang="zh-TW" dirty="0"/>
@@ -5065,17 +5116,12 @@
               <a:rPr lang="en-US" altLang="zh-TW" dirty="0" smtClean="0"/>
               <a:t>Allocate work based on node status</a:t>
             </a:r>
-            <a:endParaRPr lang="en-US" altLang="zh-TW" dirty="0" smtClean="0"/>
           </a:p>
           <a:p>
             <a:pPr lvl="1"/>
             <a:r>
               <a:rPr lang="en-US" altLang="zh-TW" dirty="0" smtClean="0"/>
-              <a:t>Better </a:t>
-            </a:r>
-            <a:r>
-              <a:rPr lang="en-US" altLang="zh-TW" dirty="0" smtClean="0"/>
-              <a:t>performance</a:t>
+              <a:t>Better performance</a:t>
             </a:r>
           </a:p>
           <a:p>
@@ -5086,21 +5132,8 @@
                   <a:srgbClr val="FF0000"/>
                 </a:solidFill>
               </a:rPr>
-              <a:t>Feasible for any </a:t>
-            </a:r>
-            <a:r>
-              <a:rPr lang="en-US" altLang="zh-TW" dirty="0" smtClean="0">
-                <a:solidFill>
-                  <a:srgbClr val="FF0000"/>
-                </a:solidFill>
-              </a:rPr>
-              <a:t>database (kind of uncertain about this) </a:t>
-            </a:r>
-            <a:endParaRPr lang="en-US" altLang="zh-TW" dirty="0" smtClean="0">
-              <a:solidFill>
-                <a:srgbClr val="FF0000"/>
-              </a:solidFill>
-            </a:endParaRPr>
+              <a:t>Feasible for any database (kind of uncertain about this) </a:t>
+            </a:r>
           </a:p>
           <a:p>
             <a:pPr lvl="1"/>
@@ -5112,11 +5145,7 @@
           <a:p>
             <a:r>
               <a:rPr lang="en-US" altLang="zh-TW" dirty="0" smtClean="0"/>
-              <a:t>Consider heterogeneous hardware when </a:t>
-            </a:r>
-            <a:r>
-              <a:rPr lang="en-US" altLang="zh-TW" dirty="0" smtClean="0"/>
-              <a:t>scheduling</a:t>
+              <a:t>Consider heterogeneous hardware when scheduling</a:t>
             </a:r>
           </a:p>
           <a:p>
@@ -5175,7 +5204,7 @@
   <p:timing>
     <p:tnLst>
       <p:par>
-        <p:cTn id="1" dur="indefinite" restart="never" nodeType="tmRoot"/>
+        <p:cTn xmlns:p14="http://schemas.microsoft.com/office/powerpoint/2010/main" id="1" dur="indefinite" restart="never" nodeType="tmRoot"/>
       </p:par>
     </p:tnLst>
   </p:timing>
@@ -5795,7 +5824,7 @@
   <p:timing>
     <p:tnLst>
       <p:par>
-        <p:cTn id="1" dur="indefinite" restart="never" nodeType="tmRoot">
+        <p:cTn xmlns:p14="http://schemas.microsoft.com/office/powerpoint/2010/main" id="1" dur="indefinite" restart="never" nodeType="tmRoot">
           <p:childTnLst>
             <p:seq concurrent="1" nextAc="seek">
               <p:cTn id="2" dur="indefinite" nodeType="mainSeq">
@@ -6274,19 +6303,11 @@
             </a:pPr>
             <a:r>
               <a:rPr lang="en-US" altLang="zh-TW" dirty="0"/>
-              <a:t>Resource </a:t>
-            </a:r>
-            <a:r>
-              <a:rPr lang="en-US" altLang="zh-TW" dirty="0"/>
-              <a:t>Monitor  [cite gray and black box paper</a:t>
+              <a:t>Resource Monitor  [cite gray and black box paper</a:t>
             </a:r>
             <a:r>
               <a:rPr lang="en-US" altLang="zh-TW" dirty="0" smtClean="0"/>
-              <a:t>]</a:t>
-            </a:r>
-            <a:r>
-              <a:rPr lang="en-US" altLang="zh-TW" dirty="0" smtClean="0"/>
-              <a:t>: </a:t>
+              <a:t>]: </a:t>
             </a:r>
           </a:p>
           <a:p>
@@ -6300,27 +6321,18 @@
             <a:pPr lvl="1"/>
             <a:r>
               <a:rPr lang="en-US" altLang="zh-TW" dirty="0" smtClean="0"/>
-              <a:t> </a:t>
-            </a:r>
-            <a:r>
-              <a:rPr lang="en-US" altLang="zh-TW" dirty="0" smtClean="0"/>
-              <a:t>Measures </a:t>
+              <a:t> Measures </a:t>
             </a:r>
             <a:r>
               <a:rPr lang="en-US" altLang="zh-TW" dirty="0"/>
               <a:t>the load </a:t>
             </a:r>
-            <a:endParaRPr lang="en-US" altLang="zh-TW" dirty="0"/>
           </a:p>
           <a:p>
             <a:pPr lvl="2"/>
             <a:r>
               <a:rPr lang="en-US" altLang="zh-TW" dirty="0" smtClean="0"/>
-              <a:t>CPU </a:t>
-            </a:r>
-            <a:r>
-              <a:rPr lang="en-US" altLang="zh-TW" dirty="0" smtClean="0"/>
-              <a:t>Usage</a:t>
+              <a:t>CPU Usage</a:t>
             </a:r>
           </a:p>
           <a:p>
@@ -6336,7 +6348,6 @@
               <a:rPr lang="en-US" altLang="zh-TW" dirty="0" smtClean="0"/>
               <a:t>Process list </a:t>
             </a:r>
-            <a:endParaRPr lang="en-US" altLang="zh-TW" dirty="0" smtClean="0"/>
           </a:p>
           <a:p>
             <a:r>
@@ -6351,7 +6362,6 @@
               <a:rPr lang="en-US" altLang="zh-TW" dirty="0" smtClean="0"/>
               <a:t>): </a:t>
             </a:r>
-            <a:endParaRPr lang="en-US" altLang="zh-TW" dirty="0" smtClean="0"/>
           </a:p>
           <a:p>
             <a:pPr lvl="1"/>
@@ -6379,23 +6389,13 @@
               <a:rPr lang="en-US" altLang="zh-TW" dirty="0" smtClean="0"/>
               <a:t>Collect resource usage information </a:t>
             </a:r>
-            <a:endParaRPr lang="en-US" altLang="zh-TW" dirty="0" smtClean="0"/>
           </a:p>
           <a:p>
             <a:pPr lvl="1"/>
             <a:r>
               <a:rPr lang="en-US" altLang="zh-TW" dirty="0" smtClean="0"/>
-              <a:t>Schedule </a:t>
-            </a:r>
-            <a:r>
-              <a:rPr lang="en-US" altLang="zh-TW" dirty="0" smtClean="0"/>
-              <a:t>and assign </a:t>
-            </a:r>
-            <a:r>
-              <a:rPr lang="en-US" altLang="zh-TW" dirty="0" smtClean="0"/>
-              <a:t>jobs to nodes</a:t>
-            </a:r>
-            <a:endParaRPr lang="en-US" altLang="zh-TW" dirty="0" smtClean="0"/>
+              <a:t>Schedule and assign jobs to nodes</a:t>
+            </a:r>
           </a:p>
         </p:txBody>
       </p:sp>
@@ -6435,7 +6435,7 @@
   <p:timing>
     <p:tnLst>
       <p:par>
-        <p:cTn id="1" dur="indefinite" restart="never" nodeType="tmRoot"/>
+        <p:cTn xmlns:p14="http://schemas.microsoft.com/office/powerpoint/2010/main" id="1" dur="indefinite" restart="never" nodeType="tmRoot"/>
       </p:par>
     </p:tnLst>
   </p:timing>
@@ -7120,14 +7120,14 @@
       </p:sp>
       <p:pic>
         <p:nvPicPr>
-          <p:cNvPr id="28" name="Picture 27" descr="CodeCogsEqn(2).gif"/>
+          <p:cNvPr id="3" name="Picture 2" descr="CodeCogsEqn.gif"/>
           <p:cNvPicPr>
             <a:picLocks noChangeAspect="1"/>
           </p:cNvPicPr>
           <p:nvPr/>
         </p:nvPicPr>
         <p:blipFill>
-          <a:blip r:embed="rId2" cstate="email">
+          <a:blip r:embed="rId2">
             <a:extLst>
               <a:ext uri="{28A0092B-C50C-407E-A947-70E740481C1C}">
                 <a14:useLocalDpi xmlns:a14="http://schemas.microsoft.com/office/drawing/2010/main" val="0"/>
@@ -7140,8 +7140,8 @@
         </p:blipFill>
         <p:spPr>
           <a:xfrm>
-            <a:off x="1172589" y="5667642"/>
-            <a:ext cx="6805909" cy="796118"/>
+            <a:off x="1335951" y="5765266"/>
+            <a:ext cx="6479185" cy="755451"/>
           </a:xfrm>
           <a:prstGeom prst="rect">
             <a:avLst/>
@@ -7161,7 +7161,7 @@
   <p:timing>
     <p:tnLst>
       <p:par>
-        <p:cTn id="1" dur="indefinite" restart="never" nodeType="tmRoot">
+        <p:cTn xmlns:p14="http://schemas.microsoft.com/office/powerpoint/2010/main" id="1" dur="indefinite" restart="never" nodeType="tmRoot">
           <p:childTnLst>
             <p:seq concurrent="1" nextAc="seek">
               <p:cTn id="2" dur="indefinite" nodeType="mainSeq">
@@ -7415,33 +7415,6 @@
                                   </p:childTnLst>
                                 </p:cTn>
                               </p:par>
-                              <p:par>
-                                <p:cTn id="23" presetID="1" presetClass="entr" presetSubtype="0" fill="hold" nodeType="withEffect">
-                                  <p:stCondLst>
-                                    <p:cond delay="0"/>
-                                  </p:stCondLst>
-                                  <p:childTnLst>
-                                    <p:set>
-                                      <p:cBhvr>
-                                        <p:cTn id="24" dur="1" fill="hold">
-                                          <p:stCondLst>
-                                            <p:cond delay="0"/>
-                                          </p:stCondLst>
-                                        </p:cTn>
-                                        <p:tgtEl>
-                                          <p:spTgt spid="28"/>
-                                        </p:tgtEl>
-                                        <p:attrNameLst>
-                                          <p:attrName>style.visibility</p:attrName>
-                                        </p:attrNameLst>
-                                      </p:cBhvr>
-                                      <p:to>
-                                        <p:strVal val="visible"/>
-                                      </p:to>
-                                    </p:set>
-                                  </p:childTnLst>
-                                </p:cTn>
-                              </p:par>
                             </p:childTnLst>
                           </p:cTn>
                         </p:par>
@@ -7449,26 +7422,26 @@
                     </p:cTn>
                   </p:par>
                   <p:par>
-                    <p:cTn id="25" fill="hold">
+                    <p:cTn id="23" fill="hold">
                       <p:stCondLst>
                         <p:cond delay="indefinite"/>
                       </p:stCondLst>
                       <p:childTnLst>
                         <p:par>
-                          <p:cTn id="26" fill="hold">
+                          <p:cTn id="24" fill="hold">
                             <p:stCondLst>
                               <p:cond delay="0"/>
                             </p:stCondLst>
                             <p:childTnLst>
                               <p:par>
-                                <p:cTn id="27" presetID="1" presetClass="entr" presetSubtype="0" fill="hold" nodeType="clickEffect">
+                                <p:cTn id="25" presetID="1" presetClass="entr" presetSubtype="0" fill="hold" nodeType="clickEffect">
                                   <p:stCondLst>
                                     <p:cond delay="0"/>
                                   </p:stCondLst>
                                   <p:childTnLst>
                                     <p:set>
                                       <p:cBhvr>
-                                        <p:cTn id="28" dur="1" fill="hold">
+                                        <p:cTn id="26" dur="1" fill="hold">
                                           <p:stCondLst>
                                             <p:cond delay="0"/>
                                           </p:stCondLst>
@@ -7494,26 +7467,26 @@
                     </p:cTn>
                   </p:par>
                   <p:par>
-                    <p:cTn id="29" fill="hold">
+                    <p:cTn id="27" fill="hold">
                       <p:stCondLst>
                         <p:cond delay="indefinite"/>
                       </p:stCondLst>
                       <p:childTnLst>
                         <p:par>
-                          <p:cTn id="30" fill="hold">
+                          <p:cTn id="28" fill="hold">
                             <p:stCondLst>
                               <p:cond delay="0"/>
                             </p:stCondLst>
                             <p:childTnLst>
                               <p:par>
-                                <p:cTn id="31" presetID="1" presetClass="entr" presetSubtype="0" fill="hold" nodeType="clickEffect">
+                                <p:cTn id="29" presetID="1" presetClass="entr" presetSubtype="0" fill="hold" nodeType="clickEffect">
                                   <p:stCondLst>
                                     <p:cond delay="0"/>
                                   </p:stCondLst>
                                   <p:childTnLst>
                                     <p:set>
                                       <p:cBhvr>
-                                        <p:cTn id="32" dur="1" fill="hold">
+                                        <p:cTn id="30" dur="1" fill="hold">
                                           <p:stCondLst>
                                             <p:cond delay="0"/>
                                           </p:stCondLst>
@@ -7633,13 +7606,8 @@
           <a:p>
             <a:r>
               <a:rPr lang="en-US" altLang="zh-TW" dirty="0" smtClean="0"/>
-              <a:t>Apache </a:t>
-            </a:r>
-            <a:r>
-              <a:rPr lang="en-US" altLang="zh-TW" dirty="0" smtClean="0"/>
-              <a:t>Cassandra </a:t>
-            </a:r>
-            <a:endParaRPr lang="en-US" altLang="zh-TW" dirty="0" smtClean="0"/>
+              <a:t>Apache Cassandra </a:t>
+            </a:r>
           </a:p>
           <a:p>
             <a:pPr lvl="1"/>
@@ -7656,8 +7624,24 @@
             </a:r>
             <a:r>
               <a:rPr lang="en-US" altLang="zh-TW" dirty="0"/>
-              <a:t>and without our scheduler</a:t>
-            </a:r>
+              <a:t>and without our </a:t>
+            </a:r>
+            <a:r>
+              <a:rPr lang="en-US" altLang="zh-TW" dirty="0" smtClean="0"/>
+              <a:t>scheduler</a:t>
+            </a:r>
+          </a:p>
+          <a:p>
+            <a:pPr lvl="2"/>
+            <a:r>
+              <a:rPr lang="en-US" dirty="0"/>
+              <a:t>Implemented the scheduler in C</a:t>
+            </a:r>
+            <a:r>
+              <a:rPr lang="en-US" dirty="0" smtClean="0"/>
+              <a:t>assandra</a:t>
+            </a:r>
+            <a:endParaRPr lang="en-US" altLang="zh-TW" dirty="0"/>
           </a:p>
           <a:p>
             <a:pPr marL="457200" lvl="1" indent="0">
@@ -7684,36 +7668,15 @@
             <a:pPr lvl="1"/>
             <a:r>
               <a:rPr lang="en-US" altLang="zh-TW" dirty="0" smtClean="0"/>
-              <a:t>G</a:t>
-            </a:r>
+              <a:t>Generate queries for benchmarking</a:t>
+            </a:r>
+          </a:p>
+          <a:p>
+            <a:pPr lvl="1"/>
             <a:r>
               <a:rPr lang="en-US" altLang="zh-TW" dirty="0" smtClean="0"/>
-              <a:t>enerate </a:t>
-            </a:r>
-            <a:r>
-              <a:rPr lang="en-US" altLang="zh-TW" dirty="0" smtClean="0"/>
-              <a:t>queries for benchmarking</a:t>
-            </a:r>
-          </a:p>
-          <a:p>
-            <a:pPr lvl="1"/>
-            <a:r>
-              <a:rPr lang="en-US" altLang="zh-TW" dirty="0" smtClean="0"/>
-              <a:t>T</a:t>
-            </a:r>
-            <a:r>
-              <a:rPr lang="en-US" altLang="zh-TW" dirty="0" smtClean="0"/>
-              <a:t>est </a:t>
-            </a:r>
-            <a:r>
-              <a:rPr lang="en-US" altLang="zh-TW" dirty="0" smtClean="0"/>
-              <a:t>the performance of </a:t>
-            </a:r>
-            <a:r>
-              <a:rPr lang="en-US" altLang="zh-TW" dirty="0" smtClean="0"/>
-              <a:t>Cassandra</a:t>
-            </a:r>
-            <a:endParaRPr lang="en-US" altLang="zh-TW" dirty="0" smtClean="0"/>
+              <a:t>Test the performance of Cassandra</a:t>
+            </a:r>
           </a:p>
           <a:p>
             <a:endParaRPr lang="en-US" dirty="0"/>
@@ -7762,7 +7725,7 @@
   <p:timing>
     <p:tnLst>
       <p:par>
-        <p:cTn id="1" dur="indefinite" restart="never" nodeType="tmRoot"/>
+        <p:cTn xmlns:p14="http://schemas.microsoft.com/office/powerpoint/2010/main" id="1" dur="indefinite" restart="never" nodeType="tmRoot"/>
       </p:par>
     </p:tnLst>
   </p:timing>

--- a/PresentationSlides/Presentation.pptx
+++ b/PresentationSlides/Presentation.pptx
@@ -123,7 +123,7 @@
   </p:defaultTextStyle>
   <p:extLst>
     <p:ext uri="{EFAFB233-063F-42B5-8137-9DF3F51BA10A}">
-      <p15:sldGuideLst xmlns:p15="http://schemas.microsoft.com/office/powerpoint/2012/main" xmlns="">
+      <p15:sldGuideLst xmlns="" xmlns:p15="http://schemas.microsoft.com/office/powerpoint/2012/main">
         <p15:guide id="1" orient="horz" pos="2160">
           <p15:clr>
             <a:srgbClr val="A4A3A4"/>
@@ -145,7 +145,7 @@
   <p:cmAuthor id="1" name="Happier LIU" initials="HL" lastIdx="6" clrIdx="0">
     <p:extLst>
       <p:ext uri="{19B8F6BF-5375-455C-9EA6-DF929625EA0E}">
-        <p15:presenceInfo xmlns:p15="http://schemas.microsoft.com/office/powerpoint/2012/main" xmlns="" userId="dfbd9b513a1915c0" providerId="Windows Live"/>
+        <p15:presenceInfo xmlns="" xmlns:p15="http://schemas.microsoft.com/office/powerpoint/2012/main" userId="dfbd9b513a1915c0" providerId="Windows Live"/>
       </p:ext>
     </p:extLst>
   </p:cmAuthor>
@@ -159,7 +159,7 @@
     <p:text>I don't feel this slide is right, but not sure how to modify it. What does it mean by "scheduling reads‘? I think it's quite confusing</p:text>
     <p:extLst>
       <p:ext uri="{C676402C-5697-4E1C-873F-D02D1690AC5C}">
-        <p15:threadingInfo xmlns:p15="http://schemas.microsoft.com/office/powerpoint/2012/main" xmlns="" timeZoneBias="300"/>
+        <p15:threadingInfo xmlns="" xmlns:p15="http://schemas.microsoft.com/office/powerpoint/2012/main" timeZoneBias="300"/>
       </p:ext>
     </p:extLst>
   </p:cm>
@@ -173,7 +173,7 @@
     <p:text>reference here ?</p:text>
     <p:extLst>
       <p:ext uri="{C676402C-5697-4E1C-873F-D02D1690AC5C}">
-        <p15:threadingInfo xmlns:p15="http://schemas.microsoft.com/office/powerpoint/2012/main" xmlns="" timeZoneBias="300"/>
+        <p15:threadingInfo xmlns="" xmlns:p15="http://schemas.microsoft.com/office/powerpoint/2012/main" timeZoneBias="300"/>
       </p:ext>
     </p:extLst>
   </p:cm>
@@ -182,7 +182,7 @@
     <p:text>and i think this slide is confusing too. maybe because i don't have tht related work background</p:text>
     <p:extLst>
       <p:ext uri="{C676402C-5697-4E1C-873F-D02D1690AC5C}">
-        <p15:threadingInfo xmlns:p15="http://schemas.microsoft.com/office/powerpoint/2012/main" xmlns="" timeZoneBias="300">
+        <p15:threadingInfo xmlns="" xmlns:p15="http://schemas.microsoft.com/office/powerpoint/2012/main" timeZoneBias="300">
           <p15:parentCm authorId="1" idx="2"/>
         </p15:threadingInfo>
       </p:ext>
@@ -198,7 +198,7 @@
     <p:text>Does this kind of leave the impression on people that after the master gets a query, it asks for the resource usage information ?</p:text>
     <p:extLst>
       <p:ext uri="{C676402C-5697-4E1C-873F-D02D1690AC5C}">
-        <p15:threadingInfo xmlns:p15="http://schemas.microsoft.com/office/powerpoint/2012/main" xmlns="" timeZoneBias="300"/>
+        <p15:threadingInfo xmlns="" xmlns:p15="http://schemas.microsoft.com/office/powerpoint/2012/main" timeZoneBias="300"/>
       </p:ext>
     </p:extLst>
   </p:cm>
@@ -212,7 +212,7 @@
     <p:text>what is the purpose of this slide compared to slide 6 ?</p:text>
     <p:extLst>
       <p:ext uri="{C676402C-5697-4E1C-873F-D02D1690AC5C}">
-        <p15:threadingInfo xmlns:p15="http://schemas.microsoft.com/office/powerpoint/2012/main" xmlns="" timeZoneBias="300"/>
+        <p15:threadingInfo xmlns="" xmlns:p15="http://schemas.microsoft.com/office/powerpoint/2012/main" timeZoneBias="300"/>
       </p:ext>
     </p:extLst>
   </p:cm>
@@ -3743,13 +3743,8 @@
             <a:pPr lvl="1"/>
             <a:r>
               <a:rPr lang="en-US" altLang="zh-TW" dirty="0" smtClean="0"/>
-              <a:t>Average improvement = </a:t>
-            </a:r>
-            <a:r>
-              <a:rPr lang="en-US" altLang="zh-TW" dirty="0" smtClean="0"/>
-              <a:t>151 operations/second</a:t>
-            </a:r>
-            <a:endParaRPr lang="en-US" altLang="zh-TW" dirty="0" smtClean="0"/>
+              <a:t>Average improvement = 151 operations/second</a:t>
+            </a:r>
           </a:p>
           <a:p>
             <a:r>
@@ -3859,11 +3854,7 @@
           <a:p>
             <a:r>
               <a:rPr lang="en-US" dirty="0" smtClean="0"/>
-              <a:t>Examining </a:t>
-            </a:r>
-            <a:r>
-              <a:rPr lang="en-US" dirty="0" smtClean="0"/>
-              <a:t>how the CPU and memory usage affect the time to process one query </a:t>
+              <a:t>Examining how the CPU and memory usage affect the time to process one query </a:t>
             </a:r>
           </a:p>
           <a:p>
@@ -4021,7 +4012,7 @@
       </p:sp>
       <p:pic>
         <p:nvPicPr>
-          <p:cNvPr id="5" name="Picture 4" descr="plot5.pdf"/>
+          <p:cNvPr id="3" name="Picture 2" descr="plot5.pdf"/>
           <p:cNvPicPr>
             <a:picLocks noChangeAspect="1"/>
           </p:cNvPicPr>
@@ -4041,7 +4032,7 @@
         </p:blipFill>
         <p:spPr>
           <a:xfrm rot="5400000">
-            <a:off x="1917700" y="277668"/>
+            <a:off x="1917700" y="396908"/>
             <a:ext cx="5299364" cy="6858000"/>
           </a:xfrm>
           <a:prstGeom prst="rect">
@@ -4129,7 +4120,6 @@
               <a:rPr lang="en-US" altLang="zh-TW" dirty="0" smtClean="0"/>
               <a:t>Simplistic workload</a:t>
             </a:r>
-            <a:endParaRPr lang="en-US" altLang="zh-TW" dirty="0" smtClean="0"/>
           </a:p>
           <a:p>
             <a:pPr lvl="1"/>
@@ -4139,11 +4129,7 @@
             </a:r>
             <a:r>
               <a:rPr lang="en-US" altLang="zh-TW" dirty="0" smtClean="0"/>
-              <a:t>are </a:t>
-            </a:r>
-            <a:r>
-              <a:rPr lang="en-US" altLang="zh-TW" dirty="0" smtClean="0"/>
-              <a:t>small</a:t>
+              <a:t>are small</a:t>
             </a:r>
             <a:r>
               <a:rPr lang="en-US" altLang="zh-TW" dirty="0"/>
@@ -4157,23 +4143,14 @@
           <a:p>
             <a:r>
               <a:rPr lang="en-US" altLang="zh-TW" dirty="0" smtClean="0"/>
-              <a:t>Unable to congest the network </a:t>
-            </a:r>
+              <a:t>Unable to congest the network meaningfully</a:t>
+            </a:r>
+          </a:p>
+          <a:p>
+            <a:pPr lvl="1"/>
             <a:r>
               <a:rPr lang="en-US" altLang="zh-TW" dirty="0" smtClean="0"/>
-              <a:t>meaningfully</a:t>
-            </a:r>
-            <a:endParaRPr lang="en-US" altLang="zh-TW" dirty="0" smtClean="0"/>
-          </a:p>
-          <a:p>
-            <a:pPr lvl="1"/>
-            <a:r>
-              <a:rPr lang="en-US" altLang="zh-TW" dirty="0" smtClean="0"/>
-              <a:t>All servers are collocated on the same rack</a:t>
-            </a:r>
-            <a:r>
-              <a:rPr lang="en-US" altLang="zh-TW" dirty="0" smtClean="0"/>
-              <a:t>, </a:t>
+              <a:t>All servers are collocated on the same rack, </a:t>
             </a:r>
             <a:r>
               <a:rPr lang="en-US" altLang="zh-TW" dirty="0"/>
@@ -4181,25 +4158,13 @@
             </a:r>
             <a:r>
               <a:rPr lang="en-US" altLang="zh-TW" dirty="0" smtClean="0"/>
-              <a:t>is never </a:t>
-            </a:r>
+              <a:t>is never congested</a:t>
+            </a:r>
+          </a:p>
+          <a:p>
             <a:r>
               <a:rPr lang="en-US" altLang="zh-TW" dirty="0" smtClean="0"/>
-              <a:t>congested</a:t>
-            </a:r>
-          </a:p>
-          <a:p>
-            <a:r>
-              <a:rPr lang="en-US" altLang="zh-TW" dirty="0" smtClean="0"/>
-              <a:t>No </a:t>
-            </a:r>
-            <a:r>
-              <a:rPr lang="en-US" altLang="zh-TW" dirty="0" smtClean="0"/>
-              <a:t>disk </a:t>
-            </a:r>
-            <a:r>
-              <a:rPr lang="en-US" altLang="zh-TW" dirty="0" smtClean="0"/>
-              <a:t>information</a:t>
+              <a:t>No disk information</a:t>
             </a:r>
           </a:p>
           <a:p>
@@ -4208,36 +4173,18 @@
               <a:rPr lang="en-US" altLang="zh-TW" dirty="0" smtClean="0"/>
               <a:t>We do not take hard disk accesses into account</a:t>
             </a:r>
-            <a:endParaRPr lang="en-US" altLang="zh-TW" dirty="0" smtClean="0"/>
           </a:p>
           <a:p>
             <a:r>
               <a:rPr lang="en-US" altLang="zh-TW" dirty="0" smtClean="0"/>
-              <a:t>Do not have access </a:t>
-            </a:r>
+              <a:t>Do not have access to a real datacenter (I don’t think we need this)</a:t>
+            </a:r>
+          </a:p>
+          <a:p>
+            <a:pPr lvl="1"/>
             <a:r>
               <a:rPr lang="en-US" altLang="zh-TW" dirty="0" smtClean="0"/>
-              <a:t>to a </a:t>
-            </a:r>
-            <a:r>
-              <a:rPr lang="en-US" altLang="zh-TW" dirty="0" smtClean="0"/>
-              <a:t>real </a:t>
-            </a:r>
-            <a:r>
-              <a:rPr lang="en-US" altLang="zh-TW" dirty="0" smtClean="0"/>
-              <a:t>datacenter (I don’t think we need this)</a:t>
-            </a:r>
-            <a:endParaRPr lang="en-US" altLang="zh-TW" dirty="0" smtClean="0"/>
-          </a:p>
-          <a:p>
-            <a:pPr lvl="1"/>
-            <a:r>
-              <a:rPr lang="en-US" altLang="zh-TW" dirty="0" smtClean="0"/>
-              <a:t>Limite</a:t>
-            </a:r>
-            <a:r>
-              <a:rPr lang="en-US" altLang="zh-TW" dirty="0" smtClean="0"/>
-              <a:t>d test environment</a:t>
+              <a:t>Limited test environment</a:t>
             </a:r>
             <a:endParaRPr lang="zh-TW" altLang="en-US" dirty="0"/>
           </a:p>
@@ -4347,24 +4294,14 @@
             </a:r>
             <a:r>
               <a:rPr lang="en-US" altLang="zh-TW" dirty="0" smtClean="0"/>
-              <a:t>slightly </a:t>
-            </a:r>
-            <a:r>
-              <a:rPr lang="en-US" altLang="zh-TW" dirty="0" smtClean="0"/>
-              <a:t>better performance than the ordinary scheduling </a:t>
-            </a:r>
-            <a:r>
-              <a:rPr lang="en-US" altLang="zh-TW" dirty="0" smtClean="0"/>
-              <a:t>algorithm</a:t>
-            </a:r>
-            <a:endParaRPr lang="en-US" altLang="zh-TW" dirty="0" smtClean="0"/>
+              <a:t>slightly better performance than the ordinary scheduling algorithm</a:t>
+            </a:r>
           </a:p>
           <a:p>
             <a:r>
               <a:rPr lang="en-US" altLang="zh-TW" dirty="0" smtClean="0"/>
               <a:t>Scheduling queries based upon only CPU Usage and Memory seems to be insufficient</a:t>
             </a:r>
-            <a:endParaRPr lang="en-US" altLang="zh-TW" dirty="0" smtClean="0"/>
           </a:p>
           <a:p>
             <a:pPr lvl="1"/>
@@ -4497,24 +4434,14 @@
           <a:p>
             <a:r>
               <a:rPr lang="en-US" altLang="zh-TW" dirty="0" smtClean="0"/>
-              <a:t>Test with more complex real </a:t>
-            </a:r>
+              <a:t>Test with more complex real queries</a:t>
+            </a:r>
+          </a:p>
+          <a:p>
             <a:r>
               <a:rPr lang="en-US" altLang="zh-TW" dirty="0" smtClean="0"/>
-              <a:t>queries</a:t>
-            </a:r>
-            <a:endParaRPr lang="en-US" altLang="zh-TW" dirty="0" smtClean="0"/>
-          </a:p>
-          <a:p>
-            <a:r>
-              <a:rPr lang="en-US" altLang="zh-TW" dirty="0" smtClean="0"/>
-              <a:t>Test with multiple </a:t>
-            </a:r>
-            <a:r>
-              <a:rPr lang="en-US" altLang="zh-TW" dirty="0" smtClean="0"/>
-              <a:t>databases on the cluster</a:t>
-            </a:r>
-            <a:endParaRPr lang="en-US" altLang="zh-TW" dirty="0" smtClean="0"/>
+              <a:t>Test with multiple databases on the cluster</a:t>
+            </a:r>
           </a:p>
           <a:p>
             <a:r>
@@ -4525,11 +4452,7 @@
           <a:p>
             <a:r>
               <a:rPr lang="en-US" altLang="zh-TW" dirty="0" smtClean="0"/>
-              <a:t>Consider a query distributed across multiple nodes in </a:t>
-            </a:r>
-            <a:r>
-              <a:rPr lang="en-US" altLang="zh-TW" dirty="0" smtClean="0"/>
-              <a:t>cluster (not needed)</a:t>
+              <a:t>Consider a query distributed across multiple nodes in cluster (not needed)</a:t>
             </a:r>
             <a:endParaRPr lang="zh-TW" altLang="en-US" dirty="0"/>
           </a:p>
@@ -4819,19 +4742,7 @@
           <a:p>
             <a:r>
               <a:rPr lang="en-US" dirty="0" smtClean="0"/>
-              <a:t>Typically, </a:t>
-            </a:r>
-            <a:r>
-              <a:rPr lang="en-US" dirty="0" smtClean="0"/>
-              <a:t>a query </a:t>
-            </a:r>
-            <a:r>
-              <a:rPr lang="en-US" dirty="0" smtClean="0"/>
-              <a:t>is only </a:t>
-            </a:r>
-            <a:r>
-              <a:rPr lang="en-US" dirty="0" smtClean="0"/>
-              <a:t>assigned based </a:t>
+              <a:t>Typically, a query is only assigned based </a:t>
             </a:r>
             <a:r>
               <a:rPr lang="en-US" dirty="0"/>

--- a/PresentationSlides/Presentation.pptx
+++ b/PresentationSlides/Presentation.pptx
@@ -4,25 +4,26 @@
   <p:sldMasterIdLst>
     <p:sldMasterId id="2147483675" r:id="rId1"/>
   </p:sldMasterIdLst>
+  <p:notesMasterIdLst>
+    <p:notesMasterId r:id="rId18"/>
+  </p:notesMasterIdLst>
   <p:sldIdLst>
     <p:sldId id="256" r:id="rId2"/>
     <p:sldId id="257" r:id="rId3"/>
     <p:sldId id="258" r:id="rId4"/>
-    <p:sldId id="268" r:id="rId5"/>
-    <p:sldId id="266" r:id="rId6"/>
-    <p:sldId id="269" r:id="rId7"/>
-    <p:sldId id="267" r:id="rId8"/>
-    <p:sldId id="270" r:id="rId9"/>
-    <p:sldId id="260" r:id="rId10"/>
-    <p:sldId id="274" r:id="rId11"/>
-    <p:sldId id="261" r:id="rId12"/>
-    <p:sldId id="271" r:id="rId13"/>
-    <p:sldId id="262" r:id="rId14"/>
-    <p:sldId id="273" r:id="rId15"/>
-    <p:sldId id="275" r:id="rId16"/>
-    <p:sldId id="263" r:id="rId17"/>
-    <p:sldId id="264" r:id="rId18"/>
-    <p:sldId id="265" r:id="rId19"/>
+    <p:sldId id="266" r:id="rId5"/>
+    <p:sldId id="269" r:id="rId6"/>
+    <p:sldId id="267" r:id="rId7"/>
+    <p:sldId id="270" r:id="rId8"/>
+    <p:sldId id="260" r:id="rId9"/>
+    <p:sldId id="274" r:id="rId10"/>
+    <p:sldId id="261" r:id="rId11"/>
+    <p:sldId id="262" r:id="rId12"/>
+    <p:sldId id="273" r:id="rId13"/>
+    <p:sldId id="275" r:id="rId14"/>
+    <p:sldId id="263" r:id="rId15"/>
+    <p:sldId id="264" r:id="rId16"/>
+    <p:sldId id="265" r:id="rId17"/>
   </p:sldIdLst>
   <p:sldSz cx="9144000" cy="6858000" type="screen4x3"/>
   <p:notesSz cx="6858000" cy="9144000"/>
@@ -123,7 +124,7 @@
   </p:defaultTextStyle>
   <p:extLst>
     <p:ext uri="{EFAFB233-063F-42B5-8137-9DF3F51BA10A}">
-      <p15:sldGuideLst xmlns="" xmlns:p15="http://schemas.microsoft.com/office/powerpoint/2012/main">
+      <p15:sldGuideLst xmlns:p15="http://schemas.microsoft.com/office/powerpoint/2012/main">
         <p15:guide id="1" orient="horz" pos="2160">
           <p15:clr>
             <a:srgbClr val="A4A3A4"/>
@@ -145,78 +146,445 @@
   <p:cmAuthor id="1" name="Happier LIU" initials="HL" lastIdx="6" clrIdx="0">
     <p:extLst>
       <p:ext uri="{19B8F6BF-5375-455C-9EA6-DF929625EA0E}">
-        <p15:presenceInfo xmlns="" xmlns:p15="http://schemas.microsoft.com/office/powerpoint/2012/main" userId="dfbd9b513a1915c0" providerId="Windows Live"/>
+        <p15:presenceInfo xmlns:p15="http://schemas.microsoft.com/office/powerpoint/2012/main" userId="dfbd9b513a1915c0" providerId="Windows Live"/>
       </p:ext>
     </p:extLst>
   </p:cmAuthor>
 </p:cmAuthorLst>
 </file>
 
-<file path=ppt/comments/comment1.xml><?xml version="1.0" encoding="utf-8"?>
-<p:cmLst xmlns:a="http://schemas.openxmlformats.org/drawingml/2006/main" xmlns:r="http://schemas.openxmlformats.org/officeDocument/2006/relationships" xmlns:p="http://schemas.openxmlformats.org/presentationml/2006/main">
-  <p:cm authorId="1" dt="2012-11-30T22:16:27.327" idx="1">
-    <p:pos x="10" y="10"/>
-    <p:text>I don't feel this slide is right, but not sure how to modify it. What does it mean by "scheduling reads‘? I think it's quite confusing</p:text>
+<file path=ppt/notesMasters/notesMaster1.xml><?xml version="1.0" encoding="utf-8"?>
+<p:notesMaster xmlns:a="http://schemas.openxmlformats.org/drawingml/2006/main" xmlns:r="http://schemas.openxmlformats.org/officeDocument/2006/relationships" xmlns:p="http://schemas.openxmlformats.org/presentationml/2006/main">
+  <p:cSld>
+    <p:bg>
+      <p:bgRef idx="1001">
+        <a:schemeClr val="bg1"/>
+      </p:bgRef>
+    </p:bg>
+    <p:spTree>
+      <p:nvGrpSpPr>
+        <p:cNvPr id="1" name=""/>
+        <p:cNvGrpSpPr/>
+        <p:nvPr/>
+      </p:nvGrpSpPr>
+      <p:grpSpPr>
+        <a:xfrm>
+          <a:off x="0" y="0"/>
+          <a:ext cx="0" cy="0"/>
+          <a:chOff x="0" y="0"/>
+          <a:chExt cx="0" cy="0"/>
+        </a:xfrm>
+      </p:grpSpPr>
+      <p:sp>
+        <p:nvSpPr>
+          <p:cNvPr id="2" name="Header Placeholder 1"/>
+          <p:cNvSpPr>
+            <a:spLocks noGrp="1"/>
+          </p:cNvSpPr>
+          <p:nvPr>
+            <p:ph type="hdr" sz="quarter"/>
+          </p:nvPr>
+        </p:nvSpPr>
+        <p:spPr>
+          <a:xfrm>
+            <a:off x="0" y="0"/>
+            <a:ext cx="2971800" cy="458788"/>
+          </a:xfrm>
+          <a:prstGeom prst="rect">
+            <a:avLst/>
+          </a:prstGeom>
+        </p:spPr>
+        <p:txBody>
+          <a:bodyPr vert="horz" lIns="91440" tIns="45720" rIns="91440" bIns="45720" rtlCol="0"/>
+          <a:lstStyle>
+            <a:lvl1pPr algn="l">
+              <a:defRPr sz="1200"/>
+            </a:lvl1pPr>
+          </a:lstStyle>
+          <a:p>
+            <a:endParaRPr lang="en-US"/>
+          </a:p>
+        </p:txBody>
+      </p:sp>
+      <p:sp>
+        <p:nvSpPr>
+          <p:cNvPr id="3" name="Date Placeholder 2"/>
+          <p:cNvSpPr>
+            <a:spLocks noGrp="1"/>
+          </p:cNvSpPr>
+          <p:nvPr>
+            <p:ph type="dt" idx="1"/>
+          </p:nvPr>
+        </p:nvSpPr>
+        <p:spPr>
+          <a:xfrm>
+            <a:off x="3884613" y="0"/>
+            <a:ext cx="2971800" cy="458788"/>
+          </a:xfrm>
+          <a:prstGeom prst="rect">
+            <a:avLst/>
+          </a:prstGeom>
+        </p:spPr>
+        <p:txBody>
+          <a:bodyPr vert="horz" lIns="91440" tIns="45720" rIns="91440" bIns="45720" rtlCol="0"/>
+          <a:lstStyle>
+            <a:lvl1pPr algn="r">
+              <a:defRPr sz="1200"/>
+            </a:lvl1pPr>
+          </a:lstStyle>
+          <a:p>
+            <a:fld id="{A4F31AE2-B6D5-4905-8CC5-C746D3DE137B}" type="datetimeFigureOut">
+              <a:rPr lang="en-US" smtClean="0"/>
+              <a:t>12/1/2012</a:t>
+            </a:fld>
+            <a:endParaRPr lang="en-US"/>
+          </a:p>
+        </p:txBody>
+      </p:sp>
+      <p:sp>
+        <p:nvSpPr>
+          <p:cNvPr id="4" name="Slide Image Placeholder 3"/>
+          <p:cNvSpPr>
+            <a:spLocks noGrp="1" noRot="1" noChangeAspect="1"/>
+          </p:cNvSpPr>
+          <p:nvPr>
+            <p:ph type="sldImg" idx="2"/>
+          </p:nvPr>
+        </p:nvSpPr>
+        <p:spPr>
+          <a:xfrm>
+            <a:off x="1371600" y="1143000"/>
+            <a:ext cx="4114800" cy="3086100"/>
+          </a:xfrm>
+          <a:prstGeom prst="rect">
+            <a:avLst/>
+          </a:prstGeom>
+          <a:noFill/>
+          <a:ln w="12700">
+            <a:solidFill>
+              <a:prstClr val="black"/>
+            </a:solidFill>
+          </a:ln>
+        </p:spPr>
+        <p:txBody>
+          <a:bodyPr vert="horz" lIns="91440" tIns="45720" rIns="91440" bIns="45720" rtlCol="0" anchor="ctr"/>
+          <a:lstStyle/>
+          <a:p>
+            <a:endParaRPr lang="en-US"/>
+          </a:p>
+        </p:txBody>
+      </p:sp>
+      <p:sp>
+        <p:nvSpPr>
+          <p:cNvPr id="5" name="Notes Placeholder 4"/>
+          <p:cNvSpPr>
+            <a:spLocks noGrp="1"/>
+          </p:cNvSpPr>
+          <p:nvPr>
+            <p:ph type="body" sz="quarter" idx="3"/>
+          </p:nvPr>
+        </p:nvSpPr>
+        <p:spPr>
+          <a:xfrm>
+            <a:off x="685800" y="4400550"/>
+            <a:ext cx="5486400" cy="3600450"/>
+          </a:xfrm>
+          <a:prstGeom prst="rect">
+            <a:avLst/>
+          </a:prstGeom>
+        </p:spPr>
+        <p:txBody>
+          <a:bodyPr vert="horz" lIns="91440" tIns="45720" rIns="91440" bIns="45720" rtlCol="0"/>
+          <a:lstStyle/>
+          <a:p>
+            <a:pPr lvl="0"/>
+            <a:r>
+              <a:rPr lang="en-US" smtClean="0"/>
+              <a:t>Click to edit Master text styles</a:t>
+            </a:r>
+          </a:p>
+          <a:p>
+            <a:pPr lvl="1"/>
+            <a:r>
+              <a:rPr lang="en-US" smtClean="0"/>
+              <a:t>Second level</a:t>
+            </a:r>
+          </a:p>
+          <a:p>
+            <a:pPr lvl="2"/>
+            <a:r>
+              <a:rPr lang="en-US" smtClean="0"/>
+              <a:t>Third level</a:t>
+            </a:r>
+          </a:p>
+          <a:p>
+            <a:pPr lvl="3"/>
+            <a:r>
+              <a:rPr lang="en-US" smtClean="0"/>
+              <a:t>Fourth level</a:t>
+            </a:r>
+          </a:p>
+          <a:p>
+            <a:pPr lvl="4"/>
+            <a:r>
+              <a:rPr lang="en-US" smtClean="0"/>
+              <a:t>Fifth level</a:t>
+            </a:r>
+            <a:endParaRPr lang="en-US"/>
+          </a:p>
+        </p:txBody>
+      </p:sp>
+      <p:sp>
+        <p:nvSpPr>
+          <p:cNvPr id="6" name="Footer Placeholder 5"/>
+          <p:cNvSpPr>
+            <a:spLocks noGrp="1"/>
+          </p:cNvSpPr>
+          <p:nvPr>
+            <p:ph type="ftr" sz="quarter" idx="4"/>
+          </p:nvPr>
+        </p:nvSpPr>
+        <p:spPr>
+          <a:xfrm>
+            <a:off x="0" y="8685213"/>
+            <a:ext cx="2971800" cy="458787"/>
+          </a:xfrm>
+          <a:prstGeom prst="rect">
+            <a:avLst/>
+          </a:prstGeom>
+        </p:spPr>
+        <p:txBody>
+          <a:bodyPr vert="horz" lIns="91440" tIns="45720" rIns="91440" bIns="45720" rtlCol="0" anchor="b"/>
+          <a:lstStyle>
+            <a:lvl1pPr algn="l">
+              <a:defRPr sz="1200"/>
+            </a:lvl1pPr>
+          </a:lstStyle>
+          <a:p>
+            <a:endParaRPr lang="en-US"/>
+          </a:p>
+        </p:txBody>
+      </p:sp>
+      <p:sp>
+        <p:nvSpPr>
+          <p:cNvPr id="7" name="Slide Number Placeholder 6"/>
+          <p:cNvSpPr>
+            <a:spLocks noGrp="1"/>
+          </p:cNvSpPr>
+          <p:nvPr>
+            <p:ph type="sldNum" sz="quarter" idx="5"/>
+          </p:nvPr>
+        </p:nvSpPr>
+        <p:spPr>
+          <a:xfrm>
+            <a:off x="3884613" y="8685213"/>
+            <a:ext cx="2971800" cy="458787"/>
+          </a:xfrm>
+          <a:prstGeom prst="rect">
+            <a:avLst/>
+          </a:prstGeom>
+        </p:spPr>
+        <p:txBody>
+          <a:bodyPr vert="horz" lIns="91440" tIns="45720" rIns="91440" bIns="45720" rtlCol="0" anchor="b"/>
+          <a:lstStyle>
+            <a:lvl1pPr algn="r">
+              <a:defRPr sz="1200"/>
+            </a:lvl1pPr>
+          </a:lstStyle>
+          <a:p>
+            <a:fld id="{81EC9B18-E850-4312-A5F8-A0C407AF97CD}" type="slidenum">
+              <a:rPr lang="en-US" smtClean="0"/>
+              <a:t>‹#›</a:t>
+            </a:fld>
+            <a:endParaRPr lang="en-US"/>
+          </a:p>
+        </p:txBody>
+      </p:sp>
+    </p:spTree>
     <p:extLst>
-      <p:ext uri="{C676402C-5697-4E1C-873F-D02D1690AC5C}">
-        <p15:threadingInfo xmlns="" xmlns:p15="http://schemas.microsoft.com/office/powerpoint/2012/main" timeZoneBias="300"/>
+      <p:ext uri="{BB962C8B-B14F-4D97-AF65-F5344CB8AC3E}">
+        <p14:creationId xmlns:p14="http://schemas.microsoft.com/office/powerpoint/2010/main" val="3893496743"/>
       </p:ext>
     </p:extLst>
-  </p:cm>
-</p:cmLst>
+  </p:cSld>
+  <p:clrMap bg1="lt1" tx1="dk1" bg2="lt2" tx2="dk2" accent1="accent1" accent2="accent2" accent3="accent3" accent4="accent4" accent5="accent5" accent6="accent6" hlink="hlink" folHlink="folHlink"/>
+  <p:notesStyle>
+    <a:lvl1pPr marL="0" algn="l" defTabSz="914400" rtl="0" eaLnBrk="1" latinLnBrk="0" hangingPunct="1">
+      <a:defRPr sz="1200" kern="1200">
+        <a:solidFill>
+          <a:schemeClr val="tx1"/>
+        </a:solidFill>
+        <a:latin typeface="+mn-lt"/>
+        <a:ea typeface="+mn-ea"/>
+        <a:cs typeface="+mn-cs"/>
+      </a:defRPr>
+    </a:lvl1pPr>
+    <a:lvl2pPr marL="457200" algn="l" defTabSz="914400" rtl="0" eaLnBrk="1" latinLnBrk="0" hangingPunct="1">
+      <a:defRPr sz="1200" kern="1200">
+        <a:solidFill>
+          <a:schemeClr val="tx1"/>
+        </a:solidFill>
+        <a:latin typeface="+mn-lt"/>
+        <a:ea typeface="+mn-ea"/>
+        <a:cs typeface="+mn-cs"/>
+      </a:defRPr>
+    </a:lvl2pPr>
+    <a:lvl3pPr marL="914400" algn="l" defTabSz="914400" rtl="0" eaLnBrk="1" latinLnBrk="0" hangingPunct="1">
+      <a:defRPr sz="1200" kern="1200">
+        <a:solidFill>
+          <a:schemeClr val="tx1"/>
+        </a:solidFill>
+        <a:latin typeface="+mn-lt"/>
+        <a:ea typeface="+mn-ea"/>
+        <a:cs typeface="+mn-cs"/>
+      </a:defRPr>
+    </a:lvl3pPr>
+    <a:lvl4pPr marL="1371600" algn="l" defTabSz="914400" rtl="0" eaLnBrk="1" latinLnBrk="0" hangingPunct="1">
+      <a:defRPr sz="1200" kern="1200">
+        <a:solidFill>
+          <a:schemeClr val="tx1"/>
+        </a:solidFill>
+        <a:latin typeface="+mn-lt"/>
+        <a:ea typeface="+mn-ea"/>
+        <a:cs typeface="+mn-cs"/>
+      </a:defRPr>
+    </a:lvl4pPr>
+    <a:lvl5pPr marL="1828800" algn="l" defTabSz="914400" rtl="0" eaLnBrk="1" latinLnBrk="0" hangingPunct="1">
+      <a:defRPr sz="1200" kern="1200">
+        <a:solidFill>
+          <a:schemeClr val="tx1"/>
+        </a:solidFill>
+        <a:latin typeface="+mn-lt"/>
+        <a:ea typeface="+mn-ea"/>
+        <a:cs typeface="+mn-cs"/>
+      </a:defRPr>
+    </a:lvl5pPr>
+    <a:lvl6pPr marL="2286000" algn="l" defTabSz="914400" rtl="0" eaLnBrk="1" latinLnBrk="0" hangingPunct="1">
+      <a:defRPr sz="1200" kern="1200">
+        <a:solidFill>
+          <a:schemeClr val="tx1"/>
+        </a:solidFill>
+        <a:latin typeface="+mn-lt"/>
+        <a:ea typeface="+mn-ea"/>
+        <a:cs typeface="+mn-cs"/>
+      </a:defRPr>
+    </a:lvl6pPr>
+    <a:lvl7pPr marL="2743200" algn="l" defTabSz="914400" rtl="0" eaLnBrk="1" latinLnBrk="0" hangingPunct="1">
+      <a:defRPr sz="1200" kern="1200">
+        <a:solidFill>
+          <a:schemeClr val="tx1"/>
+        </a:solidFill>
+        <a:latin typeface="+mn-lt"/>
+        <a:ea typeface="+mn-ea"/>
+        <a:cs typeface="+mn-cs"/>
+      </a:defRPr>
+    </a:lvl7pPr>
+    <a:lvl8pPr marL="3200400" algn="l" defTabSz="914400" rtl="0" eaLnBrk="1" latinLnBrk="0" hangingPunct="1">
+      <a:defRPr sz="1200" kern="1200">
+        <a:solidFill>
+          <a:schemeClr val="tx1"/>
+        </a:solidFill>
+        <a:latin typeface="+mn-lt"/>
+        <a:ea typeface="+mn-ea"/>
+        <a:cs typeface="+mn-cs"/>
+      </a:defRPr>
+    </a:lvl8pPr>
+    <a:lvl9pPr marL="3657600" algn="l" defTabSz="914400" rtl="0" eaLnBrk="1" latinLnBrk="0" hangingPunct="1">
+      <a:defRPr sz="1200" kern="1200">
+        <a:solidFill>
+          <a:schemeClr val="tx1"/>
+        </a:solidFill>
+        <a:latin typeface="+mn-lt"/>
+        <a:ea typeface="+mn-ea"/>
+        <a:cs typeface="+mn-cs"/>
+      </a:defRPr>
+    </a:lvl9pPr>
+  </p:notesStyle>
+</p:notesMaster>
 </file>
 
-<file path=ppt/comments/comment2.xml><?xml version="1.0" encoding="utf-8"?>
-<p:cmLst xmlns:a="http://schemas.openxmlformats.org/drawingml/2006/main" xmlns:r="http://schemas.openxmlformats.org/officeDocument/2006/relationships" xmlns:p="http://schemas.openxmlformats.org/presentationml/2006/main">
-  <p:cm authorId="1" dt="2012-11-30T22:19:39.686" idx="2">
-    <p:pos x="10" y="10"/>
-    <p:text>reference here ?</p:text>
+<file path=ppt/notesSlides/notesSlide1.xml><?xml version="1.0" encoding="utf-8"?>
+<p:notes xmlns:a="http://schemas.openxmlformats.org/drawingml/2006/main" xmlns:r="http://schemas.openxmlformats.org/officeDocument/2006/relationships" xmlns:p="http://schemas.openxmlformats.org/presentationml/2006/main">
+  <p:cSld>
+    <p:spTree>
+      <p:nvGrpSpPr>
+        <p:cNvPr id="1" name=""/>
+        <p:cNvGrpSpPr/>
+        <p:nvPr/>
+      </p:nvGrpSpPr>
+      <p:grpSpPr>
+        <a:xfrm>
+          <a:off x="0" y="0"/>
+          <a:ext cx="0" cy="0"/>
+          <a:chOff x="0" y="0"/>
+          <a:chExt cx="0" cy="0"/>
+        </a:xfrm>
+      </p:grpSpPr>
+      <p:sp>
+        <p:nvSpPr>
+          <p:cNvPr id="2" name="Slide Image Placeholder 1"/>
+          <p:cNvSpPr>
+            <a:spLocks noGrp="1" noRot="1" noChangeAspect="1"/>
+          </p:cNvSpPr>
+          <p:nvPr>
+            <p:ph type="sldImg"/>
+          </p:nvPr>
+        </p:nvSpPr>
+        <p:spPr/>
+      </p:sp>
+      <p:sp>
+        <p:nvSpPr>
+          <p:cNvPr id="3" name="Notes Placeholder 2"/>
+          <p:cNvSpPr>
+            <a:spLocks noGrp="1"/>
+          </p:cNvSpPr>
+          <p:nvPr>
+            <p:ph type="body" idx="1"/>
+          </p:nvPr>
+        </p:nvSpPr>
+        <p:spPr/>
+        <p:txBody>
+          <a:bodyPr/>
+          <a:lstStyle/>
+          <a:p>
+            <a:endParaRPr lang="en-US"/>
+          </a:p>
+        </p:txBody>
+      </p:sp>
+      <p:sp>
+        <p:nvSpPr>
+          <p:cNvPr id="4" name="Slide Number Placeholder 3"/>
+          <p:cNvSpPr>
+            <a:spLocks noGrp="1"/>
+          </p:cNvSpPr>
+          <p:nvPr>
+            <p:ph type="sldNum" sz="quarter" idx="10"/>
+          </p:nvPr>
+        </p:nvSpPr>
+        <p:spPr/>
+        <p:txBody>
+          <a:bodyPr/>
+          <a:lstStyle/>
+          <a:p>
+            <a:fld id="{81EC9B18-E850-4312-A5F8-A0C407AF97CD}" type="slidenum">
+              <a:rPr lang="en-US" smtClean="0"/>
+              <a:t>6</a:t>
+            </a:fld>
+            <a:endParaRPr lang="en-US"/>
+          </a:p>
+        </p:txBody>
+      </p:sp>
+    </p:spTree>
     <p:extLst>
-      <p:ext uri="{C676402C-5697-4E1C-873F-D02D1690AC5C}">
-        <p15:threadingInfo xmlns="" xmlns:p15="http://schemas.microsoft.com/office/powerpoint/2012/main" timeZoneBias="300"/>
+      <p:ext uri="{BB962C8B-B14F-4D97-AF65-F5344CB8AC3E}">
+        <p14:creationId xmlns:p14="http://schemas.microsoft.com/office/powerpoint/2010/main" val="2556957506"/>
       </p:ext>
     </p:extLst>
-  </p:cm>
-  <p:cm authorId="1" dt="2012-11-30T22:20:23.419" idx="3">
-    <p:pos x="10" y="146"/>
-    <p:text>and i think this slide is confusing too. maybe because i don't have tht related work background</p:text>
-    <p:extLst>
-      <p:ext uri="{C676402C-5697-4E1C-873F-D02D1690AC5C}">
-        <p15:threadingInfo xmlns="" xmlns:p15="http://schemas.microsoft.com/office/powerpoint/2012/main" timeZoneBias="300">
-          <p15:parentCm authorId="1" idx="2"/>
-        </p15:threadingInfo>
-      </p:ext>
-    </p:extLst>
-  </p:cm>
-</p:cmLst>
-</file>
-
-<file path=ppt/comments/comment3.xml><?xml version="1.0" encoding="utf-8"?>
-<p:cmLst xmlns:a="http://schemas.openxmlformats.org/drawingml/2006/main" xmlns:r="http://schemas.openxmlformats.org/officeDocument/2006/relationships" xmlns:p="http://schemas.openxmlformats.org/presentationml/2006/main">
-  <p:cm authorId="1" dt="2012-11-30T22:24:05.408" idx="4">
-    <p:pos x="10" y="10"/>
-    <p:text>Does this kind of leave the impression on people that after the master gets a query, it asks for the resource usage information ?</p:text>
-    <p:extLst>
-      <p:ext uri="{C676402C-5697-4E1C-873F-D02D1690AC5C}">
-        <p15:threadingInfo xmlns="" xmlns:p15="http://schemas.microsoft.com/office/powerpoint/2012/main" timeZoneBias="300"/>
-      </p:ext>
-    </p:extLst>
-  </p:cm>
-</p:cmLst>
-</file>
-
-<file path=ppt/comments/comment4.xml><?xml version="1.0" encoding="utf-8"?>
-<p:cmLst xmlns:a="http://schemas.openxmlformats.org/drawingml/2006/main" xmlns:r="http://schemas.openxmlformats.org/officeDocument/2006/relationships" xmlns:p="http://schemas.openxmlformats.org/presentationml/2006/main">
-  <p:cm authorId="1" dt="2012-11-30T22:28:25.160" idx="6">
-    <p:pos x="10" y="10"/>
-    <p:text>what is the purpose of this slide compared to slide 6 ?</p:text>
-    <p:extLst>
-      <p:ext uri="{C676402C-5697-4E1C-873F-D02D1690AC5C}">
-        <p15:threadingInfo xmlns="" xmlns:p15="http://schemas.microsoft.com/office/powerpoint/2012/main" timeZoneBias="300"/>
-      </p:ext>
-    </p:extLst>
-  </p:cm>
-</p:cmLst>
+  </p:cSld>
+  <p:clrMapOvr>
+    <a:masterClrMapping/>
+  </p:clrMapOvr>
+</p:notes>
 </file>
 
 <file path=ppt/slideLayouts/slideLayout1.xml><?xml version="1.0" encoding="utf-8"?>
@@ -400,7 +768,7 @@
           <a:p>
             <a:fld id="{578C8EFD-E150-CA4D-905C-A94D1A78A82A}" type="datetime1">
               <a:rPr lang="en-CA" smtClean="0"/>
-              <a:t>12-12-01</a:t>
+              <a:t>2012-12-01</a:t>
             </a:fld>
             <a:endParaRPr lang="en-US"/>
           </a:p>
@@ -570,7 +938,7 @@
           <a:p>
             <a:fld id="{15D8ADF8-3441-5F45-A19B-D033F59CF17D}" type="datetime1">
               <a:rPr lang="en-CA" smtClean="0"/>
-              <a:t>12-12-01</a:t>
+              <a:t>2012-12-01</a:t>
             </a:fld>
             <a:endParaRPr lang="en-US"/>
           </a:p>
@@ -750,7 +1118,7 @@
           <a:p>
             <a:fld id="{0AED5A46-46F0-524C-B118-2413C4B118F2}" type="datetime1">
               <a:rPr lang="en-CA" smtClean="0"/>
-              <a:t>12-12-01</a:t>
+              <a:t>2012-12-01</a:t>
             </a:fld>
             <a:endParaRPr lang="en-US"/>
           </a:p>
@@ -920,7 +1288,7 @@
           <a:p>
             <a:fld id="{2FFAA75D-0121-8445-A2D5-37B4791018BB}" type="datetime1">
               <a:rPr lang="en-CA" smtClean="0"/>
-              <a:t>12-12-01</a:t>
+              <a:t>2012-12-01</a:t>
             </a:fld>
             <a:endParaRPr lang="en-US"/>
           </a:p>
@@ -1166,7 +1534,7 @@
           <a:p>
             <a:fld id="{53F7EAB1-141B-FB47-8AAB-E68313ADDAE7}" type="datetime1">
               <a:rPr lang="en-CA" smtClean="0"/>
-              <a:t>12-12-01</a:t>
+              <a:t>2012-12-01</a:t>
             </a:fld>
             <a:endParaRPr lang="en-US"/>
           </a:p>
@@ -1454,7 +1822,7 @@
           <a:p>
             <a:fld id="{7B50838B-1487-4842-81F1-BDF2A6D1F1B3}" type="datetime1">
               <a:rPr lang="en-CA" smtClean="0"/>
-              <a:t>12-12-01</a:t>
+              <a:t>2012-12-01</a:t>
             </a:fld>
             <a:endParaRPr lang="en-US"/>
           </a:p>
@@ -1876,7 +2244,7 @@
           <a:p>
             <a:fld id="{8597D41A-A37E-B94A-ABBE-66D061CC16A8}" type="datetime1">
               <a:rPr lang="en-CA" smtClean="0"/>
-              <a:t>12-12-01</a:t>
+              <a:t>2012-12-01</a:t>
             </a:fld>
             <a:endParaRPr lang="en-US"/>
           </a:p>
@@ -1994,7 +2362,7 @@
           <a:p>
             <a:fld id="{3E462AFF-A87A-3449-BF73-2E332730FBBD}" type="datetime1">
               <a:rPr lang="en-CA" smtClean="0"/>
-              <a:t>12-12-01</a:t>
+              <a:t>2012-12-01</a:t>
             </a:fld>
             <a:endParaRPr lang="en-US"/>
           </a:p>
@@ -2089,7 +2457,7 @@
           <a:p>
             <a:fld id="{61F0DCD8-522C-0E46-A196-33CF3C2A12C1}" type="datetime1">
               <a:rPr lang="en-CA" smtClean="0"/>
-              <a:t>12-12-01</a:t>
+              <a:t>2012-12-01</a:t>
             </a:fld>
             <a:endParaRPr lang="en-US"/>
           </a:p>
@@ -2366,7 +2734,7 @@
           <a:p>
             <a:fld id="{05556C25-90F2-064D-BF7A-B83AB86F67C5}" type="datetime1">
               <a:rPr lang="en-CA" smtClean="0"/>
-              <a:t>12-12-01</a:t>
+              <a:t>2012-12-01</a:t>
             </a:fld>
             <a:endParaRPr lang="en-US"/>
           </a:p>
@@ -2623,7 +2991,7 @@
           <a:p>
             <a:fld id="{D36A68E7-021F-D94A-BB37-798C61C4259E}" type="datetime1">
               <a:rPr lang="en-CA" smtClean="0"/>
-              <a:t>12-12-01</a:t>
+              <a:t>2012-12-01</a:t>
             </a:fld>
             <a:endParaRPr lang="en-US"/>
           </a:p>
@@ -2836,7 +3204,7 @@
           <a:p>
             <a:fld id="{740C5816-A486-5D43-AC42-C657B961AA99}" type="datetime1">
               <a:rPr lang="en-CA" smtClean="0"/>
-              <a:t>12-12-01</a:t>
+              <a:t>2012-12-01</a:t>
             </a:fld>
             <a:endParaRPr lang="en-US"/>
           </a:p>
@@ -3316,7 +3684,7 @@
   <p:timing>
     <p:tnLst>
       <p:par>
-        <p:cTn xmlns:p14="http://schemas.microsoft.com/office/powerpoint/2010/main" id="1" dur="indefinite" restart="never" nodeType="tmRoot"/>
+        <p:cTn id="1" dur="indefinite" restart="never" nodeType="tmRoot"/>
       </p:par>
     </p:tnLst>
   </p:timing>
@@ -3356,71 +3724,10 @@
           <a:lstStyle/>
           <a:p>
             <a:r>
-              <a:rPr lang="en-US" dirty="0" smtClean="0"/>
-              <a:t>Experimental setup </a:t>
-            </a:r>
-            <a:endParaRPr lang="en-US" dirty="0"/>
-          </a:p>
-        </p:txBody>
-      </p:sp>
-      <p:sp>
-        <p:nvSpPr>
-          <p:cNvPr id="3" name="Content Placeholder 2"/>
-          <p:cNvSpPr>
-            <a:spLocks noGrp="1"/>
-          </p:cNvSpPr>
-          <p:nvPr>
-            <p:ph idx="1"/>
-          </p:nvPr>
-        </p:nvSpPr>
-        <p:spPr/>
-        <p:txBody>
-          <a:bodyPr/>
-          <a:lstStyle/>
-          <a:p>
-            <a:r>
-              <a:rPr lang="en-US" dirty="0" smtClean="0"/>
-              <a:t>Ran on 10 machine cluster</a:t>
-            </a:r>
-            <a:endParaRPr lang="en-US" dirty="0"/>
-          </a:p>
-          <a:p>
-            <a:r>
-              <a:rPr lang="en-US" dirty="0" smtClean="0"/>
-              <a:t>150GB of generated of data</a:t>
-            </a:r>
-            <a:endParaRPr lang="en-US" dirty="0"/>
-          </a:p>
-          <a:p>
-            <a:pPr lvl="1"/>
-            <a:r>
-              <a:rPr lang="en-US" dirty="0" smtClean="0"/>
-              <a:t>Hash partitioned</a:t>
-            </a:r>
-          </a:p>
-          <a:p>
-            <a:r>
-              <a:rPr lang="en-US" dirty="0" smtClean="0"/>
-              <a:t>Read </a:t>
-            </a:r>
-            <a:r>
-              <a:rPr lang="en-US" dirty="0"/>
-              <a:t>Consistency = </a:t>
-            </a:r>
-            <a:r>
-              <a:rPr lang="en-US" dirty="0" smtClean="0"/>
-              <a:t>ONE</a:t>
-            </a:r>
-          </a:p>
-          <a:p>
-            <a:r>
-              <a:rPr lang="en-US" dirty="0" smtClean="0"/>
-              <a:t>Results averaged over 5 executions</a:t>
-            </a:r>
-            <a:endParaRPr lang="en-US" dirty="0"/>
-          </a:p>
-          <a:p>
-            <a:endParaRPr lang="en-US" dirty="0"/>
+              <a:rPr lang="en-US" altLang="zh-TW" dirty="0" smtClean="0"/>
+              <a:t>Experimental Results</a:t>
+            </a:r>
+            <a:endParaRPr lang="zh-TW" altLang="en-US" dirty="0"/>
           </a:p>
         </p:txBody>
       </p:sp>
@@ -3447,16 +3754,52 @@
           </a:p>
         </p:txBody>
       </p:sp>
+      <p:pic>
+        <p:nvPicPr>
+          <p:cNvPr id="8" name="Picture 7"/>
+          <p:cNvPicPr>
+            <a:picLocks noChangeAspect="1"/>
+          </p:cNvPicPr>
+          <p:nvPr/>
+        </p:nvPicPr>
+        <p:blipFill rotWithShape="1">
+          <a:blip r:embed="rId2" cstate="email">
+            <a:extLst>
+              <a:ext uri="{28A0092B-C50C-407E-A947-70E740481C1C}">
+                <a14:useLocalDpi xmlns:a14="http://schemas.microsoft.com/office/drawing/2010/main" val="0"/>
+              </a:ext>
+            </a:extLst>
+          </a:blip>
+          <a:srcRect t="7579" b="9970"/>
+          <a:stretch/>
+        </p:blipFill>
+        <p:spPr>
+          <a:xfrm>
+            <a:off x="662548" y="1257300"/>
+            <a:ext cx="7818904" cy="4981576"/>
+          </a:xfrm>
+          <a:prstGeom prst="rect">
+            <a:avLst/>
+          </a:prstGeom>
+        </p:spPr>
+      </p:pic>
     </p:spTree>
     <p:extLst>
       <p:ext uri="{BB962C8B-B14F-4D97-AF65-F5344CB8AC3E}">
-        <p14:creationId xmlns:p14="http://schemas.microsoft.com/office/powerpoint/2010/main" val="1544019210"/>
+        <p14:creationId xmlns:p14="http://schemas.microsoft.com/office/powerpoint/2010/main" val="3684417483"/>
       </p:ext>
     </p:extLst>
   </p:cSld>
   <p:clrMapOvr>
     <a:masterClrMapping/>
   </p:clrMapOvr>
+  <p:timing>
+    <p:tnLst>
+      <p:par>
+        <p:cTn id="1" dur="indefinite" restart="never" nodeType="tmRoot"/>
+      </p:par>
+    </p:tnLst>
+  </p:timing>
 </p:sld>
 </file>
 
@@ -3502,6 +3845,41 @@
       </p:sp>
       <p:sp>
         <p:nvSpPr>
+          <p:cNvPr id="3" name="Content Placeholder 2"/>
+          <p:cNvSpPr>
+            <a:spLocks noGrp="1"/>
+          </p:cNvSpPr>
+          <p:nvPr>
+            <p:ph idx="1"/>
+          </p:nvPr>
+        </p:nvSpPr>
+        <p:spPr/>
+        <p:txBody>
+          <a:bodyPr/>
+          <a:lstStyle/>
+          <a:p>
+            <a:r>
+              <a:rPr lang="en-US" altLang="zh-TW" dirty="0" smtClean="0"/>
+              <a:t>Our scheduling algorithm provides a small improvement  to the default scheduler</a:t>
+            </a:r>
+          </a:p>
+          <a:p>
+            <a:pPr lvl="1"/>
+            <a:r>
+              <a:rPr lang="en-US" altLang="zh-TW" dirty="0" smtClean="0"/>
+              <a:t>Average improvement = 151 operations/second</a:t>
+            </a:r>
+          </a:p>
+          <a:p>
+            <a:r>
+              <a:rPr lang="en-US" altLang="zh-TW" dirty="0" smtClean="0"/>
+              <a:t>The operations/second difference is not as drastic as we had hoped</a:t>
+            </a:r>
+          </a:p>
+        </p:txBody>
+      </p:sp>
+      <p:sp>
+        <p:nvSpPr>
           <p:cNvPr id="4" name="Slide Number Placeholder 3"/>
           <p:cNvSpPr>
             <a:spLocks noGrp="1"/>
@@ -3523,40 +3901,10 @@
           </a:p>
         </p:txBody>
       </p:sp>
-      <p:pic>
-        <p:nvPicPr>
-          <p:cNvPr id="5" name="Picture 4" descr="SchedVsNoSched.pdf"/>
-          <p:cNvPicPr>
-            <a:picLocks noChangeAspect="1"/>
-          </p:cNvPicPr>
-          <p:nvPr/>
-        </p:nvPicPr>
-        <p:blipFill>
-          <a:blip r:embed="rId2">
-            <a:extLst>
-              <a:ext uri="{28A0092B-C50C-407E-A947-70E740481C1C}">
-                <a14:useLocalDpi xmlns:a14="http://schemas.microsoft.com/office/drawing/2010/main" val="0"/>
-              </a:ext>
-            </a:extLst>
-          </a:blip>
-          <a:stretch>
-            <a:fillRect/>
-          </a:stretch>
-        </p:blipFill>
-        <p:spPr>
-          <a:xfrm rot="5400000">
-            <a:off x="1906360" y="277668"/>
-            <a:ext cx="5299364" cy="6858000"/>
-          </a:xfrm>
-          <a:prstGeom prst="rect">
-            <a:avLst/>
-          </a:prstGeom>
-        </p:spPr>
-      </p:pic>
     </p:spTree>
     <p:extLst>
       <p:ext uri="{BB962C8B-B14F-4D97-AF65-F5344CB8AC3E}">
-        <p14:creationId xmlns:p14="http://schemas.microsoft.com/office/powerpoint/2010/main" val="3684417483"/>
+        <p14:creationId xmlns:p14="http://schemas.microsoft.com/office/powerpoint/2010/main" val="1688006671"/>
       </p:ext>
     </p:extLst>
   </p:cSld>
@@ -3566,7 +3914,7 @@
   <p:timing>
     <p:tnLst>
       <p:par>
-        <p:cTn xmlns:p14="http://schemas.microsoft.com/office/powerpoint/2010/main" id="1" dur="indefinite" restart="never" nodeType="tmRoot"/>
+        <p:cTn id="1" dur="indefinite" restart="never" nodeType="tmRoot"/>
       </p:par>
     </p:tnLst>
   </p:timing>
@@ -3607,7 +3955,7 @@
           <a:p>
             <a:r>
               <a:rPr lang="en-US" dirty="0" smtClean="0"/>
-              <a:t>Scaling the server down</a:t>
+              <a:t>Resource Usage</a:t>
             </a:r>
             <a:endParaRPr lang="en-US" dirty="0"/>
           </a:p>
@@ -3630,7 +3978,40 @@
           <a:p>
             <a:r>
               <a:rPr lang="en-US" dirty="0" smtClean="0"/>
-              <a:t>Run experiment on Saturday night to see if it is worthwhile to explore</a:t>
+              <a:t>How does the resource usage actually correspond the time to execute a query?</a:t>
+            </a:r>
+            <a:endParaRPr lang="en-US" dirty="0" smtClean="0"/>
+          </a:p>
+          <a:p>
+            <a:r>
+              <a:rPr lang="en-US" dirty="0" smtClean="0"/>
+              <a:t>Collected: </a:t>
+            </a:r>
+            <a:endParaRPr lang="en-US" dirty="0" smtClean="0"/>
+          </a:p>
+          <a:p>
+            <a:pPr lvl="1"/>
+            <a:r>
+              <a:rPr lang="en-US" dirty="0" smtClean="0"/>
+              <a:t>Time to execute a query</a:t>
+            </a:r>
+          </a:p>
+          <a:p>
+            <a:pPr lvl="1"/>
+            <a:r>
+              <a:rPr lang="en-US" dirty="0" smtClean="0"/>
+              <a:t>CPU usage</a:t>
+            </a:r>
+          </a:p>
+          <a:p>
+            <a:pPr lvl="1"/>
+            <a:r>
+              <a:rPr lang="en-US" dirty="0" smtClean="0"/>
+              <a:t>Memory </a:t>
+            </a:r>
+            <a:r>
+              <a:rPr lang="en-US" dirty="0" smtClean="0"/>
+              <a:t>usage</a:t>
             </a:r>
             <a:endParaRPr lang="en-US" dirty="0"/>
           </a:p>
@@ -3662,7 +4043,7 @@
     </p:spTree>
     <p:extLst>
       <p:ext uri="{BB962C8B-B14F-4D97-AF65-F5344CB8AC3E}">
-        <p14:creationId xmlns:p14="http://schemas.microsoft.com/office/powerpoint/2010/main" val="358113619"/>
+        <p14:creationId xmlns:p14="http://schemas.microsoft.com/office/powerpoint/2010/main" val="3151732787"/>
       </p:ext>
     </p:extLst>
   </p:cSld>
@@ -3672,7 +4053,7 @@
   <p:timing>
     <p:tnLst>
       <p:par>
-        <p:cTn xmlns:p14="http://schemas.microsoft.com/office/powerpoint/2010/main" id="1" dur="indefinite" restart="never" nodeType="tmRoot"/>
+        <p:cTn id="1" dur="indefinite" restart="never" nodeType="tmRoot"/>
       </p:par>
     </p:tnLst>
   </p:timing>
@@ -3712,45 +4093,10 @@
           <a:lstStyle/>
           <a:p>
             <a:r>
-              <a:rPr lang="en-US" altLang="zh-TW" dirty="0" smtClean="0"/>
-              <a:t>Experimental Results</a:t>
-            </a:r>
-            <a:endParaRPr lang="zh-TW" altLang="en-US" dirty="0"/>
-          </a:p>
-        </p:txBody>
-      </p:sp>
-      <p:sp>
-        <p:nvSpPr>
-          <p:cNvPr id="3" name="Content Placeholder 2"/>
-          <p:cNvSpPr>
-            <a:spLocks noGrp="1"/>
-          </p:cNvSpPr>
-          <p:nvPr>
-            <p:ph idx="1"/>
-          </p:nvPr>
-        </p:nvSpPr>
-        <p:spPr/>
-        <p:txBody>
-          <a:bodyPr/>
-          <a:lstStyle/>
-          <a:p>
-            <a:r>
-              <a:rPr lang="en-US" altLang="zh-TW" dirty="0" smtClean="0"/>
-              <a:t>Our scheduling algorithm provides a small improvement  to the default scheduler</a:t>
-            </a:r>
-          </a:p>
-          <a:p>
-            <a:pPr lvl="1"/>
-            <a:r>
-              <a:rPr lang="en-US" altLang="zh-TW" dirty="0" smtClean="0"/>
-              <a:t>Average improvement = 151 operations/second</a:t>
-            </a:r>
-          </a:p>
-          <a:p>
-            <a:r>
-              <a:rPr lang="en-US" altLang="zh-TW" dirty="0" smtClean="0"/>
-              <a:t>The operations/second difference is not as drastic as we had hoped</a:t>
-            </a:r>
+              <a:rPr lang="en-US" dirty="0" smtClean="0"/>
+              <a:t>Resource usage experimental result</a:t>
+            </a:r>
+            <a:endParaRPr lang="en-US" dirty="0"/>
           </a:p>
         </p:txBody>
       </p:sp>
@@ -3777,10 +4123,69 @@
           </a:p>
         </p:txBody>
       </p:sp>
+      <p:pic>
+        <p:nvPicPr>
+          <p:cNvPr id="5" name="Picture 4"/>
+          <p:cNvPicPr>
+            <a:picLocks noChangeAspect="1"/>
+          </p:cNvPicPr>
+          <p:nvPr/>
+        </p:nvPicPr>
+        <p:blipFill rotWithShape="1">
+          <a:blip r:embed="rId2" cstate="email">
+            <a:extLst>
+              <a:ext uri="{28A0092B-C50C-407E-A947-70E740481C1C}">
+                <a14:useLocalDpi xmlns:a14="http://schemas.microsoft.com/office/drawing/2010/main" val="0"/>
+              </a:ext>
+            </a:extLst>
+          </a:blip>
+          <a:srcRect l="5907" t="9305" r="2241" b="9445"/>
+          <a:stretch/>
+        </p:blipFill>
+        <p:spPr>
+          <a:xfrm>
+            <a:off x="1355211" y="1417638"/>
+            <a:ext cx="6433577" cy="4397607"/>
+          </a:xfrm>
+          <a:prstGeom prst="rect">
+            <a:avLst/>
+          </a:prstGeom>
+        </p:spPr>
+      </p:pic>
+      <p:pic>
+        <p:nvPicPr>
+          <p:cNvPr id="6" name="Picture 5" descr="CodeCogsEqn.gif"/>
+          <p:cNvPicPr>
+            <a:picLocks noChangeAspect="1"/>
+          </p:cNvPicPr>
+          <p:nvPr/>
+        </p:nvPicPr>
+        <p:blipFill>
+          <a:blip r:embed="rId3" cstate="email">
+            <a:extLst>
+              <a:ext uri="{28A0092B-C50C-407E-A947-70E740481C1C}">
+                <a14:useLocalDpi xmlns:a14="http://schemas.microsoft.com/office/drawing/2010/main" val="0"/>
+              </a:ext>
+            </a:extLst>
+          </a:blip>
+          <a:stretch>
+            <a:fillRect/>
+          </a:stretch>
+        </p:blipFill>
+        <p:spPr>
+          <a:xfrm>
+            <a:off x="1804406" y="5893528"/>
+            <a:ext cx="5535185" cy="645384"/>
+          </a:xfrm>
+          <a:prstGeom prst="rect">
+            <a:avLst/>
+          </a:prstGeom>
+        </p:spPr>
+      </p:pic>
     </p:spTree>
     <p:extLst>
       <p:ext uri="{BB962C8B-B14F-4D97-AF65-F5344CB8AC3E}">
-        <p14:creationId xmlns:p14="http://schemas.microsoft.com/office/powerpoint/2010/main" val="1688006671"/>
+        <p14:creationId xmlns:p14="http://schemas.microsoft.com/office/powerpoint/2010/main" val="3909428807"/>
       </p:ext>
     </p:extLst>
   </p:cSld>
@@ -3790,7 +4195,7 @@
   <p:timing>
     <p:tnLst>
       <p:par>
-        <p:cTn xmlns:p14="http://schemas.microsoft.com/office/powerpoint/2010/main" id="1" dur="indefinite" restart="never" nodeType="tmRoot"/>
+        <p:cTn id="1" dur="indefinite" restart="never" nodeType="tmRoot"/>
       </p:par>
     </p:tnLst>
   </p:timing>
@@ -3830,10 +4235,10 @@
           <a:lstStyle/>
           <a:p>
             <a:r>
-              <a:rPr lang="en-US" dirty="0" smtClean="0"/>
-              <a:t>Resource Usage</a:t>
-            </a:r>
-            <a:endParaRPr lang="en-US" dirty="0"/>
+              <a:rPr lang="en-US" altLang="zh-TW" dirty="0" smtClean="0"/>
+              <a:t>Limitations</a:t>
+            </a:r>
+            <a:endParaRPr lang="zh-TW" altLang="en-US" dirty="0"/>
           </a:p>
         </p:txBody>
       </p:sp>
@@ -3849,58 +4254,123 @@
         </p:nvSpPr>
         <p:spPr/>
         <p:txBody>
-          <a:bodyPr/>
-          <a:lstStyle/>
-          <a:p>
-            <a:r>
-              <a:rPr lang="en-US" dirty="0" smtClean="0"/>
-              <a:t>Examining how the CPU and memory usage affect the time to process one query </a:t>
+          <a:bodyPr>
+            <a:normAutofit/>
+          </a:bodyPr>
+          <a:lstStyle/>
+          <a:p>
+            <a:pPr marL="342900" lvl="1" indent="-342900">
+              <a:buFont typeface="Arial"/>
+              <a:buChar char="•"/>
+            </a:pPr>
+            <a:r>
+              <a:rPr lang="en-US" altLang="zh-TW" sz="2400" dirty="0"/>
+              <a:t>Limited test </a:t>
+            </a:r>
+            <a:r>
+              <a:rPr lang="en-US" altLang="zh-TW" sz="2400" dirty="0"/>
+              <a:t>environment</a:t>
             </a:r>
           </a:p>
           <a:p>
             <a:pPr lvl="1"/>
             <a:r>
-              <a:rPr lang="en-US" dirty="0" smtClean="0"/>
-              <a:t>How representative is the score? </a:t>
-            </a:r>
-          </a:p>
-          <a:p>
-            <a:r>
-              <a:rPr lang="en-US" dirty="0" smtClean="0"/>
-              <a:t>Collected </a:t>
+              <a:rPr lang="en-US" altLang="zh-TW" dirty="0" smtClean="0"/>
+              <a:t>Only 10 servers </a:t>
+            </a:r>
+            <a:r>
+              <a:rPr lang="en-US" altLang="zh-TW" dirty="0" smtClean="0"/>
+              <a:t>in our cluster</a:t>
+            </a:r>
+          </a:p>
+          <a:p>
+            <a:r>
+              <a:rPr lang="en-US" altLang="zh-TW" dirty="0" smtClean="0"/>
+              <a:t>Simplistic workload</a:t>
             </a:r>
           </a:p>
           <a:p>
             <a:pPr lvl="1"/>
             <a:r>
-              <a:rPr lang="en-US" dirty="0" smtClean="0"/>
-              <a:t>Time to execute a query</a:t>
-            </a:r>
+              <a:rPr lang="en-US" altLang="zh-TW" dirty="0"/>
+              <a:t>Queries </a:t>
+            </a:r>
+            <a:r>
+              <a:rPr lang="en-US" altLang="zh-TW" dirty="0" smtClean="0"/>
+              <a:t>are small</a:t>
+            </a:r>
+            <a:r>
+              <a:rPr lang="en-US" altLang="zh-TW" dirty="0"/>
+              <a:t>, so CPU &amp; Memory usage has little </a:t>
+            </a:r>
+            <a:r>
+              <a:rPr lang="en-US" altLang="zh-TW" dirty="0" smtClean="0"/>
+              <a:t>effect</a:t>
+            </a:r>
+          </a:p>
+          <a:p>
+            <a:r>
+              <a:rPr lang="en-US" altLang="zh-TW" dirty="0" smtClean="0"/>
+              <a:t>Unable to congest the network </a:t>
+            </a:r>
+            <a:r>
+              <a:rPr lang="en-US" altLang="zh-TW" dirty="0" smtClean="0"/>
+              <a:t>manually </a:t>
+            </a:r>
+            <a:endParaRPr lang="en-US" altLang="zh-TW" dirty="0" smtClean="0"/>
           </a:p>
           <a:p>
             <a:pPr lvl="1"/>
             <a:r>
-              <a:rPr lang="en-US" dirty="0" smtClean="0"/>
-              <a:t>CPU usage</a:t>
-            </a:r>
+              <a:rPr lang="en-US" altLang="zh-TW" dirty="0" smtClean="0"/>
+              <a:t>All servers are collocated on the same rack, </a:t>
+            </a:r>
+            <a:r>
+              <a:rPr lang="en-US" altLang="zh-TW" dirty="0"/>
+              <a:t>so network </a:t>
+            </a:r>
+            <a:r>
+              <a:rPr lang="en-US" altLang="zh-TW" dirty="0" smtClean="0"/>
+              <a:t>is never congested</a:t>
+            </a:r>
+          </a:p>
+          <a:p>
+            <a:r>
+              <a:rPr lang="en-US" altLang="zh-TW" dirty="0"/>
+              <a:t>D</a:t>
+            </a:r>
+            <a:r>
+              <a:rPr lang="en-US" altLang="zh-TW" dirty="0" smtClean="0"/>
+              <a:t>isk information wasn’t considered </a:t>
+            </a:r>
+            <a:endParaRPr lang="en-US" altLang="zh-TW" dirty="0" smtClean="0"/>
           </a:p>
           <a:p>
             <a:pPr lvl="1"/>
             <a:r>
-              <a:rPr lang="en-US" dirty="0" smtClean="0"/>
-              <a:t>Memory usage</a:t>
-            </a:r>
-          </a:p>
-          <a:p>
-            <a:pPr lvl="1"/>
-            <a:r>
-              <a:rPr lang="en-US" dirty="0" smtClean="0"/>
-              <a:t>Process list size </a:t>
-            </a:r>
-          </a:p>
-          <a:p>
-            <a:pPr lvl="1"/>
-            <a:endParaRPr lang="en-US" dirty="0"/>
+              <a:rPr lang="en-US" altLang="zh-TW" dirty="0" smtClean="0"/>
+              <a:t>We </a:t>
+            </a:r>
+            <a:r>
+              <a:rPr lang="en-US" altLang="zh-TW" dirty="0" smtClean="0"/>
+              <a:t>did </a:t>
+            </a:r>
+            <a:r>
+              <a:rPr lang="en-US" altLang="zh-TW" dirty="0" smtClean="0"/>
+              <a:t>not take </a:t>
+            </a:r>
+            <a:r>
+              <a:rPr lang="en-US" altLang="zh-TW" dirty="0" smtClean="0"/>
+              <a:t>hard disk </a:t>
+            </a:r>
+            <a:r>
+              <a:rPr lang="en-US" altLang="zh-TW" dirty="0" smtClean="0"/>
+              <a:t>accesses into </a:t>
+            </a:r>
+            <a:r>
+              <a:rPr lang="en-US" altLang="zh-TW" dirty="0" smtClean="0"/>
+              <a:t>account </a:t>
+            </a:r>
           </a:p>
         </p:txBody>
       </p:sp>
@@ -3930,7 +4400,7 @@
     </p:spTree>
     <p:extLst>
       <p:ext uri="{BB962C8B-B14F-4D97-AF65-F5344CB8AC3E}">
-        <p14:creationId xmlns:p14="http://schemas.microsoft.com/office/powerpoint/2010/main" val="3151732787"/>
+        <p14:creationId xmlns:p14="http://schemas.microsoft.com/office/powerpoint/2010/main" val="870914844"/>
       </p:ext>
     </p:extLst>
   </p:cSld>
@@ -3940,7 +4410,7 @@
   <p:timing>
     <p:tnLst>
       <p:par>
-        <p:cTn xmlns:p14="http://schemas.microsoft.com/office/powerpoint/2010/main" id="1" dur="indefinite" restart="never" nodeType="tmRoot"/>
+        <p:cTn id="1" dur="indefinite" restart="never" nodeType="tmRoot"/>
       </p:par>
     </p:tnLst>
   </p:timing>
@@ -3980,10 +4450,95 @@
           <a:lstStyle/>
           <a:p>
             <a:r>
-              <a:rPr lang="en-US" dirty="0" smtClean="0"/>
-              <a:t>Resource usage experimental result</a:t>
-            </a:r>
-            <a:endParaRPr lang="en-US" dirty="0"/>
+              <a:rPr lang="en-US" altLang="zh-TW" dirty="0" smtClean="0"/>
+              <a:t>Conclusion</a:t>
+            </a:r>
+            <a:endParaRPr lang="zh-TW" altLang="en-US" dirty="0"/>
+          </a:p>
+        </p:txBody>
+      </p:sp>
+      <p:sp>
+        <p:nvSpPr>
+          <p:cNvPr id="3" name="Content Placeholder 2"/>
+          <p:cNvSpPr>
+            <a:spLocks noGrp="1"/>
+          </p:cNvSpPr>
+          <p:nvPr>
+            <p:ph idx="1"/>
+          </p:nvPr>
+        </p:nvSpPr>
+        <p:spPr/>
+        <p:txBody>
+          <a:bodyPr/>
+          <a:lstStyle/>
+          <a:p>
+            <a:r>
+              <a:rPr lang="en-US" altLang="zh-TW" dirty="0"/>
+              <a:t>Horoscope has </a:t>
+            </a:r>
+            <a:r>
+              <a:rPr lang="en-US" altLang="zh-TW" dirty="0" smtClean="0"/>
+              <a:t>slightly better performance than the ordinary scheduling algorithm</a:t>
+            </a:r>
+          </a:p>
+          <a:p>
+            <a:r>
+              <a:rPr lang="en-US" altLang="zh-TW" dirty="0" smtClean="0"/>
+              <a:t>Scheduling queries based upon only CPU </a:t>
+            </a:r>
+            <a:r>
+              <a:rPr lang="en-US" altLang="zh-TW" dirty="0" smtClean="0"/>
+              <a:t>and </a:t>
+            </a:r>
+            <a:r>
+              <a:rPr lang="en-US" altLang="zh-TW" dirty="0"/>
+              <a:t>m</a:t>
+            </a:r>
+            <a:r>
+              <a:rPr lang="en-US" altLang="zh-TW" dirty="0" smtClean="0"/>
+              <a:t>emory u</a:t>
+            </a:r>
+            <a:r>
+              <a:rPr lang="en-US" altLang="zh-TW" dirty="0" smtClean="0"/>
+              <a:t>sage </a:t>
+            </a:r>
+            <a:r>
+              <a:rPr lang="en-US" altLang="zh-TW" dirty="0"/>
+              <a:t>seems </a:t>
+            </a:r>
+            <a:r>
+              <a:rPr lang="en-US" altLang="zh-TW" dirty="0" smtClean="0"/>
+              <a:t>to be insufficient</a:t>
+            </a:r>
+          </a:p>
+          <a:p>
+            <a:pPr lvl="1"/>
+            <a:r>
+              <a:rPr lang="en-US" altLang="zh-TW" dirty="0" smtClean="0">
+                <a:solidFill>
+                  <a:srgbClr val="FF0000"/>
+                </a:solidFill>
+                <a:effectLst>
+                  <a:outerShdw blurRad="38100" dist="38100" dir="2700000" algn="tl">
+                    <a:srgbClr val="000000">
+                      <a:alpha val="43137"/>
+                    </a:srgbClr>
+                  </a:outerShdw>
+                </a:effectLst>
+              </a:rPr>
+              <a:t>Other factors: </a:t>
+            </a:r>
+            <a:r>
+              <a:rPr lang="en-US" altLang="zh-TW" dirty="0"/>
+              <a:t>bandwidth usage </a:t>
+            </a:r>
+            <a:r>
+              <a:rPr lang="en-US" altLang="zh-TW" dirty="0" smtClean="0"/>
+              <a:t>and disk time</a:t>
+            </a:r>
+          </a:p>
+          <a:p>
+            <a:endParaRPr lang="en-US" altLang="zh-TW" dirty="0" smtClean="0"/>
           </a:p>
         </p:txBody>
       </p:sp>
@@ -4010,46 +4565,23 @@
           </a:p>
         </p:txBody>
       </p:sp>
-      <p:pic>
-        <p:nvPicPr>
-          <p:cNvPr id="3" name="Picture 2" descr="plot5.pdf"/>
-          <p:cNvPicPr>
-            <a:picLocks noChangeAspect="1"/>
-          </p:cNvPicPr>
-          <p:nvPr/>
-        </p:nvPicPr>
-        <p:blipFill>
-          <a:blip r:embed="rId2">
-            <a:extLst>
-              <a:ext uri="{28A0092B-C50C-407E-A947-70E740481C1C}">
-                <a14:useLocalDpi xmlns:a14="http://schemas.microsoft.com/office/drawing/2010/main" val="0"/>
-              </a:ext>
-            </a:extLst>
-          </a:blip>
-          <a:stretch>
-            <a:fillRect/>
-          </a:stretch>
-        </p:blipFill>
-        <p:spPr>
-          <a:xfrm rot="5400000">
-            <a:off x="1917700" y="396908"/>
-            <a:ext cx="5299364" cy="6858000"/>
-          </a:xfrm>
-          <a:prstGeom prst="rect">
-            <a:avLst/>
-          </a:prstGeom>
-        </p:spPr>
-      </p:pic>
     </p:spTree>
     <p:extLst>
       <p:ext uri="{BB962C8B-B14F-4D97-AF65-F5344CB8AC3E}">
-        <p14:creationId xmlns:p14="http://schemas.microsoft.com/office/powerpoint/2010/main" val="3909428807"/>
+        <p14:creationId xmlns:p14="http://schemas.microsoft.com/office/powerpoint/2010/main" val="3955323304"/>
       </p:ext>
     </p:extLst>
   </p:cSld>
   <p:clrMapOvr>
     <a:masterClrMapping/>
   </p:clrMapOvr>
+  <p:timing>
+    <p:tnLst>
+      <p:par>
+        <p:cTn id="1" dur="indefinite" restart="never" nodeType="tmRoot"/>
+      </p:par>
+    </p:tnLst>
+  </p:timing>
 </p:sld>
 </file>
 
@@ -4087,7 +4619,7 @@
           <a:p>
             <a:r>
               <a:rPr lang="en-US" altLang="zh-TW" dirty="0" smtClean="0"/>
-              <a:t>Limitations</a:t>
+              <a:t>Future Work</a:t>
             </a:r>
             <a:endParaRPr lang="zh-TW" altLang="en-US" dirty="0"/>
           </a:p>
@@ -4105,87 +4637,59 @@
         </p:nvSpPr>
         <p:spPr/>
         <p:txBody>
-          <a:bodyPr>
-            <a:normAutofit/>
-          </a:bodyPr>
+          <a:bodyPr/>
           <a:lstStyle/>
           <a:p>
             <a:r>
               <a:rPr lang="en-US" altLang="zh-TW" dirty="0" smtClean="0"/>
-              <a:t>There are few servers in our cluster</a:t>
-            </a:r>
-          </a:p>
-          <a:p>
+              <a:t>Consider disk usage &amp; network condition</a:t>
+            </a:r>
+          </a:p>
+          <a:p>
+            <a:pPr lvl="1"/>
             <a:r>
               <a:rPr lang="en-US" altLang="zh-TW" dirty="0" smtClean="0"/>
-              <a:t>Simplistic workload</a:t>
+              <a:t>Find a more accurate formula for calculating resource usage score</a:t>
+            </a:r>
+            <a:endParaRPr lang="en-US" altLang="zh-TW" dirty="0" smtClean="0"/>
+          </a:p>
+          <a:p>
+            <a:r>
+              <a:rPr lang="en-US" altLang="zh-TW" dirty="0" smtClean="0"/>
+              <a:t>Test </a:t>
+            </a:r>
+            <a:r>
+              <a:rPr lang="en-US" altLang="zh-TW" dirty="0" smtClean="0"/>
+              <a:t>with more complex </a:t>
+            </a:r>
+            <a:r>
+              <a:rPr lang="en-US" altLang="zh-TW" dirty="0" smtClean="0"/>
+              <a:t>queries</a:t>
+            </a:r>
+            <a:endParaRPr lang="en-US" altLang="zh-TW" dirty="0" smtClean="0"/>
+          </a:p>
+          <a:p>
+            <a:r>
+              <a:rPr lang="en-US" altLang="zh-TW" dirty="0" smtClean="0"/>
+              <a:t>Test with different kinds of databases</a:t>
             </a:r>
           </a:p>
           <a:p>
             <a:pPr lvl="1"/>
             <a:r>
-              <a:rPr lang="en-US" altLang="zh-TW" dirty="0"/>
-              <a:t>Queries </a:t>
-            </a:r>
-            <a:r>
               <a:rPr lang="en-US" altLang="zh-TW" dirty="0" smtClean="0"/>
-              <a:t>are small</a:t>
-            </a:r>
-            <a:r>
-              <a:rPr lang="en-US" altLang="zh-TW" dirty="0"/>
-              <a:t>, so CPU &amp; Memory usage has little </a:t>
-            </a:r>
+              <a:t>Other key-value databases</a:t>
+            </a:r>
+          </a:p>
+          <a:p>
+            <a:pPr lvl="1"/>
             <a:r>
               <a:rPr lang="en-US" altLang="zh-TW" dirty="0" smtClean="0"/>
-              <a:t>effect</a:t>
-            </a:r>
-          </a:p>
-          <a:p>
-            <a:r>
-              <a:rPr lang="en-US" altLang="zh-TW" dirty="0" smtClean="0"/>
-              <a:t>Unable to congest the network meaningfully</a:t>
+              <a:t>Distributed relational databases</a:t>
             </a:r>
           </a:p>
           <a:p>
             <a:pPr lvl="1"/>
-            <a:r>
-              <a:rPr lang="en-US" altLang="zh-TW" dirty="0" smtClean="0"/>
-              <a:t>All servers are collocated on the same rack, </a:t>
-            </a:r>
-            <a:r>
-              <a:rPr lang="en-US" altLang="zh-TW" dirty="0"/>
-              <a:t>so network </a:t>
-            </a:r>
-            <a:r>
-              <a:rPr lang="en-US" altLang="zh-TW" dirty="0" smtClean="0"/>
-              <a:t>is never congested</a:t>
-            </a:r>
-          </a:p>
-          <a:p>
-            <a:r>
-              <a:rPr lang="en-US" altLang="zh-TW" dirty="0" smtClean="0"/>
-              <a:t>No disk information</a:t>
-            </a:r>
-          </a:p>
-          <a:p>
-            <a:pPr lvl="1"/>
-            <a:r>
-              <a:rPr lang="en-US" altLang="zh-TW" dirty="0" smtClean="0"/>
-              <a:t>We do not take hard disk accesses into account</a:t>
-            </a:r>
-          </a:p>
-          <a:p>
-            <a:r>
-              <a:rPr lang="en-US" altLang="zh-TW" dirty="0" smtClean="0"/>
-              <a:t>Do not have access to a real datacenter (I don’t think we need this)</a:t>
-            </a:r>
-          </a:p>
-          <a:p>
-            <a:pPr lvl="1"/>
-            <a:r>
-              <a:rPr lang="en-US" altLang="zh-TW" dirty="0" smtClean="0"/>
-              <a:t>Limited test environment</a:t>
-            </a:r>
             <a:endParaRPr lang="zh-TW" altLang="en-US" dirty="0"/>
           </a:p>
         </p:txBody>
@@ -4208,274 +4712,6 @@
             <a:fld id="{CFE4BAC9-6D41-4691-9299-18EF07EF0177}" type="slidenum">
               <a:rPr lang="en-US" smtClean="0"/>
               <a:t>16</a:t>
-            </a:fld>
-            <a:endParaRPr lang="en-US"/>
-          </a:p>
-        </p:txBody>
-      </p:sp>
-    </p:spTree>
-    <p:extLst>
-      <p:ext uri="{BB962C8B-B14F-4D97-AF65-F5344CB8AC3E}">
-        <p14:creationId xmlns:p14="http://schemas.microsoft.com/office/powerpoint/2010/main" val="870914844"/>
-      </p:ext>
-    </p:extLst>
-  </p:cSld>
-  <p:clrMapOvr>
-    <a:masterClrMapping/>
-  </p:clrMapOvr>
-  <p:timing>
-    <p:tnLst>
-      <p:par>
-        <p:cTn xmlns:p14="http://schemas.microsoft.com/office/powerpoint/2010/main" id="1" dur="indefinite" restart="never" nodeType="tmRoot"/>
-      </p:par>
-    </p:tnLst>
-  </p:timing>
-</p:sld>
-</file>
-
-<file path=ppt/slides/slide17.xml><?xml version="1.0" encoding="utf-8"?>
-<p:sld xmlns:a="http://schemas.openxmlformats.org/drawingml/2006/main" xmlns:r="http://schemas.openxmlformats.org/officeDocument/2006/relationships" xmlns:p="http://schemas.openxmlformats.org/presentationml/2006/main">
-  <p:cSld>
-    <p:spTree>
-      <p:nvGrpSpPr>
-        <p:cNvPr id="1" name=""/>
-        <p:cNvGrpSpPr/>
-        <p:nvPr/>
-      </p:nvGrpSpPr>
-      <p:grpSpPr>
-        <a:xfrm>
-          <a:off x="0" y="0"/>
-          <a:ext cx="0" cy="0"/>
-          <a:chOff x="0" y="0"/>
-          <a:chExt cx="0" cy="0"/>
-        </a:xfrm>
-      </p:grpSpPr>
-      <p:sp>
-        <p:nvSpPr>
-          <p:cNvPr id="2" name="Title 1"/>
-          <p:cNvSpPr>
-            <a:spLocks noGrp="1"/>
-          </p:cNvSpPr>
-          <p:nvPr>
-            <p:ph type="title"/>
-          </p:nvPr>
-        </p:nvSpPr>
-        <p:spPr/>
-        <p:txBody>
-          <a:bodyPr/>
-          <a:lstStyle/>
-          <a:p>
-            <a:r>
-              <a:rPr lang="en-US" altLang="zh-TW" dirty="0" smtClean="0"/>
-              <a:t>Conclusion</a:t>
-            </a:r>
-            <a:endParaRPr lang="zh-TW" altLang="en-US" dirty="0"/>
-          </a:p>
-        </p:txBody>
-      </p:sp>
-      <p:sp>
-        <p:nvSpPr>
-          <p:cNvPr id="3" name="Content Placeholder 2"/>
-          <p:cNvSpPr>
-            <a:spLocks noGrp="1"/>
-          </p:cNvSpPr>
-          <p:nvPr>
-            <p:ph idx="1"/>
-          </p:nvPr>
-        </p:nvSpPr>
-        <p:spPr/>
-        <p:txBody>
-          <a:bodyPr/>
-          <a:lstStyle/>
-          <a:p>
-            <a:r>
-              <a:rPr lang="en-US" altLang="zh-TW" dirty="0"/>
-              <a:t>Horoscope has </a:t>
-            </a:r>
-            <a:r>
-              <a:rPr lang="en-US" altLang="zh-TW" dirty="0" smtClean="0"/>
-              <a:t>slightly better performance than the ordinary scheduling algorithm</a:t>
-            </a:r>
-          </a:p>
-          <a:p>
-            <a:r>
-              <a:rPr lang="en-US" altLang="zh-TW" dirty="0" smtClean="0"/>
-              <a:t>Scheduling queries based upon only CPU Usage and Memory seems to be insufficient</a:t>
-            </a:r>
-          </a:p>
-          <a:p>
-            <a:pPr lvl="1"/>
-            <a:r>
-              <a:rPr lang="en-US" altLang="zh-TW" dirty="0" smtClean="0">
-                <a:solidFill>
-                  <a:srgbClr val="FF0000"/>
-                </a:solidFill>
-                <a:effectLst>
-                  <a:outerShdw blurRad="38100" dist="38100" dir="2700000" algn="tl">
-                    <a:srgbClr val="000000">
-                      <a:alpha val="43137"/>
-                    </a:srgbClr>
-                  </a:outerShdw>
-                </a:effectLst>
-              </a:rPr>
-              <a:t>Other factors: </a:t>
-            </a:r>
-            <a:r>
-              <a:rPr lang="en-US" altLang="zh-TW" dirty="0"/>
-              <a:t>bandwidth usage </a:t>
-            </a:r>
-            <a:r>
-              <a:rPr lang="en-US" altLang="zh-TW" dirty="0" smtClean="0"/>
-              <a:t>and disk time</a:t>
-            </a:r>
-          </a:p>
-          <a:p>
-            <a:endParaRPr lang="en-US" altLang="zh-TW" dirty="0" smtClean="0"/>
-          </a:p>
-        </p:txBody>
-      </p:sp>
-      <p:sp>
-        <p:nvSpPr>
-          <p:cNvPr id="4" name="Slide Number Placeholder 3"/>
-          <p:cNvSpPr>
-            <a:spLocks noGrp="1"/>
-          </p:cNvSpPr>
-          <p:nvPr>
-            <p:ph type="sldNum" sz="quarter" idx="12"/>
-          </p:nvPr>
-        </p:nvSpPr>
-        <p:spPr/>
-        <p:txBody>
-          <a:bodyPr/>
-          <a:lstStyle/>
-          <a:p>
-            <a:fld id="{CFE4BAC9-6D41-4691-9299-18EF07EF0177}" type="slidenum">
-              <a:rPr lang="en-US" smtClean="0"/>
-              <a:t>17</a:t>
-            </a:fld>
-            <a:endParaRPr lang="en-US"/>
-          </a:p>
-        </p:txBody>
-      </p:sp>
-    </p:spTree>
-    <p:extLst>
-      <p:ext uri="{BB962C8B-B14F-4D97-AF65-F5344CB8AC3E}">
-        <p14:creationId xmlns:p14="http://schemas.microsoft.com/office/powerpoint/2010/main" val="3955323304"/>
-      </p:ext>
-    </p:extLst>
-  </p:cSld>
-  <p:clrMapOvr>
-    <a:masterClrMapping/>
-  </p:clrMapOvr>
-  <p:timing>
-    <p:tnLst>
-      <p:par>
-        <p:cTn xmlns:p14="http://schemas.microsoft.com/office/powerpoint/2010/main" id="1" dur="indefinite" restart="never" nodeType="tmRoot"/>
-      </p:par>
-    </p:tnLst>
-  </p:timing>
-</p:sld>
-</file>
-
-<file path=ppt/slides/slide18.xml><?xml version="1.0" encoding="utf-8"?>
-<p:sld xmlns:a="http://schemas.openxmlformats.org/drawingml/2006/main" xmlns:r="http://schemas.openxmlformats.org/officeDocument/2006/relationships" xmlns:p="http://schemas.openxmlformats.org/presentationml/2006/main">
-  <p:cSld>
-    <p:spTree>
-      <p:nvGrpSpPr>
-        <p:cNvPr id="1" name=""/>
-        <p:cNvGrpSpPr/>
-        <p:nvPr/>
-      </p:nvGrpSpPr>
-      <p:grpSpPr>
-        <a:xfrm>
-          <a:off x="0" y="0"/>
-          <a:ext cx="0" cy="0"/>
-          <a:chOff x="0" y="0"/>
-          <a:chExt cx="0" cy="0"/>
-        </a:xfrm>
-      </p:grpSpPr>
-      <p:sp>
-        <p:nvSpPr>
-          <p:cNvPr id="2" name="Title 1"/>
-          <p:cNvSpPr>
-            <a:spLocks noGrp="1"/>
-          </p:cNvSpPr>
-          <p:nvPr>
-            <p:ph type="title"/>
-          </p:nvPr>
-        </p:nvSpPr>
-        <p:spPr/>
-        <p:txBody>
-          <a:bodyPr/>
-          <a:lstStyle/>
-          <a:p>
-            <a:r>
-              <a:rPr lang="en-US" altLang="zh-TW" dirty="0" smtClean="0"/>
-              <a:t>Future Work</a:t>
-            </a:r>
-            <a:endParaRPr lang="zh-TW" altLang="en-US" dirty="0"/>
-          </a:p>
-        </p:txBody>
-      </p:sp>
-      <p:sp>
-        <p:nvSpPr>
-          <p:cNvPr id="3" name="Content Placeholder 2"/>
-          <p:cNvSpPr>
-            <a:spLocks noGrp="1"/>
-          </p:cNvSpPr>
-          <p:nvPr>
-            <p:ph idx="1"/>
-          </p:nvPr>
-        </p:nvSpPr>
-        <p:spPr/>
-        <p:txBody>
-          <a:bodyPr/>
-          <a:lstStyle/>
-          <a:p>
-            <a:r>
-              <a:rPr lang="en-US" altLang="zh-TW" dirty="0" smtClean="0"/>
-              <a:t>Test with more complex real queries</a:t>
-            </a:r>
-          </a:p>
-          <a:p>
-            <a:r>
-              <a:rPr lang="en-US" altLang="zh-TW" dirty="0" smtClean="0"/>
-              <a:t>Test with multiple databases on the cluster</a:t>
-            </a:r>
-          </a:p>
-          <a:p>
-            <a:r>
-              <a:rPr lang="en-US" altLang="zh-TW" dirty="0" smtClean="0"/>
-              <a:t>Test on the real datacenter</a:t>
-            </a:r>
-          </a:p>
-          <a:p>
-            <a:r>
-              <a:rPr lang="en-US" altLang="zh-TW" dirty="0" smtClean="0"/>
-              <a:t>Consider a query distributed across multiple nodes in cluster (not needed)</a:t>
-            </a:r>
-            <a:endParaRPr lang="zh-TW" altLang="en-US" dirty="0"/>
-          </a:p>
-        </p:txBody>
-      </p:sp>
-      <p:sp>
-        <p:nvSpPr>
-          <p:cNvPr id="4" name="Slide Number Placeholder 3"/>
-          <p:cNvSpPr>
-            <a:spLocks noGrp="1"/>
-          </p:cNvSpPr>
-          <p:nvPr>
-            <p:ph type="sldNum" sz="quarter" idx="12"/>
-          </p:nvPr>
-        </p:nvSpPr>
-        <p:spPr/>
-        <p:txBody>
-          <a:bodyPr/>
-          <a:lstStyle/>
-          <a:p>
-            <a:fld id="{CFE4BAC9-6D41-4691-9299-18EF07EF0177}" type="slidenum">
-              <a:rPr lang="en-US" smtClean="0"/>
-              <a:t>18</a:t>
             </a:fld>
             <a:endParaRPr lang="en-US"/>
           </a:p>
@@ -4494,7 +4730,7 @@
   <p:timing>
     <p:tnLst>
       <p:par>
-        <p:cTn xmlns:p14="http://schemas.microsoft.com/office/powerpoint/2010/main" id="1" dur="indefinite" restart="never" nodeType="tmRoot"/>
+        <p:cTn id="1" dur="indefinite" restart="never" nodeType="tmRoot"/>
       </p:par>
     </p:tnLst>
   </p:timing>
@@ -4535,7 +4771,7 @@
           <a:p>
             <a:r>
               <a:rPr lang="en-US" dirty="0" smtClean="0"/>
-              <a:t>Contents</a:t>
+              <a:t>Roadmap</a:t>
             </a:r>
             <a:endParaRPr lang="en-US" dirty="0"/>
           </a:p>
@@ -4563,34 +4799,35 @@
           </a:p>
           <a:p>
             <a:r>
-              <a:rPr lang="en-US" dirty="0" smtClean="0">
-                <a:solidFill>
-                  <a:srgbClr val="FF0000"/>
-                </a:solidFill>
-              </a:rPr>
-              <a:t>Monitoring a server’s resources</a:t>
-            </a:r>
-          </a:p>
-          <a:p>
-            <a:r>
-              <a:rPr lang="en-US" dirty="0" smtClean="0">
-                <a:solidFill>
-                  <a:srgbClr val="FF0000"/>
-                </a:solidFill>
-              </a:rPr>
-              <a:t>Scheduling Reads</a:t>
-            </a:r>
-          </a:p>
-          <a:p>
-            <a:r>
               <a:rPr lang="en-US" dirty="0" smtClean="0"/>
-              <a:t>Future Work</a:t>
-            </a:r>
+              <a:t>Design</a:t>
+            </a:r>
+            <a:endParaRPr lang="en-US" dirty="0" smtClean="0"/>
           </a:p>
           <a:p>
             <a:r>
               <a:rPr lang="en-US" dirty="0" smtClean="0"/>
-              <a:t>Conclusion</a:t>
+              <a:t>Implementation </a:t>
+            </a:r>
+          </a:p>
+          <a:p>
+            <a:r>
+              <a:rPr lang="en-US" dirty="0" smtClean="0"/>
+              <a:t>Experiment </a:t>
+            </a:r>
+          </a:p>
+          <a:p>
+            <a:r>
+              <a:rPr lang="en-US" dirty="0" smtClean="0"/>
+              <a:t>Conclusion </a:t>
+            </a:r>
+            <a:r>
+              <a:rPr lang="en-US" dirty="0"/>
+              <a:t>&amp; Future </a:t>
+            </a:r>
+            <a:r>
+              <a:rPr lang="en-US" dirty="0" smtClean="0"/>
+              <a:t>Work</a:t>
             </a:r>
             <a:endParaRPr lang="en-US" dirty="0"/>
           </a:p>
@@ -4632,7 +4869,7 @@
   <p:timing>
     <p:tnLst>
       <p:par>
-        <p:cTn xmlns:p14="http://schemas.microsoft.com/office/powerpoint/2010/main" id="1" dur="indefinite" restart="never" nodeType="tmRoot"/>
+        <p:cTn id="1" dur="indefinite" restart="never" nodeType="tmRoot"/>
       </p:par>
     </p:tnLst>
   </p:timing>
@@ -4736,21 +4973,17 @@
             <a:pPr lvl="1"/>
             <a:r>
               <a:rPr lang="en-US" dirty="0" smtClean="0"/>
-              <a:t>Network congestion</a:t>
-            </a:r>
-          </a:p>
-          <a:p>
+              <a:t>Network </a:t>
+            </a:r>
             <a:r>
               <a:rPr lang="en-US" dirty="0" smtClean="0"/>
-              <a:t>Typically, a query is only assigned based </a:t>
-            </a:r>
-            <a:r>
-              <a:rPr lang="en-US" dirty="0"/>
-              <a:t>upon replica </a:t>
-            </a:r>
+              <a:t>congestion</a:t>
+            </a:r>
+          </a:p>
+          <a:p>
             <a:r>
               <a:rPr lang="en-US" dirty="0" smtClean="0"/>
-              <a:t>location</a:t>
+              <a:t>	Typically, a query is assigned to the closest replica</a:t>
             </a:r>
           </a:p>
           <a:p>
@@ -4794,7 +5027,7 @@
   <p:timing>
     <p:tnLst>
       <p:par>
-        <p:cTn xmlns:p14="http://schemas.microsoft.com/office/powerpoint/2010/main" id="1" dur="indefinite" restart="never" nodeType="tmRoot"/>
+        <p:cTn id="1" dur="indefinite" restart="never" nodeType="tmRoot"/>
       </p:par>
     </p:tnLst>
   </p:timing>
@@ -4834,10 +5067,10 @@
           <a:lstStyle/>
           <a:p>
             <a:r>
-              <a:rPr lang="en-US" dirty="0" smtClean="0"/>
-              <a:t>Related Work</a:t>
-            </a:r>
-            <a:endParaRPr lang="en-US" dirty="0"/>
+              <a:rPr lang="en-US" altLang="zh-TW" dirty="0" smtClean="0"/>
+              <a:t>Goal</a:t>
+            </a:r>
+            <a:endParaRPr lang="zh-TW" altLang="en-US" dirty="0"/>
           </a:p>
         </p:txBody>
       </p:sp>
@@ -4853,47 +5086,102 @@
         </p:nvSpPr>
         <p:spPr/>
         <p:txBody>
-          <a:bodyPr/>
-          <a:lstStyle/>
-          <a:p>
-            <a:r>
-              <a:rPr lang="en-US" dirty="0" smtClean="0"/>
-              <a:t>Load Balancing</a:t>
+          <a:bodyPr>
+            <a:normAutofit/>
+          </a:bodyPr>
+          <a:lstStyle/>
+          <a:p>
+            <a:r>
+              <a:rPr lang="en-US" altLang="zh-TW" dirty="0" smtClean="0"/>
+              <a:t>Examine how different server conditions affect query performance </a:t>
             </a:r>
           </a:p>
           <a:p>
             <a:pPr lvl="1"/>
             <a:r>
-              <a:rPr lang="en-US" dirty="0" smtClean="0"/>
-              <a:t>Offline load balancing, where a representative workload is used to allocate data across the cluster</a:t>
+              <a:rPr lang="en-US" altLang="zh-TW" dirty="0" smtClean="0"/>
+              <a:t>Heterogeneous hardware</a:t>
             </a:r>
           </a:p>
           <a:p>
             <a:pPr lvl="1"/>
             <a:r>
-              <a:rPr lang="en-US" dirty="0" smtClean="0"/>
-              <a:t>Migrating a job to another server after it has already been assigned</a:t>
-            </a:r>
-          </a:p>
-          <a:p>
-            <a:r>
-              <a:rPr lang="en-US" dirty="0" smtClean="0"/>
-              <a:t>Scheduling</a:t>
+              <a:rPr lang="en-US" altLang="zh-TW" dirty="0" smtClean="0"/>
+              <a:t>Workload</a:t>
             </a:r>
           </a:p>
           <a:p>
             <a:pPr lvl="1"/>
             <a:r>
-              <a:rPr lang="en-US" dirty="0" smtClean="0"/>
-              <a:t>Single processor scheduling</a:t>
-            </a:r>
+              <a:rPr lang="en-US" altLang="zh-TW" dirty="0" smtClean="0"/>
+              <a:t>Network condition </a:t>
+            </a:r>
+            <a:endParaRPr lang="en-US" altLang="zh-TW" dirty="0" smtClean="0"/>
+          </a:p>
+          <a:p>
+            <a:r>
+              <a:rPr lang="en-US" altLang="zh-TW" dirty="0"/>
+              <a:t>E</a:t>
+            </a:r>
+            <a:r>
+              <a:rPr lang="en-US" altLang="zh-TW" dirty="0" smtClean="0"/>
+              <a:t>xplore </a:t>
+            </a:r>
+            <a:r>
+              <a:rPr lang="en-US" altLang="zh-TW" dirty="0" smtClean="0"/>
+              <a:t>an efficient </a:t>
+            </a:r>
+            <a:r>
+              <a:rPr lang="en-US" altLang="zh-TW" dirty="0"/>
+              <a:t>way to schedule </a:t>
+            </a:r>
+            <a:r>
+              <a:rPr lang="en-US" altLang="zh-TW" dirty="0" smtClean="0"/>
+              <a:t>queries </a:t>
+            </a:r>
+            <a:r>
+              <a:rPr lang="en-US" altLang="zh-TW" dirty="0" smtClean="0"/>
+              <a:t>based on server conditions</a:t>
+            </a:r>
+            <a:endParaRPr lang="en-US" altLang="zh-TW" dirty="0" smtClean="0"/>
           </a:p>
           <a:p>
             <a:pPr lvl="1"/>
             <a:r>
-              <a:rPr lang="en-US" dirty="0" smtClean="0"/>
-              <a:t>Distributed scheduling</a:t>
-            </a:r>
+              <a:rPr lang="en-US" altLang="zh-TW" dirty="0" smtClean="0"/>
+              <a:t>Allocate work based on node </a:t>
+            </a:r>
+            <a:r>
+              <a:rPr lang="en-US" altLang="zh-TW" dirty="0" smtClean="0"/>
+              <a:t>conditions</a:t>
+            </a:r>
+          </a:p>
+          <a:p>
+            <a:pPr lvl="1"/>
+            <a:r>
+              <a:rPr lang="en-US" altLang="zh-TW" dirty="0"/>
+              <a:t>Mitigate </a:t>
+            </a:r>
+            <a:r>
+              <a:rPr lang="en-US" altLang="zh-TW" dirty="0" smtClean="0"/>
+              <a:t>hotspots</a:t>
+            </a:r>
+            <a:endParaRPr lang="en-US" altLang="zh-TW" dirty="0" smtClean="0"/>
+          </a:p>
+          <a:p>
+            <a:pPr lvl="1"/>
+            <a:r>
+              <a:rPr lang="en-US" altLang="zh-TW" dirty="0" smtClean="0"/>
+              <a:t>Better performance</a:t>
+            </a:r>
+          </a:p>
+          <a:p>
+            <a:pPr lvl="1"/>
+            <a:r>
+              <a:rPr lang="en-US" altLang="zh-TW" dirty="0" smtClean="0"/>
+              <a:t>Feasible for any database </a:t>
+            </a:r>
+            <a:endParaRPr lang="en-US" altLang="zh-TW" dirty="0" smtClean="0"/>
           </a:p>
         </p:txBody>
       </p:sp>
@@ -4923,7 +5211,7 @@
     </p:spTree>
     <p:extLst>
       <p:ext uri="{BB962C8B-B14F-4D97-AF65-F5344CB8AC3E}">
-        <p14:creationId xmlns:p14="http://schemas.microsoft.com/office/powerpoint/2010/main" val="2721567679"/>
+        <p14:creationId xmlns:p14="http://schemas.microsoft.com/office/powerpoint/2010/main" val="22364479"/>
       </p:ext>
     </p:extLst>
   </p:cSld>
@@ -4933,7 +5221,7 @@
   <p:timing>
     <p:tnLst>
       <p:par>
-        <p:cTn xmlns:p14="http://schemas.microsoft.com/office/powerpoint/2010/main" id="1" dur="indefinite" restart="never" nodeType="tmRoot"/>
+        <p:cTn id="1" dur="indefinite" restart="never" nodeType="tmRoot"/>
       </p:par>
     </p:tnLst>
   </p:timing>
@@ -4973,109 +5261,10 @@
           <a:lstStyle/>
           <a:p>
             <a:r>
-              <a:rPr lang="en-US" altLang="zh-TW" dirty="0" smtClean="0"/>
-              <a:t>Goal</a:t>
-            </a:r>
-            <a:endParaRPr lang="zh-TW" altLang="en-US" dirty="0"/>
-          </a:p>
-        </p:txBody>
-      </p:sp>
-      <p:sp>
-        <p:nvSpPr>
-          <p:cNvPr id="3" name="Content Placeholder 2"/>
-          <p:cNvSpPr>
-            <a:spLocks noGrp="1"/>
-          </p:cNvSpPr>
-          <p:nvPr>
-            <p:ph idx="1"/>
-          </p:nvPr>
-        </p:nvSpPr>
-        <p:spPr/>
-        <p:txBody>
-          <a:bodyPr/>
-          <a:lstStyle/>
-          <a:p>
-            <a:r>
-              <a:rPr lang="en-US" altLang="zh-TW" dirty="0" smtClean="0"/>
-              <a:t>To explore an efficient </a:t>
-            </a:r>
-            <a:r>
-              <a:rPr lang="en-US" altLang="zh-TW" dirty="0"/>
-              <a:t>way to schedule </a:t>
-            </a:r>
-            <a:r>
-              <a:rPr lang="en-US" altLang="zh-TW" dirty="0" smtClean="0"/>
-              <a:t>queries on </a:t>
-            </a:r>
-            <a:r>
-              <a:rPr lang="en-US" altLang="zh-TW" dirty="0"/>
-              <a:t>multiple nodes in a </a:t>
-            </a:r>
-            <a:r>
-              <a:rPr lang="en-US" altLang="zh-TW" dirty="0" smtClean="0"/>
-              <a:t>distributed </a:t>
-            </a:r>
-            <a:r>
-              <a:rPr lang="en-US" altLang="zh-TW" dirty="0"/>
-              <a:t>system </a:t>
-            </a:r>
-            <a:endParaRPr lang="en-US" altLang="zh-TW" dirty="0" smtClean="0"/>
-          </a:p>
-          <a:p>
-            <a:pPr lvl="1"/>
-            <a:r>
-              <a:rPr lang="en-US" altLang="zh-TW" dirty="0" smtClean="0"/>
-              <a:t>Allocate work based on node status</a:t>
-            </a:r>
-          </a:p>
-          <a:p>
-            <a:pPr lvl="1"/>
-            <a:r>
-              <a:rPr lang="en-US" altLang="zh-TW" dirty="0" smtClean="0"/>
-              <a:t>Better performance</a:t>
-            </a:r>
-          </a:p>
-          <a:p>
-            <a:pPr lvl="1"/>
-            <a:r>
-              <a:rPr lang="en-US" altLang="zh-TW" dirty="0" smtClean="0">
-                <a:solidFill>
-                  <a:srgbClr val="FF0000"/>
-                </a:solidFill>
-              </a:rPr>
-              <a:t>Feasible for any database (kind of uncertain about this) </a:t>
-            </a:r>
-          </a:p>
-          <a:p>
-            <a:pPr lvl="1"/>
-            <a:r>
-              <a:rPr lang="en-US" altLang="zh-TW" dirty="0" smtClean="0"/>
-              <a:t>Mitigate hotspots</a:t>
-            </a:r>
-          </a:p>
-          <a:p>
-            <a:r>
-              <a:rPr lang="en-US" altLang="zh-TW" dirty="0" smtClean="0"/>
-              <a:t>Consider heterogeneous hardware when scheduling</a:t>
-            </a:r>
-          </a:p>
-          <a:p>
-            <a:pPr marL="0" indent="0">
-              <a:buNone/>
-            </a:pPr>
-            <a:r>
-              <a:rPr lang="en-US" altLang="zh-TW" dirty="0" smtClean="0">
-                <a:solidFill>
-                  <a:srgbClr val="FF0000"/>
-                </a:solidFill>
-              </a:rPr>
-              <a:t>this might not be true, we’ll see </a:t>
-            </a:r>
-            <a:endParaRPr lang="zh-TW" altLang="en-US" dirty="0">
-              <a:solidFill>
-                <a:srgbClr val="FF0000"/>
-              </a:solidFill>
-            </a:endParaRPr>
+              <a:rPr lang="en-US" dirty="0" smtClean="0"/>
+              <a:t>Design</a:t>
+            </a:r>
+            <a:endParaRPr lang="en-US" dirty="0"/>
           </a:p>
         </p:txBody>
       </p:sp>
@@ -5097,89 +5286,6 @@
             <a:fld id="{CFE4BAC9-6D41-4691-9299-18EF07EF0177}" type="slidenum">
               <a:rPr lang="en-US" smtClean="0"/>
               <a:t>5</a:t>
-            </a:fld>
-            <a:endParaRPr lang="en-US"/>
-          </a:p>
-        </p:txBody>
-      </p:sp>
-    </p:spTree>
-    <p:extLst>
-      <p:ext uri="{BB962C8B-B14F-4D97-AF65-F5344CB8AC3E}">
-        <p14:creationId xmlns:p14="http://schemas.microsoft.com/office/powerpoint/2010/main" val="22364479"/>
-      </p:ext>
-    </p:extLst>
-  </p:cSld>
-  <p:clrMapOvr>
-    <a:masterClrMapping/>
-  </p:clrMapOvr>
-  <p:timing>
-    <p:tnLst>
-      <p:par>
-        <p:cTn xmlns:p14="http://schemas.microsoft.com/office/powerpoint/2010/main" id="1" dur="indefinite" restart="never" nodeType="tmRoot"/>
-      </p:par>
-    </p:tnLst>
-  </p:timing>
-</p:sld>
-</file>
-
-<file path=ppt/slides/slide6.xml><?xml version="1.0" encoding="utf-8"?>
-<p:sld xmlns:a="http://schemas.openxmlformats.org/drawingml/2006/main" xmlns:r="http://schemas.openxmlformats.org/officeDocument/2006/relationships" xmlns:p="http://schemas.openxmlformats.org/presentationml/2006/main">
-  <p:cSld>
-    <p:spTree>
-      <p:nvGrpSpPr>
-        <p:cNvPr id="1" name=""/>
-        <p:cNvGrpSpPr/>
-        <p:nvPr/>
-      </p:nvGrpSpPr>
-      <p:grpSpPr>
-        <a:xfrm>
-          <a:off x="0" y="0"/>
-          <a:ext cx="0" cy="0"/>
-          <a:chOff x="0" y="0"/>
-          <a:chExt cx="0" cy="0"/>
-        </a:xfrm>
-      </p:grpSpPr>
-      <p:sp>
-        <p:nvSpPr>
-          <p:cNvPr id="2" name="Title 1"/>
-          <p:cNvSpPr>
-            <a:spLocks noGrp="1"/>
-          </p:cNvSpPr>
-          <p:nvPr>
-            <p:ph type="title"/>
-          </p:nvPr>
-        </p:nvSpPr>
-        <p:spPr/>
-        <p:txBody>
-          <a:bodyPr/>
-          <a:lstStyle/>
-          <a:p>
-            <a:r>
-              <a:rPr lang="en-US" dirty="0" smtClean="0"/>
-              <a:t>Design</a:t>
-            </a:r>
-            <a:endParaRPr lang="en-US" dirty="0"/>
-          </a:p>
-        </p:txBody>
-      </p:sp>
-      <p:sp>
-        <p:nvSpPr>
-          <p:cNvPr id="4" name="Slide Number Placeholder 3"/>
-          <p:cNvSpPr>
-            <a:spLocks noGrp="1"/>
-          </p:cNvSpPr>
-          <p:nvPr>
-            <p:ph type="sldNum" sz="quarter" idx="12"/>
-          </p:nvPr>
-        </p:nvSpPr>
-        <p:spPr/>
-        <p:txBody>
-          <a:bodyPr/>
-          <a:lstStyle/>
-          <a:p>
-            <a:fld id="{CFE4BAC9-6D41-4691-9299-18EF07EF0177}" type="slidenum">
-              <a:rPr lang="en-US" smtClean="0"/>
-              <a:t>6</a:t>
             </a:fld>
             <a:endParaRPr lang="en-US"/>
           </a:p>
@@ -5735,7 +5841,7 @@
   <p:timing>
     <p:tnLst>
       <p:par>
-        <p:cTn xmlns:p14="http://schemas.microsoft.com/office/powerpoint/2010/main" id="1" dur="indefinite" restart="never" nodeType="tmRoot">
+        <p:cTn id="1" dur="indefinite" restart="never" nodeType="tmRoot">
           <p:childTnLst>
             <p:seq concurrent="1" nextAc="seek">
               <p:cTn id="2" dur="indefinite" nodeType="mainSeq">
@@ -6153,6 +6259,248 @@
 </p:sld>
 </file>
 
+<file path=ppt/slides/slide6.xml><?xml version="1.0" encoding="utf-8"?>
+<p:sld xmlns:a="http://schemas.openxmlformats.org/drawingml/2006/main" xmlns:r="http://schemas.openxmlformats.org/officeDocument/2006/relationships" xmlns:p="http://schemas.openxmlformats.org/presentationml/2006/main">
+  <p:cSld>
+    <p:spTree>
+      <p:nvGrpSpPr>
+        <p:cNvPr id="1" name=""/>
+        <p:cNvGrpSpPr/>
+        <p:nvPr/>
+      </p:nvGrpSpPr>
+      <p:grpSpPr>
+        <a:xfrm>
+          <a:off x="0" y="0"/>
+          <a:ext cx="0" cy="0"/>
+          <a:chOff x="0" y="0"/>
+          <a:chExt cx="0" cy="0"/>
+        </a:xfrm>
+      </p:grpSpPr>
+      <p:sp>
+        <p:nvSpPr>
+          <p:cNvPr id="2" name="Title 1"/>
+          <p:cNvSpPr>
+            <a:spLocks noGrp="1"/>
+          </p:cNvSpPr>
+          <p:nvPr>
+            <p:ph type="title"/>
+          </p:nvPr>
+        </p:nvSpPr>
+        <p:spPr/>
+        <p:txBody>
+          <a:bodyPr/>
+          <a:lstStyle/>
+          <a:p>
+            <a:r>
+              <a:rPr lang="en-US" altLang="zh-TW" dirty="0" smtClean="0"/>
+              <a:t>Implementation</a:t>
+            </a:r>
+            <a:endParaRPr lang="zh-TW" altLang="en-US" dirty="0"/>
+          </a:p>
+        </p:txBody>
+      </p:sp>
+      <p:sp>
+        <p:nvSpPr>
+          <p:cNvPr id="3" name="Content Placeholder 2"/>
+          <p:cNvSpPr>
+            <a:spLocks noGrp="1"/>
+          </p:cNvSpPr>
+          <p:nvPr>
+            <p:ph idx="1"/>
+          </p:nvPr>
+        </p:nvSpPr>
+        <p:spPr/>
+        <p:txBody>
+          <a:bodyPr/>
+          <a:lstStyle/>
+          <a:p>
+            <a:pPr marL="342900" lvl="1" indent="-342900">
+              <a:buFont typeface="Arial"/>
+              <a:buChar char="•"/>
+            </a:pPr>
+            <a:r>
+              <a:rPr lang="en-US" altLang="zh-TW" dirty="0"/>
+              <a:t>Resource </a:t>
+            </a:r>
+            <a:r>
+              <a:rPr lang="en-US" altLang="zh-TW" dirty="0" smtClean="0"/>
+              <a:t>Monitor*</a:t>
+            </a:r>
+            <a:endParaRPr lang="en-US" altLang="zh-TW" dirty="0" smtClean="0"/>
+          </a:p>
+          <a:p>
+            <a:pPr lvl="1"/>
+            <a:r>
+              <a:rPr lang="en-US" altLang="zh-TW" dirty="0" smtClean="0"/>
+              <a:t>On each node server</a:t>
+            </a:r>
+          </a:p>
+          <a:p>
+            <a:pPr lvl="1"/>
+            <a:r>
+              <a:rPr lang="en-US" altLang="zh-TW" dirty="0" smtClean="0"/>
+              <a:t> Measures </a:t>
+            </a:r>
+            <a:r>
+              <a:rPr lang="en-US" altLang="zh-TW" dirty="0"/>
+              <a:t>the </a:t>
+            </a:r>
+            <a:r>
+              <a:rPr lang="en-US" altLang="zh-TW" dirty="0" smtClean="0"/>
+              <a:t>resource usage </a:t>
+            </a:r>
+            <a:endParaRPr lang="en-US" altLang="zh-TW" dirty="0"/>
+          </a:p>
+          <a:p>
+            <a:pPr lvl="2"/>
+            <a:r>
+              <a:rPr lang="en-US" altLang="zh-TW" dirty="0" smtClean="0"/>
+              <a:t>CPU Usage</a:t>
+            </a:r>
+          </a:p>
+          <a:p>
+            <a:pPr lvl="2"/>
+            <a:r>
+              <a:rPr lang="en-US" altLang="zh-TW" dirty="0" smtClean="0"/>
+              <a:t>Memory</a:t>
+            </a:r>
+          </a:p>
+          <a:p>
+            <a:pPr lvl="2"/>
+            <a:r>
+              <a:rPr lang="en-US" altLang="zh-TW" dirty="0" smtClean="0"/>
+              <a:t>Process list </a:t>
+            </a:r>
+          </a:p>
+          <a:p>
+            <a:r>
+              <a:rPr lang="en-US" altLang="zh-TW" dirty="0" smtClean="0"/>
+              <a:t>Central </a:t>
+            </a:r>
+            <a:r>
+              <a:rPr lang="en-US" altLang="zh-TW" dirty="0"/>
+              <a:t>job director (CJD</a:t>
+            </a:r>
+            <a:r>
+              <a:rPr lang="en-US" altLang="zh-TW" dirty="0" smtClean="0"/>
+              <a:t>): </a:t>
+            </a:r>
+          </a:p>
+          <a:p>
+            <a:pPr lvl="1"/>
+            <a:r>
+              <a:rPr lang="en-US" altLang="zh-TW" dirty="0" smtClean="0"/>
+              <a:t>On </a:t>
+            </a:r>
+            <a:r>
+              <a:rPr lang="en-US" altLang="zh-TW" dirty="0"/>
+              <a:t>c</a:t>
+            </a:r>
+            <a:r>
+              <a:rPr lang="en-US" altLang="zh-TW" dirty="0" smtClean="0"/>
+              <a:t>entral </a:t>
+            </a:r>
+            <a:r>
+              <a:rPr lang="en-US" altLang="zh-TW" dirty="0"/>
+              <a:t>master server </a:t>
+            </a:r>
+            <a:endParaRPr lang="en-US" altLang="zh-TW" dirty="0" smtClean="0"/>
+          </a:p>
+          <a:p>
+            <a:pPr lvl="1"/>
+            <a:r>
+              <a:rPr lang="en-US" altLang="zh-TW" dirty="0" smtClean="0"/>
+              <a:t>Collect resource usage information </a:t>
+            </a:r>
+          </a:p>
+          <a:p>
+            <a:pPr lvl="1"/>
+            <a:r>
+              <a:rPr lang="en-US" altLang="zh-TW" dirty="0" smtClean="0"/>
+              <a:t>Schedule and assign jobs to nodes</a:t>
+            </a:r>
+          </a:p>
+        </p:txBody>
+      </p:sp>
+      <p:sp>
+        <p:nvSpPr>
+          <p:cNvPr id="4" name="Slide Number Placeholder 3"/>
+          <p:cNvSpPr>
+            <a:spLocks noGrp="1"/>
+          </p:cNvSpPr>
+          <p:nvPr>
+            <p:ph type="sldNum" sz="quarter" idx="12"/>
+          </p:nvPr>
+        </p:nvSpPr>
+        <p:spPr/>
+        <p:txBody>
+          <a:bodyPr/>
+          <a:lstStyle/>
+          <a:p>
+            <a:fld id="{CFE4BAC9-6D41-4691-9299-18EF07EF0177}" type="slidenum">
+              <a:rPr lang="en-US" smtClean="0"/>
+              <a:t>6</a:t>
+            </a:fld>
+            <a:endParaRPr lang="en-US"/>
+          </a:p>
+        </p:txBody>
+      </p:sp>
+      <p:sp>
+        <p:nvSpPr>
+          <p:cNvPr id="5" name="Footer Placeholder 4"/>
+          <p:cNvSpPr>
+            <a:spLocks noGrp="1"/>
+          </p:cNvSpPr>
+          <p:nvPr>
+            <p:ph type="ftr" sz="quarter" idx="11"/>
+          </p:nvPr>
+        </p:nvSpPr>
+        <p:spPr>
+          <a:xfrm>
+            <a:off x="457200" y="6356350"/>
+            <a:ext cx="7543800" cy="365125"/>
+          </a:xfrm>
+        </p:spPr>
+        <p:txBody>
+          <a:bodyPr/>
+          <a:lstStyle/>
+          <a:p>
+            <a:r>
+              <a:rPr lang="en-US" dirty="0"/>
+              <a:t>*</a:t>
+            </a:r>
+            <a:r>
+              <a:rPr lang="en-US" dirty="0" smtClean="0"/>
+              <a:t> </a:t>
+            </a:r>
+            <a:r>
+              <a:rPr lang="en-US" dirty="0" smtClean="0"/>
+              <a:t>T. Wood et. al. Black-box and Gray-box Strategies for Virtual Machine Migration</a:t>
+            </a:r>
+            <a:endParaRPr lang="en-US" dirty="0"/>
+          </a:p>
+        </p:txBody>
+      </p:sp>
+    </p:spTree>
+    <p:extLst>
+      <p:ext uri="{BB962C8B-B14F-4D97-AF65-F5344CB8AC3E}">
+        <p14:creationId xmlns:p14="http://schemas.microsoft.com/office/powerpoint/2010/main" val="1053628095"/>
+      </p:ext>
+    </p:extLst>
+  </p:cSld>
+  <p:clrMapOvr>
+    <a:masterClrMapping/>
+  </p:clrMapOvr>
+  <p:timing>
+    <p:tnLst>
+      <p:par>
+        <p:cTn id="1" dur="indefinite" restart="never" nodeType="tmRoot"/>
+      </p:par>
+    </p:tnLst>
+  </p:timing>
+</p:sld>
+</file>
+
 <file path=ppt/slides/slide7.xml><?xml version="1.0" encoding="utf-8"?>
 <p:sld xmlns:a="http://schemas.openxmlformats.org/drawingml/2006/main" xmlns:r="http://schemas.openxmlformats.org/officeDocument/2006/relationships" xmlns:p="http://schemas.openxmlformats.org/presentationml/2006/main">
   <p:cSld>
@@ -6186,127 +6534,10 @@
           <a:lstStyle/>
           <a:p>
             <a:r>
-              <a:rPr lang="en-US" altLang="zh-TW" dirty="0" smtClean="0"/>
+              <a:rPr lang="en-US" dirty="0" smtClean="0"/>
               <a:t>Implementation</a:t>
             </a:r>
-            <a:endParaRPr lang="zh-TW" altLang="en-US" dirty="0"/>
-          </a:p>
-        </p:txBody>
-      </p:sp>
-      <p:sp>
-        <p:nvSpPr>
-          <p:cNvPr id="3" name="Content Placeholder 2"/>
-          <p:cNvSpPr>
-            <a:spLocks noGrp="1"/>
-          </p:cNvSpPr>
-          <p:nvPr>
-            <p:ph idx="1"/>
-          </p:nvPr>
-        </p:nvSpPr>
-        <p:spPr/>
-        <p:txBody>
-          <a:bodyPr/>
-          <a:lstStyle/>
-          <a:p>
-            <a:pPr marL="342900" lvl="1" indent="-342900">
-              <a:buFont typeface="Arial"/>
-              <a:buChar char="•"/>
-            </a:pPr>
-            <a:r>
-              <a:rPr lang="en-US" altLang="zh-TW" dirty="0"/>
-              <a:t>Resource Monitor  [cite gray and black box paper</a:t>
-            </a:r>
-            <a:r>
-              <a:rPr lang="en-US" altLang="zh-TW" dirty="0" smtClean="0"/>
-              <a:t>]: </a:t>
-            </a:r>
-          </a:p>
-          <a:p>
-            <a:pPr lvl="1"/>
-            <a:r>
-              <a:rPr lang="en-US" altLang="zh-TW" dirty="0" smtClean="0"/>
-              <a:t>On each node server</a:t>
-            </a:r>
-          </a:p>
-          <a:p>
-            <a:pPr lvl="1"/>
-            <a:r>
-              <a:rPr lang="en-US" altLang="zh-TW" dirty="0" smtClean="0"/>
-              <a:t> Measures </a:t>
-            </a:r>
-            <a:r>
-              <a:rPr lang="en-US" altLang="zh-TW" dirty="0"/>
-              <a:t>the load </a:t>
-            </a:r>
-          </a:p>
-          <a:p>
-            <a:pPr lvl="2"/>
-            <a:r>
-              <a:rPr lang="en-US" altLang="zh-TW" dirty="0" smtClean="0"/>
-              <a:t>CPU Usage</a:t>
-            </a:r>
-          </a:p>
-          <a:p>
-            <a:pPr lvl="2"/>
-            <a:r>
-              <a:rPr lang="en-US" altLang="zh-TW" dirty="0" smtClean="0"/>
-              <a:t>Memory</a:t>
-            </a:r>
-          </a:p>
-          <a:p>
-            <a:pPr lvl="2"/>
-            <a:r>
-              <a:rPr lang="en-US" altLang="zh-TW" dirty="0" smtClean="0"/>
-              <a:t>Process list </a:t>
-            </a:r>
-          </a:p>
-          <a:p>
-            <a:r>
-              <a:rPr lang="en-US" altLang="zh-TW" dirty="0" smtClean="0"/>
-              <a:t>Central </a:t>
-            </a:r>
-            <a:r>
-              <a:rPr lang="en-US" altLang="zh-TW" dirty="0"/>
-              <a:t>job director (CJD</a:t>
-            </a:r>
-            <a:r>
-              <a:rPr lang="en-US" altLang="zh-TW" dirty="0" smtClean="0"/>
-              <a:t>): </a:t>
-            </a:r>
-          </a:p>
-          <a:p>
-            <a:pPr lvl="1"/>
-            <a:r>
-              <a:rPr lang="en-US" altLang="zh-TW" dirty="0" smtClean="0"/>
-              <a:t>On </a:t>
-            </a:r>
-            <a:r>
-              <a:rPr lang="en-US" altLang="zh-TW" dirty="0"/>
-              <a:t>c</a:t>
-            </a:r>
-            <a:r>
-              <a:rPr lang="en-US" altLang="zh-TW" dirty="0" smtClean="0"/>
-              <a:t>entral </a:t>
-            </a:r>
-            <a:r>
-              <a:rPr lang="en-US" altLang="zh-TW" dirty="0"/>
-              <a:t>master server </a:t>
-            </a:r>
-            <a:endParaRPr lang="en-US" altLang="zh-TW" dirty="0" smtClean="0"/>
-          </a:p>
-          <a:p>
-            <a:pPr lvl="1"/>
-            <a:r>
-              <a:rPr lang="en-US" altLang="zh-TW" dirty="0" smtClean="0"/>
-              <a:t>Collect resource usage information </a:t>
-            </a:r>
-          </a:p>
-          <a:p>
-            <a:pPr lvl="1"/>
-            <a:r>
-              <a:rPr lang="en-US" altLang="zh-TW" dirty="0" smtClean="0"/>
-              <a:t>Schedule and assign jobs to nodes</a:t>
-            </a:r>
+            <a:endParaRPr lang="en-US" dirty="0"/>
           </a:p>
         </p:txBody>
       </p:sp>
@@ -6328,89 +6559,6 @@
             <a:fld id="{CFE4BAC9-6D41-4691-9299-18EF07EF0177}" type="slidenum">
               <a:rPr lang="en-US" smtClean="0"/>
               <a:t>7</a:t>
-            </a:fld>
-            <a:endParaRPr lang="en-US"/>
-          </a:p>
-        </p:txBody>
-      </p:sp>
-    </p:spTree>
-    <p:extLst>
-      <p:ext uri="{BB962C8B-B14F-4D97-AF65-F5344CB8AC3E}">
-        <p14:creationId xmlns:p14="http://schemas.microsoft.com/office/powerpoint/2010/main" val="1053628095"/>
-      </p:ext>
-    </p:extLst>
-  </p:cSld>
-  <p:clrMapOvr>
-    <a:masterClrMapping/>
-  </p:clrMapOvr>
-  <p:timing>
-    <p:tnLst>
-      <p:par>
-        <p:cTn xmlns:p14="http://schemas.microsoft.com/office/powerpoint/2010/main" id="1" dur="indefinite" restart="never" nodeType="tmRoot"/>
-      </p:par>
-    </p:tnLst>
-  </p:timing>
-</p:sld>
-</file>
-
-<file path=ppt/slides/slide8.xml><?xml version="1.0" encoding="utf-8"?>
-<p:sld xmlns:a="http://schemas.openxmlformats.org/drawingml/2006/main" xmlns:r="http://schemas.openxmlformats.org/officeDocument/2006/relationships" xmlns:p="http://schemas.openxmlformats.org/presentationml/2006/main">
-  <p:cSld>
-    <p:spTree>
-      <p:nvGrpSpPr>
-        <p:cNvPr id="1" name=""/>
-        <p:cNvGrpSpPr/>
-        <p:nvPr/>
-      </p:nvGrpSpPr>
-      <p:grpSpPr>
-        <a:xfrm>
-          <a:off x="0" y="0"/>
-          <a:ext cx="0" cy="0"/>
-          <a:chOff x="0" y="0"/>
-          <a:chExt cx="0" cy="0"/>
-        </a:xfrm>
-      </p:grpSpPr>
-      <p:sp>
-        <p:nvSpPr>
-          <p:cNvPr id="2" name="Title 1"/>
-          <p:cNvSpPr>
-            <a:spLocks noGrp="1"/>
-          </p:cNvSpPr>
-          <p:nvPr>
-            <p:ph type="title"/>
-          </p:nvPr>
-        </p:nvSpPr>
-        <p:spPr/>
-        <p:txBody>
-          <a:bodyPr/>
-          <a:lstStyle/>
-          <a:p>
-            <a:r>
-              <a:rPr lang="en-US" dirty="0" smtClean="0"/>
-              <a:t>Concrete Implementation (placeholder)</a:t>
-            </a:r>
-            <a:endParaRPr lang="en-US" dirty="0"/>
-          </a:p>
-        </p:txBody>
-      </p:sp>
-      <p:sp>
-        <p:nvSpPr>
-          <p:cNvPr id="4" name="Slide Number Placeholder 3"/>
-          <p:cNvSpPr>
-            <a:spLocks noGrp="1"/>
-          </p:cNvSpPr>
-          <p:nvPr>
-            <p:ph type="sldNum" sz="quarter" idx="12"/>
-          </p:nvPr>
-        </p:nvSpPr>
-        <p:spPr/>
-        <p:txBody>
-          <a:bodyPr/>
-          <a:lstStyle/>
-          <a:p>
-            <a:fld id="{CFE4BAC9-6D41-4691-9299-18EF07EF0177}" type="slidenum">
-              <a:rPr lang="en-US" smtClean="0"/>
-              <a:t>8</a:t>
             </a:fld>
             <a:endParaRPr lang="en-US"/>
           </a:p>
@@ -6457,10 +6605,7 @@
           </a:p>
           <a:p>
             <a:pPr algn="ctr"/>
-            <a:r>
-              <a:rPr lang="en-US" dirty="0" smtClean="0"/>
-              <a:t>- CJD</a:t>
-            </a:r>
+            <a:endParaRPr lang="en-US" dirty="0" smtClean="0"/>
           </a:p>
         </p:txBody>
       </p:sp>
@@ -6473,7 +6618,7 @@
         <p:spPr>
           <a:xfrm>
             <a:off x="6219106" y="3818908"/>
-            <a:ext cx="1304059" cy="873197"/>
+            <a:ext cx="1304059" cy="1047006"/>
           </a:xfrm>
           <a:prstGeom prst="roundRect">
             <a:avLst/>
@@ -6500,20 +6645,20 @@
             <a:pPr algn="ctr"/>
             <a:r>
               <a:rPr lang="en-US" dirty="0" smtClean="0"/>
-              <a:t>Node N</a:t>
+              <a:t>Node </a:t>
+            </a:r>
+            <a:r>
+              <a:rPr lang="en-US" dirty="0" smtClean="0"/>
+              <a:t>N</a:t>
             </a:r>
           </a:p>
           <a:p>
             <a:pPr algn="ctr"/>
-            <a:r>
-              <a:rPr lang="en-US" dirty="0" smtClean="0"/>
-              <a:t>- </a:t>
-            </a:r>
-            <a:r>
-              <a:rPr lang="en-US" dirty="0" err="1" smtClean="0"/>
-              <a:t>ResMon</a:t>
-            </a:r>
             <a:endParaRPr lang="en-US" dirty="0"/>
+          </a:p>
+          <a:p>
+            <a:pPr algn="ctr"/>
+            <a:endParaRPr lang="en-US" dirty="0" smtClean="0"/>
           </a:p>
         </p:txBody>
       </p:sp>
@@ -6526,7 +6671,7 @@
         <p:spPr>
           <a:xfrm>
             <a:off x="3923514" y="3818908"/>
-            <a:ext cx="1304059" cy="873197"/>
+            <a:ext cx="1304059" cy="1047006"/>
           </a:xfrm>
           <a:prstGeom prst="roundRect">
             <a:avLst/>
@@ -6553,20 +6698,20 @@
             <a:pPr algn="ctr"/>
             <a:r>
               <a:rPr lang="en-US" dirty="0" smtClean="0"/>
-              <a:t>Node K</a:t>
+              <a:t>Node </a:t>
+            </a:r>
+            <a:r>
+              <a:rPr lang="en-US" dirty="0" smtClean="0"/>
+              <a:t>K</a:t>
             </a:r>
           </a:p>
           <a:p>
             <a:pPr algn="ctr"/>
-            <a:r>
-              <a:rPr lang="en-US" dirty="0" smtClean="0"/>
-              <a:t>- </a:t>
-            </a:r>
-            <a:r>
-              <a:rPr lang="en-US" dirty="0" err="1" smtClean="0"/>
-              <a:t>ResMon</a:t>
-            </a:r>
             <a:endParaRPr lang="en-US" dirty="0"/>
+          </a:p>
+          <a:p>
+            <a:pPr algn="ctr"/>
+            <a:endParaRPr lang="en-US" dirty="0" smtClean="0"/>
           </a:p>
         </p:txBody>
       </p:sp>
@@ -6579,7 +6724,7 @@
         <p:spPr>
           <a:xfrm>
             <a:off x="1573469" y="3818908"/>
-            <a:ext cx="1304059" cy="873197"/>
+            <a:ext cx="1358512" cy="1047006"/>
           </a:xfrm>
           <a:prstGeom prst="roundRect">
             <a:avLst/>
@@ -6606,20 +6751,20 @@
             <a:pPr algn="ctr"/>
             <a:r>
               <a:rPr lang="en-US" dirty="0" smtClean="0"/>
-              <a:t>Node A</a:t>
+              <a:t>Node </a:t>
+            </a:r>
+            <a:r>
+              <a:rPr lang="en-US" dirty="0" smtClean="0"/>
+              <a:t>A</a:t>
             </a:r>
           </a:p>
           <a:p>
             <a:pPr algn="ctr"/>
-            <a:r>
-              <a:rPr lang="en-US" dirty="0" smtClean="0"/>
-              <a:t>- </a:t>
-            </a:r>
-            <a:r>
-              <a:rPr lang="en-US" dirty="0" err="1" smtClean="0"/>
-              <a:t>ResMon</a:t>
-            </a:r>
             <a:endParaRPr lang="en-US" dirty="0"/>
+          </a:p>
+          <a:p>
+            <a:pPr algn="ctr"/>
+            <a:endParaRPr lang="en-US" dirty="0" smtClean="0"/>
           </a:p>
         </p:txBody>
       </p:sp>
@@ -6686,7 +6831,7 @@
           </a:prstGeom>
           <a:ln w="38100">
             <a:solidFill>
-              <a:srgbClr val="008000"/>
+              <a:srgbClr val="FF0000"/>
             </a:solidFill>
             <a:tailEnd type="arrow"/>
           </a:ln>
@@ -6716,8 +6861,8 @@
         </p:nvCxnSpPr>
         <p:spPr>
           <a:xfrm flipH="1">
-            <a:off x="2225499" y="2936449"/>
-            <a:ext cx="1698015" cy="882459"/>
+            <a:off x="2252725" y="2936449"/>
+            <a:ext cx="1670790" cy="882459"/>
           </a:xfrm>
           <a:prstGeom prst="straightConnector1">
             <a:avLst/>
@@ -6922,14 +7067,14 @@
             <a:r>
               <a:rPr lang="en-US" dirty="0" smtClean="0">
                 <a:solidFill>
-                  <a:srgbClr val="008000"/>
+                  <a:srgbClr val="FF0000"/>
                 </a:solidFill>
               </a:rPr>
               <a:t>Client</a:t>
             </a:r>
             <a:endParaRPr lang="en-US" dirty="0">
               <a:solidFill>
-                <a:srgbClr val="008000"/>
+                <a:srgbClr val="FF0000"/>
               </a:solidFill>
             </a:endParaRPr>
           </a:p>
@@ -6944,7 +7089,7 @@
         <p:spPr>
           <a:xfrm>
             <a:off x="2664815" y="2936449"/>
-            <a:ext cx="593920" cy="369332"/>
+            <a:ext cx="593432" cy="369332"/>
           </a:xfrm>
           <a:prstGeom prst="rect">
             <a:avLst/>
@@ -6958,8 +7103,12 @@
           <a:lstStyle/>
           <a:p>
             <a:r>
+              <a:rPr lang="en-US" dirty="0"/>
+              <a:t>2</a:t>
+            </a:r>
+            <a:r>
               <a:rPr lang="en-US" dirty="0" smtClean="0"/>
-              <a:t>14.7</a:t>
+              <a:t>4.7</a:t>
             </a:r>
             <a:endParaRPr lang="en-US" dirty="0"/>
           </a:p>
@@ -7038,7 +7187,7 @@
           <p:nvPr/>
         </p:nvPicPr>
         <p:blipFill>
-          <a:blip r:embed="rId2">
+          <a:blip r:embed="rId2" cstate="email">
             <a:extLst>
               <a:ext uri="{28A0092B-C50C-407E-A947-70E740481C1C}">
                 <a14:useLocalDpi xmlns:a14="http://schemas.microsoft.com/office/drawing/2010/main" val="0"/>
@@ -7051,14 +7200,252 @@
         </p:blipFill>
         <p:spPr>
           <a:xfrm>
-            <a:off x="1335951" y="5765266"/>
-            <a:ext cx="6479185" cy="755451"/>
+            <a:off x="1461507" y="5639264"/>
+            <a:ext cx="5535185" cy="645384"/>
           </a:xfrm>
           <a:prstGeom prst="rect">
             <a:avLst/>
           </a:prstGeom>
         </p:spPr>
       </p:pic>
+      <p:sp>
+        <p:nvSpPr>
+          <p:cNvPr id="21" name="Footer Placeholder 4"/>
+          <p:cNvSpPr>
+            <a:spLocks noGrp="1"/>
+          </p:cNvSpPr>
+          <p:nvPr>
+            <p:ph type="ftr" sz="quarter" idx="11"/>
+          </p:nvPr>
+        </p:nvSpPr>
+        <p:spPr>
+          <a:xfrm>
+            <a:off x="457200" y="6356350"/>
+            <a:ext cx="7543800" cy="365125"/>
+          </a:xfrm>
+        </p:spPr>
+        <p:txBody>
+          <a:bodyPr/>
+          <a:lstStyle/>
+          <a:p>
+            <a:r>
+              <a:rPr lang="en-US" dirty="0"/>
+              <a:t>*</a:t>
+            </a:r>
+            <a:r>
+              <a:rPr lang="en-US" dirty="0" smtClean="0"/>
+              <a:t> </a:t>
+            </a:r>
+            <a:r>
+              <a:rPr lang="en-US" dirty="0" smtClean="0"/>
+              <a:t>T. Wood et. al. Black-box and Gray-box Strategies for Virtual Machine Migration</a:t>
+            </a:r>
+            <a:endParaRPr lang="en-US" dirty="0"/>
+          </a:p>
+        </p:txBody>
+      </p:sp>
+      <p:sp>
+        <p:nvSpPr>
+          <p:cNvPr id="14" name="TextBox 13"/>
+          <p:cNvSpPr txBox="1"/>
+          <p:nvPr/>
+        </p:nvSpPr>
+        <p:spPr>
+          <a:xfrm>
+            <a:off x="6996692" y="5597376"/>
+            <a:ext cx="300082" cy="369332"/>
+          </a:xfrm>
+          <a:prstGeom prst="rect">
+            <a:avLst/>
+          </a:prstGeom>
+          <a:noFill/>
+        </p:spPr>
+        <p:txBody>
+          <a:bodyPr wrap="none" rtlCol="0">
+            <a:spAutoFit/>
+          </a:bodyPr>
+          <a:lstStyle/>
+          <a:p>
+            <a:r>
+              <a:rPr lang="en-US" dirty="0" smtClean="0"/>
+              <a:t>*</a:t>
+            </a:r>
+            <a:endParaRPr lang="en-US" dirty="0"/>
+          </a:p>
+        </p:txBody>
+      </p:sp>
+      <p:sp>
+        <p:nvSpPr>
+          <p:cNvPr id="19" name="TextBox 18"/>
+          <p:cNvSpPr txBox="1"/>
+          <p:nvPr/>
+        </p:nvSpPr>
+        <p:spPr>
+          <a:xfrm>
+            <a:off x="4290503" y="2754371"/>
+            <a:ext cx="570081" cy="369332"/>
+          </a:xfrm>
+          <a:prstGeom prst="rect">
+            <a:avLst/>
+          </a:prstGeom>
+          <a:noFill/>
+          <a:ln w="28575">
+            <a:solidFill>
+              <a:schemeClr val="bg1"/>
+            </a:solidFill>
+          </a:ln>
+        </p:spPr>
+        <p:txBody>
+          <a:bodyPr wrap="square" rtlCol="0">
+            <a:spAutoFit/>
+          </a:bodyPr>
+          <a:lstStyle/>
+          <a:p>
+            <a:r>
+              <a:rPr lang="en-US" b="1" dirty="0" smtClean="0">
+                <a:solidFill>
+                  <a:schemeClr val="bg1"/>
+                </a:solidFill>
+              </a:rPr>
+              <a:t>CJD</a:t>
+            </a:r>
+            <a:endParaRPr lang="en-US" b="1" dirty="0">
+              <a:solidFill>
+                <a:schemeClr val="bg1"/>
+              </a:solidFill>
+            </a:endParaRPr>
+          </a:p>
+        </p:txBody>
+      </p:sp>
+      <p:sp>
+        <p:nvSpPr>
+          <p:cNvPr id="26" name="TextBox 25"/>
+          <p:cNvSpPr txBox="1"/>
+          <p:nvPr/>
+        </p:nvSpPr>
+        <p:spPr>
+          <a:xfrm>
+            <a:off x="1717946" y="4188240"/>
+            <a:ext cx="1069558" cy="646331"/>
+          </a:xfrm>
+          <a:prstGeom prst="rect">
+            <a:avLst/>
+          </a:prstGeom>
+          <a:noFill/>
+          <a:ln w="28575">
+            <a:solidFill>
+              <a:schemeClr val="bg1"/>
+            </a:solidFill>
+          </a:ln>
+        </p:spPr>
+        <p:txBody>
+          <a:bodyPr wrap="square" rtlCol="0">
+            <a:spAutoFit/>
+          </a:bodyPr>
+          <a:lstStyle/>
+          <a:p>
+            <a:r>
+              <a:rPr lang="en-US" b="1" dirty="0" smtClean="0">
+                <a:solidFill>
+                  <a:schemeClr val="bg1"/>
+                </a:solidFill>
+              </a:rPr>
+              <a:t>Resource Monitor </a:t>
+            </a:r>
+            <a:endParaRPr lang="en-US" b="1" dirty="0">
+              <a:solidFill>
+                <a:schemeClr val="bg1"/>
+              </a:solidFill>
+            </a:endParaRPr>
+          </a:p>
+        </p:txBody>
+      </p:sp>
+      <p:sp>
+        <p:nvSpPr>
+          <p:cNvPr id="29" name="TextBox 28"/>
+          <p:cNvSpPr txBox="1"/>
+          <p:nvPr/>
+        </p:nvSpPr>
+        <p:spPr>
+          <a:xfrm>
+            <a:off x="4026200" y="4188240"/>
+            <a:ext cx="1069558" cy="646331"/>
+          </a:xfrm>
+          <a:prstGeom prst="rect">
+            <a:avLst/>
+          </a:prstGeom>
+          <a:noFill/>
+          <a:ln w="28575">
+            <a:solidFill>
+              <a:schemeClr val="bg1"/>
+            </a:solidFill>
+          </a:ln>
+        </p:spPr>
+        <p:txBody>
+          <a:bodyPr wrap="square" rtlCol="0">
+            <a:spAutoFit/>
+          </a:bodyPr>
+          <a:lstStyle/>
+          <a:p>
+            <a:r>
+              <a:rPr lang="en-US" b="1" dirty="0" smtClean="0">
+                <a:solidFill>
+                  <a:schemeClr val="bg1"/>
+                </a:solidFill>
+              </a:rPr>
+              <a:t>Resource Monitor </a:t>
+            </a:r>
+            <a:endParaRPr lang="en-US" b="1" dirty="0">
+              <a:solidFill>
+                <a:schemeClr val="bg1"/>
+              </a:solidFill>
+            </a:endParaRPr>
+          </a:p>
+        </p:txBody>
+      </p:sp>
+      <p:sp>
+        <p:nvSpPr>
+          <p:cNvPr id="30" name="TextBox 29"/>
+          <p:cNvSpPr txBox="1"/>
+          <p:nvPr/>
+        </p:nvSpPr>
+        <p:spPr>
+          <a:xfrm>
+            <a:off x="6336356" y="4194828"/>
+            <a:ext cx="1069558" cy="646331"/>
+          </a:xfrm>
+          <a:prstGeom prst="rect">
+            <a:avLst/>
+          </a:prstGeom>
+          <a:noFill/>
+          <a:ln w="28575">
+            <a:solidFill>
+              <a:schemeClr val="bg1"/>
+            </a:solidFill>
+          </a:ln>
+        </p:spPr>
+        <p:txBody>
+          <a:bodyPr wrap="square" rtlCol="0">
+            <a:spAutoFit/>
+          </a:bodyPr>
+          <a:lstStyle/>
+          <a:p>
+            <a:r>
+              <a:rPr lang="en-US" b="1" dirty="0" smtClean="0">
+                <a:solidFill>
+                  <a:schemeClr val="bg1"/>
+                </a:solidFill>
+              </a:rPr>
+              <a:t>Resource Monitor </a:t>
+            </a:r>
+            <a:endParaRPr lang="en-US" b="1" dirty="0">
+              <a:solidFill>
+                <a:schemeClr val="bg1"/>
+              </a:solidFill>
+            </a:endParaRPr>
+          </a:p>
+        </p:txBody>
+      </p:sp>
     </p:spTree>
     <p:extLst>
       <p:ext uri="{BB962C8B-B14F-4D97-AF65-F5344CB8AC3E}">
@@ -7072,7 +7459,7 @@
   <p:timing>
     <p:tnLst>
       <p:par>
-        <p:cTn xmlns:p14="http://schemas.microsoft.com/office/powerpoint/2010/main" id="1" dur="indefinite" restart="never" nodeType="tmRoot">
+        <p:cTn id="1" dur="indefinite" restart="never" nodeType="tmRoot">
           <p:childTnLst>
             <p:seq concurrent="1" nextAc="seek">
               <p:cTn id="2" dur="indefinite" nodeType="mainSeq">
@@ -7093,7 +7480,7 @@
                             </p:stCondLst>
                             <p:childTnLst>
                               <p:par>
-                                <p:cTn id="5" presetID="1" presetClass="entr" presetSubtype="0" fill="hold" nodeType="withEffect">
+                                <p:cTn id="5" presetID="1" presetClass="entr" presetSubtype="0" fill="hold" grpId="0" nodeType="withEffect">
                                   <p:stCondLst>
                                     <p:cond delay="0"/>
                                   </p:stCondLst>
@@ -7106,7 +7493,7 @@
                                           </p:stCondLst>
                                         </p:cTn>
                                         <p:tgtEl>
-                                          <p:spTgt spid="10"/>
+                                          <p:spTgt spid="20"/>
                                         </p:tgtEl>
                                         <p:attrNameLst>
                                           <p:attrName>style.visibility</p:attrName>
@@ -7133,132 +7520,6 @@
                                           </p:stCondLst>
                                         </p:cTn>
                                         <p:tgtEl>
-                                          <p:spTgt spid="20"/>
-                                        </p:tgtEl>
-                                        <p:attrNameLst>
-                                          <p:attrName>style.visibility</p:attrName>
-                                        </p:attrNameLst>
-                                      </p:cBhvr>
-                                      <p:to>
-                                        <p:strVal val="visible"/>
-                                      </p:to>
-                                    </p:set>
-                                  </p:childTnLst>
-                                </p:cTn>
-                              </p:par>
-                            </p:childTnLst>
-                          </p:cTn>
-                        </p:par>
-                      </p:childTnLst>
-                    </p:cTn>
-                  </p:par>
-                  <p:par>
-                    <p:cTn id="9" fill="hold">
-                      <p:stCondLst>
-                        <p:cond delay="indefinite"/>
-                      </p:stCondLst>
-                      <p:childTnLst>
-                        <p:par>
-                          <p:cTn id="10" fill="hold">
-                            <p:stCondLst>
-                              <p:cond delay="0"/>
-                            </p:stCondLst>
-                            <p:childTnLst>
-                              <p:par>
-                                <p:cTn id="11" presetID="1" presetClass="entr" presetSubtype="0" fill="hold" nodeType="clickEffect">
-                                  <p:stCondLst>
-                                    <p:cond delay="0"/>
-                                  </p:stCondLst>
-                                  <p:childTnLst>
-                                    <p:set>
-                                      <p:cBhvr>
-                                        <p:cTn id="12" dur="1" fill="hold">
-                                          <p:stCondLst>
-                                            <p:cond delay="0"/>
-                                          </p:stCondLst>
-                                        </p:cTn>
-                                        <p:tgtEl>
-                                          <p:spTgt spid="11"/>
-                                        </p:tgtEl>
-                                        <p:attrNameLst>
-                                          <p:attrName>style.visibility</p:attrName>
-                                        </p:attrNameLst>
-                                      </p:cBhvr>
-                                      <p:to>
-                                        <p:strVal val="visible"/>
-                                      </p:to>
-                                    </p:set>
-                                  </p:childTnLst>
-                                </p:cTn>
-                              </p:par>
-                              <p:par>
-                                <p:cTn id="13" presetID="1" presetClass="entr" presetSubtype="0" fill="hold" nodeType="withEffect">
-                                  <p:stCondLst>
-                                    <p:cond delay="0"/>
-                                  </p:stCondLst>
-                                  <p:childTnLst>
-                                    <p:set>
-                                      <p:cBhvr>
-                                        <p:cTn id="14" dur="1" fill="hold">
-                                          <p:stCondLst>
-                                            <p:cond delay="0"/>
-                                          </p:stCondLst>
-                                        </p:cTn>
-                                        <p:tgtEl>
-                                          <p:spTgt spid="12"/>
-                                        </p:tgtEl>
-                                        <p:attrNameLst>
-                                          <p:attrName>style.visibility</p:attrName>
-                                        </p:attrNameLst>
-                                      </p:cBhvr>
-                                      <p:to>
-                                        <p:strVal val="visible"/>
-                                      </p:to>
-                                    </p:set>
-                                  </p:childTnLst>
-                                </p:cTn>
-                              </p:par>
-                              <p:par>
-                                <p:cTn id="15" presetID="1" presetClass="entr" presetSubtype="0" fill="hold" nodeType="withEffect">
-                                  <p:stCondLst>
-                                    <p:cond delay="0"/>
-                                  </p:stCondLst>
-                                  <p:childTnLst>
-                                    <p:set>
-                                      <p:cBhvr>
-                                        <p:cTn id="16" dur="1" fill="hold">
-                                          <p:stCondLst>
-                                            <p:cond delay="0"/>
-                                          </p:stCondLst>
-                                        </p:cTn>
-                                        <p:tgtEl>
-                                          <p:spTgt spid="13"/>
-                                        </p:tgtEl>
-                                        <p:attrNameLst>
-                                          <p:attrName>style.visibility</p:attrName>
-                                        </p:attrNameLst>
-                                      </p:cBhvr>
-                                      <p:to>
-                                        <p:strVal val="visible"/>
-                                      </p:to>
-                                    </p:set>
-                                  </p:childTnLst>
-                                </p:cTn>
-                              </p:par>
-                              <p:par>
-                                <p:cTn id="17" presetID="1" presetClass="entr" presetSubtype="0" fill="hold" grpId="0" nodeType="withEffect">
-                                  <p:stCondLst>
-                                    <p:cond delay="0"/>
-                                  </p:stCondLst>
-                                  <p:childTnLst>
-                                    <p:set>
-                                      <p:cBhvr>
-                                        <p:cTn id="18" dur="1" fill="hold">
-                                          <p:stCondLst>
-                                            <p:cond delay="0"/>
-                                          </p:stCondLst>
-                                        </p:cTn>
-                                        <p:tgtEl>
                                           <p:spTgt spid="23"/>
                                         </p:tgtEl>
                                         <p:attrNameLst>
@@ -7273,14 +7534,14 @@
                                 </p:cTn>
                               </p:par>
                               <p:par>
-                                <p:cTn id="19" presetID="1" presetClass="entr" presetSubtype="0" fill="hold" grpId="0" nodeType="withEffect">
+                                <p:cTn id="9" presetID="1" presetClass="entr" presetSubtype="0" fill="hold" grpId="0" nodeType="withEffect">
                                   <p:stCondLst>
                                     <p:cond delay="0"/>
                                   </p:stCondLst>
                                   <p:childTnLst>
                                     <p:set>
                                       <p:cBhvr>
-                                        <p:cTn id="20" dur="1" fill="hold">
+                                        <p:cTn id="10" dur="1" fill="hold">
                                           <p:stCondLst>
                                             <p:cond delay="0"/>
                                           </p:stCondLst>
@@ -7300,14 +7561,14 @@
                                 </p:cTn>
                               </p:par>
                               <p:par>
-                                <p:cTn id="21" presetID="1" presetClass="entr" presetSubtype="0" fill="hold" grpId="0" nodeType="withEffect">
+                                <p:cTn id="11" presetID="1" presetClass="entr" presetSubtype="0" fill="hold" grpId="0" nodeType="withEffect">
                                   <p:stCondLst>
                                     <p:cond delay="0"/>
                                   </p:stCondLst>
                                   <p:childTnLst>
                                     <p:set>
                                       <p:cBhvr>
-                                        <p:cTn id="22" dur="1" fill="hold">
+                                        <p:cTn id="12" dur="1" fill="hold">
                                           <p:stCondLst>
                                             <p:cond delay="0"/>
                                           </p:stCondLst>
@@ -7333,26 +7594,71 @@
                     </p:cTn>
                   </p:par>
                   <p:par>
-                    <p:cTn id="23" fill="hold">
+                    <p:cTn id="13" fill="hold">
                       <p:stCondLst>
                         <p:cond delay="indefinite"/>
                       </p:stCondLst>
                       <p:childTnLst>
                         <p:par>
-                          <p:cTn id="24" fill="hold">
+                          <p:cTn id="14" fill="hold">
                             <p:stCondLst>
                               <p:cond delay="0"/>
                             </p:stCondLst>
                             <p:childTnLst>
                               <p:par>
-                                <p:cTn id="25" presetID="1" presetClass="entr" presetSubtype="0" fill="hold" nodeType="clickEffect">
+                                <p:cTn id="15" presetID="1" presetClass="entr" presetSubtype="0" fill="hold" nodeType="clickEffect">
                                   <p:stCondLst>
                                     <p:cond delay="0"/>
                                   </p:stCondLst>
                                   <p:childTnLst>
                                     <p:set>
                                       <p:cBhvr>
-                                        <p:cTn id="26" dur="1" fill="hold">
+                                        <p:cTn id="16" dur="1" fill="hold">
+                                          <p:stCondLst>
+                                            <p:cond delay="0"/>
+                                          </p:stCondLst>
+                                        </p:cTn>
+                                        <p:tgtEl>
+                                          <p:spTgt spid="10"/>
+                                        </p:tgtEl>
+                                        <p:attrNameLst>
+                                          <p:attrName>style.visibility</p:attrName>
+                                        </p:attrNameLst>
+                                      </p:cBhvr>
+                                      <p:to>
+                                        <p:strVal val="visible"/>
+                                      </p:to>
+                                    </p:set>
+                                  </p:childTnLst>
+                                </p:cTn>
+                              </p:par>
+                            </p:childTnLst>
+                          </p:cTn>
+                        </p:par>
+                      </p:childTnLst>
+                    </p:cTn>
+                  </p:par>
+                  <p:par>
+                    <p:cTn id="17" fill="hold">
+                      <p:stCondLst>
+                        <p:cond delay="indefinite"/>
+                      </p:stCondLst>
+                      <p:childTnLst>
+                        <p:par>
+                          <p:cTn id="18" fill="hold">
+                            <p:stCondLst>
+                              <p:cond delay="0"/>
+                            </p:stCondLst>
+                            <p:childTnLst>
+                              <p:par>
+                                <p:cTn id="19" presetID="1" presetClass="entr" presetSubtype="0" fill="hold" nodeType="clickEffect">
+                                  <p:stCondLst>
+                                    <p:cond delay="0"/>
+                                  </p:stCondLst>
+                                  <p:childTnLst>
+                                    <p:set>
+                                      <p:cBhvr>
+                                        <p:cTn id="20" dur="1" fill="hold">
                                           <p:stCondLst>
                                             <p:cond delay="0"/>
                                           </p:stCondLst>
@@ -7378,26 +7684,26 @@
                     </p:cTn>
                   </p:par>
                   <p:par>
-                    <p:cTn id="27" fill="hold">
+                    <p:cTn id="21" fill="hold">
                       <p:stCondLst>
                         <p:cond delay="indefinite"/>
                       </p:stCondLst>
                       <p:childTnLst>
                         <p:par>
-                          <p:cTn id="28" fill="hold">
+                          <p:cTn id="22" fill="hold">
                             <p:stCondLst>
                               <p:cond delay="0"/>
                             </p:stCondLst>
                             <p:childTnLst>
                               <p:par>
-                                <p:cTn id="29" presetID="1" presetClass="entr" presetSubtype="0" fill="hold" nodeType="clickEffect">
+                                <p:cTn id="23" presetID="1" presetClass="entr" presetSubtype="0" fill="hold" nodeType="clickEffect">
                                   <p:stCondLst>
                                     <p:cond delay="0"/>
                                   </p:stCondLst>
                                   <p:childTnLst>
                                     <p:set>
                                       <p:cBhvr>
-                                        <p:cTn id="30" dur="1" fill="hold">
+                                        <p:cTn id="24" dur="1" fill="hold">
                                           <p:stCondLst>
                                             <p:cond delay="0"/>
                                           </p:stCondLst>
@@ -7453,6 +7759,189 @@
 </p:sld>
 </file>
 
+<file path=ppt/slides/slide8.xml><?xml version="1.0" encoding="utf-8"?>
+<p:sld xmlns:a="http://schemas.openxmlformats.org/drawingml/2006/main" xmlns:r="http://schemas.openxmlformats.org/officeDocument/2006/relationships" xmlns:p="http://schemas.openxmlformats.org/presentationml/2006/main">
+  <p:cSld>
+    <p:spTree>
+      <p:nvGrpSpPr>
+        <p:cNvPr id="1" name=""/>
+        <p:cNvGrpSpPr/>
+        <p:nvPr/>
+      </p:nvGrpSpPr>
+      <p:grpSpPr>
+        <a:xfrm>
+          <a:off x="0" y="0"/>
+          <a:ext cx="0" cy="0"/>
+          <a:chOff x="0" y="0"/>
+          <a:chExt cx="0" cy="0"/>
+        </a:xfrm>
+      </p:grpSpPr>
+      <p:sp>
+        <p:nvSpPr>
+          <p:cNvPr id="2" name="Title 1"/>
+          <p:cNvSpPr>
+            <a:spLocks noGrp="1"/>
+          </p:cNvSpPr>
+          <p:nvPr>
+            <p:ph type="title"/>
+          </p:nvPr>
+        </p:nvSpPr>
+        <p:spPr/>
+        <p:txBody>
+          <a:bodyPr/>
+          <a:lstStyle/>
+          <a:p>
+            <a:r>
+              <a:rPr lang="en-US" dirty="0" smtClean="0"/>
+              <a:t>Experimental Methodology</a:t>
+            </a:r>
+            <a:endParaRPr lang="en-US" dirty="0"/>
+          </a:p>
+        </p:txBody>
+      </p:sp>
+      <p:sp>
+        <p:nvSpPr>
+          <p:cNvPr id="3" name="Content Placeholder 2"/>
+          <p:cNvSpPr>
+            <a:spLocks noGrp="1"/>
+          </p:cNvSpPr>
+          <p:nvPr>
+            <p:ph idx="1"/>
+          </p:nvPr>
+        </p:nvSpPr>
+        <p:spPr>
+          <a:xfrm>
+            <a:off x="264426" y="1600200"/>
+            <a:ext cx="8229600" cy="4525963"/>
+          </a:xfrm>
+        </p:spPr>
+        <p:txBody>
+          <a:bodyPr>
+            <a:normAutofit/>
+          </a:bodyPr>
+          <a:lstStyle/>
+          <a:p>
+            <a:r>
+              <a:rPr lang="en-US" altLang="zh-TW" dirty="0" smtClean="0"/>
+              <a:t>Apache Cassandra </a:t>
+            </a:r>
+          </a:p>
+          <a:p>
+            <a:pPr lvl="1"/>
+            <a:r>
+              <a:rPr lang="en-US" altLang="zh-TW" dirty="0" smtClean="0"/>
+              <a:t>Distributed key-value database </a:t>
+            </a:r>
+          </a:p>
+          <a:p>
+            <a:pPr lvl="1"/>
+            <a:r>
+              <a:rPr lang="en-US" altLang="zh-TW" dirty="0" smtClean="0"/>
+              <a:t>Compare its performance with </a:t>
+            </a:r>
+            <a:r>
+              <a:rPr lang="en-US" altLang="zh-TW" dirty="0"/>
+              <a:t>and without our </a:t>
+            </a:r>
+            <a:r>
+              <a:rPr lang="en-US" altLang="zh-TW" dirty="0" smtClean="0"/>
+              <a:t>scheduler</a:t>
+            </a:r>
+          </a:p>
+          <a:p>
+            <a:pPr lvl="2"/>
+            <a:r>
+              <a:rPr lang="en-US" dirty="0"/>
+              <a:t>Implemented the scheduler in </a:t>
+            </a:r>
+            <a:r>
+              <a:rPr lang="en-US" dirty="0" smtClean="0"/>
+              <a:t>Cassandra</a:t>
+            </a:r>
+            <a:endParaRPr lang="en-US" altLang="zh-TW" dirty="0" smtClean="0"/>
+          </a:p>
+          <a:p>
+            <a:r>
+              <a:rPr lang="en-US" altLang="zh-TW" dirty="0" smtClean="0"/>
+              <a:t>Yahoo</a:t>
+            </a:r>
+            <a:r>
+              <a:rPr lang="en-US" altLang="zh-TW" dirty="0"/>
+              <a:t>! Cloud Service Benchmark (YCSB</a:t>
+            </a:r>
+            <a:r>
+              <a:rPr lang="en-US" altLang="zh-TW" dirty="0" smtClean="0"/>
+              <a:t>) </a:t>
+            </a:r>
+            <a:endParaRPr lang="en-US" altLang="zh-TW" dirty="0"/>
+          </a:p>
+          <a:p>
+            <a:pPr lvl="1"/>
+            <a:r>
+              <a:rPr lang="en-US" altLang="zh-TW" dirty="0" smtClean="0"/>
+              <a:t>Generates data and queries </a:t>
+            </a:r>
+            <a:r>
+              <a:rPr lang="en-US" altLang="zh-TW" dirty="0" smtClean="0"/>
+              <a:t>for </a:t>
+            </a:r>
+            <a:r>
+              <a:rPr lang="en-US" altLang="zh-TW" dirty="0" smtClean="0"/>
+              <a:t>benchmarking</a:t>
+            </a:r>
+            <a:endParaRPr lang="en-US" dirty="0"/>
+          </a:p>
+          <a:p>
+            <a:endParaRPr lang="en-US" dirty="0"/>
+          </a:p>
+          <a:p>
+            <a:endParaRPr lang="en-US" dirty="0"/>
+          </a:p>
+        </p:txBody>
+      </p:sp>
+      <p:sp>
+        <p:nvSpPr>
+          <p:cNvPr id="4" name="Slide Number Placeholder 3"/>
+          <p:cNvSpPr>
+            <a:spLocks noGrp="1"/>
+          </p:cNvSpPr>
+          <p:nvPr>
+            <p:ph type="sldNum" sz="quarter" idx="12"/>
+          </p:nvPr>
+        </p:nvSpPr>
+        <p:spPr/>
+        <p:txBody>
+          <a:bodyPr/>
+          <a:lstStyle/>
+          <a:p>
+            <a:fld id="{CFE4BAC9-6D41-4691-9299-18EF07EF0177}" type="slidenum">
+              <a:rPr lang="en-US" smtClean="0"/>
+              <a:t>8</a:t>
+            </a:fld>
+            <a:endParaRPr lang="en-US"/>
+          </a:p>
+        </p:txBody>
+      </p:sp>
+    </p:spTree>
+    <p:extLst>
+      <p:ext uri="{BB962C8B-B14F-4D97-AF65-F5344CB8AC3E}">
+        <p14:creationId xmlns:p14="http://schemas.microsoft.com/office/powerpoint/2010/main" val="771379248"/>
+      </p:ext>
+    </p:extLst>
+  </p:cSld>
+  <p:clrMapOvr>
+    <a:masterClrMapping/>
+  </p:clrMapOvr>
+  <p:timing>
+    <p:tnLst>
+      <p:par>
+        <p:cTn id="1" dur="indefinite" restart="never" nodeType="tmRoot"/>
+      </p:par>
+    </p:tnLst>
+  </p:timing>
+</p:sld>
+</file>
+
 <file path=ppt/slides/slide9.xml><?xml version="1.0" encoding="utf-8"?>
 <p:sld xmlns:a="http://schemas.openxmlformats.org/drawingml/2006/main" xmlns:r="http://schemas.openxmlformats.org/officeDocument/2006/relationships" xmlns:p="http://schemas.openxmlformats.org/presentationml/2006/main">
   <p:cSld>
@@ -7487,7 +7976,7 @@
           <a:p>
             <a:r>
               <a:rPr lang="en-US" dirty="0" smtClean="0"/>
-              <a:t>Experimental Methodology</a:t>
+              <a:t>Experimental setup </a:t>
             </a:r>
             <a:endParaRPr lang="en-US" dirty="0"/>
           </a:p>
@@ -7503,96 +7992,66 @@
             <p:ph idx="1"/>
           </p:nvPr>
         </p:nvSpPr>
-        <p:spPr>
-          <a:xfrm>
-            <a:off x="264426" y="1600200"/>
-            <a:ext cx="8229600" cy="4525963"/>
-          </a:xfrm>
-        </p:spPr>
-        <p:txBody>
-          <a:bodyPr>
-            <a:normAutofit/>
-          </a:bodyPr>
-          <a:lstStyle/>
-          <a:p>
-            <a:r>
-              <a:rPr lang="en-US" altLang="zh-TW" dirty="0" smtClean="0"/>
-              <a:t>Apache Cassandra </a:t>
-            </a:r>
+        <p:spPr/>
+        <p:txBody>
+          <a:bodyPr/>
+          <a:lstStyle/>
+          <a:p>
+            <a:r>
+              <a:rPr lang="en-US" dirty="0" smtClean="0"/>
+              <a:t>Ran on 10 machine cluster</a:t>
+            </a:r>
+            <a:endParaRPr lang="en-US" dirty="0"/>
+          </a:p>
+          <a:p>
+            <a:r>
+              <a:rPr lang="en-US" dirty="0" smtClean="0"/>
+              <a:t>150GB of generated </a:t>
+            </a:r>
+            <a:r>
+              <a:rPr lang="en-US" dirty="0" smtClean="0"/>
+              <a:t>data</a:t>
+            </a:r>
+            <a:endParaRPr lang="en-US" dirty="0"/>
           </a:p>
           <a:p>
             <a:pPr lvl="1"/>
             <a:r>
-              <a:rPr lang="en-US" altLang="zh-TW" dirty="0" smtClean="0"/>
-              <a:t>Distributed key-value database </a:t>
+              <a:rPr lang="en-US" dirty="0" smtClean="0"/>
+              <a:t>Hash </a:t>
+            </a:r>
+            <a:r>
+              <a:rPr lang="en-US" dirty="0" smtClean="0"/>
+              <a:t>partitioned</a:t>
             </a:r>
           </a:p>
           <a:p>
             <a:pPr lvl="1"/>
             <a:r>
-              <a:rPr lang="en-US" altLang="zh-TW" dirty="0" smtClean="0"/>
-              <a:t>Compare its performance with </a:t>
-            </a:r>
-            <a:r>
-              <a:rPr lang="en-US" altLang="zh-TW" dirty="0"/>
-              <a:t>and without our </a:t>
-            </a:r>
-            <a:r>
-              <a:rPr lang="en-US" altLang="zh-TW" dirty="0" smtClean="0"/>
-              <a:t>scheduler</a:t>
-            </a:r>
-          </a:p>
-          <a:p>
-            <a:pPr lvl="2"/>
+              <a:rPr lang="en-US" dirty="0" smtClean="0"/>
+              <a:t>Replication factor = 3</a:t>
+            </a:r>
+            <a:endParaRPr lang="en-US" dirty="0" smtClean="0"/>
+          </a:p>
+          <a:p>
+            <a:r>
+              <a:rPr lang="en-US" dirty="0" smtClean="0"/>
+              <a:t>Read </a:t>
+            </a:r>
             <a:r>
               <a:rPr lang="en-US" dirty="0"/>
-              <a:t>Implemented the scheduler in C</a:t>
+              <a:t>Consistency = </a:t>
             </a:r>
             <a:r>
               <a:rPr lang="en-US" dirty="0" smtClean="0"/>
-              <a:t>assandra</a:t>
-            </a:r>
-            <a:endParaRPr lang="en-US" altLang="zh-TW" dirty="0"/>
-          </a:p>
-          <a:p>
-            <a:pPr marL="457200" lvl="1" indent="0">
-              <a:buNone/>
-            </a:pPr>
-            <a:endParaRPr lang="en-US" altLang="zh-TW" dirty="0" smtClean="0"/>
-          </a:p>
-          <a:p>
-            <a:r>
-              <a:rPr lang="en-US" altLang="zh-TW" dirty="0" smtClean="0"/>
-              <a:t>Yahoo</a:t>
-            </a:r>
-            <a:r>
-              <a:rPr lang="en-US" altLang="zh-TW" dirty="0"/>
-              <a:t>! Cloud Service Benchmark (YCSB</a:t>
-            </a:r>
-            <a:r>
-              <a:rPr lang="en-US" altLang="zh-TW" dirty="0" smtClean="0"/>
-              <a:t>) </a:t>
-            </a:r>
-            <a:endParaRPr lang="en-US" altLang="zh-TW" dirty="0"/>
-          </a:p>
-          <a:p>
-            <a:pPr lvl="1"/>
-            <a:r>
-              <a:rPr lang="en-US" altLang="zh-TW" dirty="0" smtClean="0"/>
-              <a:t>Generate queries for benchmarking</a:t>
-            </a:r>
-          </a:p>
-          <a:p>
-            <a:pPr lvl="1"/>
-            <a:r>
-              <a:rPr lang="en-US" altLang="zh-TW" dirty="0" smtClean="0"/>
-              <a:t>Test the performance of Cassandra</a:t>
-            </a:r>
-          </a:p>
-          <a:p>
-            <a:endParaRPr lang="en-US" dirty="0"/>
-          </a:p>
-          <a:p>
+              <a:t>ONE</a:t>
+            </a:r>
+          </a:p>
+          <a:p>
+            <a:r>
+              <a:rPr lang="en-US" dirty="0" smtClean="0"/>
+              <a:t>Results averaged over 5 executions</a:t>
+            </a:r>
             <a:endParaRPr lang="en-US" dirty="0"/>
           </a:p>
           <a:p>
@@ -7626,7 +8085,7 @@
     </p:spTree>
     <p:extLst>
       <p:ext uri="{BB962C8B-B14F-4D97-AF65-F5344CB8AC3E}">
-        <p14:creationId xmlns:p14="http://schemas.microsoft.com/office/powerpoint/2010/main" val="771379248"/>
+        <p14:creationId xmlns:p14="http://schemas.microsoft.com/office/powerpoint/2010/main" val="1544019210"/>
       </p:ext>
     </p:extLst>
   </p:cSld>
@@ -7636,7 +8095,7 @@
   <p:timing>
     <p:tnLst>
       <p:par>
-        <p:cTn xmlns:p14="http://schemas.microsoft.com/office/powerpoint/2010/main" id="1" dur="indefinite" restart="never" nodeType="tmRoot"/>
+        <p:cTn id="1" dur="indefinite" restart="never" nodeType="tmRoot"/>
       </p:par>
     </p:tnLst>
   </p:timing>
@@ -7961,4 +8420,265 @@
   </a:objectDefaults>
   <a:extraClrSchemeLst/>
 </a:theme>
+</file>
+
+<file path=ppt/theme/theme2.xml><?xml version="1.0" encoding="utf-8"?>
+<a:theme xmlns:a="http://schemas.openxmlformats.org/drawingml/2006/main" name="Office Theme">
+  <a:themeElements>
+    <a:clrScheme name="Office">
+      <a:dk1>
+        <a:sysClr val="windowText" lastClr="000000"/>
+      </a:dk1>
+      <a:lt1>
+        <a:sysClr val="window" lastClr="FFFFFF"/>
+      </a:lt1>
+      <a:dk2>
+        <a:srgbClr val="44546A"/>
+      </a:dk2>
+      <a:lt2>
+        <a:srgbClr val="E7E6E6"/>
+      </a:lt2>
+      <a:accent1>
+        <a:srgbClr val="5B9BD5"/>
+      </a:accent1>
+      <a:accent2>
+        <a:srgbClr val="ED7D31"/>
+      </a:accent2>
+      <a:accent3>
+        <a:srgbClr val="A5A5A5"/>
+      </a:accent3>
+      <a:accent4>
+        <a:srgbClr val="FFC000"/>
+      </a:accent4>
+      <a:accent5>
+        <a:srgbClr val="4472C4"/>
+      </a:accent5>
+      <a:accent6>
+        <a:srgbClr val="70AD47"/>
+      </a:accent6>
+      <a:hlink>
+        <a:srgbClr val="0563C1"/>
+      </a:hlink>
+      <a:folHlink>
+        <a:srgbClr val="954F72"/>
+      </a:folHlink>
+    </a:clrScheme>
+    <a:fontScheme name="Office">
+      <a:majorFont>
+        <a:latin typeface="Calibri Light" panose="020F0302020204030204"/>
+        <a:ea typeface=""/>
+        <a:cs typeface=""/>
+        <a:font script="Jpan" typeface="ＭＳ ゴシック"/>
+        <a:font script="Hang" typeface="맑은 고딕"/>
+        <a:font script="Hans" typeface="宋体"/>
+        <a:font script="Hant" typeface="新細明體"/>
+        <a:font script="Arab" typeface="Tahoma"/>
+        <a:font script="Hebr" typeface="Gisha"/>
+        <a:font script="Thai" typeface="DilleniaUPC"/>
+        <a:font script="Ethi" typeface="Nyala"/>
+        <a:font script="Beng" typeface="Vrinda"/>
+        <a:font script="Gujr" typeface="Shruti"/>
+        <a:font script="Khmr" typeface="DaunPenh"/>
+        <a:font script="Knda" typeface="Tunga"/>
+        <a:font script="Guru" typeface="Raavi"/>
+        <a:font script="Cans" typeface="Euphemia"/>
+        <a:font script="Cher" typeface="Plantagenet Cherokee"/>
+        <a:font script="Yiii" typeface="Microsoft Yi Baiti"/>
+        <a:font script="Tibt" typeface="Microsoft Himalaya"/>
+        <a:font script="Thaa" typeface="MV Boli"/>
+        <a:font script="Deva" typeface="Mangal"/>
+        <a:font script="Telu" typeface="Gautami"/>
+        <a:font script="Taml" typeface="Latha"/>
+        <a:font script="Syrc" typeface="Estrangelo Edessa"/>
+        <a:font script="Orya" typeface="Kalinga"/>
+        <a:font script="Mlym" typeface="Kartika"/>
+        <a:font script="Laoo" typeface="DokChampa"/>
+        <a:font script="Sinh" typeface="Iskoola Pota"/>
+        <a:font script="Mong" typeface="Mongolian Baiti"/>
+        <a:font script="Viet" typeface="Tahoma"/>
+        <a:font script="Uigh" typeface="Microsoft Uighur"/>
+        <a:font script="Geor" typeface="Sylfaen"/>
+      </a:majorFont>
+      <a:minorFont>
+        <a:latin typeface="Calibri" panose="020F0502020204030204"/>
+        <a:ea typeface=""/>
+        <a:cs typeface=""/>
+        <a:font script="Jpan" typeface="ＭＳ ゴシック"/>
+        <a:font script="Hang" typeface="맑은 고딕"/>
+        <a:font script="Hans" typeface="宋体"/>
+        <a:font script="Hant" typeface="新細明體"/>
+        <a:font script="Arab" typeface="Tahoma"/>
+        <a:font script="Hebr" typeface="Gisha"/>
+        <a:font script="Thai" typeface="DilleniaUPC"/>
+        <a:font script="Ethi" typeface="Nyala"/>
+        <a:font script="Beng" typeface="Vrinda"/>
+        <a:font script="Gujr" typeface="Shruti"/>
+        <a:font script="Khmr" typeface="DaunPenh"/>
+        <a:font script="Knda" typeface="Tunga"/>
+        <a:font script="Guru" typeface="Raavi"/>
+        <a:font script="Cans" typeface="Euphemia"/>
+        <a:font script="Cher" typeface="Plantagenet Cherokee"/>
+        <a:font script="Yiii" typeface="Microsoft Yi Baiti"/>
+        <a:font script="Tibt" typeface="Microsoft Himalaya"/>
+        <a:font script="Thaa" typeface="MV Boli"/>
+        <a:font script="Deva" typeface="Mangal"/>
+        <a:font script="Telu" typeface="Gautami"/>
+        <a:font script="Taml" typeface="Latha"/>
+        <a:font script="Syrc" typeface="Estrangelo Edessa"/>
+        <a:font script="Orya" typeface="Kalinga"/>
+        <a:font script="Mlym" typeface="Kartika"/>
+        <a:font script="Laoo" typeface="DokChampa"/>
+        <a:font script="Sinh" typeface="Iskoola Pota"/>
+        <a:font script="Mong" typeface="Mongolian Baiti"/>
+        <a:font script="Viet" typeface="Verdana"/>
+        <a:font script="Uigh" typeface="Microsoft Uighur"/>
+        <a:font script="Geor" typeface="Sylfaen"/>
+      </a:minorFont>
+    </a:fontScheme>
+    <a:fmtScheme name="Office">
+      <a:fillStyleLst>
+        <a:solidFill>
+          <a:schemeClr val="phClr"/>
+        </a:solidFill>
+        <a:gradFill rotWithShape="1">
+          <a:gsLst>
+            <a:gs pos="0">
+              <a:schemeClr val="phClr">
+                <a:lumMod val="110000"/>
+                <a:satMod val="105000"/>
+                <a:tint val="67000"/>
+              </a:schemeClr>
+            </a:gs>
+            <a:gs pos="50000">
+              <a:schemeClr val="phClr">
+                <a:lumMod val="105000"/>
+                <a:satMod val="103000"/>
+                <a:tint val="73000"/>
+              </a:schemeClr>
+            </a:gs>
+            <a:gs pos="100000">
+              <a:schemeClr val="phClr">
+                <a:lumMod val="105000"/>
+                <a:satMod val="109000"/>
+                <a:tint val="81000"/>
+              </a:schemeClr>
+            </a:gs>
+          </a:gsLst>
+          <a:lin ang="5400000" scaled="0"/>
+        </a:gradFill>
+        <a:gradFill rotWithShape="1">
+          <a:gsLst>
+            <a:gs pos="0">
+              <a:schemeClr val="phClr">
+                <a:satMod val="103000"/>
+                <a:lumMod val="102000"/>
+                <a:tint val="94000"/>
+              </a:schemeClr>
+            </a:gs>
+            <a:gs pos="50000">
+              <a:schemeClr val="phClr">
+                <a:satMod val="110000"/>
+                <a:lumMod val="100000"/>
+                <a:shade val="100000"/>
+              </a:schemeClr>
+            </a:gs>
+            <a:gs pos="100000">
+              <a:schemeClr val="phClr">
+                <a:lumMod val="99000"/>
+                <a:satMod val="120000"/>
+                <a:shade val="78000"/>
+              </a:schemeClr>
+            </a:gs>
+          </a:gsLst>
+          <a:lin ang="5400000" scaled="0"/>
+        </a:gradFill>
+      </a:fillStyleLst>
+      <a:lnStyleLst>
+        <a:ln w="6350" cap="flat" cmpd="sng" algn="ctr">
+          <a:solidFill>
+            <a:schemeClr val="phClr"/>
+          </a:solidFill>
+          <a:prstDash val="solid"/>
+          <a:miter lim="800000"/>
+        </a:ln>
+        <a:ln w="12700" cap="flat" cmpd="sng" algn="ctr">
+          <a:solidFill>
+            <a:schemeClr val="phClr"/>
+          </a:solidFill>
+          <a:prstDash val="solid"/>
+          <a:miter lim="800000"/>
+        </a:ln>
+        <a:ln w="19050" cap="flat" cmpd="sng" algn="ctr">
+          <a:solidFill>
+            <a:schemeClr val="phClr"/>
+          </a:solidFill>
+          <a:prstDash val="solid"/>
+          <a:miter lim="800000"/>
+        </a:ln>
+      </a:lnStyleLst>
+      <a:effectStyleLst>
+        <a:effectStyle>
+          <a:effectLst/>
+        </a:effectStyle>
+        <a:effectStyle>
+          <a:effectLst/>
+        </a:effectStyle>
+        <a:effectStyle>
+          <a:effectLst>
+            <a:outerShdw blurRad="57150" dist="19050" dir="5400000" algn="ctr" rotWithShape="0">
+              <a:srgbClr val="000000">
+                <a:alpha val="63000"/>
+              </a:srgbClr>
+            </a:outerShdw>
+          </a:effectLst>
+        </a:effectStyle>
+      </a:effectStyleLst>
+      <a:bgFillStyleLst>
+        <a:solidFill>
+          <a:schemeClr val="phClr"/>
+        </a:solidFill>
+        <a:solidFill>
+          <a:schemeClr val="phClr">
+            <a:tint val="95000"/>
+            <a:satMod val="170000"/>
+          </a:schemeClr>
+        </a:solidFill>
+        <a:gradFill rotWithShape="1">
+          <a:gsLst>
+            <a:gs pos="0">
+              <a:schemeClr val="phClr">
+                <a:tint val="93000"/>
+                <a:satMod val="150000"/>
+                <a:shade val="98000"/>
+                <a:lumMod val="102000"/>
+              </a:schemeClr>
+            </a:gs>
+            <a:gs pos="50000">
+              <a:schemeClr val="phClr">
+                <a:tint val="98000"/>
+                <a:satMod val="130000"/>
+                <a:shade val="90000"/>
+                <a:lumMod val="103000"/>
+              </a:schemeClr>
+            </a:gs>
+            <a:gs pos="100000">
+              <a:schemeClr val="phClr">
+                <a:shade val="63000"/>
+                <a:satMod val="120000"/>
+              </a:schemeClr>
+            </a:gs>
+          </a:gsLst>
+          <a:lin ang="5400000" scaled="0"/>
+        </a:gradFill>
+      </a:bgFillStyleLst>
+    </a:fmtScheme>
+  </a:themeElements>
+  <a:objectDefaults/>
+  <a:extraClrSchemeLst/>
+  <a:extLst>
+    <a:ext uri="{05A4C25C-085E-4340-85A3-A5531E510DB2}">
+      <thm15:themeFamily xmlns:thm15="http://schemas.microsoft.com/office/thememl/2012/main" name="Office Theme" id="{62F939B6-93AF-4DB8-9C6B-D6C7DFDC589F}" vid="{4A3C46E8-61CC-4603-A589-7422A47A8E4A}"/>
+    </a:ext>
+  </a:extLst>
+</a:theme>
 </file>
--- a/PresentationSlides/Presentation.pptx
+++ b/PresentationSlides/Presentation.pptx
@@ -124,7 +124,7 @@
   </p:defaultTextStyle>
   <p:extLst>
     <p:ext uri="{EFAFB233-063F-42B5-8137-9DF3F51BA10A}">
-      <p15:sldGuideLst xmlns:p15="http://schemas.microsoft.com/office/powerpoint/2012/main">
+      <p15:sldGuideLst xmlns:p15="http://schemas.microsoft.com/office/powerpoint/2012/main" xmlns="">
         <p15:guide id="1" orient="horz" pos="2160">
           <p15:clr>
             <a:srgbClr val="A4A3A4"/>
@@ -146,7 +146,7 @@
   <p:cmAuthor id="1" name="Happier LIU" initials="HL" lastIdx="6" clrIdx="0">
     <p:extLst>
       <p:ext uri="{19B8F6BF-5375-455C-9EA6-DF929625EA0E}">
-        <p15:presenceInfo xmlns:p15="http://schemas.microsoft.com/office/powerpoint/2012/main" userId="dfbd9b513a1915c0" providerId="Windows Live"/>
+        <p15:presenceInfo xmlns:p15="http://schemas.microsoft.com/office/powerpoint/2012/main" xmlns="" userId="dfbd9b513a1915c0" providerId="Windows Live"/>
       </p:ext>
     </p:extLst>
   </p:cmAuthor>
@@ -235,7 +235,7 @@
           <a:p>
             <a:fld id="{A4F31AE2-B6D5-4905-8CC5-C746D3DE137B}" type="datetimeFigureOut">
               <a:rPr lang="en-US" smtClean="0"/>
-              <a:t>12/1/2012</a:t>
+              <a:t>12-12-02</a:t>
             </a:fld>
             <a:endParaRPr lang="en-US"/>
           </a:p>
@@ -768,7 +768,7 @@
           <a:p>
             <a:fld id="{578C8EFD-E150-CA4D-905C-A94D1A78A82A}" type="datetime1">
               <a:rPr lang="en-CA" smtClean="0"/>
-              <a:t>2012-12-01</a:t>
+              <a:t>12-12-02</a:t>
             </a:fld>
             <a:endParaRPr lang="en-US"/>
           </a:p>
@@ -938,7 +938,7 @@
           <a:p>
             <a:fld id="{15D8ADF8-3441-5F45-A19B-D033F59CF17D}" type="datetime1">
               <a:rPr lang="en-CA" smtClean="0"/>
-              <a:t>2012-12-01</a:t>
+              <a:t>12-12-02</a:t>
             </a:fld>
             <a:endParaRPr lang="en-US"/>
           </a:p>
@@ -1118,7 +1118,7 @@
           <a:p>
             <a:fld id="{0AED5A46-46F0-524C-B118-2413C4B118F2}" type="datetime1">
               <a:rPr lang="en-CA" smtClean="0"/>
-              <a:t>2012-12-01</a:t>
+              <a:t>12-12-02</a:t>
             </a:fld>
             <a:endParaRPr lang="en-US"/>
           </a:p>
@@ -1288,7 +1288,7 @@
           <a:p>
             <a:fld id="{2FFAA75D-0121-8445-A2D5-37B4791018BB}" type="datetime1">
               <a:rPr lang="en-CA" smtClean="0"/>
-              <a:t>2012-12-01</a:t>
+              <a:t>12-12-02</a:t>
             </a:fld>
             <a:endParaRPr lang="en-US"/>
           </a:p>
@@ -1534,7 +1534,7 @@
           <a:p>
             <a:fld id="{53F7EAB1-141B-FB47-8AAB-E68313ADDAE7}" type="datetime1">
               <a:rPr lang="en-CA" smtClean="0"/>
-              <a:t>2012-12-01</a:t>
+              <a:t>12-12-02</a:t>
             </a:fld>
             <a:endParaRPr lang="en-US"/>
           </a:p>
@@ -1822,7 +1822,7 @@
           <a:p>
             <a:fld id="{7B50838B-1487-4842-81F1-BDF2A6D1F1B3}" type="datetime1">
               <a:rPr lang="en-CA" smtClean="0"/>
-              <a:t>2012-12-01</a:t>
+              <a:t>12-12-02</a:t>
             </a:fld>
             <a:endParaRPr lang="en-US"/>
           </a:p>
@@ -2244,7 +2244,7 @@
           <a:p>
             <a:fld id="{8597D41A-A37E-B94A-ABBE-66D061CC16A8}" type="datetime1">
               <a:rPr lang="en-CA" smtClean="0"/>
-              <a:t>2012-12-01</a:t>
+              <a:t>12-12-02</a:t>
             </a:fld>
             <a:endParaRPr lang="en-US"/>
           </a:p>
@@ -2362,7 +2362,7 @@
           <a:p>
             <a:fld id="{3E462AFF-A87A-3449-BF73-2E332730FBBD}" type="datetime1">
               <a:rPr lang="en-CA" smtClean="0"/>
-              <a:t>2012-12-01</a:t>
+              <a:t>12-12-02</a:t>
             </a:fld>
             <a:endParaRPr lang="en-US"/>
           </a:p>
@@ -2457,7 +2457,7 @@
           <a:p>
             <a:fld id="{61F0DCD8-522C-0E46-A196-33CF3C2A12C1}" type="datetime1">
               <a:rPr lang="en-CA" smtClean="0"/>
-              <a:t>2012-12-01</a:t>
+              <a:t>12-12-02</a:t>
             </a:fld>
             <a:endParaRPr lang="en-US"/>
           </a:p>
@@ -2734,7 +2734,7 @@
           <a:p>
             <a:fld id="{05556C25-90F2-064D-BF7A-B83AB86F67C5}" type="datetime1">
               <a:rPr lang="en-CA" smtClean="0"/>
-              <a:t>2012-12-01</a:t>
+              <a:t>12-12-02</a:t>
             </a:fld>
             <a:endParaRPr lang="en-US"/>
           </a:p>
@@ -2991,7 +2991,7 @@
           <a:p>
             <a:fld id="{D36A68E7-021F-D94A-BB37-798C61C4259E}" type="datetime1">
               <a:rPr lang="en-CA" smtClean="0"/>
-              <a:t>2012-12-01</a:t>
+              <a:t>12-12-02</a:t>
             </a:fld>
             <a:endParaRPr lang="en-US"/>
           </a:p>
@@ -3204,7 +3204,7 @@
           <a:p>
             <a:fld id="{740C5816-A486-5D43-AC42-C657B961AA99}" type="datetime1">
               <a:rPr lang="en-CA" smtClean="0"/>
-              <a:t>2012-12-01</a:t>
+              <a:t>12-12-02</a:t>
             </a:fld>
             <a:endParaRPr lang="en-US"/>
           </a:p>
@@ -3684,7 +3684,7 @@
   <p:timing>
     <p:tnLst>
       <p:par>
-        <p:cTn id="1" dur="indefinite" restart="never" nodeType="tmRoot"/>
+        <p:cTn xmlns:p14="http://schemas.microsoft.com/office/powerpoint/2010/main" id="1" dur="indefinite" restart="never" nodeType="tmRoot"/>
       </p:par>
     </p:tnLst>
   </p:timing>
@@ -3796,7 +3796,7 @@
   <p:timing>
     <p:tnLst>
       <p:par>
-        <p:cTn id="1" dur="indefinite" restart="never" nodeType="tmRoot"/>
+        <p:cTn xmlns:p14="http://schemas.microsoft.com/office/powerpoint/2010/main" id="1" dur="indefinite" restart="never" nodeType="tmRoot"/>
       </p:par>
     </p:tnLst>
   </p:timing>
@@ -3914,7 +3914,7 @@
   <p:timing>
     <p:tnLst>
       <p:par>
-        <p:cTn id="1" dur="indefinite" restart="never" nodeType="tmRoot"/>
+        <p:cTn xmlns:p14="http://schemas.microsoft.com/office/powerpoint/2010/main" id="1" dur="indefinite" restart="never" nodeType="tmRoot"/>
       </p:par>
     </p:tnLst>
   </p:timing>
@@ -3980,14 +3980,12 @@
               <a:rPr lang="en-US" dirty="0" smtClean="0"/>
               <a:t>How does the resource usage actually correspond the time to execute a query?</a:t>
             </a:r>
-            <a:endParaRPr lang="en-US" dirty="0" smtClean="0"/>
           </a:p>
           <a:p>
             <a:r>
               <a:rPr lang="en-US" dirty="0" smtClean="0"/>
               <a:t>Collected: </a:t>
             </a:r>
-            <a:endParaRPr lang="en-US" dirty="0" smtClean="0"/>
           </a:p>
           <a:p>
             <a:pPr lvl="1"/>
@@ -4007,11 +4005,7 @@
             <a:pPr lvl="1"/>
             <a:r>
               <a:rPr lang="en-US" dirty="0" smtClean="0"/>
-              <a:t>Memory </a:t>
-            </a:r>
-            <a:r>
-              <a:rPr lang="en-US" dirty="0" smtClean="0"/>
-              <a:t>usage</a:t>
+              <a:t>Memory usage</a:t>
             </a:r>
             <a:endParaRPr lang="en-US" dirty="0"/>
           </a:p>
@@ -4053,7 +4047,7 @@
   <p:timing>
     <p:tnLst>
       <p:par>
-        <p:cTn id="1" dur="indefinite" restart="never" nodeType="tmRoot"/>
+        <p:cTn xmlns:p14="http://schemas.microsoft.com/office/powerpoint/2010/main" id="1" dur="indefinite" restart="never" nodeType="tmRoot"/>
       </p:par>
     </p:tnLst>
   </p:timing>
@@ -4195,7 +4189,7 @@
   <p:timing>
     <p:tnLst>
       <p:par>
-        <p:cTn id="1" dur="indefinite" restart="never" nodeType="tmRoot"/>
+        <p:cTn xmlns:p14="http://schemas.microsoft.com/office/powerpoint/2010/main" id="1" dur="indefinite" restart="never" nodeType="tmRoot"/>
       </p:par>
     </p:tnLst>
   </p:timing>
@@ -4265,22 +4259,14 @@
             </a:pPr>
             <a:r>
               <a:rPr lang="en-US" altLang="zh-TW" sz="2400" dirty="0"/>
-              <a:t>Limited test </a:t>
-            </a:r>
-            <a:r>
-              <a:rPr lang="en-US" altLang="zh-TW" sz="2400" dirty="0"/>
-              <a:t>environment</a:t>
+              <a:t>Limited test environment</a:t>
             </a:r>
           </a:p>
           <a:p>
             <a:pPr lvl="1"/>
             <a:r>
               <a:rPr lang="en-US" altLang="zh-TW" dirty="0" smtClean="0"/>
-              <a:t>Only 10 servers </a:t>
-            </a:r>
-            <a:r>
-              <a:rPr lang="en-US" altLang="zh-TW" dirty="0" smtClean="0"/>
-              <a:t>in our cluster</a:t>
+              <a:t>Only 10 servers in our cluster</a:t>
             </a:r>
           </a:p>
           <a:p>
@@ -4311,13 +4297,8 @@
           <a:p>
             <a:r>
               <a:rPr lang="en-US" altLang="zh-TW" dirty="0" smtClean="0"/>
-              <a:t>Unable to congest the network </a:t>
-            </a:r>
-            <a:r>
-              <a:rPr lang="en-US" altLang="zh-TW" dirty="0" smtClean="0"/>
-              <a:t>manually </a:t>
-            </a:r>
-            <a:endParaRPr lang="en-US" altLang="zh-TW" dirty="0" smtClean="0"/>
+              <a:t>Unable to congest the network manually </a:t>
+            </a:r>
           </a:p>
           <a:p>
             <a:pPr lvl="1"/>
@@ -4343,33 +4324,12 @@
               <a:rPr lang="en-US" altLang="zh-TW" dirty="0" smtClean="0"/>
               <a:t>isk information wasn’t considered </a:t>
             </a:r>
-            <a:endParaRPr lang="en-US" altLang="zh-TW" dirty="0" smtClean="0"/>
           </a:p>
           <a:p>
             <a:pPr lvl="1"/>
             <a:r>
               <a:rPr lang="en-US" altLang="zh-TW" dirty="0" smtClean="0"/>
-              <a:t>We </a:t>
-            </a:r>
-            <a:r>
-              <a:rPr lang="en-US" altLang="zh-TW" dirty="0" smtClean="0"/>
-              <a:t>did </a:t>
-            </a:r>
-            <a:r>
-              <a:rPr lang="en-US" altLang="zh-TW" dirty="0" smtClean="0"/>
-              <a:t>not take </a:t>
-            </a:r>
-            <a:r>
-              <a:rPr lang="en-US" altLang="zh-TW" dirty="0" smtClean="0"/>
-              <a:t>hard disk </a:t>
-            </a:r>
-            <a:r>
-              <a:rPr lang="en-US" altLang="zh-TW" dirty="0" smtClean="0"/>
-              <a:t>accesses into </a:t>
-            </a:r>
-            <a:r>
-              <a:rPr lang="en-US" altLang="zh-TW" dirty="0" smtClean="0"/>
-              <a:t>account </a:t>
+              <a:t>We did not take hard disk accesses into account </a:t>
             </a:r>
           </a:p>
         </p:txBody>
@@ -4410,7 +4370,7 @@
   <p:timing>
     <p:tnLst>
       <p:par>
-        <p:cTn id="1" dur="indefinite" restart="never" nodeType="tmRoot"/>
+        <p:cTn xmlns:p14="http://schemas.microsoft.com/office/powerpoint/2010/main" id="1" dur="indefinite" restart="never" nodeType="tmRoot"/>
       </p:par>
     </p:tnLst>
   </p:timing>
@@ -4484,11 +4444,7 @@
           <a:p>
             <a:r>
               <a:rPr lang="en-US" altLang="zh-TW" dirty="0" smtClean="0"/>
-              <a:t>Scheduling queries based upon only CPU </a:t>
-            </a:r>
-            <a:r>
-              <a:rPr lang="en-US" altLang="zh-TW" dirty="0" smtClean="0"/>
-              <a:t>and </a:t>
+              <a:t>Scheduling queries based upon only CPU and </a:t>
             </a:r>
             <a:r>
               <a:rPr lang="en-US" altLang="zh-TW" dirty="0"/>
@@ -4496,11 +4452,7 @@
             </a:r>
             <a:r>
               <a:rPr lang="en-US" altLang="zh-TW" dirty="0" smtClean="0"/>
-              <a:t>emory u</a:t>
-            </a:r>
-            <a:r>
-              <a:rPr lang="en-US" altLang="zh-TW" dirty="0" smtClean="0"/>
-              <a:t>sage </a:t>
+              <a:t>emory usage </a:t>
             </a:r>
             <a:r>
               <a:rPr lang="en-US" altLang="zh-TW" dirty="0"/>
@@ -4578,7 +4530,7 @@
   <p:timing>
     <p:tnLst>
       <p:par>
-        <p:cTn id="1" dur="indefinite" restart="never" nodeType="tmRoot"/>
+        <p:cTn xmlns:p14="http://schemas.microsoft.com/office/powerpoint/2010/main" id="1" dur="indefinite" restart="never" nodeType="tmRoot"/>
       </p:par>
     </p:tnLst>
   </p:timing>
@@ -4651,22 +4603,12 @@
               <a:rPr lang="en-US" altLang="zh-TW" dirty="0" smtClean="0"/>
               <a:t>Find a more accurate formula for calculating resource usage score</a:t>
             </a:r>
-            <a:endParaRPr lang="en-US" altLang="zh-TW" dirty="0" smtClean="0"/>
           </a:p>
           <a:p>
             <a:r>
               <a:rPr lang="en-US" altLang="zh-TW" dirty="0" smtClean="0"/>
-              <a:t>Test </a:t>
-            </a:r>
-            <a:r>
-              <a:rPr lang="en-US" altLang="zh-TW" dirty="0" smtClean="0"/>
-              <a:t>with more complex </a:t>
-            </a:r>
-            <a:r>
-              <a:rPr lang="en-US" altLang="zh-TW" dirty="0" smtClean="0"/>
-              <a:t>queries</a:t>
-            </a:r>
-            <a:endParaRPr lang="en-US" altLang="zh-TW" dirty="0" smtClean="0"/>
+              <a:t>Test with more complex queries</a:t>
+            </a:r>
           </a:p>
           <a:p>
             <a:r>
@@ -4730,7 +4672,7 @@
   <p:timing>
     <p:tnLst>
       <p:par>
-        <p:cTn id="1" dur="indefinite" restart="never" nodeType="tmRoot"/>
+        <p:cTn xmlns:p14="http://schemas.microsoft.com/office/powerpoint/2010/main" id="1" dur="indefinite" restart="never" nodeType="tmRoot"/>
       </p:par>
     </p:tnLst>
   </p:timing>
@@ -4802,7 +4744,6 @@
               <a:rPr lang="en-US" dirty="0" smtClean="0"/>
               <a:t>Design</a:t>
             </a:r>
-            <a:endParaRPr lang="en-US" dirty="0" smtClean="0"/>
           </a:p>
           <a:p>
             <a:r>
@@ -4869,7 +4810,7 @@
   <p:timing>
     <p:tnLst>
       <p:par>
-        <p:cTn id="1" dur="indefinite" restart="never" nodeType="tmRoot"/>
+        <p:cTn xmlns:p14="http://schemas.microsoft.com/office/powerpoint/2010/main" id="1" dur="indefinite" restart="never" nodeType="tmRoot"/>
       </p:par>
     </p:tnLst>
   </p:timing>
@@ -4973,11 +4914,7 @@
             <a:pPr lvl="1"/>
             <a:r>
               <a:rPr lang="en-US" dirty="0" smtClean="0"/>
-              <a:t>Network </a:t>
-            </a:r>
-            <a:r>
-              <a:rPr lang="en-US" dirty="0" smtClean="0"/>
-              <a:t>congestion</a:t>
+              <a:t>Network congestion</a:t>
             </a:r>
           </a:p>
           <a:p>
@@ -5027,7 +4964,7 @@
   <p:timing>
     <p:tnLst>
       <p:par>
-        <p:cTn id="1" dur="indefinite" restart="never" nodeType="tmRoot"/>
+        <p:cTn xmlns:p14="http://schemas.microsoft.com/office/powerpoint/2010/main" id="1" dur="indefinite" restart="never" nodeType="tmRoot"/>
       </p:par>
     </p:tnLst>
   </p:timing>
@@ -5116,7 +5053,6 @@
               <a:rPr lang="en-US" altLang="zh-TW" dirty="0" smtClean="0"/>
               <a:t>Network condition </a:t>
             </a:r>
-            <a:endParaRPr lang="en-US" altLang="zh-TW" dirty="0" smtClean="0"/>
           </a:p>
           <a:p>
             <a:r>
@@ -5125,11 +5061,7 @@
             </a:r>
             <a:r>
               <a:rPr lang="en-US" altLang="zh-TW" dirty="0" smtClean="0"/>
-              <a:t>xplore </a:t>
-            </a:r>
-            <a:r>
-              <a:rPr lang="en-US" altLang="zh-TW" dirty="0" smtClean="0"/>
-              <a:t>an efficient </a:t>
+              <a:t>xplore an efficient </a:t>
             </a:r>
             <a:r>
               <a:rPr lang="en-US" altLang="zh-TW" dirty="0"/>
@@ -5137,23 +5069,14 @@
             </a:r>
             <a:r>
               <a:rPr lang="en-US" altLang="zh-TW" dirty="0" smtClean="0"/>
-              <a:t>queries </a:t>
-            </a:r>
+              <a:t>queries based on server conditions</a:t>
+            </a:r>
+          </a:p>
+          <a:p>
+            <a:pPr lvl="1"/>
             <a:r>
               <a:rPr lang="en-US" altLang="zh-TW" dirty="0" smtClean="0"/>
-              <a:t>based on server conditions</a:t>
-            </a:r>
-            <a:endParaRPr lang="en-US" altLang="zh-TW" dirty="0" smtClean="0"/>
-          </a:p>
-          <a:p>
-            <a:pPr lvl="1"/>
-            <a:r>
-              <a:rPr lang="en-US" altLang="zh-TW" dirty="0" smtClean="0"/>
-              <a:t>Allocate work based on node </a:t>
-            </a:r>
-            <a:r>
-              <a:rPr lang="en-US" altLang="zh-TW" dirty="0" smtClean="0"/>
-              <a:t>conditions</a:t>
+              <a:t>Allocate work based on node conditions</a:t>
             </a:r>
           </a:p>
           <a:p>
@@ -5166,7 +5089,6 @@
               <a:rPr lang="en-US" altLang="zh-TW" dirty="0" smtClean="0"/>
               <a:t>hotspots</a:t>
             </a:r>
-            <a:endParaRPr lang="en-US" altLang="zh-TW" dirty="0" smtClean="0"/>
           </a:p>
           <a:p>
             <a:pPr lvl="1"/>
@@ -5181,7 +5103,6 @@
               <a:rPr lang="en-US" altLang="zh-TW" dirty="0" smtClean="0"/>
               <a:t>Feasible for any database </a:t>
             </a:r>
-            <a:endParaRPr lang="en-US" altLang="zh-TW" dirty="0" smtClean="0"/>
           </a:p>
         </p:txBody>
       </p:sp>
@@ -5221,7 +5142,7 @@
   <p:timing>
     <p:tnLst>
       <p:par>
-        <p:cTn id="1" dur="indefinite" restart="never" nodeType="tmRoot"/>
+        <p:cTn xmlns:p14="http://schemas.microsoft.com/office/powerpoint/2010/main" id="1" dur="indefinite" restart="never" nodeType="tmRoot"/>
       </p:par>
     </p:tnLst>
   </p:timing>
@@ -5841,7 +5762,7 @@
   <p:timing>
     <p:tnLst>
       <p:par>
-        <p:cTn id="1" dur="indefinite" restart="never" nodeType="tmRoot">
+        <p:cTn xmlns:p14="http://schemas.microsoft.com/office/powerpoint/2010/main" id="1" dur="indefinite" restart="never" nodeType="tmRoot">
           <p:childTnLst>
             <p:seq concurrent="1" nextAc="seek">
               <p:cTn id="2" dur="indefinite" nodeType="mainSeq">
@@ -6326,7 +6247,6 @@
               <a:rPr lang="en-US" altLang="zh-TW" dirty="0" smtClean="0"/>
               <a:t>Monitor*</a:t>
             </a:r>
-            <a:endParaRPr lang="en-US" altLang="zh-TW" dirty="0" smtClean="0"/>
           </a:p>
           <a:p>
             <a:pPr lvl="1"/>
@@ -6471,11 +6391,7 @@
             </a:r>
             <a:r>
               <a:rPr lang="en-US" dirty="0" smtClean="0"/>
-              <a:t> </a:t>
-            </a:r>
-            <a:r>
-              <a:rPr lang="en-US" dirty="0" smtClean="0"/>
-              <a:t>T. Wood et. al. Black-box and Gray-box Strategies for Virtual Machine Migration</a:t>
+              <a:t> T. Wood et. al. Black-box and Gray-box Strategies for Virtual Machine Migration</a:t>
             </a:r>
             <a:endParaRPr lang="en-US" dirty="0"/>
           </a:p>
@@ -6494,7 +6410,7 @@
   <p:timing>
     <p:tnLst>
       <p:par>
-        <p:cTn id="1" dur="indefinite" restart="never" nodeType="tmRoot"/>
+        <p:cTn xmlns:p14="http://schemas.microsoft.com/office/powerpoint/2010/main" id="1" dur="indefinite" restart="never" nodeType="tmRoot"/>
       </p:par>
     </p:tnLst>
   </p:timing>
@@ -6645,11 +6561,7 @@
             <a:pPr algn="ctr"/>
             <a:r>
               <a:rPr lang="en-US" dirty="0" smtClean="0"/>
-              <a:t>Node </a:t>
-            </a:r>
-            <a:r>
-              <a:rPr lang="en-US" dirty="0" smtClean="0"/>
-              <a:t>N</a:t>
+              <a:t>Node N</a:t>
             </a:r>
           </a:p>
           <a:p>
@@ -6698,11 +6610,7 @@
             <a:pPr algn="ctr"/>
             <a:r>
               <a:rPr lang="en-US" dirty="0" smtClean="0"/>
-              <a:t>Node </a:t>
-            </a:r>
-            <a:r>
-              <a:rPr lang="en-US" dirty="0" smtClean="0"/>
-              <a:t>K</a:t>
+              <a:t>Node K</a:t>
             </a:r>
           </a:p>
           <a:p>
@@ -6751,11 +6659,7 @@
             <a:pPr algn="ctr"/>
             <a:r>
               <a:rPr lang="en-US" dirty="0" smtClean="0"/>
-              <a:t>Node </a:t>
-            </a:r>
-            <a:r>
-              <a:rPr lang="en-US" dirty="0" smtClean="0"/>
-              <a:t>A</a:t>
+              <a:t>Node A</a:t>
             </a:r>
           </a:p>
           <a:p>
@@ -7234,11 +7138,7 @@
             </a:r>
             <a:r>
               <a:rPr lang="en-US" dirty="0" smtClean="0"/>
-              <a:t> </a:t>
-            </a:r>
-            <a:r>
-              <a:rPr lang="en-US" dirty="0" smtClean="0"/>
-              <a:t>T. Wood et. al. Black-box and Gray-box Strategies for Virtual Machine Migration</a:t>
+              <a:t> T. Wood et. al. Black-box and Gray-box Strategies for Virtual Machine Migration</a:t>
             </a:r>
             <a:endParaRPr lang="en-US" dirty="0"/>
           </a:p>
@@ -7459,7 +7359,7 @@
   <p:timing>
     <p:tnLst>
       <p:par>
-        <p:cTn id="1" dur="indefinite" restart="never" nodeType="tmRoot">
+        <p:cTn xmlns:p14="http://schemas.microsoft.com/office/powerpoint/2010/main" id="1" dur="indefinite" restart="never" nodeType="tmRoot">
           <p:childTnLst>
             <p:seq concurrent="1" nextAc="seek">
               <p:cTn id="2" dur="indefinite" nodeType="mainSeq">
@@ -7879,15 +7779,7 @@
             <a:pPr lvl="1"/>
             <a:r>
               <a:rPr lang="en-US" altLang="zh-TW" dirty="0" smtClean="0"/>
-              <a:t>Generates data and queries </a:t>
-            </a:r>
-            <a:r>
-              <a:rPr lang="en-US" altLang="zh-TW" dirty="0" smtClean="0"/>
-              <a:t>for </a:t>
-            </a:r>
-            <a:r>
-              <a:rPr lang="en-US" altLang="zh-TW" dirty="0" smtClean="0"/>
-              <a:t>benchmarking</a:t>
+              <a:t>Generates data and queries for benchmarking</a:t>
             </a:r>
             <a:endParaRPr lang="en-US" dirty="0"/>
           </a:p>
@@ -7935,7 +7827,7 @@
   <p:timing>
     <p:tnLst>
       <p:par>
-        <p:cTn id="1" dur="indefinite" restart="never" nodeType="tmRoot"/>
+        <p:cTn xmlns:p14="http://schemas.microsoft.com/office/powerpoint/2010/main" id="1" dur="indefinite" restart="never" nodeType="tmRoot"/>
       </p:par>
     </p:tnLst>
   </p:timing>
@@ -7999,30 +7891,32 @@
           <a:p>
             <a:r>
               <a:rPr lang="en-US" dirty="0" smtClean="0"/>
-              <a:t>Ran on 10 machine cluster</a:t>
+              <a:t>Read-heavy workload</a:t>
+            </a:r>
+          </a:p>
+          <a:p>
+            <a:r>
+              <a:rPr lang="en-US" dirty="0" smtClean="0"/>
+              <a:t>Ran </a:t>
+            </a:r>
+            <a:r>
+              <a:rPr lang="en-US" dirty="0" smtClean="0"/>
+              <a:t>on 10 machine cluster</a:t>
             </a:r>
             <a:endParaRPr lang="en-US" dirty="0"/>
           </a:p>
           <a:p>
             <a:r>
               <a:rPr lang="en-US" dirty="0" smtClean="0"/>
-              <a:t>150GB of generated </a:t>
-            </a:r>
+              <a:t>150GB of generated data</a:t>
+            </a:r>
+            <a:endParaRPr lang="en-US" dirty="0"/>
+          </a:p>
+          <a:p>
+            <a:pPr lvl="1"/>
             <a:r>
               <a:rPr lang="en-US" dirty="0" smtClean="0"/>
-              <a:t>data</a:t>
-            </a:r>
-            <a:endParaRPr lang="en-US" dirty="0"/>
-          </a:p>
-          <a:p>
-            <a:pPr lvl="1"/>
-            <a:r>
-              <a:rPr lang="en-US" dirty="0" smtClean="0"/>
-              <a:t>Hash </a:t>
-            </a:r>
-            <a:r>
-              <a:rPr lang="en-US" dirty="0" smtClean="0"/>
-              <a:t>partitioned</a:t>
+              <a:t>Hash partitioned</a:t>
             </a:r>
           </a:p>
           <a:p>
@@ -8031,7 +7925,6 @@
               <a:rPr lang="en-US" dirty="0" smtClean="0"/>
               <a:t>Replication factor = 3</a:t>
             </a:r>
-            <a:endParaRPr lang="en-US" dirty="0" smtClean="0"/>
           </a:p>
           <a:p>
             <a:r>
@@ -8095,7 +7988,7 @@
   <p:timing>
     <p:tnLst>
       <p:par>
-        <p:cTn id="1" dur="indefinite" restart="never" nodeType="tmRoot"/>
+        <p:cTn xmlns:p14="http://schemas.microsoft.com/office/powerpoint/2010/main" id="1" dur="indefinite" restart="never" nodeType="tmRoot"/>
       </p:par>
     </p:tnLst>
   </p:timing>
@@ -8465,7 +8358,7 @@
     </a:clrScheme>
     <a:fontScheme name="Office">
       <a:majorFont>
-        <a:latin typeface="Calibri Light" panose="020F0302020204030204"/>
+        <a:latin typeface="Calibri Light"/>
         <a:ea typeface=""/>
         <a:cs typeface=""/>
         <a:font script="Jpan" typeface="ＭＳ ゴシック"/>
@@ -8500,7 +8393,7 @@
         <a:font script="Geor" typeface="Sylfaen"/>
       </a:majorFont>
       <a:minorFont>
-        <a:latin typeface="Calibri" panose="020F0502020204030204"/>
+        <a:latin typeface="Calibri"/>
         <a:ea typeface=""/>
         <a:cs typeface=""/>
         <a:font script="Jpan" typeface="ＭＳ ゴシック"/>
@@ -8677,7 +8570,7 @@
   <a:extraClrSchemeLst/>
   <a:extLst>
     <a:ext uri="{05A4C25C-085E-4340-85A3-A5531E510DB2}">
-      <thm15:themeFamily xmlns:thm15="http://schemas.microsoft.com/office/thememl/2012/main" name="Office Theme" id="{62F939B6-93AF-4DB8-9C6B-D6C7DFDC589F}" vid="{4A3C46E8-61CC-4603-A589-7422A47A8E4A}"/>
+      <thm15:themeFamily xmlns:thm15="http://schemas.microsoft.com/office/thememl/2012/main" xmlns="" name="Office Theme" id="{62F939B6-93AF-4DB8-9C6B-D6C7DFDC589F}" vid="{4A3C46E8-61CC-4603-A589-7422A47A8E4A}"/>
     </a:ext>
   </a:extLst>
 </a:theme>

--- a/PresentationSlides/Presentation.pptx
+++ b/PresentationSlides/Presentation.pptx
@@ -124,7 +124,7 @@
   </p:defaultTextStyle>
   <p:extLst>
     <p:ext uri="{EFAFB233-063F-42B5-8137-9DF3F51BA10A}">
-      <p15:sldGuideLst xmlns:p15="http://schemas.microsoft.com/office/powerpoint/2012/main" xmlns="">
+      <p15:sldGuideLst xmlns:p15="http://schemas.microsoft.com/office/powerpoint/2012/main">
         <p15:guide id="1" orient="horz" pos="2160">
           <p15:clr>
             <a:srgbClr val="A4A3A4"/>
@@ -146,7 +146,7 @@
   <p:cmAuthor id="1" name="Happier LIU" initials="HL" lastIdx="6" clrIdx="0">
     <p:extLst>
       <p:ext uri="{19B8F6BF-5375-455C-9EA6-DF929625EA0E}">
-        <p15:presenceInfo xmlns:p15="http://schemas.microsoft.com/office/powerpoint/2012/main" xmlns="" userId="dfbd9b513a1915c0" providerId="Windows Live"/>
+        <p15:presenceInfo xmlns:p15="http://schemas.microsoft.com/office/powerpoint/2012/main" userId="dfbd9b513a1915c0" providerId="Windows Live"/>
       </p:ext>
     </p:extLst>
   </p:cmAuthor>
@@ -235,7 +235,7 @@
           <a:p>
             <a:fld id="{A4F31AE2-B6D5-4905-8CC5-C746D3DE137B}" type="datetimeFigureOut">
               <a:rPr lang="en-US" smtClean="0"/>
-              <a:t>12-12-02</a:t>
+              <a:t>12/2/2012</a:t>
             </a:fld>
             <a:endParaRPr lang="en-US"/>
           </a:p>
@@ -768,7 +768,7 @@
           <a:p>
             <a:fld id="{578C8EFD-E150-CA4D-905C-A94D1A78A82A}" type="datetime1">
               <a:rPr lang="en-CA" smtClean="0"/>
-              <a:t>12-12-02</a:t>
+              <a:t>2012-12-02</a:t>
             </a:fld>
             <a:endParaRPr lang="en-US"/>
           </a:p>
@@ -938,7 +938,7 @@
           <a:p>
             <a:fld id="{15D8ADF8-3441-5F45-A19B-D033F59CF17D}" type="datetime1">
               <a:rPr lang="en-CA" smtClean="0"/>
-              <a:t>12-12-02</a:t>
+              <a:t>2012-12-02</a:t>
             </a:fld>
             <a:endParaRPr lang="en-US"/>
           </a:p>
@@ -1118,7 +1118,7 @@
           <a:p>
             <a:fld id="{0AED5A46-46F0-524C-B118-2413C4B118F2}" type="datetime1">
               <a:rPr lang="en-CA" smtClean="0"/>
-              <a:t>12-12-02</a:t>
+              <a:t>2012-12-02</a:t>
             </a:fld>
             <a:endParaRPr lang="en-US"/>
           </a:p>
@@ -1288,7 +1288,7 @@
           <a:p>
             <a:fld id="{2FFAA75D-0121-8445-A2D5-37B4791018BB}" type="datetime1">
               <a:rPr lang="en-CA" smtClean="0"/>
-              <a:t>12-12-02</a:t>
+              <a:t>2012-12-02</a:t>
             </a:fld>
             <a:endParaRPr lang="en-US"/>
           </a:p>
@@ -1534,7 +1534,7 @@
           <a:p>
             <a:fld id="{53F7EAB1-141B-FB47-8AAB-E68313ADDAE7}" type="datetime1">
               <a:rPr lang="en-CA" smtClean="0"/>
-              <a:t>12-12-02</a:t>
+              <a:t>2012-12-02</a:t>
             </a:fld>
             <a:endParaRPr lang="en-US"/>
           </a:p>
@@ -1822,7 +1822,7 @@
           <a:p>
             <a:fld id="{7B50838B-1487-4842-81F1-BDF2A6D1F1B3}" type="datetime1">
               <a:rPr lang="en-CA" smtClean="0"/>
-              <a:t>12-12-02</a:t>
+              <a:t>2012-12-02</a:t>
             </a:fld>
             <a:endParaRPr lang="en-US"/>
           </a:p>
@@ -2244,7 +2244,7 @@
           <a:p>
             <a:fld id="{8597D41A-A37E-B94A-ABBE-66D061CC16A8}" type="datetime1">
               <a:rPr lang="en-CA" smtClean="0"/>
-              <a:t>12-12-02</a:t>
+              <a:t>2012-12-02</a:t>
             </a:fld>
             <a:endParaRPr lang="en-US"/>
           </a:p>
@@ -2362,7 +2362,7 @@
           <a:p>
             <a:fld id="{3E462AFF-A87A-3449-BF73-2E332730FBBD}" type="datetime1">
               <a:rPr lang="en-CA" smtClean="0"/>
-              <a:t>12-12-02</a:t>
+              <a:t>2012-12-02</a:t>
             </a:fld>
             <a:endParaRPr lang="en-US"/>
           </a:p>
@@ -2457,7 +2457,7 @@
           <a:p>
             <a:fld id="{61F0DCD8-522C-0E46-A196-33CF3C2A12C1}" type="datetime1">
               <a:rPr lang="en-CA" smtClean="0"/>
-              <a:t>12-12-02</a:t>
+              <a:t>2012-12-02</a:t>
             </a:fld>
             <a:endParaRPr lang="en-US"/>
           </a:p>
@@ -2734,7 +2734,7 @@
           <a:p>
             <a:fld id="{05556C25-90F2-064D-BF7A-B83AB86F67C5}" type="datetime1">
               <a:rPr lang="en-CA" smtClean="0"/>
-              <a:t>12-12-02</a:t>
+              <a:t>2012-12-02</a:t>
             </a:fld>
             <a:endParaRPr lang="en-US"/>
           </a:p>
@@ -2991,7 +2991,7 @@
           <a:p>
             <a:fld id="{D36A68E7-021F-D94A-BB37-798C61C4259E}" type="datetime1">
               <a:rPr lang="en-CA" smtClean="0"/>
-              <a:t>12-12-02</a:t>
+              <a:t>2012-12-02</a:t>
             </a:fld>
             <a:endParaRPr lang="en-US"/>
           </a:p>
@@ -3204,7 +3204,7 @@
           <a:p>
             <a:fld id="{740C5816-A486-5D43-AC42-C657B961AA99}" type="datetime1">
               <a:rPr lang="en-CA" smtClean="0"/>
-              <a:t>12-12-02</a:t>
+              <a:t>2012-12-02</a:t>
             </a:fld>
             <a:endParaRPr lang="en-US"/>
           </a:p>
@@ -3684,7 +3684,7 @@
   <p:timing>
     <p:tnLst>
       <p:par>
-        <p:cTn xmlns:p14="http://schemas.microsoft.com/office/powerpoint/2010/main" id="1" dur="indefinite" restart="never" nodeType="tmRoot"/>
+        <p:cTn id="1" dur="indefinite" restart="never" nodeType="tmRoot"/>
       </p:par>
     </p:tnLst>
   </p:timing>
@@ -3796,7 +3796,7 @@
   <p:timing>
     <p:tnLst>
       <p:par>
-        <p:cTn xmlns:p14="http://schemas.microsoft.com/office/powerpoint/2010/main" id="1" dur="indefinite" restart="never" nodeType="tmRoot"/>
+        <p:cTn id="1" dur="indefinite" restart="never" nodeType="tmRoot"/>
       </p:par>
     </p:tnLst>
   </p:timing>
@@ -3914,7 +3914,7 @@
   <p:timing>
     <p:tnLst>
       <p:par>
-        <p:cTn xmlns:p14="http://schemas.microsoft.com/office/powerpoint/2010/main" id="1" dur="indefinite" restart="never" nodeType="tmRoot"/>
+        <p:cTn id="1" dur="indefinite" restart="never" nodeType="tmRoot"/>
       </p:par>
     </p:tnLst>
   </p:timing>
@@ -4047,7 +4047,7 @@
   <p:timing>
     <p:tnLst>
       <p:par>
-        <p:cTn xmlns:p14="http://schemas.microsoft.com/office/powerpoint/2010/main" id="1" dur="indefinite" restart="never" nodeType="tmRoot"/>
+        <p:cTn id="1" dur="indefinite" restart="never" nodeType="tmRoot"/>
       </p:par>
     </p:tnLst>
   </p:timing>
@@ -4189,7 +4189,7 @@
   <p:timing>
     <p:tnLst>
       <p:par>
-        <p:cTn xmlns:p14="http://schemas.microsoft.com/office/powerpoint/2010/main" id="1" dur="indefinite" restart="never" nodeType="tmRoot"/>
+        <p:cTn id="1" dur="indefinite" restart="never" nodeType="tmRoot"/>
       </p:par>
     </p:tnLst>
   </p:timing>
@@ -4370,7 +4370,7 @@
   <p:timing>
     <p:tnLst>
       <p:par>
-        <p:cTn xmlns:p14="http://schemas.microsoft.com/office/powerpoint/2010/main" id="1" dur="indefinite" restart="never" nodeType="tmRoot"/>
+        <p:cTn id="1" dur="indefinite" restart="never" nodeType="tmRoot"/>
       </p:par>
     </p:tnLst>
   </p:timing>
@@ -4530,7 +4530,7 @@
   <p:timing>
     <p:tnLst>
       <p:par>
-        <p:cTn xmlns:p14="http://schemas.microsoft.com/office/powerpoint/2010/main" id="1" dur="indefinite" restart="never" nodeType="tmRoot"/>
+        <p:cTn id="1" dur="indefinite" restart="never" nodeType="tmRoot"/>
       </p:par>
     </p:tnLst>
   </p:timing>
@@ -4672,7 +4672,7 @@
   <p:timing>
     <p:tnLst>
       <p:par>
-        <p:cTn xmlns:p14="http://schemas.microsoft.com/office/powerpoint/2010/main" id="1" dur="indefinite" restart="never" nodeType="tmRoot"/>
+        <p:cTn id="1" dur="indefinite" restart="never" nodeType="tmRoot"/>
       </p:par>
     </p:tnLst>
   </p:timing>
@@ -4810,7 +4810,7 @@
   <p:timing>
     <p:tnLst>
       <p:par>
-        <p:cTn xmlns:p14="http://schemas.microsoft.com/office/powerpoint/2010/main" id="1" dur="indefinite" restart="never" nodeType="tmRoot"/>
+        <p:cTn id="1" dur="indefinite" restart="never" nodeType="tmRoot"/>
       </p:par>
     </p:tnLst>
   </p:timing>
@@ -4964,7 +4964,7 @@
   <p:timing>
     <p:tnLst>
       <p:par>
-        <p:cTn xmlns:p14="http://schemas.microsoft.com/office/powerpoint/2010/main" id="1" dur="indefinite" restart="never" nodeType="tmRoot"/>
+        <p:cTn id="1" dur="indefinite" restart="never" nodeType="tmRoot"/>
       </p:par>
     </p:tnLst>
   </p:timing>
@@ -5142,7 +5142,7 @@
   <p:timing>
     <p:tnLst>
       <p:par>
-        <p:cTn xmlns:p14="http://schemas.microsoft.com/office/powerpoint/2010/main" id="1" dur="indefinite" restart="never" nodeType="tmRoot"/>
+        <p:cTn id="1" dur="indefinite" restart="never" nodeType="tmRoot"/>
       </p:par>
     </p:tnLst>
   </p:timing>
@@ -5762,7 +5762,7 @@
   <p:timing>
     <p:tnLst>
       <p:par>
-        <p:cTn xmlns:p14="http://schemas.microsoft.com/office/powerpoint/2010/main" id="1" dur="indefinite" restart="never" nodeType="tmRoot">
+        <p:cTn id="1" dur="indefinite" restart="never" nodeType="tmRoot">
           <p:childTnLst>
             <p:seq concurrent="1" nextAc="seek">
               <p:cTn id="2" dur="indefinite" nodeType="mainSeq">
@@ -6410,7 +6410,7 @@
   <p:timing>
     <p:tnLst>
       <p:par>
-        <p:cTn xmlns:p14="http://schemas.microsoft.com/office/powerpoint/2010/main" id="1" dur="indefinite" restart="never" nodeType="tmRoot"/>
+        <p:cTn id="1" dur="indefinite" restart="never" nodeType="tmRoot"/>
       </p:par>
     </p:tnLst>
   </p:timing>
@@ -6738,124 +6738,6 @@
               <a:srgbClr val="FF0000"/>
             </a:solidFill>
             <a:tailEnd type="arrow"/>
-          </a:ln>
-        </p:spPr>
-        <p:style>
-          <a:lnRef idx="2">
-            <a:schemeClr val="accent1"/>
-          </a:lnRef>
-          <a:fillRef idx="0">
-            <a:schemeClr val="accent1"/>
-          </a:fillRef>
-          <a:effectRef idx="1">
-            <a:schemeClr val="accent1"/>
-          </a:effectRef>
-          <a:fontRef idx="minor">
-            <a:schemeClr val="tx1"/>
-          </a:fontRef>
-        </p:style>
-      </p:cxnSp>
-      <p:cxnSp>
-        <p:nvCxnSpPr>
-          <p:cNvPr id="11" name="Straight Arrow Connector 10"/>
-          <p:cNvCxnSpPr>
-            <a:endCxn id="8" idx="0"/>
-          </p:cNvCxnSpPr>
-          <p:nvPr/>
-        </p:nvCxnSpPr>
-        <p:spPr>
-          <a:xfrm flipH="1">
-            <a:off x="2252725" y="2936449"/>
-            <a:ext cx="1670790" cy="882459"/>
-          </a:xfrm>
-          <a:prstGeom prst="straightConnector1">
-            <a:avLst/>
-          </a:prstGeom>
-          <a:ln w="38100">
-            <a:solidFill>
-              <a:srgbClr val="008000"/>
-            </a:solidFill>
-            <a:headEnd type="arrow"/>
-            <a:tailEnd type="none"/>
-          </a:ln>
-        </p:spPr>
-        <p:style>
-          <a:lnRef idx="2">
-            <a:schemeClr val="accent1"/>
-          </a:lnRef>
-          <a:fillRef idx="0">
-            <a:schemeClr val="accent1"/>
-          </a:fillRef>
-          <a:effectRef idx="1">
-            <a:schemeClr val="accent1"/>
-          </a:effectRef>
-          <a:fontRef idx="minor">
-            <a:schemeClr val="tx1"/>
-          </a:fontRef>
-        </p:style>
-      </p:cxnSp>
-      <p:cxnSp>
-        <p:nvCxnSpPr>
-          <p:cNvPr id="12" name="Straight Arrow Connector 11"/>
-          <p:cNvCxnSpPr>
-            <a:stCxn id="5" idx="2"/>
-            <a:endCxn id="7" idx="0"/>
-          </p:cNvCxnSpPr>
-          <p:nvPr/>
-        </p:nvCxnSpPr>
-        <p:spPr>
-          <a:xfrm>
-            <a:off x="4575544" y="3175287"/>
-            <a:ext cx="0" cy="643621"/>
-          </a:xfrm>
-          <a:prstGeom prst="straightConnector1">
-            <a:avLst/>
-          </a:prstGeom>
-          <a:ln w="38100">
-            <a:solidFill>
-              <a:srgbClr val="008000"/>
-            </a:solidFill>
-            <a:headEnd type="arrow"/>
-            <a:tailEnd type="none"/>
-          </a:ln>
-        </p:spPr>
-        <p:style>
-          <a:lnRef idx="2">
-            <a:schemeClr val="accent1"/>
-          </a:lnRef>
-          <a:fillRef idx="0">
-            <a:schemeClr val="accent1"/>
-          </a:fillRef>
-          <a:effectRef idx="1">
-            <a:schemeClr val="accent1"/>
-          </a:effectRef>
-          <a:fontRef idx="minor">
-            <a:schemeClr val="tx1"/>
-          </a:fontRef>
-        </p:style>
-      </p:cxnSp>
-      <p:cxnSp>
-        <p:nvCxnSpPr>
-          <p:cNvPr id="13" name="Straight Arrow Connector 12"/>
-          <p:cNvCxnSpPr>
-            <a:endCxn id="6" idx="0"/>
-          </p:cNvCxnSpPr>
-          <p:nvPr/>
-        </p:nvCxnSpPr>
-        <p:spPr>
-          <a:xfrm>
-            <a:off x="5227573" y="2936449"/>
-            <a:ext cx="1643563" cy="882459"/>
-          </a:xfrm>
-          <a:prstGeom prst="straightConnector1">
-            <a:avLst/>
-          </a:prstGeom>
-          <a:ln w="38100">
-            <a:solidFill>
-              <a:srgbClr val="008000"/>
-            </a:solidFill>
-            <a:headEnd type="arrow"/>
-            <a:tailEnd type="none"/>
           </a:ln>
         </p:spPr>
         <p:style>
@@ -6984,104 +6866,263 @@
           </a:p>
         </p:txBody>
       </p:sp>
-      <p:sp>
-        <p:nvSpPr>
-          <p:cNvPr id="23" name="TextBox 22"/>
-          <p:cNvSpPr txBox="1"/>
+      <p:grpSp>
+        <p:nvGrpSpPr>
+          <p:cNvPr id="15" name="Group 14"/>
+          <p:cNvGrpSpPr/>
           <p:nvPr/>
-        </p:nvSpPr>
-        <p:spPr>
+        </p:nvGrpSpPr>
+        <p:grpSpPr>
           <a:xfrm>
-            <a:off x="2664815" y="2936449"/>
-            <a:ext cx="593432" cy="369332"/>
+            <a:off x="2252725" y="2936449"/>
+            <a:ext cx="1670790" cy="882459"/>
+            <a:chOff x="2252725" y="2936449"/>
+            <a:chExt cx="1670790" cy="882459"/>
           </a:xfrm>
-          <a:prstGeom prst="rect">
-            <a:avLst/>
-          </a:prstGeom>
-          <a:noFill/>
-        </p:spPr>
-        <p:txBody>
-          <a:bodyPr wrap="none" rtlCol="0">
-            <a:spAutoFit/>
-          </a:bodyPr>
-          <a:lstStyle/>
-          <a:p>
-            <a:r>
-              <a:rPr lang="en-US" dirty="0"/>
-              <a:t>2</a:t>
-            </a:r>
-            <a:r>
-              <a:rPr lang="en-US" dirty="0" smtClean="0"/>
-              <a:t>4.7</a:t>
-            </a:r>
-            <a:endParaRPr lang="en-US" dirty="0"/>
-          </a:p>
-        </p:txBody>
-      </p:sp>
-      <p:sp>
-        <p:nvSpPr>
-          <p:cNvPr id="24" name="TextBox 23"/>
-          <p:cNvSpPr txBox="1"/>
+        </p:grpSpPr>
+        <p:cxnSp>
+          <p:nvCxnSpPr>
+            <p:cNvPr id="11" name="Straight Arrow Connector 10"/>
+            <p:cNvCxnSpPr/>
+            <p:nvPr/>
+          </p:nvCxnSpPr>
+          <p:spPr>
+            <a:xfrm flipH="1">
+              <a:off x="2252725" y="2936449"/>
+              <a:ext cx="1670790" cy="882459"/>
+            </a:xfrm>
+            <a:prstGeom prst="straightConnector1">
+              <a:avLst/>
+            </a:prstGeom>
+            <a:ln w="38100">
+              <a:solidFill>
+                <a:srgbClr val="008000"/>
+              </a:solidFill>
+              <a:headEnd type="arrow"/>
+              <a:tailEnd type="none"/>
+            </a:ln>
+          </p:spPr>
+          <p:style>
+            <a:lnRef idx="2">
+              <a:schemeClr val="accent1"/>
+            </a:lnRef>
+            <a:fillRef idx="0">
+              <a:schemeClr val="accent1"/>
+            </a:fillRef>
+            <a:effectRef idx="1">
+              <a:schemeClr val="accent1"/>
+            </a:effectRef>
+            <a:fontRef idx="minor">
+              <a:schemeClr val="tx1"/>
+            </a:fontRef>
+          </p:style>
+        </p:cxnSp>
+        <p:sp>
+          <p:nvSpPr>
+            <p:cNvPr id="23" name="TextBox 22"/>
+            <p:cNvSpPr txBox="1"/>
+            <p:nvPr/>
+          </p:nvSpPr>
+          <p:spPr>
+            <a:xfrm>
+              <a:off x="2664815" y="2936449"/>
+              <a:ext cx="593432" cy="369332"/>
+            </a:xfrm>
+            <a:prstGeom prst="rect">
+              <a:avLst/>
+            </a:prstGeom>
+            <a:noFill/>
+          </p:spPr>
+          <p:txBody>
+            <a:bodyPr wrap="none" rtlCol="0">
+              <a:spAutoFit/>
+            </a:bodyPr>
+            <a:lstStyle/>
+            <a:p>
+              <a:r>
+                <a:rPr lang="en-US" dirty="0"/>
+                <a:t>2</a:t>
+              </a:r>
+              <a:r>
+                <a:rPr lang="en-US" dirty="0" smtClean="0"/>
+                <a:t>4.7</a:t>
+              </a:r>
+              <a:endParaRPr lang="en-US" dirty="0"/>
+            </a:p>
+          </p:txBody>
+        </p:sp>
+      </p:grpSp>
+      <p:grpSp>
+        <p:nvGrpSpPr>
+          <p:cNvPr id="18" name="Group 17"/>
+          <p:cNvGrpSpPr/>
           <p:nvPr/>
-        </p:nvSpPr>
-        <p:spPr>
+        </p:nvGrpSpPr>
+        <p:grpSpPr>
           <a:xfrm>
-            <a:off x="4602482" y="3385844"/>
-            <a:ext cx="593920" cy="369332"/>
+            <a:off x="4575544" y="3175287"/>
+            <a:ext cx="620858" cy="643621"/>
+            <a:chOff x="4575544" y="3175287"/>
+            <a:chExt cx="620858" cy="643621"/>
           </a:xfrm>
-          <a:prstGeom prst="rect">
-            <a:avLst/>
-          </a:prstGeom>
-          <a:noFill/>
-        </p:spPr>
-        <p:txBody>
-          <a:bodyPr wrap="none" rtlCol="0">
-            <a:spAutoFit/>
-          </a:bodyPr>
-          <a:lstStyle/>
-          <a:p>
-            <a:r>
-              <a:rPr lang="en-US" dirty="0" smtClean="0"/>
-              <a:t>89.5</a:t>
-            </a:r>
-            <a:endParaRPr lang="en-US" dirty="0"/>
-          </a:p>
-        </p:txBody>
-      </p:sp>
-      <p:sp>
-        <p:nvSpPr>
-          <p:cNvPr id="25" name="TextBox 24"/>
-          <p:cNvSpPr txBox="1"/>
+        </p:grpSpPr>
+        <p:cxnSp>
+          <p:nvCxnSpPr>
+            <p:cNvPr id="12" name="Straight Arrow Connector 11"/>
+            <p:cNvCxnSpPr>
+              <a:stCxn id="5" idx="2"/>
+              <a:endCxn id="7" idx="0"/>
+            </p:cNvCxnSpPr>
+            <p:nvPr/>
+          </p:nvCxnSpPr>
+          <p:spPr>
+            <a:xfrm>
+              <a:off x="4575544" y="3175287"/>
+              <a:ext cx="0" cy="643621"/>
+            </a:xfrm>
+            <a:prstGeom prst="straightConnector1">
+              <a:avLst/>
+            </a:prstGeom>
+            <a:ln w="38100">
+              <a:solidFill>
+                <a:srgbClr val="008000"/>
+              </a:solidFill>
+              <a:headEnd type="arrow"/>
+              <a:tailEnd type="none"/>
+            </a:ln>
+          </p:spPr>
+          <p:style>
+            <a:lnRef idx="2">
+              <a:schemeClr val="accent1"/>
+            </a:lnRef>
+            <a:fillRef idx="0">
+              <a:schemeClr val="accent1"/>
+            </a:fillRef>
+            <a:effectRef idx="1">
+              <a:schemeClr val="accent1"/>
+            </a:effectRef>
+            <a:fontRef idx="minor">
+              <a:schemeClr val="tx1"/>
+            </a:fontRef>
+          </p:style>
+        </p:cxnSp>
+        <p:sp>
+          <p:nvSpPr>
+            <p:cNvPr id="24" name="TextBox 23"/>
+            <p:cNvSpPr txBox="1"/>
+            <p:nvPr/>
+          </p:nvSpPr>
+          <p:spPr>
+            <a:xfrm>
+              <a:off x="4602482" y="3385844"/>
+              <a:ext cx="593920" cy="369332"/>
+            </a:xfrm>
+            <a:prstGeom prst="rect">
+              <a:avLst/>
+            </a:prstGeom>
+            <a:noFill/>
+          </p:spPr>
+          <p:txBody>
+            <a:bodyPr wrap="none" rtlCol="0">
+              <a:spAutoFit/>
+            </a:bodyPr>
+            <a:lstStyle/>
+            <a:p>
+              <a:r>
+                <a:rPr lang="en-US" dirty="0" smtClean="0"/>
+                <a:t>89.5</a:t>
+              </a:r>
+              <a:endParaRPr lang="en-US" dirty="0"/>
+            </a:p>
+          </p:txBody>
+        </p:sp>
+      </p:grpSp>
+      <p:grpSp>
+        <p:nvGrpSpPr>
+          <p:cNvPr id="22" name="Group 21"/>
+          <p:cNvGrpSpPr/>
           <p:nvPr/>
-        </p:nvSpPr>
-        <p:spPr>
+        </p:nvGrpSpPr>
+        <p:grpSpPr>
           <a:xfrm>
-            <a:off x="5922146" y="2904183"/>
-            <a:ext cx="476926" cy="369332"/>
+            <a:off x="5227573" y="2904183"/>
+            <a:ext cx="1643563" cy="914725"/>
+            <a:chOff x="5227573" y="2904183"/>
+            <a:chExt cx="1643563" cy="914725"/>
           </a:xfrm>
-          <a:prstGeom prst="rect">
-            <a:avLst/>
-          </a:prstGeom>
-          <a:noFill/>
-        </p:spPr>
-        <p:txBody>
-          <a:bodyPr wrap="none" rtlCol="0">
-            <a:spAutoFit/>
-          </a:bodyPr>
-          <a:lstStyle/>
-          <a:p>
-            <a:r>
-              <a:rPr lang="en-US" dirty="0"/>
-              <a:t>7</a:t>
-            </a:r>
-            <a:r>
-              <a:rPr lang="en-US" dirty="0" smtClean="0"/>
-              <a:t>.3</a:t>
-            </a:r>
-            <a:endParaRPr lang="en-US" dirty="0"/>
-          </a:p>
-        </p:txBody>
-      </p:sp>
+        </p:grpSpPr>
+        <p:cxnSp>
+          <p:nvCxnSpPr>
+            <p:cNvPr id="13" name="Straight Arrow Connector 12"/>
+            <p:cNvCxnSpPr/>
+            <p:nvPr/>
+          </p:nvCxnSpPr>
+          <p:spPr>
+            <a:xfrm>
+              <a:off x="5227573" y="2936449"/>
+              <a:ext cx="1643563" cy="882459"/>
+            </a:xfrm>
+            <a:prstGeom prst="straightConnector1">
+              <a:avLst/>
+            </a:prstGeom>
+            <a:ln w="38100">
+              <a:solidFill>
+                <a:srgbClr val="008000"/>
+              </a:solidFill>
+              <a:headEnd type="arrow"/>
+              <a:tailEnd type="none"/>
+            </a:ln>
+          </p:spPr>
+          <p:style>
+            <a:lnRef idx="2">
+              <a:schemeClr val="accent1"/>
+            </a:lnRef>
+            <a:fillRef idx="0">
+              <a:schemeClr val="accent1"/>
+            </a:fillRef>
+            <a:effectRef idx="1">
+              <a:schemeClr val="accent1"/>
+            </a:effectRef>
+            <a:fontRef idx="minor">
+              <a:schemeClr val="tx1"/>
+            </a:fontRef>
+          </p:style>
+        </p:cxnSp>
+        <p:sp>
+          <p:nvSpPr>
+            <p:cNvPr id="25" name="TextBox 24"/>
+            <p:cNvSpPr txBox="1"/>
+            <p:nvPr/>
+          </p:nvSpPr>
+          <p:spPr>
+            <a:xfrm>
+              <a:off x="5922146" y="2904183"/>
+              <a:ext cx="476926" cy="369332"/>
+            </a:xfrm>
+            <a:prstGeom prst="rect">
+              <a:avLst/>
+            </a:prstGeom>
+            <a:noFill/>
+          </p:spPr>
+          <p:txBody>
+            <a:bodyPr wrap="none" rtlCol="0">
+              <a:spAutoFit/>
+            </a:bodyPr>
+            <a:lstStyle/>
+            <a:p>
+              <a:r>
+                <a:rPr lang="en-US" dirty="0"/>
+                <a:t>7</a:t>
+              </a:r>
+              <a:r>
+                <a:rPr lang="en-US" dirty="0" smtClean="0"/>
+                <a:t>.3</a:t>
+              </a:r>
+              <a:endParaRPr lang="en-US" dirty="0"/>
+            </a:p>
+          </p:txBody>
+        </p:sp>
+      </p:grpSp>
       <p:pic>
         <p:nvPicPr>
           <p:cNvPr id="3" name="Picture 2" descr="CodeCogsEqn.gif"/>
@@ -7359,7 +7400,7 @@
   <p:timing>
     <p:tnLst>
       <p:par>
-        <p:cTn xmlns:p14="http://schemas.microsoft.com/office/powerpoint/2010/main" id="1" dur="indefinite" restart="never" nodeType="tmRoot">
+        <p:cTn id="1" dur="indefinite" restart="never" nodeType="tmRoot">
           <p:childTnLst>
             <p:seq concurrent="1" nextAc="seek">
               <p:cTn id="2" dur="indefinite" nodeType="mainSeq">
@@ -7368,9 +7409,6 @@
                     <p:cTn id="3" fill="hold">
                       <p:stCondLst>
                         <p:cond delay="indefinite"/>
-                        <p:cond evt="onBegin" delay="0">
-                          <p:tn val="2"/>
-                        </p:cond>
                       </p:stCondLst>
                       <p:childTnLst>
                         <p:par>
@@ -7380,14 +7418,137 @@
                             </p:stCondLst>
                             <p:childTnLst>
                               <p:par>
-                                <p:cTn id="5" presetID="1" presetClass="entr" presetSubtype="0" fill="hold" grpId="0" nodeType="withEffect">
+                                <p:cTn id="5" presetID="22" presetClass="entr" presetSubtype="4" repeatCount="4000" fill="hold" nodeType="clickEffect">
+                                  <p:stCondLst>
+                                    <p:cond delay="500"/>
+                                  </p:stCondLst>
+                                  <p:childTnLst>
+                                    <p:set>
+                                      <p:cBhvr>
+                                        <p:cTn id="6" dur="1" fill="hold">
+                                          <p:stCondLst>
+                                            <p:cond delay="0"/>
+                                          </p:stCondLst>
+                                        </p:cTn>
+                                        <p:tgtEl>
+                                          <p:spTgt spid="22"/>
+                                        </p:tgtEl>
+                                        <p:attrNameLst>
+                                          <p:attrName>style.visibility</p:attrName>
+                                        </p:attrNameLst>
+                                      </p:cBhvr>
+                                      <p:to>
+                                        <p:strVal val="visible"/>
+                                      </p:to>
+                                    </p:set>
+                                    <p:animEffect transition="in" filter="wipe(down)">
+                                      <p:cBhvr>
+                                        <p:cTn id="7" dur="1300"/>
+                                        <p:tgtEl>
+                                          <p:spTgt spid="22"/>
+                                        </p:tgtEl>
+                                      </p:cBhvr>
+                                    </p:animEffect>
+                                  </p:childTnLst>
+                                </p:cTn>
+                              </p:par>
+                              <p:par>
+                                <p:cTn id="8" presetID="22" presetClass="entr" presetSubtype="4" repeatCount="4000" fill="hold" nodeType="withEffect">
+                                  <p:stCondLst>
+                                    <p:cond delay="500"/>
+                                  </p:stCondLst>
+                                  <p:childTnLst>
+                                    <p:set>
+                                      <p:cBhvr>
+                                        <p:cTn id="9" dur="1" fill="hold">
+                                          <p:stCondLst>
+                                            <p:cond delay="0"/>
+                                          </p:stCondLst>
+                                        </p:cTn>
+                                        <p:tgtEl>
+                                          <p:spTgt spid="18"/>
+                                        </p:tgtEl>
+                                        <p:attrNameLst>
+                                          <p:attrName>style.visibility</p:attrName>
+                                        </p:attrNameLst>
+                                      </p:cBhvr>
+                                      <p:to>
+                                        <p:strVal val="visible"/>
+                                      </p:to>
+                                    </p:set>
+                                    <p:animEffect transition="in" filter="wipe(down)">
+                                      <p:cBhvr>
+                                        <p:cTn id="10" dur="1250"/>
+                                        <p:tgtEl>
+                                          <p:spTgt spid="18"/>
+                                        </p:tgtEl>
+                                      </p:cBhvr>
+                                    </p:animEffect>
+                                  </p:childTnLst>
+                                </p:cTn>
+                              </p:par>
+                              <p:par>
+                                <p:cTn id="11" presetID="22" presetClass="entr" presetSubtype="4" repeatCount="4000" fill="hold" nodeType="withEffect">
+                                  <p:stCondLst>
+                                    <p:cond delay="500"/>
+                                  </p:stCondLst>
+                                  <p:childTnLst>
+                                    <p:set>
+                                      <p:cBhvr>
+                                        <p:cTn id="12" dur="1" fill="hold">
+                                          <p:stCondLst>
+                                            <p:cond delay="0"/>
+                                          </p:stCondLst>
+                                        </p:cTn>
+                                        <p:tgtEl>
+                                          <p:spTgt spid="15"/>
+                                        </p:tgtEl>
+                                        <p:attrNameLst>
+                                          <p:attrName>style.visibility</p:attrName>
+                                        </p:attrNameLst>
+                                      </p:cBhvr>
+                                      <p:to>
+                                        <p:strVal val="visible"/>
+                                      </p:to>
+                                    </p:set>
+                                    <p:animEffect transition="in" filter="wipe(down)">
+                                      <p:cBhvr>
+                                        <p:cTn id="13" dur="1250"/>
+                                        <p:tgtEl>
+                                          <p:spTgt spid="15"/>
+                                        </p:tgtEl>
+                                      </p:cBhvr>
+                                    </p:animEffect>
+                                  </p:childTnLst>
+                                </p:cTn>
+                              </p:par>
+                            </p:childTnLst>
+                          </p:cTn>
+                        </p:par>
+                      </p:childTnLst>
+                    </p:cTn>
+                  </p:par>
+                  <p:par>
+                    <p:cTn id="14" fill="hold">
+                      <p:stCondLst>
+                        <p:cond delay="indefinite"/>
+                      </p:stCondLst>
+                      <p:childTnLst>
+                        <p:par>
+                          <p:cTn id="15" fill="hold">
+                            <p:stCondLst>
+                              <p:cond delay="0"/>
+                            </p:stCondLst>
+                            <p:childTnLst>
+                              <p:par>
+                                <p:cTn id="16" presetID="1" presetClass="entr" presetSubtype="0" fill="hold" grpId="0" nodeType="clickEffect">
                                   <p:stCondLst>
                                     <p:cond delay="0"/>
                                   </p:stCondLst>
                                   <p:childTnLst>
                                     <p:set>
                                       <p:cBhvr>
-                                        <p:cTn id="6" dur="1" fill="hold">
+                                        <p:cTn id="17" dur="1" fill="hold">
                                           <p:stCondLst>
                                             <p:cond delay="0"/>
                                           </p:stCondLst>
@@ -7407,113 +7568,14 @@
                                 </p:cTn>
                               </p:par>
                               <p:par>
-                                <p:cTn id="7" presetID="1" presetClass="entr" presetSubtype="0" fill="hold" grpId="0" nodeType="withEffect">
+                                <p:cTn id="18" presetID="1" presetClass="entr" presetSubtype="0" fill="hold" nodeType="withEffect">
                                   <p:stCondLst>
                                     <p:cond delay="0"/>
                                   </p:stCondLst>
                                   <p:childTnLst>
                                     <p:set>
                                       <p:cBhvr>
-                                        <p:cTn id="8" dur="1" fill="hold">
-                                          <p:stCondLst>
-                                            <p:cond delay="0"/>
-                                          </p:stCondLst>
-                                        </p:cTn>
-                                        <p:tgtEl>
-                                          <p:spTgt spid="23"/>
-                                        </p:tgtEl>
-                                        <p:attrNameLst>
-                                          <p:attrName>style.visibility</p:attrName>
-                                        </p:attrNameLst>
-                                      </p:cBhvr>
-                                      <p:to>
-                                        <p:strVal val="visible"/>
-                                      </p:to>
-                                    </p:set>
-                                  </p:childTnLst>
-                                </p:cTn>
-                              </p:par>
-                              <p:par>
-                                <p:cTn id="9" presetID="1" presetClass="entr" presetSubtype="0" fill="hold" grpId="0" nodeType="withEffect">
-                                  <p:stCondLst>
-                                    <p:cond delay="0"/>
-                                  </p:stCondLst>
-                                  <p:childTnLst>
-                                    <p:set>
-                                      <p:cBhvr>
-                                        <p:cTn id="10" dur="1" fill="hold">
-                                          <p:stCondLst>
-                                            <p:cond delay="0"/>
-                                          </p:stCondLst>
-                                        </p:cTn>
-                                        <p:tgtEl>
-                                          <p:spTgt spid="24"/>
-                                        </p:tgtEl>
-                                        <p:attrNameLst>
-                                          <p:attrName>style.visibility</p:attrName>
-                                        </p:attrNameLst>
-                                      </p:cBhvr>
-                                      <p:to>
-                                        <p:strVal val="visible"/>
-                                      </p:to>
-                                    </p:set>
-                                  </p:childTnLst>
-                                </p:cTn>
-                              </p:par>
-                              <p:par>
-                                <p:cTn id="11" presetID="1" presetClass="entr" presetSubtype="0" fill="hold" grpId="0" nodeType="withEffect">
-                                  <p:stCondLst>
-                                    <p:cond delay="0"/>
-                                  </p:stCondLst>
-                                  <p:childTnLst>
-                                    <p:set>
-                                      <p:cBhvr>
-                                        <p:cTn id="12" dur="1" fill="hold">
-                                          <p:stCondLst>
-                                            <p:cond delay="0"/>
-                                          </p:stCondLst>
-                                        </p:cTn>
-                                        <p:tgtEl>
-                                          <p:spTgt spid="25"/>
-                                        </p:tgtEl>
-                                        <p:attrNameLst>
-                                          <p:attrName>style.visibility</p:attrName>
-                                        </p:attrNameLst>
-                                      </p:cBhvr>
-                                      <p:to>
-                                        <p:strVal val="visible"/>
-                                      </p:to>
-                                    </p:set>
-                                  </p:childTnLst>
-                                </p:cTn>
-                              </p:par>
-                            </p:childTnLst>
-                          </p:cTn>
-                        </p:par>
-                      </p:childTnLst>
-                    </p:cTn>
-                  </p:par>
-                  <p:par>
-                    <p:cTn id="13" fill="hold">
-                      <p:stCondLst>
-                        <p:cond delay="indefinite"/>
-                      </p:stCondLst>
-                      <p:childTnLst>
-                        <p:par>
-                          <p:cTn id="14" fill="hold">
-                            <p:stCondLst>
-                              <p:cond delay="0"/>
-                            </p:stCondLst>
-                            <p:childTnLst>
-                              <p:par>
-                                <p:cTn id="15" presetID="1" presetClass="entr" presetSubtype="0" fill="hold" nodeType="clickEffect">
-                                  <p:stCondLst>
-                                    <p:cond delay="0"/>
-                                  </p:stCondLst>
-                                  <p:childTnLst>
-                                    <p:set>
-                                      <p:cBhvr>
-                                        <p:cTn id="16" dur="1" fill="hold">
+                                        <p:cTn id="19" dur="1" fill="hold">
                                           <p:stCondLst>
                                             <p:cond delay="0"/>
                                           </p:stCondLst>
@@ -7539,26 +7601,26 @@
                     </p:cTn>
                   </p:par>
                   <p:par>
-                    <p:cTn id="17" fill="hold">
+                    <p:cTn id="20" fill="hold">
                       <p:stCondLst>
                         <p:cond delay="indefinite"/>
                       </p:stCondLst>
                       <p:childTnLst>
                         <p:par>
-                          <p:cTn id="18" fill="hold">
+                          <p:cTn id="21" fill="hold">
                             <p:stCondLst>
                               <p:cond delay="0"/>
                             </p:stCondLst>
                             <p:childTnLst>
                               <p:par>
-                                <p:cTn id="19" presetID="1" presetClass="entr" presetSubtype="0" fill="hold" nodeType="clickEffect">
+                                <p:cTn id="22" presetID="1" presetClass="entr" presetSubtype="0" fill="hold" nodeType="clickEffect">
                                   <p:stCondLst>
                                     <p:cond delay="0"/>
                                   </p:stCondLst>
                                   <p:childTnLst>
                                     <p:set>
                                       <p:cBhvr>
-                                        <p:cTn id="20" dur="1" fill="hold">
+                                        <p:cTn id="23" dur="1" fill="hold">
                                           <p:stCondLst>
                                             <p:cond delay="0"/>
                                           </p:stCondLst>
@@ -7584,26 +7646,26 @@
                     </p:cTn>
                   </p:par>
                   <p:par>
-                    <p:cTn id="21" fill="hold">
+                    <p:cTn id="24" fill="hold">
                       <p:stCondLst>
                         <p:cond delay="indefinite"/>
                       </p:stCondLst>
                       <p:childTnLst>
                         <p:par>
-                          <p:cTn id="22" fill="hold">
+                          <p:cTn id="25" fill="hold">
                             <p:stCondLst>
                               <p:cond delay="0"/>
                             </p:stCondLst>
                             <p:childTnLst>
                               <p:par>
-                                <p:cTn id="23" presetID="1" presetClass="entr" presetSubtype="0" fill="hold" nodeType="clickEffect">
+                                <p:cTn id="26" presetID="1" presetClass="entr" presetSubtype="0" fill="hold" nodeType="clickEffect">
                                   <p:stCondLst>
                                     <p:cond delay="0"/>
                                   </p:stCondLst>
                                   <p:childTnLst>
                                     <p:set>
                                       <p:cBhvr>
-                                        <p:cTn id="24" dur="1" fill="hold">
+                                        <p:cTn id="27" dur="1" fill="hold">
                                           <p:stCondLst>
                                             <p:cond delay="0"/>
                                           </p:stCondLst>
@@ -7651,9 +7713,6 @@
     </p:tnLst>
     <p:bldLst>
       <p:bldP spid="20" grpId="0"/>
-      <p:bldP spid="23" grpId="0"/>
-      <p:bldP spid="24" grpId="0"/>
-      <p:bldP spid="25" grpId="0"/>
     </p:bldLst>
   </p:timing>
 </p:sld>
@@ -7827,7 +7886,7 @@
   <p:timing>
     <p:tnLst>
       <p:par>
-        <p:cTn xmlns:p14="http://schemas.microsoft.com/office/powerpoint/2010/main" id="1" dur="indefinite" restart="never" nodeType="tmRoot"/>
+        <p:cTn id="1" dur="indefinite" restart="never" nodeType="tmRoot"/>
       </p:par>
     </p:tnLst>
   </p:timing>
@@ -7897,11 +7956,7 @@
           <a:p>
             <a:r>
               <a:rPr lang="en-US" dirty="0" smtClean="0"/>
-              <a:t>Ran </a:t>
-            </a:r>
-            <a:r>
-              <a:rPr lang="en-US" dirty="0" smtClean="0"/>
-              <a:t>on 10 machine cluster</a:t>
+              <a:t>Ran on 10 machine cluster</a:t>
             </a:r>
             <a:endParaRPr lang="en-US" dirty="0"/>
           </a:p>
@@ -7988,7 +8043,7 @@
   <p:timing>
     <p:tnLst>
       <p:par>
-        <p:cTn xmlns:p14="http://schemas.microsoft.com/office/powerpoint/2010/main" id="1" dur="indefinite" restart="never" nodeType="tmRoot"/>
+        <p:cTn id="1" dur="indefinite" restart="never" nodeType="tmRoot"/>
       </p:par>
     </p:tnLst>
   </p:timing>
@@ -8570,7 +8625,7 @@
   <a:extraClrSchemeLst/>
   <a:extLst>
     <a:ext uri="{05A4C25C-085E-4340-85A3-A5531E510DB2}">
-      <thm15:themeFamily xmlns:thm15="http://schemas.microsoft.com/office/thememl/2012/main" xmlns="" name="Office Theme" id="{62F939B6-93AF-4DB8-9C6B-D6C7DFDC589F}" vid="{4A3C46E8-61CC-4603-A589-7422A47A8E4A}"/>
+      <thm15:themeFamily xmlns:thm15="http://schemas.microsoft.com/office/thememl/2012/main" name="Office Theme" id="{62F939B6-93AF-4DB8-9C6B-D6C7DFDC589F}" vid="{4A3C46E8-61CC-4603-A589-7422A47A8E4A}"/>
     </a:ext>
   </a:extLst>
 </a:theme>

--- a/PresentationSlides/Presentation.pptx
+++ b/PresentationSlides/Presentation.pptx
@@ -124,7 +124,7 @@
   </p:defaultTextStyle>
   <p:extLst>
     <p:ext uri="{EFAFB233-063F-42B5-8137-9DF3F51BA10A}">
-      <p15:sldGuideLst xmlns:p15="http://schemas.microsoft.com/office/powerpoint/2012/main">
+      <p15:sldGuideLst xmlns:p15="http://schemas.microsoft.com/office/powerpoint/2012/main" xmlns="">
         <p15:guide id="1" orient="horz" pos="2160">
           <p15:clr>
             <a:srgbClr val="A4A3A4"/>
@@ -146,7 +146,7 @@
   <p:cmAuthor id="1" name="Happier LIU" initials="HL" lastIdx="6" clrIdx="0">
     <p:extLst>
       <p:ext uri="{19B8F6BF-5375-455C-9EA6-DF929625EA0E}">
-        <p15:presenceInfo xmlns:p15="http://schemas.microsoft.com/office/powerpoint/2012/main" userId="dfbd9b513a1915c0" providerId="Windows Live"/>
+        <p15:presenceInfo xmlns:p15="http://schemas.microsoft.com/office/powerpoint/2012/main" xmlns="" userId="dfbd9b513a1915c0" providerId="Windows Live"/>
       </p:ext>
     </p:extLst>
   </p:cmAuthor>
@@ -235,7 +235,7 @@
           <a:p>
             <a:fld id="{A4F31AE2-B6D5-4905-8CC5-C746D3DE137B}" type="datetimeFigureOut">
               <a:rPr lang="en-US" smtClean="0"/>
-              <a:t>12/2/2012</a:t>
+              <a:t>12-12-02</a:t>
             </a:fld>
             <a:endParaRPr lang="en-US"/>
           </a:p>
@@ -768,7 +768,7 @@
           <a:p>
             <a:fld id="{578C8EFD-E150-CA4D-905C-A94D1A78A82A}" type="datetime1">
               <a:rPr lang="en-CA" smtClean="0"/>
-              <a:t>2012-12-02</a:t>
+              <a:t>12-12-02</a:t>
             </a:fld>
             <a:endParaRPr lang="en-US"/>
           </a:p>
@@ -938,7 +938,7 @@
           <a:p>
             <a:fld id="{15D8ADF8-3441-5F45-A19B-D033F59CF17D}" type="datetime1">
               <a:rPr lang="en-CA" smtClean="0"/>
-              <a:t>2012-12-02</a:t>
+              <a:t>12-12-02</a:t>
             </a:fld>
             <a:endParaRPr lang="en-US"/>
           </a:p>
@@ -1118,7 +1118,7 @@
           <a:p>
             <a:fld id="{0AED5A46-46F0-524C-B118-2413C4B118F2}" type="datetime1">
               <a:rPr lang="en-CA" smtClean="0"/>
-              <a:t>2012-12-02</a:t>
+              <a:t>12-12-02</a:t>
             </a:fld>
             <a:endParaRPr lang="en-US"/>
           </a:p>
@@ -1288,7 +1288,7 @@
           <a:p>
             <a:fld id="{2FFAA75D-0121-8445-A2D5-37B4791018BB}" type="datetime1">
               <a:rPr lang="en-CA" smtClean="0"/>
-              <a:t>2012-12-02</a:t>
+              <a:t>12-12-02</a:t>
             </a:fld>
             <a:endParaRPr lang="en-US"/>
           </a:p>
@@ -1534,7 +1534,7 @@
           <a:p>
             <a:fld id="{53F7EAB1-141B-FB47-8AAB-E68313ADDAE7}" type="datetime1">
               <a:rPr lang="en-CA" smtClean="0"/>
-              <a:t>2012-12-02</a:t>
+              <a:t>12-12-02</a:t>
             </a:fld>
             <a:endParaRPr lang="en-US"/>
           </a:p>
@@ -1822,7 +1822,7 @@
           <a:p>
             <a:fld id="{7B50838B-1487-4842-81F1-BDF2A6D1F1B3}" type="datetime1">
               <a:rPr lang="en-CA" smtClean="0"/>
-              <a:t>2012-12-02</a:t>
+              <a:t>12-12-02</a:t>
             </a:fld>
             <a:endParaRPr lang="en-US"/>
           </a:p>
@@ -2244,7 +2244,7 @@
           <a:p>
             <a:fld id="{8597D41A-A37E-B94A-ABBE-66D061CC16A8}" type="datetime1">
               <a:rPr lang="en-CA" smtClean="0"/>
-              <a:t>2012-12-02</a:t>
+              <a:t>12-12-02</a:t>
             </a:fld>
             <a:endParaRPr lang="en-US"/>
           </a:p>
@@ -2362,7 +2362,7 @@
           <a:p>
             <a:fld id="{3E462AFF-A87A-3449-BF73-2E332730FBBD}" type="datetime1">
               <a:rPr lang="en-CA" smtClean="0"/>
-              <a:t>2012-12-02</a:t>
+              <a:t>12-12-02</a:t>
             </a:fld>
             <a:endParaRPr lang="en-US"/>
           </a:p>
@@ -2457,7 +2457,7 @@
           <a:p>
             <a:fld id="{61F0DCD8-522C-0E46-A196-33CF3C2A12C1}" type="datetime1">
               <a:rPr lang="en-CA" smtClean="0"/>
-              <a:t>2012-12-02</a:t>
+              <a:t>12-12-02</a:t>
             </a:fld>
             <a:endParaRPr lang="en-US"/>
           </a:p>
@@ -2734,7 +2734,7 @@
           <a:p>
             <a:fld id="{05556C25-90F2-064D-BF7A-B83AB86F67C5}" type="datetime1">
               <a:rPr lang="en-CA" smtClean="0"/>
-              <a:t>2012-12-02</a:t>
+              <a:t>12-12-02</a:t>
             </a:fld>
             <a:endParaRPr lang="en-US"/>
           </a:p>
@@ -2991,7 +2991,7 @@
           <a:p>
             <a:fld id="{D36A68E7-021F-D94A-BB37-798C61C4259E}" type="datetime1">
               <a:rPr lang="en-CA" smtClean="0"/>
-              <a:t>2012-12-02</a:t>
+              <a:t>12-12-02</a:t>
             </a:fld>
             <a:endParaRPr lang="en-US"/>
           </a:p>
@@ -3204,7 +3204,7 @@
           <a:p>
             <a:fld id="{740C5816-A486-5D43-AC42-C657B961AA99}" type="datetime1">
               <a:rPr lang="en-CA" smtClean="0"/>
-              <a:t>2012-12-02</a:t>
+              <a:t>12-12-02</a:t>
             </a:fld>
             <a:endParaRPr lang="en-US"/>
           </a:p>
@@ -3684,7 +3684,7 @@
   <p:timing>
     <p:tnLst>
       <p:par>
-        <p:cTn id="1" dur="indefinite" restart="never" nodeType="tmRoot"/>
+        <p:cTn xmlns:p14="http://schemas.microsoft.com/office/powerpoint/2010/main" id="1" dur="indefinite" restart="never" nodeType="tmRoot"/>
       </p:par>
     </p:tnLst>
   </p:timing>
@@ -3796,7 +3796,7 @@
   <p:timing>
     <p:tnLst>
       <p:par>
-        <p:cTn id="1" dur="indefinite" restart="never" nodeType="tmRoot"/>
+        <p:cTn xmlns:p14="http://schemas.microsoft.com/office/powerpoint/2010/main" id="1" dur="indefinite" restart="never" nodeType="tmRoot"/>
       </p:par>
     </p:tnLst>
   </p:timing>
@@ -3914,7 +3914,7 @@
   <p:timing>
     <p:tnLst>
       <p:par>
-        <p:cTn id="1" dur="indefinite" restart="never" nodeType="tmRoot"/>
+        <p:cTn xmlns:p14="http://schemas.microsoft.com/office/powerpoint/2010/main" id="1" dur="indefinite" restart="never" nodeType="tmRoot"/>
       </p:par>
     </p:tnLst>
   </p:timing>
@@ -3978,7 +3978,15 @@
           <a:p>
             <a:r>
               <a:rPr lang="en-US" dirty="0" smtClean="0"/>
-              <a:t>How does the resource usage actually correspond the time to execute a query?</a:t>
+              <a:t>How does the resource usage actually correspond </a:t>
+            </a:r>
+            <a:r>
+              <a:rPr lang="en-US" dirty="0" smtClean="0"/>
+              <a:t>to the </a:t>
+            </a:r>
+            <a:r>
+              <a:rPr lang="en-US" dirty="0" smtClean="0"/>
+              <a:t>time to execute a query?</a:t>
             </a:r>
           </a:p>
           <a:p>
@@ -4047,7 +4055,7 @@
   <p:timing>
     <p:tnLst>
       <p:par>
-        <p:cTn id="1" dur="indefinite" restart="never" nodeType="tmRoot"/>
+        <p:cTn xmlns:p14="http://schemas.microsoft.com/office/powerpoint/2010/main" id="1" dur="indefinite" restart="never" nodeType="tmRoot"/>
       </p:par>
     </p:tnLst>
   </p:timing>
@@ -4189,7 +4197,7 @@
   <p:timing>
     <p:tnLst>
       <p:par>
-        <p:cTn id="1" dur="indefinite" restart="never" nodeType="tmRoot"/>
+        <p:cTn xmlns:p14="http://schemas.microsoft.com/office/powerpoint/2010/main" id="1" dur="indefinite" restart="never" nodeType="tmRoot"/>
       </p:par>
     </p:tnLst>
   </p:timing>
@@ -4370,7 +4378,7 @@
   <p:timing>
     <p:tnLst>
       <p:par>
-        <p:cTn id="1" dur="indefinite" restart="never" nodeType="tmRoot"/>
+        <p:cTn xmlns:p14="http://schemas.microsoft.com/office/powerpoint/2010/main" id="1" dur="indefinite" restart="never" nodeType="tmRoot"/>
       </p:par>
     </p:tnLst>
   </p:timing>
@@ -4530,7 +4538,7 @@
   <p:timing>
     <p:tnLst>
       <p:par>
-        <p:cTn id="1" dur="indefinite" restart="never" nodeType="tmRoot"/>
+        <p:cTn xmlns:p14="http://schemas.microsoft.com/office/powerpoint/2010/main" id="1" dur="indefinite" restart="never" nodeType="tmRoot"/>
       </p:par>
     </p:tnLst>
   </p:timing>
@@ -4672,7 +4680,7 @@
   <p:timing>
     <p:tnLst>
       <p:par>
-        <p:cTn id="1" dur="indefinite" restart="never" nodeType="tmRoot"/>
+        <p:cTn xmlns:p14="http://schemas.microsoft.com/office/powerpoint/2010/main" id="1" dur="indefinite" restart="never" nodeType="tmRoot"/>
       </p:par>
     </p:tnLst>
   </p:timing>
@@ -4810,7 +4818,7 @@
   <p:timing>
     <p:tnLst>
       <p:par>
-        <p:cTn id="1" dur="indefinite" restart="never" nodeType="tmRoot"/>
+        <p:cTn xmlns:p14="http://schemas.microsoft.com/office/powerpoint/2010/main" id="1" dur="indefinite" restart="never" nodeType="tmRoot"/>
       </p:par>
     </p:tnLst>
   </p:timing>
@@ -4964,7 +4972,7 @@
   <p:timing>
     <p:tnLst>
       <p:par>
-        <p:cTn id="1" dur="indefinite" restart="never" nodeType="tmRoot"/>
+        <p:cTn xmlns:p14="http://schemas.microsoft.com/office/powerpoint/2010/main" id="1" dur="indefinite" restart="never" nodeType="tmRoot"/>
       </p:par>
     </p:tnLst>
   </p:timing>
@@ -5142,7 +5150,7 @@
   <p:timing>
     <p:tnLst>
       <p:par>
-        <p:cTn id="1" dur="indefinite" restart="never" nodeType="tmRoot"/>
+        <p:cTn xmlns:p14="http://schemas.microsoft.com/office/powerpoint/2010/main" id="1" dur="indefinite" restart="never" nodeType="tmRoot"/>
       </p:par>
     </p:tnLst>
   </p:timing>
@@ -5762,7 +5770,7 @@
   <p:timing>
     <p:tnLst>
       <p:par>
-        <p:cTn id="1" dur="indefinite" restart="never" nodeType="tmRoot">
+        <p:cTn xmlns:p14="http://schemas.microsoft.com/office/powerpoint/2010/main" id="1" dur="indefinite" restart="never" nodeType="tmRoot">
           <p:childTnLst>
             <p:seq concurrent="1" nextAc="seek">
               <p:cTn id="2" dur="indefinite" nodeType="mainSeq">
@@ -6410,7 +6418,7 @@
   <p:timing>
     <p:tnLst>
       <p:par>
-        <p:cTn id="1" dur="indefinite" restart="never" nodeType="tmRoot"/>
+        <p:cTn xmlns:p14="http://schemas.microsoft.com/office/powerpoint/2010/main" id="1" dur="indefinite" restart="never" nodeType="tmRoot"/>
       </p:par>
     </p:tnLst>
   </p:timing>
@@ -7400,7 +7408,7 @@
   <p:timing>
     <p:tnLst>
       <p:par>
-        <p:cTn id="1" dur="indefinite" restart="never" nodeType="tmRoot">
+        <p:cTn xmlns:p14="http://schemas.microsoft.com/office/powerpoint/2010/main" id="1" dur="indefinite" restart="never" nodeType="tmRoot">
           <p:childTnLst>
             <p:seq concurrent="1" nextAc="seek">
               <p:cTn id="2" dur="indefinite" nodeType="mainSeq">
@@ -7795,8 +7803,16 @@
           <a:p>
             <a:pPr lvl="1"/>
             <a:r>
+              <a:rPr lang="en-US" altLang="zh-TW" smtClean="0"/>
+              <a:t>Compare </a:t>
+            </a:r>
+            <a:r>
+              <a:rPr lang="en-US" altLang="zh-TW" smtClean="0"/>
+              <a:t>performance </a:t>
+            </a:r>
+            <a:r>
               <a:rPr lang="en-US" altLang="zh-TW" dirty="0" smtClean="0"/>
-              <a:t>Compare its performance with </a:t>
+              <a:t>with </a:t>
             </a:r>
             <a:r>
               <a:rPr lang="en-US" altLang="zh-TW" dirty="0"/>
@@ -7886,7 +7902,7 @@
   <p:timing>
     <p:tnLst>
       <p:par>
-        <p:cTn id="1" dur="indefinite" restart="never" nodeType="tmRoot"/>
+        <p:cTn xmlns:p14="http://schemas.microsoft.com/office/powerpoint/2010/main" id="1" dur="indefinite" restart="never" nodeType="tmRoot"/>
       </p:par>
     </p:tnLst>
   </p:timing>
@@ -8043,7 +8059,7 @@
   <p:timing>
     <p:tnLst>
       <p:par>
-        <p:cTn id="1" dur="indefinite" restart="never" nodeType="tmRoot"/>
+        <p:cTn xmlns:p14="http://schemas.microsoft.com/office/powerpoint/2010/main" id="1" dur="indefinite" restart="never" nodeType="tmRoot"/>
       </p:par>
     </p:tnLst>
   </p:timing>
@@ -8625,7 +8641,7 @@
   <a:extraClrSchemeLst/>
   <a:extLst>
     <a:ext uri="{05A4C25C-085E-4340-85A3-A5531E510DB2}">
-      <thm15:themeFamily xmlns:thm15="http://schemas.microsoft.com/office/thememl/2012/main" name="Office Theme" id="{62F939B6-93AF-4DB8-9C6B-D6C7DFDC589F}" vid="{4A3C46E8-61CC-4603-A589-7422A47A8E4A}"/>
+      <thm15:themeFamily xmlns:thm15="http://schemas.microsoft.com/office/thememl/2012/main" xmlns="" name="Office Theme" id="{62F939B6-93AF-4DB8-9C6B-D6C7DFDC589F}" vid="{4A3C46E8-61CC-4603-A589-7422A47A8E4A}"/>
     </a:ext>
   </a:extLst>
 </a:theme>
